--- a/ISP Final Project.pptx
+++ b/ISP Final Project.pptx
@@ -1,40 +1,48 @@
 
 <file path=ppt/presentation.xml><?xml version="1.0" encoding="utf-8"?>
-<p:presentation xmlns:a="http://schemas.openxmlformats.org/drawingml/2006/main" xmlns:r="http://schemas.openxmlformats.org/officeDocument/2006/relationships" xmlns:mc="http://schemas.openxmlformats.org/markup-compatibility/2006" xmlns:mv="urn:schemas-microsoft-com:mac:vml" xmlns:p="http://schemas.openxmlformats.org/presentationml/2006/main" xmlns:c="http://schemas.openxmlformats.org/drawingml/2006/chart" xmlns:dgm="http://schemas.openxmlformats.org/drawingml/2006/diagram" xmlns:o="urn:schemas-microsoft-com:office:office" xmlns:v="urn:schemas-microsoft-com:vml" xmlns:pvml="urn:schemas-microsoft-com:office:powerpoint" xmlns:com="http://schemas.openxmlformats.org/drawingml/2006/compatibility" xmlns:p14="http://schemas.microsoft.com/office/powerpoint/2010/main" xmlns:p15="http://schemas.microsoft.com/office/powerpoint/2012/main" xmlns:ahyp="http://schemas.microsoft.com/office/drawing/2018/hyperlinkcolor" autoCompressPictures="0" embedTrueTypeFonts="1" strictFirstAndLastChars="0" saveSubsetFonts="1">
+<p:presentation xmlns:a="http://schemas.openxmlformats.org/drawingml/2006/main" xmlns:r="http://schemas.openxmlformats.org/officeDocument/2006/relationships" xmlns:p="http://schemas.openxmlformats.org/presentationml/2006/main" strictFirstAndLastChars="0" embedTrueTypeFonts="1" saveSubsetFonts="1" autoCompressPictures="0">
   <p:sldMasterIdLst>
-    <p:sldMasterId id="2147483659" r:id="rId4"/>
+    <p:sldMasterId id="2147483659" r:id="rId1"/>
   </p:sldMasterIdLst>
   <p:notesMasterIdLst>
-    <p:notesMasterId r:id="rId5"/>
+    <p:notesMasterId r:id="rId16"/>
   </p:notesMasterIdLst>
   <p:sldIdLst>
-    <p:sldId id="256" r:id="rId6"/>
-    <p:sldId id="257" r:id="rId7"/>
-    <p:sldId id="258" r:id="rId8"/>
-    <p:sldId id="259" r:id="rId9"/>
-    <p:sldId id="260" r:id="rId10"/>
-    <p:sldId id="261" r:id="rId11"/>
+    <p:sldId id="256" r:id="rId2"/>
+    <p:sldId id="257" r:id="rId3"/>
+    <p:sldId id="267" r:id="rId4"/>
+    <p:sldId id="258" r:id="rId5"/>
+    <p:sldId id="266" r:id="rId6"/>
+    <p:sldId id="262" r:id="rId7"/>
+    <p:sldId id="264" r:id="rId8"/>
+    <p:sldId id="265" r:id="rId9"/>
+    <p:sldId id="269" r:id="rId10"/>
+    <p:sldId id="270" r:id="rId11"/>
+    <p:sldId id="268" r:id="rId12"/>
+    <p:sldId id="259" r:id="rId13"/>
+    <p:sldId id="260" r:id="rId14"/>
+    <p:sldId id="261" r:id="rId15"/>
   </p:sldIdLst>
-  <p:sldSz cy="5143500" cx="9144000"/>
+  <p:sldSz cx="9144000" cy="5143500" type="screen16x9"/>
   <p:notesSz cx="6858000" cy="9144000"/>
   <p:embeddedFontLst>
     <p:embeddedFont>
-      <p:font typeface="Montserrat"/>
-      <p:regular r:id="rId12"/>
-      <p:bold r:id="rId13"/>
-      <p:italic r:id="rId14"/>
-      <p:boldItalic r:id="rId15"/>
+      <p:font typeface="Lato" panose="020F0502020204030203" pitchFamily="34" charset="0"/>
+      <p:regular r:id="rId17"/>
+      <p:bold r:id="rId18"/>
+      <p:italic r:id="rId19"/>
+      <p:boldItalic r:id="rId20"/>
     </p:embeddedFont>
     <p:embeddedFont>
-      <p:font typeface="Lato"/>
-      <p:regular r:id="rId16"/>
-      <p:bold r:id="rId17"/>
-      <p:italic r:id="rId18"/>
-      <p:boldItalic r:id="rId19"/>
+      <p:font typeface="Montserrat" panose="00000500000000000000" pitchFamily="2" charset="0"/>
+      <p:regular r:id="rId21"/>
+      <p:bold r:id="rId22"/>
+      <p:italic r:id="rId23"/>
+      <p:boldItalic r:id="rId24"/>
     </p:embeddedFont>
   </p:embeddedFontLst>
   <p:defaultTextStyle>
-    <a:defPPr lvl="0" marR="0" rtl="0" algn="l">
+    <a:defPPr marR="0" lvl="0" algn="l" rtl="0">
       <a:lnSpc>
         <a:spcPct val="100000"/>
       </a:lnSpc>
@@ -45,7 +53,7 @@
         <a:spcPts val="0"/>
       </a:spcAft>
     </a:defPPr>
-    <a:lvl1pPr lvl="0" marR="0" rtl="0" algn="l">
+    <a:lvl1pPr marR="0" lvl="0" algn="l" rtl="0">
       <a:lnSpc>
         <a:spcPct val="100000"/>
       </a:lnSpc>
@@ -59,7 +67,7 @@
         <a:srgbClr val="000000"/>
       </a:buClr>
       <a:buFont typeface="Arial"/>
-      <a:defRPr b="0" i="0" sz="1400" u="none" cap="none" strike="noStrike">
+      <a:defRPr sz="1400" b="0" i="0" u="none" strike="noStrike" cap="none">
         <a:solidFill>
           <a:srgbClr val="000000"/>
         </a:solidFill>
@@ -69,7 +77,7 @@
         <a:sym typeface="Arial"/>
       </a:defRPr>
     </a:lvl1pPr>
-    <a:lvl2pPr lvl="1" marR="0" rtl="0" algn="l">
+    <a:lvl2pPr marR="0" lvl="1" algn="l" rtl="0">
       <a:lnSpc>
         <a:spcPct val="100000"/>
       </a:lnSpc>
@@ -83,7 +91,7 @@
         <a:srgbClr val="000000"/>
       </a:buClr>
       <a:buFont typeface="Arial"/>
-      <a:defRPr b="0" i="0" sz="1400" u="none" cap="none" strike="noStrike">
+      <a:defRPr sz="1400" b="0" i="0" u="none" strike="noStrike" cap="none">
         <a:solidFill>
           <a:srgbClr val="000000"/>
         </a:solidFill>
@@ -93,7 +101,7 @@
         <a:sym typeface="Arial"/>
       </a:defRPr>
     </a:lvl2pPr>
-    <a:lvl3pPr lvl="2" marR="0" rtl="0" algn="l">
+    <a:lvl3pPr marR="0" lvl="2" algn="l" rtl="0">
       <a:lnSpc>
         <a:spcPct val="100000"/>
       </a:lnSpc>
@@ -107,7 +115,7 @@
         <a:srgbClr val="000000"/>
       </a:buClr>
       <a:buFont typeface="Arial"/>
-      <a:defRPr b="0" i="0" sz="1400" u="none" cap="none" strike="noStrike">
+      <a:defRPr sz="1400" b="0" i="0" u="none" strike="noStrike" cap="none">
         <a:solidFill>
           <a:srgbClr val="000000"/>
         </a:solidFill>
@@ -117,7 +125,7 @@
         <a:sym typeface="Arial"/>
       </a:defRPr>
     </a:lvl3pPr>
-    <a:lvl4pPr lvl="3" marR="0" rtl="0" algn="l">
+    <a:lvl4pPr marR="0" lvl="3" algn="l" rtl="0">
       <a:lnSpc>
         <a:spcPct val="100000"/>
       </a:lnSpc>
@@ -131,7 +139,7 @@
         <a:srgbClr val="000000"/>
       </a:buClr>
       <a:buFont typeface="Arial"/>
-      <a:defRPr b="0" i="0" sz="1400" u="none" cap="none" strike="noStrike">
+      <a:defRPr sz="1400" b="0" i="0" u="none" strike="noStrike" cap="none">
         <a:solidFill>
           <a:srgbClr val="000000"/>
         </a:solidFill>
@@ -141,7 +149,7 @@
         <a:sym typeface="Arial"/>
       </a:defRPr>
     </a:lvl4pPr>
-    <a:lvl5pPr lvl="4" marR="0" rtl="0" algn="l">
+    <a:lvl5pPr marR="0" lvl="4" algn="l" rtl="0">
       <a:lnSpc>
         <a:spcPct val="100000"/>
       </a:lnSpc>
@@ -155,7 +163,7 @@
         <a:srgbClr val="000000"/>
       </a:buClr>
       <a:buFont typeface="Arial"/>
-      <a:defRPr b="0" i="0" sz="1400" u="none" cap="none" strike="noStrike">
+      <a:defRPr sz="1400" b="0" i="0" u="none" strike="noStrike" cap="none">
         <a:solidFill>
           <a:srgbClr val="000000"/>
         </a:solidFill>
@@ -165,7 +173,7 @@
         <a:sym typeface="Arial"/>
       </a:defRPr>
     </a:lvl5pPr>
-    <a:lvl6pPr lvl="5" marR="0" rtl="0" algn="l">
+    <a:lvl6pPr marR="0" lvl="5" algn="l" rtl="0">
       <a:lnSpc>
         <a:spcPct val="100000"/>
       </a:lnSpc>
@@ -179,7 +187,7 @@
         <a:srgbClr val="000000"/>
       </a:buClr>
       <a:buFont typeface="Arial"/>
-      <a:defRPr b="0" i="0" sz="1400" u="none" cap="none" strike="noStrike">
+      <a:defRPr sz="1400" b="0" i="0" u="none" strike="noStrike" cap="none">
         <a:solidFill>
           <a:srgbClr val="000000"/>
         </a:solidFill>
@@ -189,7 +197,7 @@
         <a:sym typeface="Arial"/>
       </a:defRPr>
     </a:lvl6pPr>
-    <a:lvl7pPr lvl="6" marR="0" rtl="0" algn="l">
+    <a:lvl7pPr marR="0" lvl="6" algn="l" rtl="0">
       <a:lnSpc>
         <a:spcPct val="100000"/>
       </a:lnSpc>
@@ -203,7 +211,7 @@
         <a:srgbClr val="000000"/>
       </a:buClr>
       <a:buFont typeface="Arial"/>
-      <a:defRPr b="0" i="0" sz="1400" u="none" cap="none" strike="noStrike">
+      <a:defRPr sz="1400" b="0" i="0" u="none" strike="noStrike" cap="none">
         <a:solidFill>
           <a:srgbClr val="000000"/>
         </a:solidFill>
@@ -213,7 +221,7 @@
         <a:sym typeface="Arial"/>
       </a:defRPr>
     </a:lvl7pPr>
-    <a:lvl8pPr lvl="7" marR="0" rtl="0" algn="l">
+    <a:lvl8pPr marR="0" lvl="7" algn="l" rtl="0">
       <a:lnSpc>
         <a:spcPct val="100000"/>
       </a:lnSpc>
@@ -227,7 +235,7 @@
         <a:srgbClr val="000000"/>
       </a:buClr>
       <a:buFont typeface="Arial"/>
-      <a:defRPr b="0" i="0" sz="1400" u="none" cap="none" strike="noStrike">
+      <a:defRPr sz="1400" b="0" i="0" u="none" strike="noStrike" cap="none">
         <a:solidFill>
           <a:srgbClr val="000000"/>
         </a:solidFill>
@@ -237,7 +245,7 @@
         <a:sym typeface="Arial"/>
       </a:defRPr>
     </a:lvl8pPr>
-    <a:lvl9pPr lvl="8" marR="0" rtl="0" algn="l">
+    <a:lvl9pPr marR="0" lvl="8" algn="l" rtl="0">
       <a:lnSpc>
         <a:spcPct val="100000"/>
       </a:lnSpc>
@@ -251,7 +259,7 @@
         <a:srgbClr val="000000"/>
       </a:buClr>
       <a:buFont typeface="Arial"/>
-      <a:defRPr b="0" i="0" sz="1400" u="none" cap="none" strike="noStrike">
+      <a:defRPr sz="1400" b="0" i="0" u="none" strike="noStrike" cap="none">
         <a:solidFill>
           <a:srgbClr val="000000"/>
         </a:solidFill>
@@ -264,7 +272,7 @@
   </p:defaultTextStyle>
   <p:extLst>
     <p:ext uri="{EFAFB233-063F-42B5-8137-9DF3F51BA10A}">
-      <p15:sldGuideLst>
+      <p15:sldGuideLst xmlns:p15="http://schemas.microsoft.com/office/powerpoint/2012/main">
         <p15:guide id="1" orient="horz" pos="1620">
           <p15:clr>
             <a:srgbClr val="747775"/>
@@ -282,11 +290,16 @@
 </file>
 
 <file path=ppt/notesMasters/notesMaster1.xml><?xml version="1.0" encoding="utf-8"?>
-<p:notesMaster xmlns:a="http://schemas.openxmlformats.org/drawingml/2006/main" xmlns:r="http://schemas.openxmlformats.org/officeDocument/2006/relationships" xmlns:mc="http://schemas.openxmlformats.org/markup-compatibility/2006" xmlns:mv="urn:schemas-microsoft-com:mac:vml" xmlns:p="http://schemas.openxmlformats.org/presentationml/2006/main" xmlns:c="http://schemas.openxmlformats.org/drawingml/2006/chart" xmlns:dgm="http://schemas.openxmlformats.org/drawingml/2006/diagram" xmlns:o="urn:schemas-microsoft-com:office:office" xmlns:v="urn:schemas-microsoft-com:vml" xmlns:pvml="urn:schemas-microsoft-com:office:powerpoint" xmlns:com="http://schemas.openxmlformats.org/drawingml/2006/compatibility" xmlns:p14="http://schemas.microsoft.com/office/powerpoint/2010/main" xmlns:p15="http://schemas.microsoft.com/office/powerpoint/2012/main" xmlns:ahyp="http://schemas.microsoft.com/office/drawing/2018/hyperlinkcolor">
+<p:notesMaster xmlns:a="http://schemas.openxmlformats.org/drawingml/2006/main" xmlns:r="http://schemas.openxmlformats.org/officeDocument/2006/relationships" xmlns:p="http://schemas.openxmlformats.org/presentationml/2006/main">
   <p:cSld>
+    <p:bg>
+      <p:bgRef idx="1001">
+        <a:schemeClr val="bg1"/>
+      </p:bgRef>
+    </p:bg>
     <p:spTree>
       <p:nvGrpSpPr>
-        <p:cNvPr id="2" name="Shape 2"/>
+        <p:cNvPr id="1" name="Shape 2"/>
         <p:cNvGrpSpPr/>
         <p:nvPr/>
       </p:nvGrpSpPr>
@@ -301,9 +314,11 @@
       <p:sp>
         <p:nvSpPr>
           <p:cNvPr id="3" name="Google Shape;3;n"/>
-          <p:cNvSpPr/>
+          <p:cNvSpPr>
+            <a:spLocks noGrp="1" noRot="1" noChangeAspect="1"/>
+          </p:cNvSpPr>
           <p:nvPr>
-            <p:ph idx="2" type="sldImg"/>
+            <p:ph type="sldImg" idx="2"/>
           </p:nvPr>
         </p:nvSpPr>
         <p:spPr>
@@ -312,9 +327,13 @@
             <a:ext cx="6096075" cy="3429000"/>
           </a:xfrm>
           <a:custGeom>
-            <a:rect b="b" l="l" r="r" t="t"/>
+            <a:avLst/>
+            <a:gdLst/>
+            <a:ahLst/>
+            <a:cxnLst/>
+            <a:rect l="l" t="t" r="r" b="b"/>
             <a:pathLst>
-              <a:path extrusionOk="0" h="120000" w="120000">
+              <a:path w="120000" h="120000" extrusionOk="0">
                 <a:moveTo>
                   <a:pt x="0" y="0"/>
                 </a:moveTo>
@@ -332,23 +351,25 @@
             </a:pathLst>
           </a:custGeom>
           <a:noFill/>
-          <a:ln cap="flat" cmpd="sng" w="9525">
+          <a:ln w="9525" cap="flat" cmpd="sng">
             <a:solidFill>
               <a:srgbClr val="000000"/>
             </a:solidFill>
             <a:prstDash val="solid"/>
             <a:round/>
-            <a:headEnd len="sm" w="sm" type="none"/>
-            <a:tailEnd len="sm" w="sm" type="none"/>
+            <a:headEnd type="none" w="sm" len="sm"/>
+            <a:tailEnd type="none" w="sm" len="sm"/>
           </a:ln>
         </p:spPr>
       </p:sp>
       <p:sp>
         <p:nvSpPr>
           <p:cNvPr id="4" name="Google Shape;4;n"/>
-          <p:cNvSpPr txBox="1"/>
+          <p:cNvSpPr txBox="1">
+            <a:spLocks noGrp="1"/>
+          </p:cNvSpPr>
           <p:nvPr>
-            <p:ph idx="1" type="body"/>
+            <p:ph type="body" idx="1"/>
           </p:nvPr>
         </p:nvSpPr>
         <p:spPr>
@@ -365,11 +386,11 @@
           </a:ln>
         </p:spPr>
         <p:txBody>
-          <a:bodyPr anchorCtr="0" anchor="t" bIns="91425" lIns="91425" spcFirstLastPara="1" rIns="91425" wrap="square" tIns="91425">
+          <a:bodyPr spcFirstLastPara="1" wrap="square" lIns="91425" tIns="91425" rIns="91425" bIns="91425" anchor="t" anchorCtr="0">
             <a:noAutofit/>
           </a:bodyPr>
           <a:lstStyle>
-            <a:lvl1pPr indent="-298450" lvl="0" marL="457200">
+            <a:lvl1pPr marL="457200" lvl="0" indent="-298450">
               <a:spcBef>
                 <a:spcPts val="0"/>
               </a:spcBef>
@@ -380,7 +401,7 @@
               <a:buChar char="●"/>
               <a:defRPr sz="1100"/>
             </a:lvl1pPr>
-            <a:lvl2pPr indent="-298450" lvl="1" marL="914400">
+            <a:lvl2pPr marL="914400" lvl="1" indent="-298450">
               <a:spcBef>
                 <a:spcPts val="0"/>
               </a:spcBef>
@@ -391,7 +412,7 @@
               <a:buChar char="○"/>
               <a:defRPr sz="1100"/>
             </a:lvl2pPr>
-            <a:lvl3pPr indent="-298450" lvl="2" marL="1371600">
+            <a:lvl3pPr marL="1371600" lvl="2" indent="-298450">
               <a:spcBef>
                 <a:spcPts val="0"/>
               </a:spcBef>
@@ -402,7 +423,7 @@
               <a:buChar char="■"/>
               <a:defRPr sz="1100"/>
             </a:lvl3pPr>
-            <a:lvl4pPr indent="-298450" lvl="3" marL="1828800">
+            <a:lvl4pPr marL="1828800" lvl="3" indent="-298450">
               <a:spcBef>
                 <a:spcPts val="0"/>
               </a:spcBef>
@@ -413,7 +434,7 @@
               <a:buChar char="●"/>
               <a:defRPr sz="1100"/>
             </a:lvl4pPr>
-            <a:lvl5pPr indent="-298450" lvl="4" marL="2286000">
+            <a:lvl5pPr marL="2286000" lvl="4" indent="-298450">
               <a:spcBef>
                 <a:spcPts val="0"/>
               </a:spcBef>
@@ -424,7 +445,7 @@
               <a:buChar char="○"/>
               <a:defRPr sz="1100"/>
             </a:lvl5pPr>
-            <a:lvl6pPr indent="-298450" lvl="5" marL="2743200">
+            <a:lvl6pPr marL="2743200" lvl="5" indent="-298450">
               <a:spcBef>
                 <a:spcPts val="0"/>
               </a:spcBef>
@@ -435,7 +456,7 @@
               <a:buChar char="■"/>
               <a:defRPr sz="1100"/>
             </a:lvl6pPr>
-            <a:lvl7pPr indent="-298450" lvl="6" marL="3200400">
+            <a:lvl7pPr marL="3200400" lvl="6" indent="-298450">
               <a:spcBef>
                 <a:spcPts val="0"/>
               </a:spcBef>
@@ -446,7 +467,7 @@
               <a:buChar char="●"/>
               <a:defRPr sz="1100"/>
             </a:lvl7pPr>
-            <a:lvl8pPr indent="-298450" lvl="7" marL="3657600">
+            <a:lvl8pPr marL="3657600" lvl="7" indent="-298450">
               <a:spcBef>
                 <a:spcPts val="0"/>
               </a:spcBef>
@@ -457,7 +478,7 @@
               <a:buChar char="○"/>
               <a:defRPr sz="1100"/>
             </a:lvl8pPr>
-            <a:lvl9pPr indent="-298450" lvl="8" marL="4114800">
+            <a:lvl9pPr marL="4114800" lvl="8" indent="-298450">
               <a:spcBef>
                 <a:spcPts val="0"/>
               </a:spcBef>
@@ -469,14 +490,16 @@
               <a:defRPr sz="1100"/>
             </a:lvl9pPr>
           </a:lstStyle>
-          <a:p/>
+          <a:p>
+            <a:endParaRPr/>
+          </a:p>
         </p:txBody>
       </p:sp>
     </p:spTree>
   </p:cSld>
-  <p:clrMap accent1="accent1" accent2="accent2" accent3="accent3" accent4="accent4" accent5="accent5" accent6="accent6" bg1="lt1" bg2="dk2" tx1="dk1" tx2="lt2" folHlink="folHlink" hlink="hlink"/>
+  <p:clrMap bg1="lt1" tx1="dk1" bg2="dk2" tx2="lt2" accent1="accent1" accent2="accent2" accent3="accent3" accent4="accent4" accent5="accent5" accent6="accent6" hlink="hlink" folHlink="folHlink"/>
   <p:notesStyle>
-    <a:defPPr lvl="0" marR="0" rtl="0" algn="l">
+    <a:defPPr marR="0" lvl="0" algn="l" rtl="0">
       <a:lnSpc>
         <a:spcPct val="100000"/>
       </a:lnSpc>
@@ -487,7 +510,7 @@
         <a:spcPts val="0"/>
       </a:spcAft>
     </a:defPPr>
-    <a:lvl1pPr lvl="0" marR="0" rtl="0" algn="l">
+    <a:lvl1pPr marR="0" lvl="0" algn="l" rtl="0">
       <a:lnSpc>
         <a:spcPct val="100000"/>
       </a:lnSpc>
@@ -501,7 +524,7 @@
         <a:srgbClr val="000000"/>
       </a:buClr>
       <a:buFont typeface="Arial"/>
-      <a:defRPr b="0" i="0" sz="1400" u="none" cap="none" strike="noStrike">
+      <a:defRPr sz="1400" b="0" i="0" u="none" strike="noStrike" cap="none">
         <a:solidFill>
           <a:srgbClr val="000000"/>
         </a:solidFill>
@@ -511,7 +534,7 @@
         <a:sym typeface="Arial"/>
       </a:defRPr>
     </a:lvl1pPr>
-    <a:lvl2pPr lvl="1" marR="0" rtl="0" algn="l">
+    <a:lvl2pPr marR="0" lvl="1" algn="l" rtl="0">
       <a:lnSpc>
         <a:spcPct val="100000"/>
       </a:lnSpc>
@@ -525,7 +548,7 @@
         <a:srgbClr val="000000"/>
       </a:buClr>
       <a:buFont typeface="Arial"/>
-      <a:defRPr b="0" i="0" sz="1400" u="none" cap="none" strike="noStrike">
+      <a:defRPr sz="1400" b="0" i="0" u="none" strike="noStrike" cap="none">
         <a:solidFill>
           <a:srgbClr val="000000"/>
         </a:solidFill>
@@ -535,7 +558,7 @@
         <a:sym typeface="Arial"/>
       </a:defRPr>
     </a:lvl2pPr>
-    <a:lvl3pPr lvl="2" marR="0" rtl="0" algn="l">
+    <a:lvl3pPr marR="0" lvl="2" algn="l" rtl="0">
       <a:lnSpc>
         <a:spcPct val="100000"/>
       </a:lnSpc>
@@ -549,7 +572,7 @@
         <a:srgbClr val="000000"/>
       </a:buClr>
       <a:buFont typeface="Arial"/>
-      <a:defRPr b="0" i="0" sz="1400" u="none" cap="none" strike="noStrike">
+      <a:defRPr sz="1400" b="0" i="0" u="none" strike="noStrike" cap="none">
         <a:solidFill>
           <a:srgbClr val="000000"/>
         </a:solidFill>
@@ -559,7 +582,7 @@
         <a:sym typeface="Arial"/>
       </a:defRPr>
     </a:lvl3pPr>
-    <a:lvl4pPr lvl="3" marR="0" rtl="0" algn="l">
+    <a:lvl4pPr marR="0" lvl="3" algn="l" rtl="0">
       <a:lnSpc>
         <a:spcPct val="100000"/>
       </a:lnSpc>
@@ -573,7 +596,7 @@
         <a:srgbClr val="000000"/>
       </a:buClr>
       <a:buFont typeface="Arial"/>
-      <a:defRPr b="0" i="0" sz="1400" u="none" cap="none" strike="noStrike">
+      <a:defRPr sz="1400" b="0" i="0" u="none" strike="noStrike" cap="none">
         <a:solidFill>
           <a:srgbClr val="000000"/>
         </a:solidFill>
@@ -583,7 +606,7 @@
         <a:sym typeface="Arial"/>
       </a:defRPr>
     </a:lvl4pPr>
-    <a:lvl5pPr lvl="4" marR="0" rtl="0" algn="l">
+    <a:lvl5pPr marR="0" lvl="4" algn="l" rtl="0">
       <a:lnSpc>
         <a:spcPct val="100000"/>
       </a:lnSpc>
@@ -597,7 +620,7 @@
         <a:srgbClr val="000000"/>
       </a:buClr>
       <a:buFont typeface="Arial"/>
-      <a:defRPr b="0" i="0" sz="1400" u="none" cap="none" strike="noStrike">
+      <a:defRPr sz="1400" b="0" i="0" u="none" strike="noStrike" cap="none">
         <a:solidFill>
           <a:srgbClr val="000000"/>
         </a:solidFill>
@@ -607,7 +630,7 @@
         <a:sym typeface="Arial"/>
       </a:defRPr>
     </a:lvl5pPr>
-    <a:lvl6pPr lvl="5" marR="0" rtl="0" algn="l">
+    <a:lvl6pPr marR="0" lvl="5" algn="l" rtl="0">
       <a:lnSpc>
         <a:spcPct val="100000"/>
       </a:lnSpc>
@@ -621,7 +644,7 @@
         <a:srgbClr val="000000"/>
       </a:buClr>
       <a:buFont typeface="Arial"/>
-      <a:defRPr b="0" i="0" sz="1400" u="none" cap="none" strike="noStrike">
+      <a:defRPr sz="1400" b="0" i="0" u="none" strike="noStrike" cap="none">
         <a:solidFill>
           <a:srgbClr val="000000"/>
         </a:solidFill>
@@ -631,7 +654,7 @@
         <a:sym typeface="Arial"/>
       </a:defRPr>
     </a:lvl6pPr>
-    <a:lvl7pPr lvl="6" marR="0" rtl="0" algn="l">
+    <a:lvl7pPr marR="0" lvl="6" algn="l" rtl="0">
       <a:lnSpc>
         <a:spcPct val="100000"/>
       </a:lnSpc>
@@ -645,7 +668,7 @@
         <a:srgbClr val="000000"/>
       </a:buClr>
       <a:buFont typeface="Arial"/>
-      <a:defRPr b="0" i="0" sz="1400" u="none" cap="none" strike="noStrike">
+      <a:defRPr sz="1400" b="0" i="0" u="none" strike="noStrike" cap="none">
         <a:solidFill>
           <a:srgbClr val="000000"/>
         </a:solidFill>
@@ -655,7 +678,7 @@
         <a:sym typeface="Arial"/>
       </a:defRPr>
     </a:lvl7pPr>
-    <a:lvl8pPr lvl="7" marR="0" rtl="0" algn="l">
+    <a:lvl8pPr marR="0" lvl="7" algn="l" rtl="0">
       <a:lnSpc>
         <a:spcPct val="100000"/>
       </a:lnSpc>
@@ -669,7 +692,7 @@
         <a:srgbClr val="000000"/>
       </a:buClr>
       <a:buFont typeface="Arial"/>
-      <a:defRPr b="0" i="0" sz="1400" u="none" cap="none" strike="noStrike">
+      <a:defRPr sz="1400" b="0" i="0" u="none" strike="noStrike" cap="none">
         <a:solidFill>
           <a:srgbClr val="000000"/>
         </a:solidFill>
@@ -679,7 +702,7 @@
         <a:sym typeface="Arial"/>
       </a:defRPr>
     </a:lvl8pPr>
-    <a:lvl9pPr lvl="8" marR="0" rtl="0" algn="l">
+    <a:lvl9pPr marR="0" lvl="8" algn="l" rtl="0">
       <a:lnSpc>
         <a:spcPct val="100000"/>
       </a:lnSpc>
@@ -693,7 +716,7 @@
         <a:srgbClr val="000000"/>
       </a:buClr>
       <a:buFont typeface="Arial"/>
-      <a:defRPr b="0" i="0" sz="1400" u="none" cap="none" strike="noStrike">
+      <a:defRPr sz="1400" b="0" i="0" u="none" strike="noStrike" cap="none">
         <a:solidFill>
           <a:srgbClr val="000000"/>
         </a:solidFill>
@@ -708,11 +731,11 @@
 </file>
 
 <file path=ppt/notesSlides/notesSlide1.xml><?xml version="1.0" encoding="utf-8"?>
-<p:notes xmlns:a="http://schemas.openxmlformats.org/drawingml/2006/main" xmlns:r="http://schemas.openxmlformats.org/officeDocument/2006/relationships" xmlns:mc="http://schemas.openxmlformats.org/markup-compatibility/2006" xmlns:mv="urn:schemas-microsoft-com:mac:vml" xmlns:p="http://schemas.openxmlformats.org/presentationml/2006/main" xmlns:c="http://schemas.openxmlformats.org/drawingml/2006/chart" xmlns:dgm="http://schemas.openxmlformats.org/drawingml/2006/diagram" xmlns:o="urn:schemas-microsoft-com:office:office" xmlns:v="urn:schemas-microsoft-com:vml" xmlns:pvml="urn:schemas-microsoft-com:office:powerpoint" xmlns:com="http://schemas.openxmlformats.org/drawingml/2006/compatibility" xmlns:p14="http://schemas.microsoft.com/office/powerpoint/2010/main" xmlns:p15="http://schemas.microsoft.com/office/powerpoint/2012/main" xmlns:ahyp="http://schemas.microsoft.com/office/drawing/2018/hyperlinkcolor" showMasterPhAnim="0" showMasterSp="0">
+<p:notes xmlns:a="http://schemas.openxmlformats.org/drawingml/2006/main" xmlns:r="http://schemas.openxmlformats.org/officeDocument/2006/relationships" xmlns:p="http://schemas.openxmlformats.org/presentationml/2006/main" showMasterSp="0" showMasterPhAnim="0">
   <p:cSld>
     <p:spTree>
       <p:nvGrpSpPr>
-        <p:cNvPr id="130" name="Shape 130"/>
+        <p:cNvPr id="1" name="Shape 130"/>
         <p:cNvGrpSpPr/>
         <p:nvPr/>
       </p:nvGrpSpPr>
@@ -727,9 +750,11 @@
       <p:sp>
         <p:nvSpPr>
           <p:cNvPr id="131" name="Google Shape;131;p:notes"/>
-          <p:cNvSpPr/>
+          <p:cNvSpPr>
+            <a:spLocks noGrp="1" noRot="1" noChangeAspect="1"/>
+          </p:cNvSpPr>
           <p:nvPr>
-            <p:ph idx="2" type="sldImg"/>
+            <p:ph type="sldImg" idx="2"/>
           </p:nvPr>
         </p:nvSpPr>
         <p:spPr>
@@ -738,9 +763,13 @@
             <a:ext cx="6096075" cy="3429000"/>
           </a:xfrm>
           <a:custGeom>
-            <a:rect b="b" l="l" r="r" t="t"/>
+            <a:avLst/>
+            <a:gdLst/>
+            <a:ahLst/>
+            <a:cxnLst/>
+            <a:rect l="l" t="t" r="r" b="b"/>
             <a:pathLst>
-              <a:path extrusionOk="0" h="120000" w="120000">
+              <a:path w="120000" h="120000" extrusionOk="0">
                 <a:moveTo>
                   <a:pt x="0" y="0"/>
                 </a:moveTo>
@@ -762,9 +791,11 @@
       <p:sp>
         <p:nvSpPr>
           <p:cNvPr id="132" name="Google Shape;132;p:notes"/>
-          <p:cNvSpPr txBox="1"/>
+          <p:cNvSpPr txBox="1">
+            <a:spLocks noGrp="1"/>
+          </p:cNvSpPr>
           <p:nvPr>
-            <p:ph idx="1" type="body"/>
+            <p:ph type="body" idx="1"/>
           </p:nvPr>
         </p:nvSpPr>
         <p:spPr>
@@ -777,12 +808,12 @@
           </a:prstGeom>
         </p:spPr>
         <p:txBody>
-          <a:bodyPr anchorCtr="0" anchor="t" bIns="91425" lIns="91425" spcFirstLastPara="1" rIns="91425" wrap="square" tIns="91425">
+          <a:bodyPr spcFirstLastPara="1" wrap="square" lIns="91425" tIns="91425" rIns="91425" bIns="91425" anchor="t" anchorCtr="0">
             <a:noAutofit/>
           </a:bodyPr>
           <a:lstStyle/>
           <a:p>
-            <a:pPr indent="0" lvl="0" marL="0" rtl="0" algn="l">
+            <a:pPr marL="0" lvl="0" indent="0" algn="l" rtl="0">
               <a:spcBef>
                 <a:spcPts val="0"/>
               </a:spcBef>
@@ -791,9 +822,6 @@
               </a:spcAft>
               <a:buNone/>
             </a:pPr>
-            <a:r>
-              <a:t/>
-            </a:r>
             <a:endParaRPr/>
           </a:p>
         </p:txBody>
@@ -807,11 +835,11 @@
 </file>
 
 <file path=ppt/notesSlides/notesSlide2.xml><?xml version="1.0" encoding="utf-8"?>
-<p:notes xmlns:a="http://schemas.openxmlformats.org/drawingml/2006/main" xmlns:r="http://schemas.openxmlformats.org/officeDocument/2006/relationships" xmlns:mc="http://schemas.openxmlformats.org/markup-compatibility/2006" xmlns:mv="urn:schemas-microsoft-com:mac:vml" xmlns:p="http://schemas.openxmlformats.org/presentationml/2006/main" xmlns:c="http://schemas.openxmlformats.org/drawingml/2006/chart" xmlns:dgm="http://schemas.openxmlformats.org/drawingml/2006/diagram" xmlns:o="urn:schemas-microsoft-com:office:office" xmlns:v="urn:schemas-microsoft-com:vml" xmlns:pvml="urn:schemas-microsoft-com:office:powerpoint" xmlns:com="http://schemas.openxmlformats.org/drawingml/2006/compatibility" xmlns:p14="http://schemas.microsoft.com/office/powerpoint/2010/main" xmlns:p15="http://schemas.microsoft.com/office/powerpoint/2012/main" xmlns:ahyp="http://schemas.microsoft.com/office/drawing/2018/hyperlinkcolor" showMasterPhAnim="0" showMasterSp="0">
+<p:notes xmlns:a="http://schemas.openxmlformats.org/drawingml/2006/main" xmlns:r="http://schemas.openxmlformats.org/officeDocument/2006/relationships" xmlns:p="http://schemas.openxmlformats.org/presentationml/2006/main" showMasterSp="0" showMasterPhAnim="0">
   <p:cSld>
     <p:spTree>
       <p:nvGrpSpPr>
-        <p:cNvPr id="136" name="Shape 136"/>
+        <p:cNvPr id="1" name="Shape 136"/>
         <p:cNvGrpSpPr/>
         <p:nvPr/>
       </p:nvGrpSpPr>
@@ -826,20 +854,26 @@
       <p:sp>
         <p:nvSpPr>
           <p:cNvPr id="137" name="Google Shape;137;g237c46d8eb3_0_125:notes"/>
-          <p:cNvSpPr/>
+          <p:cNvSpPr>
+            <a:spLocks noGrp="1" noRot="1" noChangeAspect="1"/>
+          </p:cNvSpPr>
           <p:nvPr>
-            <p:ph idx="2" type="sldImg"/>
+            <p:ph type="sldImg" idx="2"/>
           </p:nvPr>
         </p:nvSpPr>
         <p:spPr>
           <a:xfrm>
-            <a:off x="381300" y="685800"/>
+            <a:off x="381000" y="685800"/>
             <a:ext cx="6096000" cy="3429000"/>
           </a:xfrm>
           <a:custGeom>
-            <a:rect b="b" l="l" r="r" t="t"/>
+            <a:avLst/>
+            <a:gdLst/>
+            <a:ahLst/>
+            <a:cxnLst/>
+            <a:rect l="l" t="t" r="r" b="b"/>
             <a:pathLst>
-              <a:path extrusionOk="0" h="120000" w="120000">
+              <a:path w="120000" h="120000" extrusionOk="0">
                 <a:moveTo>
                   <a:pt x="0" y="0"/>
                 </a:moveTo>
@@ -861,9 +895,11 @@
       <p:sp>
         <p:nvSpPr>
           <p:cNvPr id="138" name="Google Shape;138;g237c46d8eb3_0_125:notes"/>
-          <p:cNvSpPr txBox="1"/>
+          <p:cNvSpPr txBox="1">
+            <a:spLocks noGrp="1"/>
+          </p:cNvSpPr>
           <p:nvPr>
-            <p:ph idx="1" type="body"/>
+            <p:ph type="body" idx="1"/>
           </p:nvPr>
         </p:nvSpPr>
         <p:spPr>
@@ -876,12 +912,12 @@
           </a:prstGeom>
         </p:spPr>
         <p:txBody>
-          <a:bodyPr anchorCtr="0" anchor="t" bIns="91425" lIns="91425" spcFirstLastPara="1" rIns="91425" wrap="square" tIns="91425">
+          <a:bodyPr spcFirstLastPara="1" wrap="square" lIns="91425" tIns="91425" rIns="91425" bIns="91425" anchor="t" anchorCtr="0">
             <a:noAutofit/>
           </a:bodyPr>
           <a:lstStyle/>
           <a:p>
-            <a:pPr indent="0" lvl="0" marL="0" rtl="0" algn="l">
+            <a:pPr marL="0" lvl="0" indent="0" algn="l" rtl="0">
               <a:spcBef>
                 <a:spcPts val="0"/>
               </a:spcBef>
@@ -890,9 +926,6 @@
               </a:spcAft>
               <a:buNone/>
             </a:pPr>
-            <a:r>
-              <a:t/>
-            </a:r>
             <a:endParaRPr/>
           </a:p>
         </p:txBody>
@@ -906,11 +939,11 @@
 </file>
 
 <file path=ppt/notesSlides/notesSlide3.xml><?xml version="1.0" encoding="utf-8"?>
-<p:notes xmlns:a="http://schemas.openxmlformats.org/drawingml/2006/main" xmlns:r="http://schemas.openxmlformats.org/officeDocument/2006/relationships" xmlns:mc="http://schemas.openxmlformats.org/markup-compatibility/2006" xmlns:mv="urn:schemas-microsoft-com:mac:vml" xmlns:p="http://schemas.openxmlformats.org/presentationml/2006/main" xmlns:c="http://schemas.openxmlformats.org/drawingml/2006/chart" xmlns:dgm="http://schemas.openxmlformats.org/drawingml/2006/diagram" xmlns:o="urn:schemas-microsoft-com:office:office" xmlns:v="urn:schemas-microsoft-com:vml" xmlns:pvml="urn:schemas-microsoft-com:office:powerpoint" xmlns:com="http://schemas.openxmlformats.org/drawingml/2006/compatibility" xmlns:p14="http://schemas.microsoft.com/office/powerpoint/2010/main" xmlns:p15="http://schemas.microsoft.com/office/powerpoint/2012/main" xmlns:ahyp="http://schemas.microsoft.com/office/drawing/2018/hyperlinkcolor" showMasterPhAnim="0" showMasterSp="0">
+<p:notes xmlns:a="http://schemas.openxmlformats.org/drawingml/2006/main" xmlns:r="http://schemas.openxmlformats.org/officeDocument/2006/relationships" xmlns:p="http://schemas.openxmlformats.org/presentationml/2006/main" showMasterSp="0" showMasterPhAnim="0">
   <p:cSld>
     <p:spTree>
       <p:nvGrpSpPr>
-        <p:cNvPr id="142" name="Shape 142"/>
+        <p:cNvPr id="1" name="Shape 142"/>
         <p:cNvGrpSpPr/>
         <p:nvPr/>
       </p:nvGrpSpPr>
@@ -925,20 +958,26 @@
       <p:sp>
         <p:nvSpPr>
           <p:cNvPr id="143" name="Google Shape;143;g237c46d8eb3_0_130:notes"/>
-          <p:cNvSpPr/>
+          <p:cNvSpPr>
+            <a:spLocks noGrp="1" noRot="1" noChangeAspect="1"/>
+          </p:cNvSpPr>
           <p:nvPr>
-            <p:ph idx="2" type="sldImg"/>
+            <p:ph type="sldImg" idx="2"/>
           </p:nvPr>
         </p:nvSpPr>
         <p:spPr>
           <a:xfrm>
-            <a:off x="381300" y="685800"/>
+            <a:off x="381000" y="685800"/>
             <a:ext cx="6096000" cy="3429000"/>
           </a:xfrm>
           <a:custGeom>
-            <a:rect b="b" l="l" r="r" t="t"/>
+            <a:avLst/>
+            <a:gdLst/>
+            <a:ahLst/>
+            <a:cxnLst/>
+            <a:rect l="l" t="t" r="r" b="b"/>
             <a:pathLst>
-              <a:path extrusionOk="0" h="120000" w="120000">
+              <a:path w="120000" h="120000" extrusionOk="0">
                 <a:moveTo>
                   <a:pt x="0" y="0"/>
                 </a:moveTo>
@@ -960,9 +999,11 @@
       <p:sp>
         <p:nvSpPr>
           <p:cNvPr id="144" name="Google Shape;144;g237c46d8eb3_0_130:notes"/>
-          <p:cNvSpPr txBox="1"/>
+          <p:cNvSpPr txBox="1">
+            <a:spLocks noGrp="1"/>
+          </p:cNvSpPr>
           <p:nvPr>
-            <p:ph idx="1" type="body"/>
+            <p:ph type="body" idx="1"/>
           </p:nvPr>
         </p:nvSpPr>
         <p:spPr>
@@ -975,12 +1016,12 @@
           </a:prstGeom>
         </p:spPr>
         <p:txBody>
-          <a:bodyPr anchorCtr="0" anchor="t" bIns="91425" lIns="91425" spcFirstLastPara="1" rIns="91425" wrap="square" tIns="91425">
+          <a:bodyPr spcFirstLastPara="1" wrap="square" lIns="91425" tIns="91425" rIns="91425" bIns="91425" anchor="t" anchorCtr="0">
             <a:noAutofit/>
           </a:bodyPr>
           <a:lstStyle/>
           <a:p>
-            <a:pPr indent="0" lvl="0" marL="0" rtl="0" algn="l">
+            <a:pPr marL="0" lvl="0" indent="0" algn="l" rtl="0">
               <a:spcBef>
                 <a:spcPts val="0"/>
               </a:spcBef>
@@ -989,9 +1030,6 @@
               </a:spcAft>
               <a:buNone/>
             </a:pPr>
-            <a:r>
-              <a:t/>
-            </a:r>
             <a:endParaRPr/>
           </a:p>
         </p:txBody>
@@ -1005,11 +1043,120 @@
 </file>
 
 <file path=ppt/notesSlides/notesSlide4.xml><?xml version="1.0" encoding="utf-8"?>
-<p:notes xmlns:a="http://schemas.openxmlformats.org/drawingml/2006/main" xmlns:r="http://schemas.openxmlformats.org/officeDocument/2006/relationships" xmlns:mc="http://schemas.openxmlformats.org/markup-compatibility/2006" xmlns:mv="urn:schemas-microsoft-com:mac:vml" xmlns:p="http://schemas.openxmlformats.org/presentationml/2006/main" xmlns:c="http://schemas.openxmlformats.org/drawingml/2006/chart" xmlns:dgm="http://schemas.openxmlformats.org/drawingml/2006/diagram" xmlns:o="urn:schemas-microsoft-com:office:office" xmlns:v="urn:schemas-microsoft-com:vml" xmlns:pvml="urn:schemas-microsoft-com:office:powerpoint" xmlns:com="http://schemas.openxmlformats.org/drawingml/2006/compatibility" xmlns:p14="http://schemas.microsoft.com/office/powerpoint/2010/main" xmlns:p15="http://schemas.microsoft.com/office/powerpoint/2012/main" xmlns:ahyp="http://schemas.microsoft.com/office/drawing/2018/hyperlinkcolor" showMasterPhAnim="0" showMasterSp="0">
+<p:notes xmlns:a="http://schemas.openxmlformats.org/drawingml/2006/main" xmlns:r="http://schemas.openxmlformats.org/officeDocument/2006/relationships" xmlns:p="http://schemas.openxmlformats.org/presentationml/2006/main" showMasterSp="0" showMasterPhAnim="0">
   <p:cSld>
     <p:spTree>
       <p:nvGrpSpPr>
-        <p:cNvPr id="148" name="Shape 148"/>
+        <p:cNvPr id="1" name="Shape 142"/>
+        <p:cNvGrpSpPr/>
+        <p:nvPr/>
+      </p:nvGrpSpPr>
+      <p:grpSpPr>
+        <a:xfrm>
+          <a:off x="0" y="0"/>
+          <a:ext cx="0" cy="0"/>
+          <a:chOff x="0" y="0"/>
+          <a:chExt cx="0" cy="0"/>
+        </a:xfrm>
+      </p:grpSpPr>
+      <p:sp>
+        <p:nvSpPr>
+          <p:cNvPr id="143" name="Google Shape;143;g237c46d8eb3_0_130:notes"/>
+          <p:cNvSpPr>
+            <a:spLocks noGrp="1" noRot="1" noChangeAspect="1"/>
+          </p:cNvSpPr>
+          <p:nvPr>
+            <p:ph type="sldImg" idx="2"/>
+          </p:nvPr>
+        </p:nvSpPr>
+        <p:spPr>
+          <a:xfrm>
+            <a:off x="381000" y="685800"/>
+            <a:ext cx="6096000" cy="3429000"/>
+          </a:xfrm>
+          <a:custGeom>
+            <a:avLst/>
+            <a:gdLst/>
+            <a:ahLst/>
+            <a:cxnLst/>
+            <a:rect l="l" t="t" r="r" b="b"/>
+            <a:pathLst>
+              <a:path w="120000" h="120000" extrusionOk="0">
+                <a:moveTo>
+                  <a:pt x="0" y="0"/>
+                </a:moveTo>
+                <a:lnTo>
+                  <a:pt x="120000" y="0"/>
+                </a:lnTo>
+                <a:lnTo>
+                  <a:pt x="120000" y="120000"/>
+                </a:lnTo>
+                <a:lnTo>
+                  <a:pt x="0" y="120000"/>
+                </a:lnTo>
+                <a:close/>
+              </a:path>
+            </a:pathLst>
+          </a:custGeom>
+        </p:spPr>
+      </p:sp>
+      <p:sp>
+        <p:nvSpPr>
+          <p:cNvPr id="144" name="Google Shape;144;g237c46d8eb3_0_130:notes"/>
+          <p:cNvSpPr txBox="1">
+            <a:spLocks noGrp="1"/>
+          </p:cNvSpPr>
+          <p:nvPr>
+            <p:ph type="body" idx="1"/>
+          </p:nvPr>
+        </p:nvSpPr>
+        <p:spPr>
+          <a:xfrm>
+            <a:off x="685800" y="4343400"/>
+            <a:ext cx="5486400" cy="4114800"/>
+          </a:xfrm>
+          <a:prstGeom prst="rect">
+            <a:avLst/>
+          </a:prstGeom>
+        </p:spPr>
+        <p:txBody>
+          <a:bodyPr spcFirstLastPara="1" wrap="square" lIns="91425" tIns="91425" rIns="91425" bIns="91425" anchor="t" anchorCtr="0">
+            <a:noAutofit/>
+          </a:bodyPr>
+          <a:lstStyle/>
+          <a:p>
+            <a:pPr marL="0" lvl="0" indent="0" algn="l" rtl="0">
+              <a:spcBef>
+                <a:spcPts val="0"/>
+              </a:spcBef>
+              <a:spcAft>
+                <a:spcPts val="0"/>
+              </a:spcAft>
+              <a:buNone/>
+            </a:pPr>
+            <a:endParaRPr/>
+          </a:p>
+        </p:txBody>
+      </p:sp>
+    </p:spTree>
+    <p:extLst>
+      <p:ext uri="{BB962C8B-B14F-4D97-AF65-F5344CB8AC3E}">
+        <p14:creationId xmlns:p14="http://schemas.microsoft.com/office/powerpoint/2010/main" val="3978941589"/>
+      </p:ext>
+    </p:extLst>
+  </p:cSld>
+  <p:clrMapOvr>
+    <a:masterClrMapping/>
+  </p:clrMapOvr>
+</p:notes>
+</file>
+
+<file path=ppt/notesSlides/notesSlide5.xml><?xml version="1.0" encoding="utf-8"?>
+<p:notes xmlns:a="http://schemas.openxmlformats.org/drawingml/2006/main" xmlns:r="http://schemas.openxmlformats.org/officeDocument/2006/relationships" xmlns:p="http://schemas.openxmlformats.org/presentationml/2006/main" showMasterSp="0" showMasterPhAnim="0">
+  <p:cSld>
+    <p:spTree>
+      <p:nvGrpSpPr>
+        <p:cNvPr id="1" name="Shape 148"/>
         <p:cNvGrpSpPr/>
         <p:nvPr/>
       </p:nvGrpSpPr>
@@ -1024,9 +1171,11 @@
       <p:sp>
         <p:nvSpPr>
           <p:cNvPr id="149" name="Google Shape;149;g237c46d8eb3_0_135:notes"/>
-          <p:cNvSpPr/>
+          <p:cNvSpPr>
+            <a:spLocks noGrp="1" noRot="1" noChangeAspect="1"/>
+          </p:cNvSpPr>
           <p:nvPr>
-            <p:ph idx="2" type="sldImg"/>
+            <p:ph type="sldImg" idx="2"/>
           </p:nvPr>
         </p:nvSpPr>
         <p:spPr>
@@ -1035,9 +1184,13 @@
             <a:ext cx="6096000" cy="3429000"/>
           </a:xfrm>
           <a:custGeom>
-            <a:rect b="b" l="l" r="r" t="t"/>
+            <a:avLst/>
+            <a:gdLst/>
+            <a:ahLst/>
+            <a:cxnLst/>
+            <a:rect l="l" t="t" r="r" b="b"/>
             <a:pathLst>
-              <a:path extrusionOk="0" h="120000" w="120000">
+              <a:path w="120000" h="120000" extrusionOk="0">
                 <a:moveTo>
                   <a:pt x="0" y="0"/>
                 </a:moveTo>
@@ -1059,9 +1212,11 @@
       <p:sp>
         <p:nvSpPr>
           <p:cNvPr id="150" name="Google Shape;150;g237c46d8eb3_0_135:notes"/>
-          <p:cNvSpPr txBox="1"/>
+          <p:cNvSpPr txBox="1">
+            <a:spLocks noGrp="1"/>
+          </p:cNvSpPr>
           <p:nvPr>
-            <p:ph idx="1" type="body"/>
+            <p:ph type="body" idx="1"/>
           </p:nvPr>
         </p:nvSpPr>
         <p:spPr>
@@ -1074,12 +1229,12 @@
           </a:prstGeom>
         </p:spPr>
         <p:txBody>
-          <a:bodyPr anchorCtr="0" anchor="t" bIns="91425" lIns="91425" spcFirstLastPara="1" rIns="91425" wrap="square" tIns="91425">
+          <a:bodyPr spcFirstLastPara="1" wrap="square" lIns="91425" tIns="91425" rIns="91425" bIns="91425" anchor="t" anchorCtr="0">
             <a:noAutofit/>
           </a:bodyPr>
           <a:lstStyle/>
           <a:p>
-            <a:pPr indent="0" lvl="0" marL="0" rtl="0" algn="l">
+            <a:pPr marL="0" lvl="0" indent="0" algn="l" rtl="0">
               <a:spcBef>
                 <a:spcPts val="0"/>
               </a:spcBef>
@@ -1088,9 +1243,6 @@
               </a:spcAft>
               <a:buNone/>
             </a:pPr>
-            <a:r>
-              <a:t/>
-            </a:r>
             <a:endParaRPr/>
           </a:p>
         </p:txBody>
@@ -1103,12 +1255,12 @@
 </p:notes>
 </file>
 
-<file path=ppt/notesSlides/notesSlide5.xml><?xml version="1.0" encoding="utf-8"?>
-<p:notes xmlns:a="http://schemas.openxmlformats.org/drawingml/2006/main" xmlns:r="http://schemas.openxmlformats.org/officeDocument/2006/relationships" xmlns:mc="http://schemas.openxmlformats.org/markup-compatibility/2006" xmlns:mv="urn:schemas-microsoft-com:mac:vml" xmlns:p="http://schemas.openxmlformats.org/presentationml/2006/main" xmlns:c="http://schemas.openxmlformats.org/drawingml/2006/chart" xmlns:dgm="http://schemas.openxmlformats.org/drawingml/2006/diagram" xmlns:o="urn:schemas-microsoft-com:office:office" xmlns:v="urn:schemas-microsoft-com:vml" xmlns:pvml="urn:schemas-microsoft-com:office:powerpoint" xmlns:com="http://schemas.openxmlformats.org/drawingml/2006/compatibility" xmlns:p14="http://schemas.microsoft.com/office/powerpoint/2010/main" xmlns:p15="http://schemas.microsoft.com/office/powerpoint/2012/main" xmlns:ahyp="http://schemas.microsoft.com/office/drawing/2018/hyperlinkcolor" showMasterPhAnim="0" showMasterSp="0">
+<file path=ppt/notesSlides/notesSlide6.xml><?xml version="1.0" encoding="utf-8"?>
+<p:notes xmlns:a="http://schemas.openxmlformats.org/drawingml/2006/main" xmlns:r="http://schemas.openxmlformats.org/officeDocument/2006/relationships" xmlns:p="http://schemas.openxmlformats.org/presentationml/2006/main" showMasterSp="0" showMasterPhAnim="0">
   <p:cSld>
     <p:spTree>
       <p:nvGrpSpPr>
-        <p:cNvPr id="154" name="Shape 154"/>
+        <p:cNvPr id="1" name="Shape 154"/>
         <p:cNvGrpSpPr/>
         <p:nvPr/>
       </p:nvGrpSpPr>
@@ -1123,9 +1275,11 @@
       <p:sp>
         <p:nvSpPr>
           <p:cNvPr id="155" name="Google Shape;155;g237c46d8eb3_0_140:notes"/>
-          <p:cNvSpPr/>
+          <p:cNvSpPr>
+            <a:spLocks noGrp="1" noRot="1" noChangeAspect="1"/>
+          </p:cNvSpPr>
           <p:nvPr>
-            <p:ph idx="2" type="sldImg"/>
+            <p:ph type="sldImg" idx="2"/>
           </p:nvPr>
         </p:nvSpPr>
         <p:spPr>
@@ -1134,9 +1288,13 @@
             <a:ext cx="6096000" cy="3429000"/>
           </a:xfrm>
           <a:custGeom>
-            <a:rect b="b" l="l" r="r" t="t"/>
+            <a:avLst/>
+            <a:gdLst/>
+            <a:ahLst/>
+            <a:cxnLst/>
+            <a:rect l="l" t="t" r="r" b="b"/>
             <a:pathLst>
-              <a:path extrusionOk="0" h="120000" w="120000">
+              <a:path w="120000" h="120000" extrusionOk="0">
                 <a:moveTo>
                   <a:pt x="0" y="0"/>
                 </a:moveTo>
@@ -1158,9 +1316,11 @@
       <p:sp>
         <p:nvSpPr>
           <p:cNvPr id="156" name="Google Shape;156;g237c46d8eb3_0_140:notes"/>
-          <p:cNvSpPr txBox="1"/>
+          <p:cNvSpPr txBox="1">
+            <a:spLocks noGrp="1"/>
+          </p:cNvSpPr>
           <p:nvPr>
-            <p:ph idx="1" type="body"/>
+            <p:ph type="body" idx="1"/>
           </p:nvPr>
         </p:nvSpPr>
         <p:spPr>
@@ -1173,12 +1333,12 @@
           </a:prstGeom>
         </p:spPr>
         <p:txBody>
-          <a:bodyPr anchorCtr="0" anchor="t" bIns="91425" lIns="91425" spcFirstLastPara="1" rIns="91425" wrap="square" tIns="91425">
+          <a:bodyPr spcFirstLastPara="1" wrap="square" lIns="91425" tIns="91425" rIns="91425" bIns="91425" anchor="t" anchorCtr="0">
             <a:noAutofit/>
           </a:bodyPr>
           <a:lstStyle/>
           <a:p>
-            <a:pPr indent="0" lvl="0" marL="0" rtl="0" algn="l">
+            <a:pPr marL="0" lvl="0" indent="0" algn="l" rtl="0">
               <a:spcBef>
                 <a:spcPts val="0"/>
               </a:spcBef>
@@ -1187,9 +1347,6 @@
               </a:spcAft>
               <a:buNone/>
             </a:pPr>
-            <a:r>
-              <a:t/>
-            </a:r>
             <a:endParaRPr/>
           </a:p>
         </p:txBody>
@@ -1202,12 +1359,12 @@
 </p:notes>
 </file>
 
-<file path=ppt/notesSlides/notesSlide6.xml><?xml version="1.0" encoding="utf-8"?>
-<p:notes xmlns:a="http://schemas.openxmlformats.org/drawingml/2006/main" xmlns:r="http://schemas.openxmlformats.org/officeDocument/2006/relationships" xmlns:mc="http://schemas.openxmlformats.org/markup-compatibility/2006" xmlns:mv="urn:schemas-microsoft-com:mac:vml" xmlns:p="http://schemas.openxmlformats.org/presentationml/2006/main" xmlns:c="http://schemas.openxmlformats.org/drawingml/2006/chart" xmlns:dgm="http://schemas.openxmlformats.org/drawingml/2006/diagram" xmlns:o="urn:schemas-microsoft-com:office:office" xmlns:v="urn:schemas-microsoft-com:vml" xmlns:pvml="urn:schemas-microsoft-com:office:powerpoint" xmlns:com="http://schemas.openxmlformats.org/drawingml/2006/compatibility" xmlns:p14="http://schemas.microsoft.com/office/powerpoint/2010/main" xmlns:p15="http://schemas.microsoft.com/office/powerpoint/2012/main" xmlns:ahyp="http://schemas.microsoft.com/office/drawing/2018/hyperlinkcolor" showMasterPhAnim="0" showMasterSp="0">
+<file path=ppt/notesSlides/notesSlide7.xml><?xml version="1.0" encoding="utf-8"?>
+<p:notes xmlns:a="http://schemas.openxmlformats.org/drawingml/2006/main" xmlns:r="http://schemas.openxmlformats.org/officeDocument/2006/relationships" xmlns:p="http://schemas.openxmlformats.org/presentationml/2006/main" showMasterSp="0" showMasterPhAnim="0">
   <p:cSld>
     <p:spTree>
       <p:nvGrpSpPr>
-        <p:cNvPr id="160" name="Shape 160"/>
+        <p:cNvPr id="1" name="Shape 160"/>
         <p:cNvGrpSpPr/>
         <p:nvPr/>
       </p:nvGrpSpPr>
@@ -1222,9 +1379,11 @@
       <p:sp>
         <p:nvSpPr>
           <p:cNvPr id="161" name="Google Shape;161;g237c46d8eb3_0_145:notes"/>
-          <p:cNvSpPr/>
+          <p:cNvSpPr>
+            <a:spLocks noGrp="1" noRot="1" noChangeAspect="1"/>
+          </p:cNvSpPr>
           <p:nvPr>
-            <p:ph idx="2" type="sldImg"/>
+            <p:ph type="sldImg" idx="2"/>
           </p:nvPr>
         </p:nvSpPr>
         <p:spPr>
@@ -1233,9 +1392,13 @@
             <a:ext cx="6096000" cy="3429000"/>
           </a:xfrm>
           <a:custGeom>
-            <a:rect b="b" l="l" r="r" t="t"/>
+            <a:avLst/>
+            <a:gdLst/>
+            <a:ahLst/>
+            <a:cxnLst/>
+            <a:rect l="l" t="t" r="r" b="b"/>
             <a:pathLst>
-              <a:path extrusionOk="0" h="120000" w="120000">
+              <a:path w="120000" h="120000" extrusionOk="0">
                 <a:moveTo>
                   <a:pt x="0" y="0"/>
                 </a:moveTo>
@@ -1257,9 +1420,11 @@
       <p:sp>
         <p:nvSpPr>
           <p:cNvPr id="162" name="Google Shape;162;g237c46d8eb3_0_145:notes"/>
-          <p:cNvSpPr txBox="1"/>
+          <p:cNvSpPr txBox="1">
+            <a:spLocks noGrp="1"/>
+          </p:cNvSpPr>
           <p:nvPr>
-            <p:ph idx="1" type="body"/>
+            <p:ph type="body" idx="1"/>
           </p:nvPr>
         </p:nvSpPr>
         <p:spPr>
@@ -1272,12 +1437,12 @@
           </a:prstGeom>
         </p:spPr>
         <p:txBody>
-          <a:bodyPr anchorCtr="0" anchor="t" bIns="91425" lIns="91425" spcFirstLastPara="1" rIns="91425" wrap="square" tIns="91425">
+          <a:bodyPr spcFirstLastPara="1" wrap="square" lIns="91425" tIns="91425" rIns="91425" bIns="91425" anchor="t" anchorCtr="0">
             <a:noAutofit/>
           </a:bodyPr>
           <a:lstStyle/>
           <a:p>
-            <a:pPr indent="0" lvl="0" marL="0" rtl="0" algn="l">
+            <a:pPr marL="0" lvl="0" indent="0" algn="l" rtl="0">
               <a:spcBef>
                 <a:spcPts val="0"/>
               </a:spcBef>
@@ -1286,9 +1451,6 @@
               </a:spcAft>
               <a:buNone/>
             </a:pPr>
-            <a:r>
-              <a:t/>
-            </a:r>
             <a:endParaRPr/>
           </a:p>
         </p:txBody>
@@ -1302,11 +1464,11 @@
 </file>
 
 <file path=ppt/slideLayouts/slideLayout1.xml><?xml version="1.0" encoding="utf-8"?>
-<p:sldLayout xmlns:a="http://schemas.openxmlformats.org/drawingml/2006/main" xmlns:r="http://schemas.openxmlformats.org/officeDocument/2006/relationships" xmlns:mc="http://schemas.openxmlformats.org/markup-compatibility/2006" xmlns:mv="urn:schemas-microsoft-com:mac:vml" xmlns:p="http://schemas.openxmlformats.org/presentationml/2006/main" xmlns:c="http://schemas.openxmlformats.org/drawingml/2006/chart" xmlns:dgm="http://schemas.openxmlformats.org/drawingml/2006/diagram" xmlns:o="urn:schemas-microsoft-com:office:office" xmlns:v="urn:schemas-microsoft-com:vml" xmlns:pvml="urn:schemas-microsoft-com:office:powerpoint" xmlns:com="http://schemas.openxmlformats.org/drawingml/2006/compatibility" xmlns:p14="http://schemas.microsoft.com/office/powerpoint/2010/main" xmlns:p15="http://schemas.microsoft.com/office/powerpoint/2012/main" xmlns:ahyp="http://schemas.microsoft.com/office/drawing/2018/hyperlinkcolor" matchingName="Title slide" type="title">
+<p:sldLayout xmlns:a="http://schemas.openxmlformats.org/drawingml/2006/main" xmlns:r="http://schemas.openxmlformats.org/officeDocument/2006/relationships" xmlns:p="http://schemas.openxmlformats.org/presentationml/2006/main" matchingName="Title slide" type="title">
   <p:cSld name="TITLE">
     <p:spTree>
       <p:nvGrpSpPr>
-        <p:cNvPr id="9" name="Shape 9"/>
+        <p:cNvPr id="1" name="Shape 9"/>
         <p:cNvGrpSpPr/>
         <p:nvPr/>
       </p:nvGrpSpPr>
@@ -1331,7 +1493,7 @@
           </a:xfrm>
           <a:prstGeom prst="diagStripe">
             <a:avLst>
-              <a:gd fmla="val 0" name="adj"/>
+              <a:gd name="adj" fmla="val 0"/>
             </a:avLst>
           </a:prstGeom>
           <a:solidFill>
@@ -1344,12 +1506,12 @@
           </a:ln>
         </p:spPr>
         <p:txBody>
-          <a:bodyPr anchorCtr="0" anchor="ctr" bIns="91425" lIns="91425" spcFirstLastPara="1" rIns="91425" wrap="square" tIns="91425">
+          <a:bodyPr spcFirstLastPara="1" wrap="square" lIns="91425" tIns="91425" rIns="91425" bIns="91425" anchor="ctr" anchorCtr="0">
             <a:noAutofit/>
           </a:bodyPr>
           <a:lstStyle/>
           <a:p>
-            <a:pPr indent="0" lvl="0" marL="0" rtl="0" algn="l">
+            <a:pPr marL="0" lvl="0" indent="0" algn="l" rtl="0">
               <a:spcBef>
                 <a:spcPts val="0"/>
               </a:spcBef>
@@ -1358,9 +1520,6 @@
               </a:spcAft>
               <a:buNone/>
             </a:pPr>
-            <a:r>
-              <a:t/>
-            </a:r>
             <a:endParaRPr/>
           </a:p>
         </p:txBody>
@@ -1392,7 +1551,7 @@
             </a:xfrm>
             <a:prstGeom prst="diagStripe">
               <a:avLst>
-                <a:gd fmla="val 50000" name="adj"/>
+                <a:gd name="adj" fmla="val 50000"/>
               </a:avLst>
             </a:prstGeom>
             <a:solidFill>
@@ -1405,12 +1564,12 @@
             </a:ln>
           </p:spPr>
           <p:txBody>
-            <a:bodyPr anchorCtr="0" anchor="ctr" bIns="91425" lIns="91425" spcFirstLastPara="1" rIns="91425" wrap="square" tIns="91425">
+            <a:bodyPr spcFirstLastPara="1" wrap="square" lIns="91425" tIns="91425" rIns="91425" bIns="91425" anchor="ctr" anchorCtr="0">
               <a:noAutofit/>
             </a:bodyPr>
             <a:lstStyle/>
             <a:p>
-              <a:pPr indent="0" lvl="0" marL="0" rtl="0" algn="l">
+              <a:pPr marL="0" lvl="0" indent="0" algn="l" rtl="0">
                 <a:spcBef>
                   <a:spcPts val="0"/>
                 </a:spcBef>
@@ -1419,9 +1578,6 @@
                 </a:spcAft>
                 <a:buNone/>
               </a:pPr>
-              <a:r>
-                <a:t/>
-              </a:r>
               <a:endParaRPr/>
             </a:p>
           </p:txBody>
@@ -1439,7 +1595,7 @@
             </a:xfrm>
             <a:prstGeom prst="diagStripe">
               <a:avLst>
-                <a:gd fmla="val 58774" name="adj"/>
+                <a:gd name="adj" fmla="val 58774"/>
               </a:avLst>
             </a:prstGeom>
             <a:solidFill>
@@ -1452,12 +1608,12 @@
             </a:ln>
           </p:spPr>
           <p:txBody>
-            <a:bodyPr anchorCtr="0" anchor="ctr" bIns="91425" lIns="91425" spcFirstLastPara="1" rIns="91425" wrap="square" tIns="91425">
+            <a:bodyPr spcFirstLastPara="1" wrap="square" lIns="91425" tIns="91425" rIns="91425" bIns="91425" anchor="ctr" anchorCtr="0">
               <a:noAutofit/>
             </a:bodyPr>
             <a:lstStyle/>
             <a:p>
-              <a:pPr indent="0" lvl="0" marL="0" rtl="0" algn="l">
+              <a:pPr marL="0" lvl="0" indent="0" algn="l" rtl="0">
                 <a:spcBef>
                   <a:spcPts val="0"/>
                 </a:spcBef>
@@ -1466,9 +1622,6 @@
                 </a:spcAft>
                 <a:buNone/>
               </a:pPr>
-              <a:r>
-                <a:t/>
-              </a:r>
               <a:endParaRPr/>
             </a:p>
           </p:txBody>
@@ -1486,7 +1639,7 @@
             </a:xfrm>
             <a:prstGeom prst="diagStripe">
               <a:avLst>
-                <a:gd fmla="val 50000" name="adj"/>
+                <a:gd name="adj" fmla="val 50000"/>
               </a:avLst>
             </a:prstGeom>
             <a:solidFill>
@@ -1497,12 +1650,12 @@
             </a:ln>
           </p:spPr>
           <p:txBody>
-            <a:bodyPr anchorCtr="0" anchor="ctr" bIns="91425" lIns="91425" spcFirstLastPara="1" rIns="91425" wrap="square" tIns="91425">
+            <a:bodyPr spcFirstLastPara="1" wrap="square" lIns="91425" tIns="91425" rIns="91425" bIns="91425" anchor="ctr" anchorCtr="0">
               <a:noAutofit/>
             </a:bodyPr>
             <a:lstStyle/>
             <a:p>
-              <a:pPr indent="0" lvl="0" marL="0" rtl="0" algn="l">
+              <a:pPr marL="0" lvl="0" indent="0" algn="l" rtl="0">
                 <a:spcBef>
                   <a:spcPts val="0"/>
                 </a:spcBef>
@@ -1511,9 +1664,6 @@
                 </a:spcAft>
                 <a:buNone/>
               </a:pPr>
-              <a:r>
-                <a:t/>
-              </a:r>
               <a:endParaRPr/>
             </a:p>
           </p:txBody>
@@ -1531,7 +1681,7 @@
             </a:xfrm>
             <a:prstGeom prst="diagStripe">
               <a:avLst>
-                <a:gd fmla="val 50000" name="adj"/>
+                <a:gd name="adj" fmla="val 50000"/>
               </a:avLst>
             </a:prstGeom>
             <a:solidFill>
@@ -1542,12 +1692,12 @@
             </a:ln>
           </p:spPr>
           <p:txBody>
-            <a:bodyPr anchorCtr="0" anchor="ctr" bIns="91425" lIns="91425" spcFirstLastPara="1" rIns="91425" wrap="square" tIns="91425">
+            <a:bodyPr spcFirstLastPara="1" wrap="square" lIns="91425" tIns="91425" rIns="91425" bIns="91425" anchor="ctr" anchorCtr="0">
               <a:noAutofit/>
             </a:bodyPr>
             <a:lstStyle/>
             <a:p>
-              <a:pPr indent="0" lvl="0" marL="0" rtl="0" algn="l">
+              <a:pPr marL="0" lvl="0" indent="0" algn="l" rtl="0">
                 <a:spcBef>
                   <a:spcPts val="0"/>
                 </a:spcBef>
@@ -1556,9 +1706,6 @@
                 </a:spcAft>
                 <a:buNone/>
               </a:pPr>
-              <a:r>
-                <a:t/>
-              </a:r>
               <a:endParaRPr/>
             </a:p>
           </p:txBody>
@@ -1567,7 +1714,9 @@
       <p:sp>
         <p:nvSpPr>
           <p:cNvPr id="16" name="Google Shape;16;p2"/>
-          <p:cNvSpPr txBox="1"/>
+          <p:cNvSpPr txBox="1">
+            <a:spLocks noGrp="1"/>
+          </p:cNvSpPr>
           <p:nvPr>
             <p:ph type="ctrTitle"/>
           </p:nvPr>
@@ -1582,7 +1731,7 @@
           </a:prstGeom>
         </p:spPr>
         <p:txBody>
-          <a:bodyPr anchorCtr="0" anchor="t" bIns="91425" lIns="91425" spcFirstLastPara="1" rIns="91425" wrap="square" tIns="91425">
+          <a:bodyPr spcFirstLastPara="1" wrap="square" lIns="91425" tIns="91425" rIns="91425" bIns="91425" anchor="t" anchorCtr="0">
             <a:normAutofit/>
           </a:bodyPr>
           <a:lstStyle>
@@ -1686,15 +1835,19 @@
               <a:defRPr sz="4000"/>
             </a:lvl9pPr>
           </a:lstStyle>
-          <a:p/>
+          <a:p>
+            <a:endParaRPr/>
+          </a:p>
         </p:txBody>
       </p:sp>
       <p:sp>
         <p:nvSpPr>
           <p:cNvPr id="17" name="Google Shape;17;p2"/>
-          <p:cNvSpPr txBox="1"/>
+          <p:cNvSpPr txBox="1">
+            <a:spLocks noGrp="1"/>
+          </p:cNvSpPr>
           <p:nvPr>
-            <p:ph idx="1" type="subTitle"/>
+            <p:ph type="subTitle" idx="1"/>
           </p:nvPr>
         </p:nvSpPr>
         <p:spPr>
@@ -1707,7 +1860,7 @@
           </a:prstGeom>
         </p:spPr>
         <p:txBody>
-          <a:bodyPr anchorCtr="0" anchor="t" bIns="91425" lIns="91425" spcFirstLastPara="1" rIns="91425" wrap="square" tIns="91425">
+          <a:bodyPr spcFirstLastPara="1" wrap="square" lIns="91425" tIns="91425" rIns="91425" bIns="91425" anchor="t" anchorCtr="0">
             <a:normAutofit/>
           </a:bodyPr>
           <a:lstStyle>
@@ -1838,15 +1991,19 @@
               <a:defRPr sz="1300"/>
             </a:lvl9pPr>
           </a:lstStyle>
-          <a:p/>
+          <a:p>
+            <a:endParaRPr/>
+          </a:p>
         </p:txBody>
       </p:sp>
       <p:sp>
         <p:nvSpPr>
           <p:cNvPr id="18" name="Google Shape;18;p2"/>
-          <p:cNvSpPr txBox="1"/>
+          <p:cNvSpPr txBox="1">
+            <a:spLocks noGrp="1"/>
+          </p:cNvSpPr>
           <p:nvPr>
-            <p:ph idx="12" type="sldNum"/>
+            <p:ph type="sldNum" idx="12"/>
           </p:nvPr>
         </p:nvSpPr>
         <p:spPr>
@@ -1859,7 +2016,7 @@
           </a:prstGeom>
         </p:spPr>
         <p:txBody>
-          <a:bodyPr anchorCtr="0" anchor="ctr" bIns="91425" lIns="91425" spcFirstLastPara="1" rIns="91425" wrap="square" tIns="91425">
+          <a:bodyPr spcFirstLastPara="1" wrap="square" lIns="91425" tIns="91425" rIns="91425" bIns="91425" anchor="ctr" anchorCtr="0">
             <a:normAutofit/>
           </a:bodyPr>
           <a:lstStyle>
@@ -1901,7 +2058,7 @@
             </a:lvl9pPr>
           </a:lstStyle>
           <a:p>
-            <a:pPr indent="0" lvl="0" marL="0" rtl="0" algn="r">
+            <a:pPr marL="0" lvl="0" indent="0" algn="r" rtl="0">
               <a:spcBef>
                 <a:spcPts val="0"/>
               </a:spcBef>
@@ -1927,11 +2084,11 @@
 </file>
 
 <file path=ppt/slideLayouts/slideLayout10.xml><?xml version="1.0" encoding="utf-8"?>
-<p:sldLayout xmlns:a="http://schemas.openxmlformats.org/drawingml/2006/main" xmlns:r="http://schemas.openxmlformats.org/officeDocument/2006/relationships" xmlns:mc="http://schemas.openxmlformats.org/markup-compatibility/2006" xmlns:mv="urn:schemas-microsoft-com:mac:vml" xmlns:p="http://schemas.openxmlformats.org/presentationml/2006/main" xmlns:c="http://schemas.openxmlformats.org/drawingml/2006/chart" xmlns:dgm="http://schemas.openxmlformats.org/drawingml/2006/diagram" xmlns:o="urn:schemas-microsoft-com:office:office" xmlns:v="urn:schemas-microsoft-com:vml" xmlns:pvml="urn:schemas-microsoft-com:office:powerpoint" xmlns:com="http://schemas.openxmlformats.org/drawingml/2006/compatibility" xmlns:p14="http://schemas.microsoft.com/office/powerpoint/2010/main" xmlns:p15="http://schemas.microsoft.com/office/powerpoint/2012/main" xmlns:ahyp="http://schemas.microsoft.com/office/drawing/2018/hyperlinkcolor" matchingName="Big number">
+<p:sldLayout xmlns:a="http://schemas.openxmlformats.org/drawingml/2006/main" xmlns:r="http://schemas.openxmlformats.org/officeDocument/2006/relationships" xmlns:p="http://schemas.openxmlformats.org/presentationml/2006/main" matchingName="Big number">
   <p:cSld name="BIG_NUMBER">
     <p:spTree>
       <p:nvGrpSpPr>
-        <p:cNvPr id="105" name="Shape 105"/>
+        <p:cNvPr id="1" name="Shape 105"/>
         <p:cNvGrpSpPr/>
         <p:nvPr/>
       </p:nvGrpSpPr>
@@ -1970,7 +2127,7 @@
             </a:xfrm>
             <a:prstGeom prst="diagStripe">
               <a:avLst>
-                <a:gd fmla="val 49469" name="adj"/>
+                <a:gd name="adj" fmla="val 49469"/>
               </a:avLst>
             </a:prstGeom>
             <a:solidFill>
@@ -1983,12 +2140,12 @@
             </a:ln>
           </p:spPr>
           <p:txBody>
-            <a:bodyPr anchorCtr="0" anchor="ctr" bIns="91425" lIns="91425" spcFirstLastPara="1" rIns="91425" wrap="square" tIns="91425">
+            <a:bodyPr spcFirstLastPara="1" wrap="square" lIns="91425" tIns="91425" rIns="91425" bIns="91425" anchor="ctr" anchorCtr="0">
               <a:noAutofit/>
             </a:bodyPr>
             <a:lstStyle/>
             <a:p>
-              <a:pPr indent="0" lvl="0" marL="0" rtl="0" algn="l">
+              <a:pPr marL="0" lvl="0" indent="0" algn="l" rtl="0">
                 <a:spcBef>
                   <a:spcPts val="0"/>
                 </a:spcBef>
@@ -1997,9 +2154,6 @@
                 </a:spcAft>
                 <a:buNone/>
               </a:pPr>
-              <a:r>
-                <a:t/>
-              </a:r>
               <a:endParaRPr/>
             </a:p>
           </p:txBody>
@@ -2017,7 +2171,7 @@
             </a:xfrm>
             <a:prstGeom prst="diagStripe">
               <a:avLst>
-                <a:gd fmla="val 0" name="adj"/>
+                <a:gd name="adj" fmla="val 0"/>
               </a:avLst>
             </a:prstGeom>
             <a:solidFill>
@@ -2030,12 +2184,12 @@
             </a:ln>
           </p:spPr>
           <p:txBody>
-            <a:bodyPr anchorCtr="0" anchor="ctr" bIns="91425" lIns="91425" spcFirstLastPara="1" rIns="91425" wrap="square" tIns="91425">
+            <a:bodyPr spcFirstLastPara="1" wrap="square" lIns="91425" tIns="91425" rIns="91425" bIns="91425" anchor="ctr" anchorCtr="0">
               <a:noAutofit/>
             </a:bodyPr>
             <a:lstStyle/>
             <a:p>
-              <a:pPr indent="0" lvl="0" marL="0" rtl="0" algn="l">
+              <a:pPr marL="0" lvl="0" indent="0" algn="l" rtl="0">
                 <a:spcBef>
                   <a:spcPts val="0"/>
                 </a:spcBef>
@@ -2044,9 +2198,6 @@
                 </a:spcAft>
                 <a:buNone/>
               </a:pPr>
-              <a:r>
-                <a:t/>
-              </a:r>
               <a:endParaRPr/>
             </a:p>
           </p:txBody>
@@ -2064,7 +2215,7 @@
             </a:xfrm>
             <a:prstGeom prst="diagStripe">
               <a:avLst>
-                <a:gd fmla="val 50000" name="adj"/>
+                <a:gd name="adj" fmla="val 50000"/>
               </a:avLst>
             </a:prstGeom>
             <a:solidFill>
@@ -2077,12 +2228,12 @@
             </a:ln>
           </p:spPr>
           <p:txBody>
-            <a:bodyPr anchorCtr="0" anchor="ctr" bIns="91425" lIns="91425" spcFirstLastPara="1" rIns="91425" wrap="square" tIns="91425">
+            <a:bodyPr spcFirstLastPara="1" wrap="square" lIns="91425" tIns="91425" rIns="91425" bIns="91425" anchor="ctr" anchorCtr="0">
               <a:noAutofit/>
             </a:bodyPr>
             <a:lstStyle/>
             <a:p>
-              <a:pPr indent="0" lvl="0" marL="0" rtl="0" algn="l">
+              <a:pPr marL="0" lvl="0" indent="0" algn="l" rtl="0">
                 <a:spcBef>
                   <a:spcPts val="0"/>
                 </a:spcBef>
@@ -2091,9 +2242,6 @@
                 </a:spcAft>
                 <a:buNone/>
               </a:pPr>
-              <a:r>
-                <a:t/>
-              </a:r>
               <a:endParaRPr/>
             </a:p>
           </p:txBody>
@@ -2111,7 +2259,7 @@
             </a:xfrm>
             <a:prstGeom prst="diagStripe">
               <a:avLst>
-                <a:gd fmla="val 50000" name="adj"/>
+                <a:gd name="adj" fmla="val 50000"/>
               </a:avLst>
             </a:prstGeom>
             <a:solidFill>
@@ -2124,12 +2272,12 @@
             </a:ln>
           </p:spPr>
           <p:txBody>
-            <a:bodyPr anchorCtr="0" anchor="ctr" bIns="91425" lIns="91425" spcFirstLastPara="1" rIns="91425" wrap="square" tIns="91425">
+            <a:bodyPr spcFirstLastPara="1" wrap="square" lIns="91425" tIns="91425" rIns="91425" bIns="91425" anchor="ctr" anchorCtr="0">
               <a:noAutofit/>
             </a:bodyPr>
             <a:lstStyle/>
             <a:p>
-              <a:pPr indent="0" lvl="0" marL="0" rtl="0" algn="l">
+              <a:pPr marL="0" lvl="0" indent="0" algn="l" rtl="0">
                 <a:spcBef>
                   <a:spcPts val="0"/>
                 </a:spcBef>
@@ -2138,9 +2286,6 @@
                 </a:spcAft>
                 <a:buNone/>
               </a:pPr>
-              <a:r>
-                <a:t/>
-              </a:r>
               <a:endParaRPr/>
             </a:p>
           </p:txBody>
@@ -2158,7 +2303,7 @@
             </a:xfrm>
             <a:prstGeom prst="diagStripe">
               <a:avLst>
-                <a:gd fmla="val 50000" name="adj"/>
+                <a:gd name="adj" fmla="val 50000"/>
               </a:avLst>
             </a:prstGeom>
             <a:solidFill>
@@ -2171,12 +2316,12 @@
             </a:ln>
           </p:spPr>
           <p:txBody>
-            <a:bodyPr anchorCtr="0" anchor="ctr" bIns="91425" lIns="91425" spcFirstLastPara="1" rIns="91425" wrap="square" tIns="91425">
+            <a:bodyPr spcFirstLastPara="1" wrap="square" lIns="91425" tIns="91425" rIns="91425" bIns="91425" anchor="ctr" anchorCtr="0">
               <a:noAutofit/>
             </a:bodyPr>
             <a:lstStyle/>
             <a:p>
-              <a:pPr indent="0" lvl="0" marL="0" rtl="0" algn="l">
+              <a:pPr marL="0" lvl="0" indent="0" algn="l" rtl="0">
                 <a:spcBef>
                   <a:spcPts val="0"/>
                 </a:spcBef>
@@ -2185,9 +2330,6 @@
                 </a:spcAft>
                 <a:buNone/>
               </a:pPr>
-              <a:r>
-                <a:t/>
-              </a:r>
               <a:endParaRPr/>
             </a:p>
           </p:txBody>
@@ -2205,7 +2347,7 @@
             </a:xfrm>
             <a:prstGeom prst="diagStripe">
               <a:avLst>
-                <a:gd fmla="val 50000" name="adj"/>
+                <a:gd name="adj" fmla="val 50000"/>
               </a:avLst>
             </a:prstGeom>
             <a:solidFill>
@@ -2218,12 +2360,12 @@
             </a:ln>
           </p:spPr>
           <p:txBody>
-            <a:bodyPr anchorCtr="0" anchor="ctr" bIns="91425" lIns="91425" spcFirstLastPara="1" rIns="91425" wrap="square" tIns="91425">
+            <a:bodyPr spcFirstLastPara="1" wrap="square" lIns="91425" tIns="91425" rIns="91425" bIns="91425" anchor="ctr" anchorCtr="0">
               <a:noAutofit/>
             </a:bodyPr>
             <a:lstStyle/>
             <a:p>
-              <a:pPr indent="0" lvl="0" marL="0" rtl="0" algn="l">
+              <a:pPr marL="0" lvl="0" indent="0" algn="l" rtl="0">
                 <a:spcBef>
                   <a:spcPts val="0"/>
                 </a:spcBef>
@@ -2232,9 +2374,6 @@
                 </a:spcAft>
                 <a:buNone/>
               </a:pPr>
-              <a:r>
-                <a:t/>
-              </a:r>
               <a:endParaRPr/>
             </a:p>
           </p:txBody>
@@ -2252,7 +2391,7 @@
             </a:xfrm>
             <a:prstGeom prst="diagStripe">
               <a:avLst>
-                <a:gd fmla="val 50000" name="adj"/>
+                <a:gd name="adj" fmla="val 50000"/>
               </a:avLst>
             </a:prstGeom>
             <a:solidFill>
@@ -2265,12 +2404,12 @@
             </a:ln>
           </p:spPr>
           <p:txBody>
-            <a:bodyPr anchorCtr="0" anchor="ctr" bIns="91425" lIns="91425" spcFirstLastPara="1" rIns="91425" wrap="square" tIns="91425">
+            <a:bodyPr spcFirstLastPara="1" wrap="square" lIns="91425" tIns="91425" rIns="91425" bIns="91425" anchor="ctr" anchorCtr="0">
               <a:noAutofit/>
             </a:bodyPr>
             <a:lstStyle/>
             <a:p>
-              <a:pPr indent="0" lvl="0" marL="0" rtl="0" algn="l">
+              <a:pPr marL="0" lvl="0" indent="0" algn="l" rtl="0">
                 <a:spcBef>
                   <a:spcPts val="0"/>
                 </a:spcBef>
@@ -2279,9 +2418,6 @@
                 </a:spcAft>
                 <a:buNone/>
               </a:pPr>
-              <a:r>
-                <a:t/>
-              </a:r>
               <a:endParaRPr/>
             </a:p>
           </p:txBody>
@@ -2299,7 +2435,7 @@
             </a:xfrm>
             <a:prstGeom prst="diagStripe">
               <a:avLst>
-                <a:gd fmla="val 50000" name="adj"/>
+                <a:gd name="adj" fmla="val 50000"/>
               </a:avLst>
             </a:prstGeom>
             <a:solidFill>
@@ -2310,12 +2446,12 @@
             </a:ln>
           </p:spPr>
           <p:txBody>
-            <a:bodyPr anchorCtr="0" anchor="ctr" bIns="91425" lIns="91425" spcFirstLastPara="1" rIns="91425" wrap="square" tIns="91425">
+            <a:bodyPr spcFirstLastPara="1" wrap="square" lIns="91425" tIns="91425" rIns="91425" bIns="91425" anchor="ctr" anchorCtr="0">
               <a:noAutofit/>
             </a:bodyPr>
             <a:lstStyle/>
             <a:p>
-              <a:pPr indent="0" lvl="0" marL="0" rtl="0" algn="l">
+              <a:pPr marL="0" lvl="0" indent="0" algn="l" rtl="0">
                 <a:spcBef>
                   <a:spcPts val="0"/>
                 </a:spcBef>
@@ -2324,9 +2460,6 @@
                 </a:spcAft>
                 <a:buNone/>
               </a:pPr>
-              <a:r>
-                <a:t/>
-              </a:r>
               <a:endParaRPr/>
             </a:p>
           </p:txBody>
@@ -2344,7 +2477,7 @@
             </a:xfrm>
             <a:prstGeom prst="diagStripe">
               <a:avLst>
-                <a:gd fmla="val 50000" name="adj"/>
+                <a:gd name="adj" fmla="val 50000"/>
               </a:avLst>
             </a:prstGeom>
             <a:solidFill>
@@ -2357,12 +2490,12 @@
             </a:ln>
           </p:spPr>
           <p:txBody>
-            <a:bodyPr anchorCtr="0" anchor="ctr" bIns="91425" lIns="91425" spcFirstLastPara="1" rIns="91425" wrap="square" tIns="91425">
+            <a:bodyPr spcFirstLastPara="1" wrap="square" lIns="91425" tIns="91425" rIns="91425" bIns="91425" anchor="ctr" anchorCtr="0">
               <a:noAutofit/>
             </a:bodyPr>
             <a:lstStyle/>
             <a:p>
-              <a:pPr indent="0" lvl="0" marL="0" rtl="0" algn="l">
+              <a:pPr marL="0" lvl="0" indent="0" algn="l" rtl="0">
                 <a:spcBef>
                   <a:spcPts val="0"/>
                 </a:spcBef>
@@ -2371,9 +2504,6 @@
                 </a:spcAft>
                 <a:buNone/>
               </a:pPr>
-              <a:r>
-                <a:t/>
-              </a:r>
               <a:endParaRPr/>
             </a:p>
           </p:txBody>
@@ -2391,7 +2521,7 @@
             </a:xfrm>
             <a:prstGeom prst="diagStripe">
               <a:avLst>
-                <a:gd fmla="val 50000" name="adj"/>
+                <a:gd name="adj" fmla="val 50000"/>
               </a:avLst>
             </a:prstGeom>
             <a:solidFill>
@@ -2404,12 +2534,12 @@
             </a:ln>
           </p:spPr>
           <p:txBody>
-            <a:bodyPr anchorCtr="0" anchor="ctr" bIns="91425" lIns="91425" spcFirstLastPara="1" rIns="91425" wrap="square" tIns="91425">
+            <a:bodyPr spcFirstLastPara="1" wrap="square" lIns="91425" tIns="91425" rIns="91425" bIns="91425" anchor="ctr" anchorCtr="0">
               <a:noAutofit/>
             </a:bodyPr>
             <a:lstStyle/>
             <a:p>
-              <a:pPr indent="0" lvl="0" marL="0" rtl="0" algn="l">
+              <a:pPr marL="0" lvl="0" indent="0" algn="l" rtl="0">
                 <a:spcBef>
                   <a:spcPts val="0"/>
                 </a:spcBef>
@@ -2418,9 +2548,6 @@
                 </a:spcAft>
                 <a:buNone/>
               </a:pPr>
-              <a:r>
-                <a:t/>
-              </a:r>
               <a:endParaRPr/>
             </a:p>
           </p:txBody>
@@ -2438,7 +2565,7 @@
             </a:xfrm>
             <a:prstGeom prst="diagStripe">
               <a:avLst>
-                <a:gd fmla="val 50000" name="adj"/>
+                <a:gd name="adj" fmla="val 50000"/>
               </a:avLst>
             </a:prstGeom>
             <a:solidFill>
@@ -2451,12 +2578,12 @@
             </a:ln>
           </p:spPr>
           <p:txBody>
-            <a:bodyPr anchorCtr="0" anchor="ctr" bIns="91425" lIns="91425" spcFirstLastPara="1" rIns="91425" wrap="square" tIns="91425">
+            <a:bodyPr spcFirstLastPara="1" wrap="square" lIns="91425" tIns="91425" rIns="91425" bIns="91425" anchor="ctr" anchorCtr="0">
               <a:noAutofit/>
             </a:bodyPr>
             <a:lstStyle/>
             <a:p>
-              <a:pPr indent="0" lvl="0" marL="0" rtl="0" algn="l">
+              <a:pPr marL="0" lvl="0" indent="0" algn="l" rtl="0">
                 <a:spcBef>
                   <a:spcPts val="0"/>
                 </a:spcBef>
@@ -2465,9 +2592,6 @@
                 </a:spcAft>
                 <a:buNone/>
               </a:pPr>
-              <a:r>
-                <a:t/>
-              </a:r>
               <a:endParaRPr/>
             </a:p>
           </p:txBody>
@@ -2485,7 +2609,7 @@
             </a:xfrm>
             <a:prstGeom prst="diagStripe">
               <a:avLst>
-                <a:gd fmla="val 50000" name="adj"/>
+                <a:gd name="adj" fmla="val 50000"/>
               </a:avLst>
             </a:prstGeom>
             <a:solidFill>
@@ -2498,12 +2622,12 @@
             </a:ln>
           </p:spPr>
           <p:txBody>
-            <a:bodyPr anchorCtr="0" anchor="ctr" bIns="91425" lIns="91425" spcFirstLastPara="1" rIns="91425" wrap="square" tIns="91425">
+            <a:bodyPr spcFirstLastPara="1" wrap="square" lIns="91425" tIns="91425" rIns="91425" bIns="91425" anchor="ctr" anchorCtr="0">
               <a:noAutofit/>
             </a:bodyPr>
             <a:lstStyle/>
             <a:p>
-              <a:pPr indent="0" lvl="0" marL="0" rtl="0" algn="l">
+              <a:pPr marL="0" lvl="0" indent="0" algn="l" rtl="0">
                 <a:spcBef>
                   <a:spcPts val="0"/>
                 </a:spcBef>
@@ -2512,9 +2636,6 @@
                 </a:spcAft>
                 <a:buNone/>
               </a:pPr>
-              <a:r>
-                <a:t/>
-              </a:r>
               <a:endParaRPr/>
             </a:p>
           </p:txBody>
@@ -2532,7 +2653,7 @@
             </a:xfrm>
             <a:prstGeom prst="diagStripe">
               <a:avLst>
-                <a:gd fmla="val 50000" name="adj"/>
+                <a:gd name="adj" fmla="val 50000"/>
               </a:avLst>
             </a:prstGeom>
             <a:solidFill>
@@ -2545,12 +2666,12 @@
             </a:ln>
           </p:spPr>
           <p:txBody>
-            <a:bodyPr anchorCtr="0" anchor="ctr" bIns="91425" lIns="91425" spcFirstLastPara="1" rIns="91425" wrap="square" tIns="91425">
+            <a:bodyPr spcFirstLastPara="1" wrap="square" lIns="91425" tIns="91425" rIns="91425" bIns="91425" anchor="ctr" anchorCtr="0">
               <a:noAutofit/>
             </a:bodyPr>
             <a:lstStyle/>
             <a:p>
-              <a:pPr indent="0" lvl="0" marL="0" rtl="0" algn="l">
+              <a:pPr marL="0" lvl="0" indent="0" algn="l" rtl="0">
                 <a:spcBef>
                   <a:spcPts val="0"/>
                 </a:spcBef>
@@ -2559,9 +2680,6 @@
                 </a:spcAft>
                 <a:buNone/>
               </a:pPr>
-              <a:r>
-                <a:t/>
-              </a:r>
               <a:endParaRPr/>
             </a:p>
           </p:txBody>
@@ -2579,7 +2697,7 @@
             </a:xfrm>
             <a:prstGeom prst="diagStripe">
               <a:avLst>
-                <a:gd fmla="val 50000" name="adj"/>
+                <a:gd name="adj" fmla="val 50000"/>
               </a:avLst>
             </a:prstGeom>
             <a:solidFill>
@@ -2590,12 +2708,12 @@
             </a:ln>
           </p:spPr>
           <p:txBody>
-            <a:bodyPr anchorCtr="0" anchor="ctr" bIns="91425" lIns="91425" spcFirstLastPara="1" rIns="91425" wrap="square" tIns="91425">
+            <a:bodyPr spcFirstLastPara="1" wrap="square" lIns="91425" tIns="91425" rIns="91425" bIns="91425" anchor="ctr" anchorCtr="0">
               <a:noAutofit/>
             </a:bodyPr>
             <a:lstStyle/>
             <a:p>
-              <a:pPr indent="0" lvl="0" marL="0" rtl="0" algn="l">
+              <a:pPr marL="0" lvl="0" indent="0" algn="l" rtl="0">
                 <a:spcBef>
                   <a:spcPts val="0"/>
                 </a:spcBef>
@@ -2604,9 +2722,6 @@
                 </a:spcAft>
                 <a:buNone/>
               </a:pPr>
-              <a:r>
-                <a:t/>
-              </a:r>
               <a:endParaRPr/>
             </a:p>
           </p:txBody>
@@ -2624,7 +2739,7 @@
             </a:xfrm>
             <a:prstGeom prst="diagStripe">
               <a:avLst>
-                <a:gd fmla="val 50000" name="adj"/>
+                <a:gd name="adj" fmla="val 50000"/>
               </a:avLst>
             </a:prstGeom>
             <a:solidFill>
@@ -2637,12 +2752,12 @@
             </a:ln>
           </p:spPr>
           <p:txBody>
-            <a:bodyPr anchorCtr="0" anchor="ctr" bIns="91425" lIns="91425" spcFirstLastPara="1" rIns="91425" wrap="square" tIns="91425">
+            <a:bodyPr spcFirstLastPara="1" wrap="square" lIns="91425" tIns="91425" rIns="91425" bIns="91425" anchor="ctr" anchorCtr="0">
               <a:noAutofit/>
             </a:bodyPr>
             <a:lstStyle/>
             <a:p>
-              <a:pPr indent="0" lvl="0" marL="0" rtl="0" algn="l">
+              <a:pPr marL="0" lvl="0" indent="0" algn="l" rtl="0">
                 <a:spcBef>
                   <a:spcPts val="0"/>
                 </a:spcBef>
@@ -2651,9 +2766,6 @@
                 </a:spcAft>
                 <a:buNone/>
               </a:pPr>
-              <a:r>
-                <a:t/>
-              </a:r>
               <a:endParaRPr/>
             </a:p>
           </p:txBody>
@@ -2671,7 +2783,7 @@
             </a:xfrm>
             <a:prstGeom prst="diagStripe">
               <a:avLst>
-                <a:gd fmla="val 50000" name="adj"/>
+                <a:gd name="adj" fmla="val 50000"/>
               </a:avLst>
             </a:prstGeom>
             <a:solidFill>
@@ -2684,12 +2796,12 @@
             </a:ln>
           </p:spPr>
           <p:txBody>
-            <a:bodyPr anchorCtr="0" anchor="ctr" bIns="91425" lIns="91425" spcFirstLastPara="1" rIns="91425" wrap="square" tIns="91425">
+            <a:bodyPr spcFirstLastPara="1" wrap="square" lIns="91425" tIns="91425" rIns="91425" bIns="91425" anchor="ctr" anchorCtr="0">
               <a:noAutofit/>
             </a:bodyPr>
             <a:lstStyle/>
             <a:p>
-              <a:pPr indent="0" lvl="0" marL="0" rtl="0" algn="l">
+              <a:pPr marL="0" lvl="0" indent="0" algn="l" rtl="0">
                 <a:spcBef>
                   <a:spcPts val="0"/>
                 </a:spcBef>
@@ -2698,9 +2810,6 @@
                 </a:spcAft>
                 <a:buNone/>
               </a:pPr>
-              <a:r>
-                <a:t/>
-              </a:r>
               <a:endParaRPr/>
             </a:p>
           </p:txBody>
@@ -2718,7 +2827,7 @@
             </a:xfrm>
             <a:prstGeom prst="diagStripe">
               <a:avLst>
-                <a:gd fmla="val 50000" name="adj"/>
+                <a:gd name="adj" fmla="val 50000"/>
               </a:avLst>
             </a:prstGeom>
             <a:solidFill>
@@ -2731,12 +2840,12 @@
             </a:ln>
           </p:spPr>
           <p:txBody>
-            <a:bodyPr anchorCtr="0" anchor="ctr" bIns="91425" lIns="91425" spcFirstLastPara="1" rIns="91425" wrap="square" tIns="91425">
+            <a:bodyPr spcFirstLastPara="1" wrap="square" lIns="91425" tIns="91425" rIns="91425" bIns="91425" anchor="ctr" anchorCtr="0">
               <a:noAutofit/>
             </a:bodyPr>
             <a:lstStyle/>
             <a:p>
-              <a:pPr indent="0" lvl="0" marL="0" rtl="0" algn="l">
+              <a:pPr marL="0" lvl="0" indent="0" algn="l" rtl="0">
                 <a:spcBef>
                   <a:spcPts val="0"/>
                 </a:spcBef>
@@ -2745,9 +2854,6 @@
                 </a:spcAft>
                 <a:buNone/>
               </a:pPr>
-              <a:r>
-                <a:t/>
-              </a:r>
               <a:endParaRPr/>
             </a:p>
           </p:txBody>
@@ -2765,7 +2871,7 @@
             </a:xfrm>
             <a:prstGeom prst="diagStripe">
               <a:avLst>
-                <a:gd fmla="val 50000" name="adj"/>
+                <a:gd name="adj" fmla="val 50000"/>
               </a:avLst>
             </a:prstGeom>
             <a:solidFill>
@@ -2778,12 +2884,12 @@
             </a:ln>
           </p:spPr>
           <p:txBody>
-            <a:bodyPr anchorCtr="0" anchor="ctr" bIns="91425" lIns="91425" spcFirstLastPara="1" rIns="91425" wrap="square" tIns="91425">
+            <a:bodyPr spcFirstLastPara="1" wrap="square" lIns="91425" tIns="91425" rIns="91425" bIns="91425" anchor="ctr" anchorCtr="0">
               <a:noAutofit/>
             </a:bodyPr>
             <a:lstStyle/>
             <a:p>
-              <a:pPr indent="0" lvl="0" marL="0" rtl="0" algn="l">
+              <a:pPr marL="0" lvl="0" indent="0" algn="l" rtl="0">
                 <a:spcBef>
                   <a:spcPts val="0"/>
                 </a:spcBef>
@@ -2792,9 +2898,6 @@
                 </a:spcAft>
                 <a:buNone/>
               </a:pPr>
-              <a:r>
-                <a:t/>
-              </a:r>
               <a:endParaRPr/>
             </a:p>
           </p:txBody>
@@ -2803,9 +2906,11 @@
       <p:sp>
         <p:nvSpPr>
           <p:cNvPr id="125" name="Google Shape;125;p11"/>
-          <p:cNvSpPr txBox="1"/>
+          <p:cNvSpPr txBox="1">
+            <a:spLocks noGrp="1"/>
+          </p:cNvSpPr>
           <p:nvPr>
-            <p:ph hasCustomPrompt="1" type="title"/>
+            <p:ph type="title" hasCustomPrompt="1"/>
           </p:nvPr>
         </p:nvSpPr>
         <p:spPr>
@@ -2818,7 +2923,7 @@
           </a:prstGeom>
         </p:spPr>
         <p:txBody>
-          <a:bodyPr anchorCtr="0" anchor="t" bIns="91425" lIns="91425" spcFirstLastPara="1" rIns="91425" wrap="square" tIns="91425">
+          <a:bodyPr spcFirstLastPara="1" wrap="square" lIns="91425" tIns="91425" rIns="91425" bIns="91425" anchor="t" anchorCtr="0">
             <a:normAutofit/>
           </a:bodyPr>
           <a:lstStyle>
@@ -2932,9 +3037,11 @@
       <p:sp>
         <p:nvSpPr>
           <p:cNvPr id="126" name="Google Shape;126;p11"/>
-          <p:cNvSpPr txBox="1"/>
+          <p:cNvSpPr txBox="1">
+            <a:spLocks noGrp="1"/>
+          </p:cNvSpPr>
           <p:nvPr>
-            <p:ph idx="1" type="body"/>
+            <p:ph type="body" idx="1"/>
           </p:nvPr>
         </p:nvSpPr>
         <p:spPr>
@@ -2947,11 +3054,11 @@
           </a:prstGeom>
         </p:spPr>
         <p:txBody>
-          <a:bodyPr anchorCtr="0" anchor="t" bIns="91425" lIns="91425" spcFirstLastPara="1" rIns="91425" wrap="square" tIns="91425">
+          <a:bodyPr spcFirstLastPara="1" wrap="square" lIns="91425" tIns="91425" rIns="91425" bIns="91425" anchor="t" anchorCtr="0">
             <a:normAutofit/>
           </a:bodyPr>
           <a:lstStyle>
-            <a:lvl1pPr indent="-311150" lvl="0" marL="457200">
+            <a:lvl1pPr marL="457200" lvl="0" indent="-311150">
               <a:spcBef>
                 <a:spcPts val="0"/>
               </a:spcBef>
@@ -2962,7 +3069,7 @@
               <a:buChar char="●"/>
               <a:defRPr/>
             </a:lvl1pPr>
-            <a:lvl2pPr indent="-298450" lvl="1" marL="914400">
+            <a:lvl2pPr marL="914400" lvl="1" indent="-298450">
               <a:spcBef>
                 <a:spcPts val="0"/>
               </a:spcBef>
@@ -2973,7 +3080,7 @@
               <a:buChar char="○"/>
               <a:defRPr/>
             </a:lvl2pPr>
-            <a:lvl3pPr indent="-298450" lvl="2" marL="1371600">
+            <a:lvl3pPr marL="1371600" lvl="2" indent="-298450">
               <a:spcBef>
                 <a:spcPts val="0"/>
               </a:spcBef>
@@ -2984,7 +3091,7 @@
               <a:buChar char="■"/>
               <a:defRPr/>
             </a:lvl3pPr>
-            <a:lvl4pPr indent="-298450" lvl="3" marL="1828800">
+            <a:lvl4pPr marL="1828800" lvl="3" indent="-298450">
               <a:spcBef>
                 <a:spcPts val="0"/>
               </a:spcBef>
@@ -2995,7 +3102,7 @@
               <a:buChar char="●"/>
               <a:defRPr/>
             </a:lvl4pPr>
-            <a:lvl5pPr indent="-298450" lvl="4" marL="2286000">
+            <a:lvl5pPr marL="2286000" lvl="4" indent="-298450">
               <a:spcBef>
                 <a:spcPts val="0"/>
               </a:spcBef>
@@ -3006,7 +3113,7 @@
               <a:buChar char="○"/>
               <a:defRPr/>
             </a:lvl5pPr>
-            <a:lvl6pPr indent="-298450" lvl="5" marL="2743200">
+            <a:lvl6pPr marL="2743200" lvl="5" indent="-298450">
               <a:spcBef>
                 <a:spcPts val="0"/>
               </a:spcBef>
@@ -3017,7 +3124,7 @@
               <a:buChar char="■"/>
               <a:defRPr/>
             </a:lvl6pPr>
-            <a:lvl7pPr indent="-298450" lvl="6" marL="3200400">
+            <a:lvl7pPr marL="3200400" lvl="6" indent="-298450">
               <a:spcBef>
                 <a:spcPts val="0"/>
               </a:spcBef>
@@ -3028,7 +3135,7 @@
               <a:buChar char="●"/>
               <a:defRPr/>
             </a:lvl7pPr>
-            <a:lvl8pPr indent="-298450" lvl="7" marL="3657600">
+            <a:lvl8pPr marL="3657600" lvl="7" indent="-298450">
               <a:spcBef>
                 <a:spcPts val="0"/>
               </a:spcBef>
@@ -3039,7 +3146,7 @@
               <a:buChar char="○"/>
               <a:defRPr/>
             </a:lvl8pPr>
-            <a:lvl9pPr indent="-298450" lvl="8" marL="4114800">
+            <a:lvl9pPr marL="4114800" lvl="8" indent="-298450">
               <a:spcBef>
                 <a:spcPts val="0"/>
               </a:spcBef>
@@ -3051,15 +3158,19 @@
               <a:defRPr/>
             </a:lvl9pPr>
           </a:lstStyle>
-          <a:p/>
+          <a:p>
+            <a:endParaRPr/>
+          </a:p>
         </p:txBody>
       </p:sp>
       <p:sp>
         <p:nvSpPr>
           <p:cNvPr id="127" name="Google Shape;127;p11"/>
-          <p:cNvSpPr txBox="1"/>
+          <p:cNvSpPr txBox="1">
+            <a:spLocks noGrp="1"/>
+          </p:cNvSpPr>
           <p:nvPr>
-            <p:ph idx="12" type="sldNum"/>
+            <p:ph type="sldNum" idx="12"/>
           </p:nvPr>
         </p:nvSpPr>
         <p:spPr>
@@ -3072,7 +3183,7 @@
           </a:prstGeom>
         </p:spPr>
         <p:txBody>
-          <a:bodyPr anchorCtr="0" anchor="ctr" bIns="91425" lIns="91425" spcFirstLastPara="1" rIns="91425" wrap="square" tIns="91425">
+          <a:bodyPr spcFirstLastPara="1" wrap="square" lIns="91425" tIns="91425" rIns="91425" bIns="91425" anchor="ctr" anchorCtr="0">
             <a:normAutofit/>
           </a:bodyPr>
           <a:lstStyle>
@@ -3114,7 +3225,7 @@
             </a:lvl9pPr>
           </a:lstStyle>
           <a:p>
-            <a:pPr indent="0" lvl="0" marL="0" rtl="0" algn="r">
+            <a:pPr marL="0" lvl="0" indent="0" algn="r" rtl="0">
               <a:spcBef>
                 <a:spcPts val="0"/>
               </a:spcBef>
@@ -3140,11 +3251,11 @@
 </file>
 
 <file path=ppt/slideLayouts/slideLayout11.xml><?xml version="1.0" encoding="utf-8"?>
-<p:sldLayout xmlns:a="http://schemas.openxmlformats.org/drawingml/2006/main" xmlns:r="http://schemas.openxmlformats.org/officeDocument/2006/relationships" xmlns:mc="http://schemas.openxmlformats.org/markup-compatibility/2006" xmlns:mv="urn:schemas-microsoft-com:mac:vml" xmlns:p="http://schemas.openxmlformats.org/presentationml/2006/main" xmlns:c="http://schemas.openxmlformats.org/drawingml/2006/chart" xmlns:dgm="http://schemas.openxmlformats.org/drawingml/2006/diagram" xmlns:o="urn:schemas-microsoft-com:office:office" xmlns:v="urn:schemas-microsoft-com:vml" xmlns:pvml="urn:schemas-microsoft-com:office:powerpoint" xmlns:com="http://schemas.openxmlformats.org/drawingml/2006/compatibility" xmlns:p14="http://schemas.microsoft.com/office/powerpoint/2010/main" xmlns:p15="http://schemas.microsoft.com/office/powerpoint/2012/main" xmlns:ahyp="http://schemas.microsoft.com/office/drawing/2018/hyperlinkcolor" matchingName="Blank" type="blank">
+<p:sldLayout xmlns:a="http://schemas.openxmlformats.org/drawingml/2006/main" xmlns:r="http://schemas.openxmlformats.org/officeDocument/2006/relationships" xmlns:p="http://schemas.openxmlformats.org/presentationml/2006/main" matchingName="Blank" type="blank">
   <p:cSld name="BLANK">
     <p:spTree>
       <p:nvGrpSpPr>
-        <p:cNvPr id="128" name="Shape 128"/>
+        <p:cNvPr id="1" name="Shape 128"/>
         <p:cNvGrpSpPr/>
         <p:nvPr/>
       </p:nvGrpSpPr>
@@ -3159,9 +3270,11 @@
       <p:sp>
         <p:nvSpPr>
           <p:cNvPr id="129" name="Google Shape;129;p12"/>
-          <p:cNvSpPr txBox="1"/>
+          <p:cNvSpPr txBox="1">
+            <a:spLocks noGrp="1"/>
+          </p:cNvSpPr>
           <p:nvPr>
-            <p:ph idx="12" type="sldNum"/>
+            <p:ph type="sldNum" idx="12"/>
           </p:nvPr>
         </p:nvSpPr>
         <p:spPr>
@@ -3174,7 +3287,7 @@
           </a:prstGeom>
         </p:spPr>
         <p:txBody>
-          <a:bodyPr anchorCtr="0" anchor="ctr" bIns="91425" lIns="91425" spcFirstLastPara="1" rIns="91425" wrap="square" tIns="91425">
+          <a:bodyPr spcFirstLastPara="1" wrap="square" lIns="91425" tIns="91425" rIns="91425" bIns="91425" anchor="ctr" anchorCtr="0">
             <a:normAutofit/>
           </a:bodyPr>
           <a:lstStyle>
@@ -3216,7 +3329,7 @@
             </a:lvl9pPr>
           </a:lstStyle>
           <a:p>
-            <a:pPr indent="0" lvl="0" marL="0" rtl="0" algn="r">
+            <a:pPr marL="0" lvl="0" indent="0" algn="r" rtl="0">
               <a:spcBef>
                 <a:spcPts val="0"/>
               </a:spcBef>
@@ -3242,11 +3355,11 @@
 </file>
 
 <file path=ppt/slideLayouts/slideLayout2.xml><?xml version="1.0" encoding="utf-8"?>
-<p:sldLayout xmlns:a="http://schemas.openxmlformats.org/drawingml/2006/main" xmlns:r="http://schemas.openxmlformats.org/officeDocument/2006/relationships" xmlns:mc="http://schemas.openxmlformats.org/markup-compatibility/2006" xmlns:mv="urn:schemas-microsoft-com:mac:vml" xmlns:p="http://schemas.openxmlformats.org/presentationml/2006/main" xmlns:c="http://schemas.openxmlformats.org/drawingml/2006/chart" xmlns:dgm="http://schemas.openxmlformats.org/drawingml/2006/diagram" xmlns:o="urn:schemas-microsoft-com:office:office" xmlns:v="urn:schemas-microsoft-com:vml" xmlns:pvml="urn:schemas-microsoft-com:office:powerpoint" xmlns:com="http://schemas.openxmlformats.org/drawingml/2006/compatibility" xmlns:p14="http://schemas.microsoft.com/office/powerpoint/2010/main" xmlns:p15="http://schemas.microsoft.com/office/powerpoint/2012/main" xmlns:ahyp="http://schemas.microsoft.com/office/drawing/2018/hyperlinkcolor" matchingName="Section header" type="secHead">
+<p:sldLayout xmlns:a="http://schemas.openxmlformats.org/drawingml/2006/main" xmlns:r="http://schemas.openxmlformats.org/officeDocument/2006/relationships" xmlns:p="http://schemas.openxmlformats.org/presentationml/2006/main" matchingName="Section header" type="secHead">
   <p:cSld name="SECTION_HEADER">
     <p:spTree>
       <p:nvGrpSpPr>
-        <p:cNvPr id="19" name="Shape 19"/>
+        <p:cNvPr id="1" name="Shape 19"/>
         <p:cNvGrpSpPr/>
         <p:nvPr/>
       </p:nvGrpSpPr>
@@ -3285,7 +3398,7 @@
             </a:xfrm>
             <a:prstGeom prst="diagStripe">
               <a:avLst>
-                <a:gd fmla="val 49469" name="adj"/>
+                <a:gd name="adj" fmla="val 49469"/>
               </a:avLst>
             </a:prstGeom>
             <a:solidFill>
@@ -3298,12 +3411,12 @@
             </a:ln>
           </p:spPr>
           <p:txBody>
-            <a:bodyPr anchorCtr="0" anchor="ctr" bIns="91425" lIns="91425" spcFirstLastPara="1" rIns="91425" wrap="square" tIns="91425">
+            <a:bodyPr spcFirstLastPara="1" wrap="square" lIns="91425" tIns="91425" rIns="91425" bIns="91425" anchor="ctr" anchorCtr="0">
               <a:noAutofit/>
             </a:bodyPr>
             <a:lstStyle/>
             <a:p>
-              <a:pPr indent="0" lvl="0" marL="0" rtl="0" algn="l">
+              <a:pPr marL="0" lvl="0" indent="0" algn="l" rtl="0">
                 <a:spcBef>
                   <a:spcPts val="0"/>
                 </a:spcBef>
@@ -3312,9 +3425,6 @@
                 </a:spcAft>
                 <a:buNone/>
               </a:pPr>
-              <a:r>
-                <a:t/>
-              </a:r>
               <a:endParaRPr/>
             </a:p>
           </p:txBody>
@@ -3332,7 +3442,7 @@
             </a:xfrm>
             <a:prstGeom prst="diagStripe">
               <a:avLst>
-                <a:gd fmla="val 0" name="adj"/>
+                <a:gd name="adj" fmla="val 0"/>
               </a:avLst>
             </a:prstGeom>
             <a:solidFill>
@@ -3345,12 +3455,12 @@
             </a:ln>
           </p:spPr>
           <p:txBody>
-            <a:bodyPr anchorCtr="0" anchor="ctr" bIns="91425" lIns="91425" spcFirstLastPara="1" rIns="91425" wrap="square" tIns="91425">
+            <a:bodyPr spcFirstLastPara="1" wrap="square" lIns="91425" tIns="91425" rIns="91425" bIns="91425" anchor="ctr" anchorCtr="0">
               <a:noAutofit/>
             </a:bodyPr>
             <a:lstStyle/>
             <a:p>
-              <a:pPr indent="0" lvl="0" marL="0" rtl="0" algn="l">
+              <a:pPr marL="0" lvl="0" indent="0" algn="l" rtl="0">
                 <a:spcBef>
                   <a:spcPts val="0"/>
                 </a:spcBef>
@@ -3359,9 +3469,6 @@
                 </a:spcAft>
                 <a:buNone/>
               </a:pPr>
-              <a:r>
-                <a:t/>
-              </a:r>
               <a:endParaRPr/>
             </a:p>
           </p:txBody>
@@ -3379,7 +3486,7 @@
             </a:xfrm>
             <a:prstGeom prst="diagStripe">
               <a:avLst>
-                <a:gd fmla="val 50000" name="adj"/>
+                <a:gd name="adj" fmla="val 50000"/>
               </a:avLst>
             </a:prstGeom>
             <a:solidFill>
@@ -3392,12 +3499,12 @@
             </a:ln>
           </p:spPr>
           <p:txBody>
-            <a:bodyPr anchorCtr="0" anchor="ctr" bIns="91425" lIns="91425" spcFirstLastPara="1" rIns="91425" wrap="square" tIns="91425">
+            <a:bodyPr spcFirstLastPara="1" wrap="square" lIns="91425" tIns="91425" rIns="91425" bIns="91425" anchor="ctr" anchorCtr="0">
               <a:noAutofit/>
             </a:bodyPr>
             <a:lstStyle/>
             <a:p>
-              <a:pPr indent="0" lvl="0" marL="0" rtl="0" algn="l">
+              <a:pPr marL="0" lvl="0" indent="0" algn="l" rtl="0">
                 <a:spcBef>
                   <a:spcPts val="0"/>
                 </a:spcBef>
@@ -3406,9 +3513,6 @@
                 </a:spcAft>
                 <a:buNone/>
               </a:pPr>
-              <a:r>
-                <a:t/>
-              </a:r>
               <a:endParaRPr/>
             </a:p>
           </p:txBody>
@@ -3426,7 +3530,7 @@
             </a:xfrm>
             <a:prstGeom prst="diagStripe">
               <a:avLst>
-                <a:gd fmla="val 50000" name="adj"/>
+                <a:gd name="adj" fmla="val 50000"/>
               </a:avLst>
             </a:prstGeom>
             <a:solidFill>
@@ -3439,12 +3543,12 @@
             </a:ln>
           </p:spPr>
           <p:txBody>
-            <a:bodyPr anchorCtr="0" anchor="ctr" bIns="91425" lIns="91425" spcFirstLastPara="1" rIns="91425" wrap="square" tIns="91425">
+            <a:bodyPr spcFirstLastPara="1" wrap="square" lIns="91425" tIns="91425" rIns="91425" bIns="91425" anchor="ctr" anchorCtr="0">
               <a:noAutofit/>
             </a:bodyPr>
             <a:lstStyle/>
             <a:p>
-              <a:pPr indent="0" lvl="0" marL="0" rtl="0" algn="l">
+              <a:pPr marL="0" lvl="0" indent="0" algn="l" rtl="0">
                 <a:spcBef>
                   <a:spcPts val="0"/>
                 </a:spcBef>
@@ -3453,9 +3557,6 @@
                 </a:spcAft>
                 <a:buNone/>
               </a:pPr>
-              <a:r>
-                <a:t/>
-              </a:r>
               <a:endParaRPr/>
             </a:p>
           </p:txBody>
@@ -3473,7 +3574,7 @@
             </a:xfrm>
             <a:prstGeom prst="diagStripe">
               <a:avLst>
-                <a:gd fmla="val 50000" name="adj"/>
+                <a:gd name="adj" fmla="val 50000"/>
               </a:avLst>
             </a:prstGeom>
             <a:solidFill>
@@ -3486,12 +3587,12 @@
             </a:ln>
           </p:spPr>
           <p:txBody>
-            <a:bodyPr anchorCtr="0" anchor="ctr" bIns="91425" lIns="91425" spcFirstLastPara="1" rIns="91425" wrap="square" tIns="91425">
+            <a:bodyPr spcFirstLastPara="1" wrap="square" lIns="91425" tIns="91425" rIns="91425" bIns="91425" anchor="ctr" anchorCtr="0">
               <a:noAutofit/>
             </a:bodyPr>
             <a:lstStyle/>
             <a:p>
-              <a:pPr indent="0" lvl="0" marL="0" rtl="0" algn="l">
+              <a:pPr marL="0" lvl="0" indent="0" algn="l" rtl="0">
                 <a:spcBef>
                   <a:spcPts val="0"/>
                 </a:spcBef>
@@ -3500,9 +3601,6 @@
                 </a:spcAft>
                 <a:buNone/>
               </a:pPr>
-              <a:r>
-                <a:t/>
-              </a:r>
               <a:endParaRPr/>
             </a:p>
           </p:txBody>
@@ -3520,7 +3618,7 @@
             </a:xfrm>
             <a:prstGeom prst="diagStripe">
               <a:avLst>
-                <a:gd fmla="val 50000" name="adj"/>
+                <a:gd name="adj" fmla="val 50000"/>
               </a:avLst>
             </a:prstGeom>
             <a:solidFill>
@@ -3533,12 +3631,12 @@
             </a:ln>
           </p:spPr>
           <p:txBody>
-            <a:bodyPr anchorCtr="0" anchor="ctr" bIns="91425" lIns="91425" spcFirstLastPara="1" rIns="91425" wrap="square" tIns="91425">
+            <a:bodyPr spcFirstLastPara="1" wrap="square" lIns="91425" tIns="91425" rIns="91425" bIns="91425" anchor="ctr" anchorCtr="0">
               <a:noAutofit/>
             </a:bodyPr>
             <a:lstStyle/>
             <a:p>
-              <a:pPr indent="0" lvl="0" marL="0" rtl="0" algn="l">
+              <a:pPr marL="0" lvl="0" indent="0" algn="l" rtl="0">
                 <a:spcBef>
                   <a:spcPts val="0"/>
                 </a:spcBef>
@@ -3547,9 +3645,6 @@
                 </a:spcAft>
                 <a:buNone/>
               </a:pPr>
-              <a:r>
-                <a:t/>
-              </a:r>
               <a:endParaRPr/>
             </a:p>
           </p:txBody>
@@ -3567,7 +3662,7 @@
             </a:xfrm>
             <a:prstGeom prst="diagStripe">
               <a:avLst>
-                <a:gd fmla="val 50000" name="adj"/>
+                <a:gd name="adj" fmla="val 50000"/>
               </a:avLst>
             </a:prstGeom>
             <a:solidFill>
@@ -3580,12 +3675,12 @@
             </a:ln>
           </p:spPr>
           <p:txBody>
-            <a:bodyPr anchorCtr="0" anchor="ctr" bIns="91425" lIns="91425" spcFirstLastPara="1" rIns="91425" wrap="square" tIns="91425">
+            <a:bodyPr spcFirstLastPara="1" wrap="square" lIns="91425" tIns="91425" rIns="91425" bIns="91425" anchor="ctr" anchorCtr="0">
               <a:noAutofit/>
             </a:bodyPr>
             <a:lstStyle/>
             <a:p>
-              <a:pPr indent="0" lvl="0" marL="0" rtl="0" algn="l">
+              <a:pPr marL="0" lvl="0" indent="0" algn="l" rtl="0">
                 <a:spcBef>
                   <a:spcPts val="0"/>
                 </a:spcBef>
@@ -3594,9 +3689,6 @@
                 </a:spcAft>
                 <a:buNone/>
               </a:pPr>
-              <a:r>
-                <a:t/>
-              </a:r>
               <a:endParaRPr/>
             </a:p>
           </p:txBody>
@@ -3614,7 +3706,7 @@
             </a:xfrm>
             <a:prstGeom prst="diagStripe">
               <a:avLst>
-                <a:gd fmla="val 50000" name="adj"/>
+                <a:gd name="adj" fmla="val 50000"/>
               </a:avLst>
             </a:prstGeom>
             <a:solidFill>
@@ -3625,12 +3717,12 @@
             </a:ln>
           </p:spPr>
           <p:txBody>
-            <a:bodyPr anchorCtr="0" anchor="ctr" bIns="91425" lIns="91425" spcFirstLastPara="1" rIns="91425" wrap="square" tIns="91425">
+            <a:bodyPr spcFirstLastPara="1" wrap="square" lIns="91425" tIns="91425" rIns="91425" bIns="91425" anchor="ctr" anchorCtr="0">
               <a:noAutofit/>
             </a:bodyPr>
             <a:lstStyle/>
             <a:p>
-              <a:pPr indent="0" lvl="0" marL="0" rtl="0" algn="l">
+              <a:pPr marL="0" lvl="0" indent="0" algn="l" rtl="0">
                 <a:spcBef>
                   <a:spcPts val="0"/>
                 </a:spcBef>
@@ -3639,9 +3731,6 @@
                 </a:spcAft>
                 <a:buNone/>
               </a:pPr>
-              <a:r>
-                <a:t/>
-              </a:r>
               <a:endParaRPr/>
             </a:p>
           </p:txBody>
@@ -3659,7 +3748,7 @@
             </a:xfrm>
             <a:prstGeom prst="diagStripe">
               <a:avLst>
-                <a:gd fmla="val 50000" name="adj"/>
+                <a:gd name="adj" fmla="val 50000"/>
               </a:avLst>
             </a:prstGeom>
             <a:solidFill>
@@ -3672,12 +3761,12 @@
             </a:ln>
           </p:spPr>
           <p:txBody>
-            <a:bodyPr anchorCtr="0" anchor="ctr" bIns="91425" lIns="91425" spcFirstLastPara="1" rIns="91425" wrap="square" tIns="91425">
+            <a:bodyPr spcFirstLastPara="1" wrap="square" lIns="91425" tIns="91425" rIns="91425" bIns="91425" anchor="ctr" anchorCtr="0">
               <a:noAutofit/>
             </a:bodyPr>
             <a:lstStyle/>
             <a:p>
-              <a:pPr indent="0" lvl="0" marL="0" rtl="0" algn="l">
+              <a:pPr marL="0" lvl="0" indent="0" algn="l" rtl="0">
                 <a:spcBef>
                   <a:spcPts val="0"/>
                 </a:spcBef>
@@ -3686,9 +3775,6 @@
                 </a:spcAft>
                 <a:buNone/>
               </a:pPr>
-              <a:r>
-                <a:t/>
-              </a:r>
               <a:endParaRPr/>
             </a:p>
           </p:txBody>
@@ -3706,7 +3792,7 @@
             </a:xfrm>
             <a:prstGeom prst="diagStripe">
               <a:avLst>
-                <a:gd fmla="val 50000" name="adj"/>
+                <a:gd name="adj" fmla="val 50000"/>
               </a:avLst>
             </a:prstGeom>
             <a:solidFill>
@@ -3719,12 +3805,12 @@
             </a:ln>
           </p:spPr>
           <p:txBody>
-            <a:bodyPr anchorCtr="0" anchor="ctr" bIns="91425" lIns="91425" spcFirstLastPara="1" rIns="91425" wrap="square" tIns="91425">
+            <a:bodyPr spcFirstLastPara="1" wrap="square" lIns="91425" tIns="91425" rIns="91425" bIns="91425" anchor="ctr" anchorCtr="0">
               <a:noAutofit/>
             </a:bodyPr>
             <a:lstStyle/>
             <a:p>
-              <a:pPr indent="0" lvl="0" marL="0" rtl="0" algn="l">
+              <a:pPr marL="0" lvl="0" indent="0" algn="l" rtl="0">
                 <a:spcBef>
                   <a:spcPts val="0"/>
                 </a:spcBef>
@@ -3733,9 +3819,6 @@
                 </a:spcAft>
                 <a:buNone/>
               </a:pPr>
-              <a:r>
-                <a:t/>
-              </a:r>
               <a:endParaRPr/>
             </a:p>
           </p:txBody>
@@ -3753,7 +3836,7 @@
             </a:xfrm>
             <a:prstGeom prst="diagStripe">
               <a:avLst>
-                <a:gd fmla="val 50000" name="adj"/>
+                <a:gd name="adj" fmla="val 50000"/>
               </a:avLst>
             </a:prstGeom>
             <a:solidFill>
@@ -3766,12 +3849,12 @@
             </a:ln>
           </p:spPr>
           <p:txBody>
-            <a:bodyPr anchorCtr="0" anchor="ctr" bIns="91425" lIns="91425" spcFirstLastPara="1" rIns="91425" wrap="square" tIns="91425">
+            <a:bodyPr spcFirstLastPara="1" wrap="square" lIns="91425" tIns="91425" rIns="91425" bIns="91425" anchor="ctr" anchorCtr="0">
               <a:noAutofit/>
             </a:bodyPr>
             <a:lstStyle/>
             <a:p>
-              <a:pPr indent="0" lvl="0" marL="0" rtl="0" algn="l">
+              <a:pPr marL="0" lvl="0" indent="0" algn="l" rtl="0">
                 <a:spcBef>
                   <a:spcPts val="0"/>
                 </a:spcBef>
@@ -3780,9 +3863,6 @@
                 </a:spcAft>
                 <a:buNone/>
               </a:pPr>
-              <a:r>
-                <a:t/>
-              </a:r>
               <a:endParaRPr/>
             </a:p>
           </p:txBody>
@@ -3800,7 +3880,7 @@
             </a:xfrm>
             <a:prstGeom prst="diagStripe">
               <a:avLst>
-                <a:gd fmla="val 50000" name="adj"/>
+                <a:gd name="adj" fmla="val 50000"/>
               </a:avLst>
             </a:prstGeom>
             <a:solidFill>
@@ -3813,12 +3893,12 @@
             </a:ln>
           </p:spPr>
           <p:txBody>
-            <a:bodyPr anchorCtr="0" anchor="ctr" bIns="91425" lIns="91425" spcFirstLastPara="1" rIns="91425" wrap="square" tIns="91425">
+            <a:bodyPr spcFirstLastPara="1" wrap="square" lIns="91425" tIns="91425" rIns="91425" bIns="91425" anchor="ctr" anchorCtr="0">
               <a:noAutofit/>
             </a:bodyPr>
             <a:lstStyle/>
             <a:p>
-              <a:pPr indent="0" lvl="0" marL="0" rtl="0" algn="l">
+              <a:pPr marL="0" lvl="0" indent="0" algn="l" rtl="0">
                 <a:spcBef>
                   <a:spcPts val="0"/>
                 </a:spcBef>
@@ -3827,9 +3907,6 @@
                 </a:spcAft>
                 <a:buNone/>
               </a:pPr>
-              <a:r>
-                <a:t/>
-              </a:r>
               <a:endParaRPr/>
             </a:p>
           </p:txBody>
@@ -3847,7 +3924,7 @@
             </a:xfrm>
             <a:prstGeom prst="diagStripe">
               <a:avLst>
-                <a:gd fmla="val 50000" name="adj"/>
+                <a:gd name="adj" fmla="val 50000"/>
               </a:avLst>
             </a:prstGeom>
             <a:solidFill>
@@ -3860,12 +3937,12 @@
             </a:ln>
           </p:spPr>
           <p:txBody>
-            <a:bodyPr anchorCtr="0" anchor="ctr" bIns="91425" lIns="91425" spcFirstLastPara="1" rIns="91425" wrap="square" tIns="91425">
+            <a:bodyPr spcFirstLastPara="1" wrap="square" lIns="91425" tIns="91425" rIns="91425" bIns="91425" anchor="ctr" anchorCtr="0">
               <a:noAutofit/>
             </a:bodyPr>
             <a:lstStyle/>
             <a:p>
-              <a:pPr indent="0" lvl="0" marL="0" rtl="0" algn="l">
+              <a:pPr marL="0" lvl="0" indent="0" algn="l" rtl="0">
                 <a:spcBef>
                   <a:spcPts val="0"/>
                 </a:spcBef>
@@ -3874,9 +3951,6 @@
                 </a:spcAft>
                 <a:buNone/>
               </a:pPr>
-              <a:r>
-                <a:t/>
-              </a:r>
               <a:endParaRPr/>
             </a:p>
           </p:txBody>
@@ -3894,7 +3968,7 @@
             </a:xfrm>
             <a:prstGeom prst="diagStripe">
               <a:avLst>
-                <a:gd fmla="val 50000" name="adj"/>
+                <a:gd name="adj" fmla="val 50000"/>
               </a:avLst>
             </a:prstGeom>
             <a:solidFill>
@@ -3905,12 +3979,12 @@
             </a:ln>
           </p:spPr>
           <p:txBody>
-            <a:bodyPr anchorCtr="0" anchor="ctr" bIns="91425" lIns="91425" spcFirstLastPara="1" rIns="91425" wrap="square" tIns="91425">
+            <a:bodyPr spcFirstLastPara="1" wrap="square" lIns="91425" tIns="91425" rIns="91425" bIns="91425" anchor="ctr" anchorCtr="0">
               <a:noAutofit/>
             </a:bodyPr>
             <a:lstStyle/>
             <a:p>
-              <a:pPr indent="0" lvl="0" marL="0" rtl="0" algn="l">
+              <a:pPr marL="0" lvl="0" indent="0" algn="l" rtl="0">
                 <a:spcBef>
                   <a:spcPts val="0"/>
                 </a:spcBef>
@@ -3919,9 +3993,6 @@
                 </a:spcAft>
                 <a:buNone/>
               </a:pPr>
-              <a:r>
-                <a:t/>
-              </a:r>
               <a:endParaRPr/>
             </a:p>
           </p:txBody>
@@ -3939,7 +4010,7 @@
             </a:xfrm>
             <a:prstGeom prst="diagStripe">
               <a:avLst>
-                <a:gd fmla="val 50000" name="adj"/>
+                <a:gd name="adj" fmla="val 50000"/>
               </a:avLst>
             </a:prstGeom>
             <a:solidFill>
@@ -3952,12 +4023,12 @@
             </a:ln>
           </p:spPr>
           <p:txBody>
-            <a:bodyPr anchorCtr="0" anchor="ctr" bIns="91425" lIns="91425" spcFirstLastPara="1" rIns="91425" wrap="square" tIns="91425">
+            <a:bodyPr spcFirstLastPara="1" wrap="square" lIns="91425" tIns="91425" rIns="91425" bIns="91425" anchor="ctr" anchorCtr="0">
               <a:noAutofit/>
             </a:bodyPr>
             <a:lstStyle/>
             <a:p>
-              <a:pPr indent="0" lvl="0" marL="0" rtl="0" algn="l">
+              <a:pPr marL="0" lvl="0" indent="0" algn="l" rtl="0">
                 <a:spcBef>
                   <a:spcPts val="0"/>
                 </a:spcBef>
@@ -3966,9 +4037,6 @@
                 </a:spcAft>
                 <a:buNone/>
               </a:pPr>
-              <a:r>
-                <a:t/>
-              </a:r>
               <a:endParaRPr/>
             </a:p>
           </p:txBody>
@@ -3986,7 +4054,7 @@
             </a:xfrm>
             <a:prstGeom prst="diagStripe">
               <a:avLst>
-                <a:gd fmla="val 50000" name="adj"/>
+                <a:gd name="adj" fmla="val 50000"/>
               </a:avLst>
             </a:prstGeom>
             <a:solidFill>
@@ -3999,12 +4067,12 @@
             </a:ln>
           </p:spPr>
           <p:txBody>
-            <a:bodyPr anchorCtr="0" anchor="ctr" bIns="91425" lIns="91425" spcFirstLastPara="1" rIns="91425" wrap="square" tIns="91425">
+            <a:bodyPr spcFirstLastPara="1" wrap="square" lIns="91425" tIns="91425" rIns="91425" bIns="91425" anchor="ctr" anchorCtr="0">
               <a:noAutofit/>
             </a:bodyPr>
             <a:lstStyle/>
             <a:p>
-              <a:pPr indent="0" lvl="0" marL="0" rtl="0" algn="l">
+              <a:pPr marL="0" lvl="0" indent="0" algn="l" rtl="0">
                 <a:spcBef>
                   <a:spcPts val="0"/>
                 </a:spcBef>
@@ -4013,9 +4081,6 @@
                 </a:spcAft>
                 <a:buNone/>
               </a:pPr>
-              <a:r>
-                <a:t/>
-              </a:r>
               <a:endParaRPr/>
             </a:p>
           </p:txBody>
@@ -4033,7 +4098,7 @@
             </a:xfrm>
             <a:prstGeom prst="diagStripe">
               <a:avLst>
-                <a:gd fmla="val 50000" name="adj"/>
+                <a:gd name="adj" fmla="val 50000"/>
               </a:avLst>
             </a:prstGeom>
             <a:solidFill>
@@ -4046,12 +4111,12 @@
             </a:ln>
           </p:spPr>
           <p:txBody>
-            <a:bodyPr anchorCtr="0" anchor="ctr" bIns="91425" lIns="91425" spcFirstLastPara="1" rIns="91425" wrap="square" tIns="91425">
+            <a:bodyPr spcFirstLastPara="1" wrap="square" lIns="91425" tIns="91425" rIns="91425" bIns="91425" anchor="ctr" anchorCtr="0">
               <a:noAutofit/>
             </a:bodyPr>
             <a:lstStyle/>
             <a:p>
-              <a:pPr indent="0" lvl="0" marL="0" rtl="0" algn="l">
+              <a:pPr marL="0" lvl="0" indent="0" algn="l" rtl="0">
                 <a:spcBef>
                   <a:spcPts val="0"/>
                 </a:spcBef>
@@ -4060,9 +4125,6 @@
                 </a:spcAft>
                 <a:buNone/>
               </a:pPr>
-              <a:r>
-                <a:t/>
-              </a:r>
               <a:endParaRPr/>
             </a:p>
           </p:txBody>
@@ -4080,7 +4142,7 @@
             </a:xfrm>
             <a:prstGeom prst="diagStripe">
               <a:avLst>
-                <a:gd fmla="val 50000" name="adj"/>
+                <a:gd name="adj" fmla="val 50000"/>
               </a:avLst>
             </a:prstGeom>
             <a:solidFill>
@@ -4093,12 +4155,12 @@
             </a:ln>
           </p:spPr>
           <p:txBody>
-            <a:bodyPr anchorCtr="0" anchor="ctr" bIns="91425" lIns="91425" spcFirstLastPara="1" rIns="91425" wrap="square" tIns="91425">
+            <a:bodyPr spcFirstLastPara="1" wrap="square" lIns="91425" tIns="91425" rIns="91425" bIns="91425" anchor="ctr" anchorCtr="0">
               <a:noAutofit/>
             </a:bodyPr>
             <a:lstStyle/>
             <a:p>
-              <a:pPr indent="0" lvl="0" marL="0" rtl="0" algn="l">
+              <a:pPr marL="0" lvl="0" indent="0" algn="l" rtl="0">
                 <a:spcBef>
                   <a:spcPts val="0"/>
                 </a:spcBef>
@@ -4107,9 +4169,6 @@
                 </a:spcAft>
                 <a:buNone/>
               </a:pPr>
-              <a:r>
-                <a:t/>
-              </a:r>
               <a:endParaRPr/>
             </a:p>
           </p:txBody>
@@ -4118,7 +4177,9 @@
       <p:sp>
         <p:nvSpPr>
           <p:cNvPr id="39" name="Google Shape;39;p3"/>
-          <p:cNvSpPr txBox="1"/>
+          <p:cNvSpPr txBox="1">
+            <a:spLocks noGrp="1"/>
+          </p:cNvSpPr>
           <p:nvPr>
             <p:ph type="title"/>
           </p:nvPr>
@@ -4133,7 +4194,7 @@
           </a:prstGeom>
         </p:spPr>
         <p:txBody>
-          <a:bodyPr anchorCtr="0" anchor="ctr" bIns="91425" lIns="91425" spcFirstLastPara="1" rIns="91425" wrap="square" tIns="91425">
+          <a:bodyPr spcFirstLastPara="1" wrap="square" lIns="91425" tIns="91425" rIns="91425" bIns="91425" anchor="ctr" anchorCtr="0">
             <a:normAutofit/>
           </a:bodyPr>
           <a:lstStyle>
@@ -4237,15 +4298,19 @@
               <a:defRPr/>
             </a:lvl9pPr>
           </a:lstStyle>
-          <a:p/>
+          <a:p>
+            <a:endParaRPr/>
+          </a:p>
         </p:txBody>
       </p:sp>
       <p:sp>
         <p:nvSpPr>
           <p:cNvPr id="40" name="Google Shape;40;p3"/>
-          <p:cNvSpPr txBox="1"/>
+          <p:cNvSpPr txBox="1">
+            <a:spLocks noGrp="1"/>
+          </p:cNvSpPr>
           <p:nvPr>
-            <p:ph idx="12" type="sldNum"/>
+            <p:ph type="sldNum" idx="12"/>
           </p:nvPr>
         </p:nvSpPr>
         <p:spPr>
@@ -4258,7 +4323,7 @@
           </a:prstGeom>
         </p:spPr>
         <p:txBody>
-          <a:bodyPr anchorCtr="0" anchor="ctr" bIns="91425" lIns="91425" spcFirstLastPara="1" rIns="91425" wrap="square" tIns="91425">
+          <a:bodyPr spcFirstLastPara="1" wrap="square" lIns="91425" tIns="91425" rIns="91425" bIns="91425" anchor="ctr" anchorCtr="0">
             <a:normAutofit/>
           </a:bodyPr>
           <a:lstStyle>
@@ -4300,7 +4365,7 @@
             </a:lvl9pPr>
           </a:lstStyle>
           <a:p>
-            <a:pPr indent="0" lvl="0" marL="0" rtl="0" algn="r">
+            <a:pPr marL="0" lvl="0" indent="0" algn="r" rtl="0">
               <a:spcBef>
                 <a:spcPts val="0"/>
               </a:spcBef>
@@ -4326,11 +4391,11 @@
 </file>
 
 <file path=ppt/slideLayouts/slideLayout3.xml><?xml version="1.0" encoding="utf-8"?>
-<p:sldLayout xmlns:a="http://schemas.openxmlformats.org/drawingml/2006/main" xmlns:r="http://schemas.openxmlformats.org/officeDocument/2006/relationships" xmlns:mc="http://schemas.openxmlformats.org/markup-compatibility/2006" xmlns:mv="urn:schemas-microsoft-com:mac:vml" xmlns:p="http://schemas.openxmlformats.org/presentationml/2006/main" xmlns:c="http://schemas.openxmlformats.org/drawingml/2006/chart" xmlns:dgm="http://schemas.openxmlformats.org/drawingml/2006/diagram" xmlns:o="urn:schemas-microsoft-com:office:office" xmlns:v="urn:schemas-microsoft-com:vml" xmlns:pvml="urn:schemas-microsoft-com:office:powerpoint" xmlns:com="http://schemas.openxmlformats.org/drawingml/2006/compatibility" xmlns:p14="http://schemas.microsoft.com/office/powerpoint/2010/main" xmlns:p15="http://schemas.microsoft.com/office/powerpoint/2012/main" xmlns:ahyp="http://schemas.microsoft.com/office/drawing/2018/hyperlinkcolor" matchingName="Title and body" type="tx">
+<p:sldLayout xmlns:a="http://schemas.openxmlformats.org/drawingml/2006/main" xmlns:r="http://schemas.openxmlformats.org/officeDocument/2006/relationships" xmlns:p="http://schemas.openxmlformats.org/presentationml/2006/main" matchingName="Title and body" type="tx">
   <p:cSld name="TITLE_AND_BODY">
     <p:spTree>
       <p:nvGrpSpPr>
-        <p:cNvPr id="41" name="Shape 41"/>
+        <p:cNvPr id="1" name="Shape 41"/>
         <p:cNvGrpSpPr/>
         <p:nvPr/>
       </p:nvGrpSpPr>
@@ -4369,7 +4434,7 @@
             </a:xfrm>
             <a:prstGeom prst="diagStripe">
               <a:avLst>
-                <a:gd fmla="val 50000" name="adj"/>
+                <a:gd name="adj" fmla="val 50000"/>
               </a:avLst>
             </a:prstGeom>
             <a:solidFill>
@@ -4380,12 +4445,12 @@
             </a:ln>
           </p:spPr>
           <p:txBody>
-            <a:bodyPr anchorCtr="0" anchor="ctr" bIns="91425" lIns="91425" spcFirstLastPara="1" rIns="91425" wrap="square" tIns="91425">
+            <a:bodyPr spcFirstLastPara="1" wrap="square" lIns="91425" tIns="91425" rIns="91425" bIns="91425" anchor="ctr" anchorCtr="0">
               <a:noAutofit/>
             </a:bodyPr>
             <a:lstStyle/>
             <a:p>
-              <a:pPr indent="0" lvl="0" marL="0" rtl="0" algn="l">
+              <a:pPr marL="0" lvl="0" indent="0" algn="l" rtl="0">
                 <a:spcBef>
                   <a:spcPts val="0"/>
                 </a:spcBef>
@@ -4394,9 +4459,6 @@
                 </a:spcAft>
                 <a:buNone/>
               </a:pPr>
-              <a:r>
-                <a:t/>
-              </a:r>
               <a:endParaRPr/>
             </a:p>
           </p:txBody>
@@ -4414,7 +4476,7 @@
             </a:xfrm>
             <a:prstGeom prst="diagStripe">
               <a:avLst>
-                <a:gd fmla="val 50000" name="adj"/>
+                <a:gd name="adj" fmla="val 50000"/>
               </a:avLst>
             </a:prstGeom>
             <a:solidFill>
@@ -4425,12 +4487,12 @@
             </a:ln>
           </p:spPr>
           <p:txBody>
-            <a:bodyPr anchorCtr="0" anchor="ctr" bIns="91425" lIns="91425" spcFirstLastPara="1" rIns="91425" wrap="square" tIns="91425">
+            <a:bodyPr spcFirstLastPara="1" wrap="square" lIns="91425" tIns="91425" rIns="91425" bIns="91425" anchor="ctr" anchorCtr="0">
               <a:noAutofit/>
             </a:bodyPr>
             <a:lstStyle/>
             <a:p>
-              <a:pPr indent="0" lvl="0" marL="0" rtl="0" algn="l">
+              <a:pPr marL="0" lvl="0" indent="0" algn="l" rtl="0">
                 <a:spcBef>
                   <a:spcPts val="0"/>
                 </a:spcBef>
@@ -4439,9 +4501,6 @@
                 </a:spcAft>
                 <a:buNone/>
               </a:pPr>
-              <a:r>
-                <a:t/>
-              </a:r>
               <a:endParaRPr/>
             </a:p>
           </p:txBody>
@@ -4450,7 +4509,9 @@
       <p:sp>
         <p:nvSpPr>
           <p:cNvPr id="45" name="Google Shape;45;p4"/>
-          <p:cNvSpPr txBox="1"/>
+          <p:cNvSpPr txBox="1">
+            <a:spLocks noGrp="1"/>
+          </p:cNvSpPr>
           <p:nvPr>
             <p:ph type="title"/>
           </p:nvPr>
@@ -4465,7 +4526,7 @@
           </a:prstGeom>
         </p:spPr>
         <p:txBody>
-          <a:bodyPr anchorCtr="0" anchor="t" bIns="91425" lIns="91425" spcFirstLastPara="1" rIns="91425" wrap="square" tIns="91425">
+          <a:bodyPr spcFirstLastPara="1" wrap="square" lIns="91425" tIns="91425" rIns="91425" bIns="91425" anchor="t" anchorCtr="0">
             <a:normAutofit/>
           </a:bodyPr>
           <a:lstStyle>
@@ -4569,15 +4630,19 @@
               <a:defRPr sz="2400"/>
             </a:lvl9pPr>
           </a:lstStyle>
-          <a:p/>
+          <a:p>
+            <a:endParaRPr/>
+          </a:p>
         </p:txBody>
       </p:sp>
       <p:sp>
         <p:nvSpPr>
           <p:cNvPr id="46" name="Google Shape;46;p4"/>
-          <p:cNvSpPr txBox="1"/>
+          <p:cNvSpPr txBox="1">
+            <a:spLocks noGrp="1"/>
+          </p:cNvSpPr>
           <p:nvPr>
-            <p:ph idx="1" type="body"/>
+            <p:ph type="body" idx="1"/>
           </p:nvPr>
         </p:nvSpPr>
         <p:spPr>
@@ -4590,11 +4655,11 @@
           </a:prstGeom>
         </p:spPr>
         <p:txBody>
-          <a:bodyPr anchorCtr="0" anchor="t" bIns="91425" lIns="91425" spcFirstLastPara="1" rIns="91425" wrap="square" tIns="91425">
+          <a:bodyPr spcFirstLastPara="1" wrap="square" lIns="91425" tIns="91425" rIns="91425" bIns="91425" anchor="t" anchorCtr="0">
             <a:normAutofit/>
           </a:bodyPr>
           <a:lstStyle>
-            <a:lvl1pPr indent="-311150" lvl="0" marL="457200">
+            <a:lvl1pPr marL="457200" lvl="0" indent="-311150">
               <a:spcBef>
                 <a:spcPts val="0"/>
               </a:spcBef>
@@ -4605,7 +4670,7 @@
               <a:buChar char="●"/>
               <a:defRPr/>
             </a:lvl1pPr>
-            <a:lvl2pPr indent="-298450" lvl="1" marL="914400">
+            <a:lvl2pPr marL="914400" lvl="1" indent="-298450">
               <a:spcBef>
                 <a:spcPts val="0"/>
               </a:spcBef>
@@ -4616,7 +4681,7 @@
               <a:buChar char="○"/>
               <a:defRPr/>
             </a:lvl2pPr>
-            <a:lvl3pPr indent="-298450" lvl="2" marL="1371600">
+            <a:lvl3pPr marL="1371600" lvl="2" indent="-298450">
               <a:spcBef>
                 <a:spcPts val="0"/>
               </a:spcBef>
@@ -4627,7 +4692,7 @@
               <a:buChar char="■"/>
               <a:defRPr/>
             </a:lvl3pPr>
-            <a:lvl4pPr indent="-298450" lvl="3" marL="1828800">
+            <a:lvl4pPr marL="1828800" lvl="3" indent="-298450">
               <a:spcBef>
                 <a:spcPts val="0"/>
               </a:spcBef>
@@ -4638,7 +4703,7 @@
               <a:buChar char="●"/>
               <a:defRPr/>
             </a:lvl4pPr>
-            <a:lvl5pPr indent="-298450" lvl="4" marL="2286000">
+            <a:lvl5pPr marL="2286000" lvl="4" indent="-298450">
               <a:spcBef>
                 <a:spcPts val="0"/>
               </a:spcBef>
@@ -4649,7 +4714,7 @@
               <a:buChar char="○"/>
               <a:defRPr/>
             </a:lvl5pPr>
-            <a:lvl6pPr indent="-298450" lvl="5" marL="2743200">
+            <a:lvl6pPr marL="2743200" lvl="5" indent="-298450">
               <a:spcBef>
                 <a:spcPts val="0"/>
               </a:spcBef>
@@ -4660,7 +4725,7 @@
               <a:buChar char="■"/>
               <a:defRPr/>
             </a:lvl6pPr>
-            <a:lvl7pPr indent="-298450" lvl="6" marL="3200400">
+            <a:lvl7pPr marL="3200400" lvl="6" indent="-298450">
               <a:spcBef>
                 <a:spcPts val="0"/>
               </a:spcBef>
@@ -4671,7 +4736,7 @@
               <a:buChar char="●"/>
               <a:defRPr/>
             </a:lvl7pPr>
-            <a:lvl8pPr indent="-298450" lvl="7" marL="3657600">
+            <a:lvl8pPr marL="3657600" lvl="7" indent="-298450">
               <a:spcBef>
                 <a:spcPts val="0"/>
               </a:spcBef>
@@ -4682,7 +4747,7 @@
               <a:buChar char="○"/>
               <a:defRPr/>
             </a:lvl8pPr>
-            <a:lvl9pPr indent="-298450" lvl="8" marL="4114800">
+            <a:lvl9pPr marL="4114800" lvl="8" indent="-298450">
               <a:spcBef>
                 <a:spcPts val="0"/>
               </a:spcBef>
@@ -4694,15 +4759,19 @@
               <a:defRPr/>
             </a:lvl9pPr>
           </a:lstStyle>
-          <a:p/>
+          <a:p>
+            <a:endParaRPr/>
+          </a:p>
         </p:txBody>
       </p:sp>
       <p:sp>
         <p:nvSpPr>
           <p:cNvPr id="47" name="Google Shape;47;p4"/>
-          <p:cNvSpPr txBox="1"/>
+          <p:cNvSpPr txBox="1">
+            <a:spLocks noGrp="1"/>
+          </p:cNvSpPr>
           <p:nvPr>
-            <p:ph idx="12" type="sldNum"/>
+            <p:ph type="sldNum" idx="12"/>
           </p:nvPr>
         </p:nvSpPr>
         <p:spPr>
@@ -4715,7 +4784,7 @@
           </a:prstGeom>
         </p:spPr>
         <p:txBody>
-          <a:bodyPr anchorCtr="0" anchor="ctr" bIns="91425" lIns="91425" spcFirstLastPara="1" rIns="91425" wrap="square" tIns="91425">
+          <a:bodyPr spcFirstLastPara="1" wrap="square" lIns="91425" tIns="91425" rIns="91425" bIns="91425" anchor="ctr" anchorCtr="0">
             <a:normAutofit/>
           </a:bodyPr>
           <a:lstStyle>
@@ -4757,7 +4826,7 @@
             </a:lvl9pPr>
           </a:lstStyle>
           <a:p>
-            <a:pPr indent="0" lvl="0" marL="0" rtl="0" algn="r">
+            <a:pPr marL="0" lvl="0" indent="0" algn="r" rtl="0">
               <a:spcBef>
                 <a:spcPts val="0"/>
               </a:spcBef>
@@ -4783,11 +4852,11 @@
 </file>
 
 <file path=ppt/slideLayouts/slideLayout4.xml><?xml version="1.0" encoding="utf-8"?>
-<p:sldLayout xmlns:a="http://schemas.openxmlformats.org/drawingml/2006/main" xmlns:r="http://schemas.openxmlformats.org/officeDocument/2006/relationships" xmlns:mc="http://schemas.openxmlformats.org/markup-compatibility/2006" xmlns:mv="urn:schemas-microsoft-com:mac:vml" xmlns:p="http://schemas.openxmlformats.org/presentationml/2006/main" xmlns:c="http://schemas.openxmlformats.org/drawingml/2006/chart" xmlns:dgm="http://schemas.openxmlformats.org/drawingml/2006/diagram" xmlns:o="urn:schemas-microsoft-com:office:office" xmlns:v="urn:schemas-microsoft-com:vml" xmlns:pvml="urn:schemas-microsoft-com:office:powerpoint" xmlns:com="http://schemas.openxmlformats.org/drawingml/2006/compatibility" xmlns:p14="http://schemas.microsoft.com/office/powerpoint/2010/main" xmlns:p15="http://schemas.microsoft.com/office/powerpoint/2012/main" xmlns:ahyp="http://schemas.microsoft.com/office/drawing/2018/hyperlinkcolor" matchingName="Title and two columns" type="twoColTx">
+<p:sldLayout xmlns:a="http://schemas.openxmlformats.org/drawingml/2006/main" xmlns:r="http://schemas.openxmlformats.org/officeDocument/2006/relationships" xmlns:p="http://schemas.openxmlformats.org/presentationml/2006/main" matchingName="Title and two columns" type="twoColTx">
   <p:cSld name="TITLE_AND_TWO_COLUMNS">
     <p:spTree>
       <p:nvGrpSpPr>
-        <p:cNvPr id="48" name="Shape 48"/>
+        <p:cNvPr id="1" name="Shape 48"/>
         <p:cNvGrpSpPr/>
         <p:nvPr/>
       </p:nvGrpSpPr>
@@ -4826,7 +4895,7 @@
             </a:xfrm>
             <a:prstGeom prst="diagStripe">
               <a:avLst>
-                <a:gd fmla="val 50000" name="adj"/>
+                <a:gd name="adj" fmla="val 50000"/>
               </a:avLst>
             </a:prstGeom>
             <a:solidFill>
@@ -4837,12 +4906,12 @@
             </a:ln>
           </p:spPr>
           <p:txBody>
-            <a:bodyPr anchorCtr="0" anchor="ctr" bIns="91425" lIns="91425" spcFirstLastPara="1" rIns="91425" wrap="square" tIns="91425">
+            <a:bodyPr spcFirstLastPara="1" wrap="square" lIns="91425" tIns="91425" rIns="91425" bIns="91425" anchor="ctr" anchorCtr="0">
               <a:noAutofit/>
             </a:bodyPr>
             <a:lstStyle/>
             <a:p>
-              <a:pPr indent="0" lvl="0" marL="0" rtl="0" algn="l">
+              <a:pPr marL="0" lvl="0" indent="0" algn="l" rtl="0">
                 <a:spcBef>
                   <a:spcPts val="0"/>
                 </a:spcBef>
@@ -4851,9 +4920,6 @@
                 </a:spcAft>
                 <a:buNone/>
               </a:pPr>
-              <a:r>
-                <a:t/>
-              </a:r>
               <a:endParaRPr/>
             </a:p>
           </p:txBody>
@@ -4871,7 +4937,7 @@
             </a:xfrm>
             <a:prstGeom prst="diagStripe">
               <a:avLst>
-                <a:gd fmla="val 50000" name="adj"/>
+                <a:gd name="adj" fmla="val 50000"/>
               </a:avLst>
             </a:prstGeom>
             <a:solidFill>
@@ -4882,12 +4948,12 @@
             </a:ln>
           </p:spPr>
           <p:txBody>
-            <a:bodyPr anchorCtr="0" anchor="ctr" bIns="91425" lIns="91425" spcFirstLastPara="1" rIns="91425" wrap="square" tIns="91425">
+            <a:bodyPr spcFirstLastPara="1" wrap="square" lIns="91425" tIns="91425" rIns="91425" bIns="91425" anchor="ctr" anchorCtr="0">
               <a:noAutofit/>
             </a:bodyPr>
             <a:lstStyle/>
             <a:p>
-              <a:pPr indent="0" lvl="0" marL="0" rtl="0" algn="l">
+              <a:pPr marL="0" lvl="0" indent="0" algn="l" rtl="0">
                 <a:spcBef>
                   <a:spcPts val="0"/>
                 </a:spcBef>
@@ -4896,9 +4962,6 @@
                 </a:spcAft>
                 <a:buNone/>
               </a:pPr>
-              <a:r>
-                <a:t/>
-              </a:r>
               <a:endParaRPr/>
             </a:p>
           </p:txBody>
@@ -4907,7 +4970,9 @@
       <p:sp>
         <p:nvSpPr>
           <p:cNvPr id="52" name="Google Shape;52;p5"/>
-          <p:cNvSpPr txBox="1"/>
+          <p:cNvSpPr txBox="1">
+            <a:spLocks noGrp="1"/>
+          </p:cNvSpPr>
           <p:nvPr>
             <p:ph type="title"/>
           </p:nvPr>
@@ -4922,7 +4987,7 @@
           </a:prstGeom>
         </p:spPr>
         <p:txBody>
-          <a:bodyPr anchorCtr="0" anchor="t" bIns="91425" lIns="91425" spcFirstLastPara="1" rIns="91425" wrap="square" tIns="91425">
+          <a:bodyPr spcFirstLastPara="1" wrap="square" lIns="91425" tIns="91425" rIns="91425" bIns="91425" anchor="t" anchorCtr="0">
             <a:normAutofit/>
           </a:bodyPr>
           <a:lstStyle>
@@ -5026,15 +5091,19 @@
               <a:defRPr sz="2400"/>
             </a:lvl9pPr>
           </a:lstStyle>
-          <a:p/>
+          <a:p>
+            <a:endParaRPr/>
+          </a:p>
         </p:txBody>
       </p:sp>
       <p:sp>
         <p:nvSpPr>
           <p:cNvPr id="53" name="Google Shape;53;p5"/>
-          <p:cNvSpPr txBox="1"/>
+          <p:cNvSpPr txBox="1">
+            <a:spLocks noGrp="1"/>
+          </p:cNvSpPr>
           <p:nvPr>
-            <p:ph idx="1" type="body"/>
+            <p:ph type="body" idx="1"/>
           </p:nvPr>
         </p:nvSpPr>
         <p:spPr>
@@ -5047,11 +5116,11 @@
           </a:prstGeom>
         </p:spPr>
         <p:txBody>
-          <a:bodyPr anchorCtr="0" anchor="t" bIns="91425" lIns="91425" spcFirstLastPara="1" rIns="91425" wrap="square" tIns="91425">
+          <a:bodyPr spcFirstLastPara="1" wrap="square" lIns="91425" tIns="91425" rIns="91425" bIns="91425" anchor="t" anchorCtr="0">
             <a:normAutofit/>
           </a:bodyPr>
           <a:lstStyle>
-            <a:lvl1pPr indent="-311150" lvl="0" marL="457200">
+            <a:lvl1pPr marL="457200" lvl="0" indent="-311150">
               <a:spcBef>
                 <a:spcPts val="0"/>
               </a:spcBef>
@@ -5062,7 +5131,7 @@
               <a:buChar char="●"/>
               <a:defRPr/>
             </a:lvl1pPr>
-            <a:lvl2pPr indent="-298450" lvl="1" marL="914400">
+            <a:lvl2pPr marL="914400" lvl="1" indent="-298450">
               <a:spcBef>
                 <a:spcPts val="0"/>
               </a:spcBef>
@@ -5073,7 +5142,7 @@
               <a:buChar char="○"/>
               <a:defRPr/>
             </a:lvl2pPr>
-            <a:lvl3pPr indent="-298450" lvl="2" marL="1371600">
+            <a:lvl3pPr marL="1371600" lvl="2" indent="-298450">
               <a:spcBef>
                 <a:spcPts val="0"/>
               </a:spcBef>
@@ -5084,7 +5153,7 @@
               <a:buChar char="■"/>
               <a:defRPr/>
             </a:lvl3pPr>
-            <a:lvl4pPr indent="-298450" lvl="3" marL="1828800">
+            <a:lvl4pPr marL="1828800" lvl="3" indent="-298450">
               <a:spcBef>
                 <a:spcPts val="0"/>
               </a:spcBef>
@@ -5095,7 +5164,7 @@
               <a:buChar char="●"/>
               <a:defRPr/>
             </a:lvl4pPr>
-            <a:lvl5pPr indent="-298450" lvl="4" marL="2286000">
+            <a:lvl5pPr marL="2286000" lvl="4" indent="-298450">
               <a:spcBef>
                 <a:spcPts val="0"/>
               </a:spcBef>
@@ -5106,7 +5175,7 @@
               <a:buChar char="○"/>
               <a:defRPr/>
             </a:lvl5pPr>
-            <a:lvl6pPr indent="-298450" lvl="5" marL="2743200">
+            <a:lvl6pPr marL="2743200" lvl="5" indent="-298450">
               <a:spcBef>
                 <a:spcPts val="0"/>
               </a:spcBef>
@@ -5117,7 +5186,7 @@
               <a:buChar char="■"/>
               <a:defRPr/>
             </a:lvl6pPr>
-            <a:lvl7pPr indent="-298450" lvl="6" marL="3200400">
+            <a:lvl7pPr marL="3200400" lvl="6" indent="-298450">
               <a:spcBef>
                 <a:spcPts val="0"/>
               </a:spcBef>
@@ -5128,7 +5197,7 @@
               <a:buChar char="●"/>
               <a:defRPr/>
             </a:lvl7pPr>
-            <a:lvl8pPr indent="-298450" lvl="7" marL="3657600">
+            <a:lvl8pPr marL="3657600" lvl="7" indent="-298450">
               <a:spcBef>
                 <a:spcPts val="0"/>
               </a:spcBef>
@@ -5139,7 +5208,7 @@
               <a:buChar char="○"/>
               <a:defRPr/>
             </a:lvl8pPr>
-            <a:lvl9pPr indent="-298450" lvl="8" marL="4114800">
+            <a:lvl9pPr marL="4114800" lvl="8" indent="-298450">
               <a:spcBef>
                 <a:spcPts val="0"/>
               </a:spcBef>
@@ -5151,15 +5220,19 @@
               <a:defRPr/>
             </a:lvl9pPr>
           </a:lstStyle>
-          <a:p/>
+          <a:p>
+            <a:endParaRPr/>
+          </a:p>
         </p:txBody>
       </p:sp>
       <p:sp>
         <p:nvSpPr>
           <p:cNvPr id="54" name="Google Shape;54;p5"/>
-          <p:cNvSpPr txBox="1"/>
+          <p:cNvSpPr txBox="1">
+            <a:spLocks noGrp="1"/>
+          </p:cNvSpPr>
           <p:nvPr>
-            <p:ph idx="2" type="body"/>
+            <p:ph type="body" idx="2"/>
           </p:nvPr>
         </p:nvSpPr>
         <p:spPr>
@@ -5172,11 +5245,11 @@
           </a:prstGeom>
         </p:spPr>
         <p:txBody>
-          <a:bodyPr anchorCtr="0" anchor="t" bIns="91425" lIns="91425" spcFirstLastPara="1" rIns="91425" wrap="square" tIns="91425">
+          <a:bodyPr spcFirstLastPara="1" wrap="square" lIns="91425" tIns="91425" rIns="91425" bIns="91425" anchor="t" anchorCtr="0">
             <a:normAutofit/>
           </a:bodyPr>
           <a:lstStyle>
-            <a:lvl1pPr indent="-311150" lvl="0" marL="457200">
+            <a:lvl1pPr marL="457200" lvl="0" indent="-311150">
               <a:spcBef>
                 <a:spcPts val="0"/>
               </a:spcBef>
@@ -5187,7 +5260,7 @@
               <a:buChar char="●"/>
               <a:defRPr/>
             </a:lvl1pPr>
-            <a:lvl2pPr indent="-298450" lvl="1" marL="914400">
+            <a:lvl2pPr marL="914400" lvl="1" indent="-298450">
               <a:spcBef>
                 <a:spcPts val="0"/>
               </a:spcBef>
@@ -5198,7 +5271,7 @@
               <a:buChar char="○"/>
               <a:defRPr/>
             </a:lvl2pPr>
-            <a:lvl3pPr indent="-298450" lvl="2" marL="1371600">
+            <a:lvl3pPr marL="1371600" lvl="2" indent="-298450">
               <a:spcBef>
                 <a:spcPts val="0"/>
               </a:spcBef>
@@ -5209,7 +5282,7 @@
               <a:buChar char="■"/>
               <a:defRPr/>
             </a:lvl3pPr>
-            <a:lvl4pPr indent="-298450" lvl="3" marL="1828800">
+            <a:lvl4pPr marL="1828800" lvl="3" indent="-298450">
               <a:spcBef>
                 <a:spcPts val="0"/>
               </a:spcBef>
@@ -5220,7 +5293,7 @@
               <a:buChar char="●"/>
               <a:defRPr/>
             </a:lvl4pPr>
-            <a:lvl5pPr indent="-298450" lvl="4" marL="2286000">
+            <a:lvl5pPr marL="2286000" lvl="4" indent="-298450">
               <a:spcBef>
                 <a:spcPts val="0"/>
               </a:spcBef>
@@ -5231,7 +5304,7 @@
               <a:buChar char="○"/>
               <a:defRPr/>
             </a:lvl5pPr>
-            <a:lvl6pPr indent="-298450" lvl="5" marL="2743200">
+            <a:lvl6pPr marL="2743200" lvl="5" indent="-298450">
               <a:spcBef>
                 <a:spcPts val="0"/>
               </a:spcBef>
@@ -5242,7 +5315,7 @@
               <a:buChar char="■"/>
               <a:defRPr/>
             </a:lvl6pPr>
-            <a:lvl7pPr indent="-298450" lvl="6" marL="3200400">
+            <a:lvl7pPr marL="3200400" lvl="6" indent="-298450">
               <a:spcBef>
                 <a:spcPts val="0"/>
               </a:spcBef>
@@ -5253,7 +5326,7 @@
               <a:buChar char="●"/>
               <a:defRPr/>
             </a:lvl7pPr>
-            <a:lvl8pPr indent="-298450" lvl="7" marL="3657600">
+            <a:lvl8pPr marL="3657600" lvl="7" indent="-298450">
               <a:spcBef>
                 <a:spcPts val="0"/>
               </a:spcBef>
@@ -5264,7 +5337,7 @@
               <a:buChar char="○"/>
               <a:defRPr/>
             </a:lvl8pPr>
-            <a:lvl9pPr indent="-298450" lvl="8" marL="4114800">
+            <a:lvl9pPr marL="4114800" lvl="8" indent="-298450">
               <a:spcBef>
                 <a:spcPts val="0"/>
               </a:spcBef>
@@ -5276,15 +5349,19 @@
               <a:defRPr/>
             </a:lvl9pPr>
           </a:lstStyle>
-          <a:p/>
+          <a:p>
+            <a:endParaRPr/>
+          </a:p>
         </p:txBody>
       </p:sp>
       <p:sp>
         <p:nvSpPr>
           <p:cNvPr id="55" name="Google Shape;55;p5"/>
-          <p:cNvSpPr txBox="1"/>
+          <p:cNvSpPr txBox="1">
+            <a:spLocks noGrp="1"/>
+          </p:cNvSpPr>
           <p:nvPr>
-            <p:ph idx="12" type="sldNum"/>
+            <p:ph type="sldNum" idx="12"/>
           </p:nvPr>
         </p:nvSpPr>
         <p:spPr>
@@ -5297,7 +5374,7 @@
           </a:prstGeom>
         </p:spPr>
         <p:txBody>
-          <a:bodyPr anchorCtr="0" anchor="ctr" bIns="91425" lIns="91425" spcFirstLastPara="1" rIns="91425" wrap="square" tIns="91425">
+          <a:bodyPr spcFirstLastPara="1" wrap="square" lIns="91425" tIns="91425" rIns="91425" bIns="91425" anchor="ctr" anchorCtr="0">
             <a:normAutofit/>
           </a:bodyPr>
           <a:lstStyle>
@@ -5339,7 +5416,7 @@
             </a:lvl9pPr>
           </a:lstStyle>
           <a:p>
-            <a:pPr indent="0" lvl="0" marL="0" rtl="0" algn="r">
+            <a:pPr marL="0" lvl="0" indent="0" algn="r" rtl="0">
               <a:spcBef>
                 <a:spcPts val="0"/>
               </a:spcBef>
@@ -5365,11 +5442,11 @@
 </file>
 
 <file path=ppt/slideLayouts/slideLayout5.xml><?xml version="1.0" encoding="utf-8"?>
-<p:sldLayout xmlns:a="http://schemas.openxmlformats.org/drawingml/2006/main" xmlns:r="http://schemas.openxmlformats.org/officeDocument/2006/relationships" xmlns:mc="http://schemas.openxmlformats.org/markup-compatibility/2006" xmlns:mv="urn:schemas-microsoft-com:mac:vml" xmlns:p="http://schemas.openxmlformats.org/presentationml/2006/main" xmlns:c="http://schemas.openxmlformats.org/drawingml/2006/chart" xmlns:dgm="http://schemas.openxmlformats.org/drawingml/2006/diagram" xmlns:o="urn:schemas-microsoft-com:office:office" xmlns:v="urn:schemas-microsoft-com:vml" xmlns:pvml="urn:schemas-microsoft-com:office:powerpoint" xmlns:com="http://schemas.openxmlformats.org/drawingml/2006/compatibility" xmlns:p14="http://schemas.microsoft.com/office/powerpoint/2010/main" xmlns:p15="http://schemas.microsoft.com/office/powerpoint/2012/main" xmlns:ahyp="http://schemas.microsoft.com/office/drawing/2018/hyperlinkcolor" matchingName="Title only" type="titleOnly">
+<p:sldLayout xmlns:a="http://schemas.openxmlformats.org/drawingml/2006/main" xmlns:r="http://schemas.openxmlformats.org/officeDocument/2006/relationships" xmlns:p="http://schemas.openxmlformats.org/presentationml/2006/main" matchingName="Title only" type="titleOnly">
   <p:cSld name="TITLE_ONLY">
     <p:spTree>
       <p:nvGrpSpPr>
-        <p:cNvPr id="56" name="Shape 56"/>
+        <p:cNvPr id="1" name="Shape 56"/>
         <p:cNvGrpSpPr/>
         <p:nvPr/>
       </p:nvGrpSpPr>
@@ -5408,7 +5485,7 @@
             </a:xfrm>
             <a:prstGeom prst="diagStripe">
               <a:avLst>
-                <a:gd fmla="val 50000" name="adj"/>
+                <a:gd name="adj" fmla="val 50000"/>
               </a:avLst>
             </a:prstGeom>
             <a:solidFill>
@@ -5419,12 +5496,12 @@
             </a:ln>
           </p:spPr>
           <p:txBody>
-            <a:bodyPr anchorCtr="0" anchor="ctr" bIns="91425" lIns="91425" spcFirstLastPara="1" rIns="91425" wrap="square" tIns="91425">
+            <a:bodyPr spcFirstLastPara="1" wrap="square" lIns="91425" tIns="91425" rIns="91425" bIns="91425" anchor="ctr" anchorCtr="0">
               <a:noAutofit/>
             </a:bodyPr>
             <a:lstStyle/>
             <a:p>
-              <a:pPr indent="0" lvl="0" marL="0" rtl="0" algn="l">
+              <a:pPr marL="0" lvl="0" indent="0" algn="l" rtl="0">
                 <a:spcBef>
                   <a:spcPts val="0"/>
                 </a:spcBef>
@@ -5433,9 +5510,6 @@
                 </a:spcAft>
                 <a:buNone/>
               </a:pPr>
-              <a:r>
-                <a:t/>
-              </a:r>
               <a:endParaRPr/>
             </a:p>
           </p:txBody>
@@ -5453,7 +5527,7 @@
             </a:xfrm>
             <a:prstGeom prst="diagStripe">
               <a:avLst>
-                <a:gd fmla="val 50000" name="adj"/>
+                <a:gd name="adj" fmla="val 50000"/>
               </a:avLst>
             </a:prstGeom>
             <a:solidFill>
@@ -5464,12 +5538,12 @@
             </a:ln>
           </p:spPr>
           <p:txBody>
-            <a:bodyPr anchorCtr="0" anchor="ctr" bIns="91425" lIns="91425" spcFirstLastPara="1" rIns="91425" wrap="square" tIns="91425">
+            <a:bodyPr spcFirstLastPara="1" wrap="square" lIns="91425" tIns="91425" rIns="91425" bIns="91425" anchor="ctr" anchorCtr="0">
               <a:noAutofit/>
             </a:bodyPr>
             <a:lstStyle/>
             <a:p>
-              <a:pPr indent="0" lvl="0" marL="0" rtl="0" algn="l">
+              <a:pPr marL="0" lvl="0" indent="0" algn="l" rtl="0">
                 <a:spcBef>
                   <a:spcPts val="0"/>
                 </a:spcBef>
@@ -5478,9 +5552,6 @@
                 </a:spcAft>
                 <a:buNone/>
               </a:pPr>
-              <a:r>
-                <a:t/>
-              </a:r>
               <a:endParaRPr/>
             </a:p>
           </p:txBody>
@@ -5489,7 +5560,9 @@
       <p:sp>
         <p:nvSpPr>
           <p:cNvPr id="60" name="Google Shape;60;p6"/>
-          <p:cNvSpPr txBox="1"/>
+          <p:cNvSpPr txBox="1">
+            <a:spLocks noGrp="1"/>
+          </p:cNvSpPr>
           <p:nvPr>
             <p:ph type="title"/>
           </p:nvPr>
@@ -5504,7 +5577,7 @@
           </a:prstGeom>
         </p:spPr>
         <p:txBody>
-          <a:bodyPr anchorCtr="0" anchor="t" bIns="91425" lIns="91425" spcFirstLastPara="1" rIns="91425" wrap="square" tIns="91425">
+          <a:bodyPr spcFirstLastPara="1" wrap="square" lIns="91425" tIns="91425" rIns="91425" bIns="91425" anchor="t" anchorCtr="0">
             <a:normAutofit/>
           </a:bodyPr>
           <a:lstStyle>
@@ -5608,15 +5681,19 @@
               <a:defRPr sz="2400"/>
             </a:lvl9pPr>
           </a:lstStyle>
-          <a:p/>
+          <a:p>
+            <a:endParaRPr/>
+          </a:p>
         </p:txBody>
       </p:sp>
       <p:sp>
         <p:nvSpPr>
           <p:cNvPr id="61" name="Google Shape;61;p6"/>
-          <p:cNvSpPr txBox="1"/>
+          <p:cNvSpPr txBox="1">
+            <a:spLocks noGrp="1"/>
+          </p:cNvSpPr>
           <p:nvPr>
-            <p:ph idx="12" type="sldNum"/>
+            <p:ph type="sldNum" idx="12"/>
           </p:nvPr>
         </p:nvSpPr>
         <p:spPr>
@@ -5629,7 +5706,7 @@
           </a:prstGeom>
         </p:spPr>
         <p:txBody>
-          <a:bodyPr anchorCtr="0" anchor="ctr" bIns="91425" lIns="91425" spcFirstLastPara="1" rIns="91425" wrap="square" tIns="91425">
+          <a:bodyPr spcFirstLastPara="1" wrap="square" lIns="91425" tIns="91425" rIns="91425" bIns="91425" anchor="ctr" anchorCtr="0">
             <a:normAutofit/>
           </a:bodyPr>
           <a:lstStyle>
@@ -5671,7 +5748,7 @@
             </a:lvl9pPr>
           </a:lstStyle>
           <a:p>
-            <a:pPr indent="0" lvl="0" marL="0" rtl="0" algn="r">
+            <a:pPr marL="0" lvl="0" indent="0" algn="r" rtl="0">
               <a:spcBef>
                 <a:spcPts val="0"/>
               </a:spcBef>
@@ -5697,11 +5774,11 @@
 </file>
 
 <file path=ppt/slideLayouts/slideLayout6.xml><?xml version="1.0" encoding="utf-8"?>
-<p:sldLayout xmlns:a="http://schemas.openxmlformats.org/drawingml/2006/main" xmlns:r="http://schemas.openxmlformats.org/officeDocument/2006/relationships" xmlns:mc="http://schemas.openxmlformats.org/markup-compatibility/2006" xmlns:mv="urn:schemas-microsoft-com:mac:vml" xmlns:p="http://schemas.openxmlformats.org/presentationml/2006/main" xmlns:c="http://schemas.openxmlformats.org/drawingml/2006/chart" xmlns:dgm="http://schemas.openxmlformats.org/drawingml/2006/diagram" xmlns:o="urn:schemas-microsoft-com:office:office" xmlns:v="urn:schemas-microsoft-com:vml" xmlns:pvml="urn:schemas-microsoft-com:office:powerpoint" xmlns:com="http://schemas.openxmlformats.org/drawingml/2006/compatibility" xmlns:p14="http://schemas.microsoft.com/office/powerpoint/2010/main" xmlns:p15="http://schemas.microsoft.com/office/powerpoint/2012/main" xmlns:ahyp="http://schemas.microsoft.com/office/drawing/2018/hyperlinkcolor" matchingName="One column text">
+<p:sldLayout xmlns:a="http://schemas.openxmlformats.org/drawingml/2006/main" xmlns:r="http://schemas.openxmlformats.org/officeDocument/2006/relationships" xmlns:p="http://schemas.openxmlformats.org/presentationml/2006/main" matchingName="One column text">
   <p:cSld name="ONE_COLUMN_TEXT">
     <p:spTree>
       <p:nvGrpSpPr>
-        <p:cNvPr id="62" name="Shape 62"/>
+        <p:cNvPr id="1" name="Shape 62"/>
         <p:cNvGrpSpPr/>
         <p:nvPr/>
       </p:nvGrpSpPr>
@@ -5740,7 +5817,7 @@
             </a:xfrm>
             <a:prstGeom prst="diagStripe">
               <a:avLst>
-                <a:gd fmla="val 50000" name="adj"/>
+                <a:gd name="adj" fmla="val 50000"/>
               </a:avLst>
             </a:prstGeom>
             <a:solidFill>
@@ -5751,12 +5828,12 @@
             </a:ln>
           </p:spPr>
           <p:txBody>
-            <a:bodyPr anchorCtr="0" anchor="ctr" bIns="91425" lIns="91425" spcFirstLastPara="1" rIns="91425" wrap="square" tIns="91425">
+            <a:bodyPr spcFirstLastPara="1" wrap="square" lIns="91425" tIns="91425" rIns="91425" bIns="91425" anchor="ctr" anchorCtr="0">
               <a:noAutofit/>
             </a:bodyPr>
             <a:lstStyle/>
             <a:p>
-              <a:pPr indent="0" lvl="0" marL="0" rtl="0" algn="l">
+              <a:pPr marL="0" lvl="0" indent="0" algn="l" rtl="0">
                 <a:spcBef>
                   <a:spcPts val="0"/>
                 </a:spcBef>
@@ -5765,9 +5842,6 @@
                 </a:spcAft>
                 <a:buNone/>
               </a:pPr>
-              <a:r>
-                <a:t/>
-              </a:r>
               <a:endParaRPr/>
             </a:p>
           </p:txBody>
@@ -5785,7 +5859,7 @@
             </a:xfrm>
             <a:prstGeom prst="diagStripe">
               <a:avLst>
-                <a:gd fmla="val 50000" name="adj"/>
+                <a:gd name="adj" fmla="val 50000"/>
               </a:avLst>
             </a:prstGeom>
             <a:solidFill>
@@ -5796,12 +5870,12 @@
             </a:ln>
           </p:spPr>
           <p:txBody>
-            <a:bodyPr anchorCtr="0" anchor="ctr" bIns="91425" lIns="91425" spcFirstLastPara="1" rIns="91425" wrap="square" tIns="91425">
+            <a:bodyPr spcFirstLastPara="1" wrap="square" lIns="91425" tIns="91425" rIns="91425" bIns="91425" anchor="ctr" anchorCtr="0">
               <a:noAutofit/>
             </a:bodyPr>
             <a:lstStyle/>
             <a:p>
-              <a:pPr indent="0" lvl="0" marL="0" rtl="0" algn="l">
+              <a:pPr marL="0" lvl="0" indent="0" algn="l" rtl="0">
                 <a:spcBef>
                   <a:spcPts val="0"/>
                 </a:spcBef>
@@ -5810,9 +5884,6 @@
                 </a:spcAft>
                 <a:buNone/>
               </a:pPr>
-              <a:r>
-                <a:t/>
-              </a:r>
               <a:endParaRPr/>
             </a:p>
           </p:txBody>
@@ -5821,7 +5892,9 @@
       <p:sp>
         <p:nvSpPr>
           <p:cNvPr id="66" name="Google Shape;66;p7"/>
-          <p:cNvSpPr txBox="1"/>
+          <p:cNvSpPr txBox="1">
+            <a:spLocks noGrp="1"/>
+          </p:cNvSpPr>
           <p:nvPr>
             <p:ph type="title"/>
           </p:nvPr>
@@ -5836,7 +5909,7 @@
           </a:prstGeom>
         </p:spPr>
         <p:txBody>
-          <a:bodyPr anchorCtr="0" anchor="t" bIns="91425" lIns="91425" spcFirstLastPara="1" rIns="91425" wrap="square" tIns="91425">
+          <a:bodyPr spcFirstLastPara="1" wrap="square" lIns="91425" tIns="91425" rIns="91425" bIns="91425" anchor="t" anchorCtr="0">
             <a:normAutofit/>
           </a:bodyPr>
           <a:lstStyle>
@@ -5940,15 +6013,19 @@
               <a:defRPr sz="2400"/>
             </a:lvl9pPr>
           </a:lstStyle>
-          <a:p/>
+          <a:p>
+            <a:endParaRPr/>
+          </a:p>
         </p:txBody>
       </p:sp>
       <p:sp>
         <p:nvSpPr>
           <p:cNvPr id="67" name="Google Shape;67;p7"/>
-          <p:cNvSpPr txBox="1"/>
+          <p:cNvSpPr txBox="1">
+            <a:spLocks noGrp="1"/>
+          </p:cNvSpPr>
           <p:nvPr>
-            <p:ph idx="1" type="body"/>
+            <p:ph type="body" idx="1"/>
           </p:nvPr>
         </p:nvSpPr>
         <p:spPr>
@@ -5961,11 +6038,11 @@
           </a:prstGeom>
         </p:spPr>
         <p:txBody>
-          <a:bodyPr anchorCtr="0" anchor="t" bIns="91425" lIns="91425" spcFirstLastPara="1" rIns="91425" wrap="square" tIns="91425">
+          <a:bodyPr spcFirstLastPara="1" wrap="square" lIns="91425" tIns="91425" rIns="91425" bIns="91425" anchor="t" anchorCtr="0">
             <a:normAutofit/>
           </a:bodyPr>
           <a:lstStyle>
-            <a:lvl1pPr indent="-311150" lvl="0" marL="457200">
+            <a:lvl1pPr marL="457200" lvl="0" indent="-311150">
               <a:spcBef>
                 <a:spcPts val="0"/>
               </a:spcBef>
@@ -5976,7 +6053,7 @@
               <a:buChar char="●"/>
               <a:defRPr/>
             </a:lvl1pPr>
-            <a:lvl2pPr indent="-298450" lvl="1" marL="914400">
+            <a:lvl2pPr marL="914400" lvl="1" indent="-298450">
               <a:spcBef>
                 <a:spcPts val="0"/>
               </a:spcBef>
@@ -5987,7 +6064,7 @@
               <a:buChar char="○"/>
               <a:defRPr/>
             </a:lvl2pPr>
-            <a:lvl3pPr indent="-298450" lvl="2" marL="1371600">
+            <a:lvl3pPr marL="1371600" lvl="2" indent="-298450">
               <a:spcBef>
                 <a:spcPts val="0"/>
               </a:spcBef>
@@ -5998,7 +6075,7 @@
               <a:buChar char="■"/>
               <a:defRPr/>
             </a:lvl3pPr>
-            <a:lvl4pPr indent="-298450" lvl="3" marL="1828800">
+            <a:lvl4pPr marL="1828800" lvl="3" indent="-298450">
               <a:spcBef>
                 <a:spcPts val="0"/>
               </a:spcBef>
@@ -6009,7 +6086,7 @@
               <a:buChar char="●"/>
               <a:defRPr/>
             </a:lvl4pPr>
-            <a:lvl5pPr indent="-298450" lvl="4" marL="2286000">
+            <a:lvl5pPr marL="2286000" lvl="4" indent="-298450">
               <a:spcBef>
                 <a:spcPts val="0"/>
               </a:spcBef>
@@ -6020,7 +6097,7 @@
               <a:buChar char="○"/>
               <a:defRPr/>
             </a:lvl5pPr>
-            <a:lvl6pPr indent="-298450" lvl="5" marL="2743200">
+            <a:lvl6pPr marL="2743200" lvl="5" indent="-298450">
               <a:spcBef>
                 <a:spcPts val="0"/>
               </a:spcBef>
@@ -6031,7 +6108,7 @@
               <a:buChar char="■"/>
               <a:defRPr/>
             </a:lvl6pPr>
-            <a:lvl7pPr indent="-298450" lvl="6" marL="3200400">
+            <a:lvl7pPr marL="3200400" lvl="6" indent="-298450">
               <a:spcBef>
                 <a:spcPts val="0"/>
               </a:spcBef>
@@ -6042,7 +6119,7 @@
               <a:buChar char="●"/>
               <a:defRPr/>
             </a:lvl7pPr>
-            <a:lvl8pPr indent="-298450" lvl="7" marL="3657600">
+            <a:lvl8pPr marL="3657600" lvl="7" indent="-298450">
               <a:spcBef>
                 <a:spcPts val="0"/>
               </a:spcBef>
@@ -6053,7 +6130,7 @@
               <a:buChar char="○"/>
               <a:defRPr/>
             </a:lvl8pPr>
-            <a:lvl9pPr indent="-298450" lvl="8" marL="4114800">
+            <a:lvl9pPr marL="4114800" lvl="8" indent="-298450">
               <a:spcBef>
                 <a:spcPts val="0"/>
               </a:spcBef>
@@ -6065,15 +6142,19 @@
               <a:defRPr/>
             </a:lvl9pPr>
           </a:lstStyle>
-          <a:p/>
+          <a:p>
+            <a:endParaRPr/>
+          </a:p>
         </p:txBody>
       </p:sp>
       <p:sp>
         <p:nvSpPr>
           <p:cNvPr id="68" name="Google Shape;68;p7"/>
-          <p:cNvSpPr txBox="1"/>
+          <p:cNvSpPr txBox="1">
+            <a:spLocks noGrp="1"/>
+          </p:cNvSpPr>
           <p:nvPr>
-            <p:ph idx="12" type="sldNum"/>
+            <p:ph type="sldNum" idx="12"/>
           </p:nvPr>
         </p:nvSpPr>
         <p:spPr>
@@ -6086,7 +6167,7 @@
           </a:prstGeom>
         </p:spPr>
         <p:txBody>
-          <a:bodyPr anchorCtr="0" anchor="ctr" bIns="91425" lIns="91425" spcFirstLastPara="1" rIns="91425" wrap="square" tIns="91425">
+          <a:bodyPr spcFirstLastPara="1" wrap="square" lIns="91425" tIns="91425" rIns="91425" bIns="91425" anchor="ctr" anchorCtr="0">
             <a:normAutofit/>
           </a:bodyPr>
           <a:lstStyle>
@@ -6128,7 +6209,7 @@
             </a:lvl9pPr>
           </a:lstStyle>
           <a:p>
-            <a:pPr indent="0" lvl="0" marL="0" rtl="0" algn="r">
+            <a:pPr marL="0" lvl="0" indent="0" algn="r" rtl="0">
               <a:spcBef>
                 <a:spcPts val="0"/>
               </a:spcBef>
@@ -6154,11 +6235,11 @@
 </file>
 
 <file path=ppt/slideLayouts/slideLayout7.xml><?xml version="1.0" encoding="utf-8"?>
-<p:sldLayout xmlns:a="http://schemas.openxmlformats.org/drawingml/2006/main" xmlns:r="http://schemas.openxmlformats.org/officeDocument/2006/relationships" xmlns:mc="http://schemas.openxmlformats.org/markup-compatibility/2006" xmlns:mv="urn:schemas-microsoft-com:mac:vml" xmlns:p="http://schemas.openxmlformats.org/presentationml/2006/main" xmlns:c="http://schemas.openxmlformats.org/drawingml/2006/chart" xmlns:dgm="http://schemas.openxmlformats.org/drawingml/2006/diagram" xmlns:o="urn:schemas-microsoft-com:office:office" xmlns:v="urn:schemas-microsoft-com:vml" xmlns:pvml="urn:schemas-microsoft-com:office:powerpoint" xmlns:com="http://schemas.openxmlformats.org/drawingml/2006/compatibility" xmlns:p14="http://schemas.microsoft.com/office/powerpoint/2010/main" xmlns:p15="http://schemas.microsoft.com/office/powerpoint/2012/main" xmlns:ahyp="http://schemas.microsoft.com/office/drawing/2018/hyperlinkcolor" matchingName="Main point">
+<p:sldLayout xmlns:a="http://schemas.openxmlformats.org/drawingml/2006/main" xmlns:r="http://schemas.openxmlformats.org/officeDocument/2006/relationships" xmlns:p="http://schemas.openxmlformats.org/presentationml/2006/main" matchingName="Main point">
   <p:cSld name="MAIN_POINT">
     <p:spTree>
       <p:nvGrpSpPr>
-        <p:cNvPr id="69" name="Shape 69"/>
+        <p:cNvPr id="1" name="Shape 69"/>
         <p:cNvGrpSpPr/>
         <p:nvPr/>
       </p:nvGrpSpPr>
@@ -6197,7 +6278,7 @@
             </a:xfrm>
             <a:prstGeom prst="diagStripe">
               <a:avLst>
-                <a:gd fmla="val 49469" name="adj"/>
+                <a:gd name="adj" fmla="val 49469"/>
               </a:avLst>
             </a:prstGeom>
             <a:solidFill>
@@ -6210,12 +6291,12 @@
             </a:ln>
           </p:spPr>
           <p:txBody>
-            <a:bodyPr anchorCtr="0" anchor="ctr" bIns="91425" lIns="91425" spcFirstLastPara="1" rIns="91425" wrap="square" tIns="91425">
+            <a:bodyPr spcFirstLastPara="1" wrap="square" lIns="91425" tIns="91425" rIns="91425" bIns="91425" anchor="ctr" anchorCtr="0">
               <a:noAutofit/>
             </a:bodyPr>
             <a:lstStyle/>
             <a:p>
-              <a:pPr indent="0" lvl="0" marL="0" rtl="0" algn="l">
+              <a:pPr marL="0" lvl="0" indent="0" algn="l" rtl="0">
                 <a:spcBef>
                   <a:spcPts val="0"/>
                 </a:spcBef>
@@ -6224,9 +6305,6 @@
                 </a:spcAft>
                 <a:buNone/>
               </a:pPr>
-              <a:r>
-                <a:t/>
-              </a:r>
               <a:endParaRPr/>
             </a:p>
           </p:txBody>
@@ -6244,7 +6322,7 @@
             </a:xfrm>
             <a:prstGeom prst="diagStripe">
               <a:avLst>
-                <a:gd fmla="val 0" name="adj"/>
+                <a:gd name="adj" fmla="val 0"/>
               </a:avLst>
             </a:prstGeom>
             <a:solidFill>
@@ -6257,12 +6335,12 @@
             </a:ln>
           </p:spPr>
           <p:txBody>
-            <a:bodyPr anchorCtr="0" anchor="ctr" bIns="91425" lIns="91425" spcFirstLastPara="1" rIns="91425" wrap="square" tIns="91425">
+            <a:bodyPr spcFirstLastPara="1" wrap="square" lIns="91425" tIns="91425" rIns="91425" bIns="91425" anchor="ctr" anchorCtr="0">
               <a:noAutofit/>
             </a:bodyPr>
             <a:lstStyle/>
             <a:p>
-              <a:pPr indent="0" lvl="0" marL="0" rtl="0" algn="l">
+              <a:pPr marL="0" lvl="0" indent="0" algn="l" rtl="0">
                 <a:spcBef>
                   <a:spcPts val="0"/>
                 </a:spcBef>
@@ -6271,9 +6349,6 @@
                 </a:spcAft>
                 <a:buNone/>
               </a:pPr>
-              <a:r>
-                <a:t/>
-              </a:r>
               <a:endParaRPr/>
             </a:p>
           </p:txBody>
@@ -6291,7 +6366,7 @@
             </a:xfrm>
             <a:prstGeom prst="diagStripe">
               <a:avLst>
-                <a:gd fmla="val 50000" name="adj"/>
+                <a:gd name="adj" fmla="val 50000"/>
               </a:avLst>
             </a:prstGeom>
             <a:solidFill>
@@ -6304,12 +6379,12 @@
             </a:ln>
           </p:spPr>
           <p:txBody>
-            <a:bodyPr anchorCtr="0" anchor="ctr" bIns="91425" lIns="91425" spcFirstLastPara="1" rIns="91425" wrap="square" tIns="91425">
+            <a:bodyPr spcFirstLastPara="1" wrap="square" lIns="91425" tIns="91425" rIns="91425" bIns="91425" anchor="ctr" anchorCtr="0">
               <a:noAutofit/>
             </a:bodyPr>
             <a:lstStyle/>
             <a:p>
-              <a:pPr indent="0" lvl="0" marL="0" rtl="0" algn="l">
+              <a:pPr marL="0" lvl="0" indent="0" algn="l" rtl="0">
                 <a:spcBef>
                   <a:spcPts val="0"/>
                 </a:spcBef>
@@ -6318,9 +6393,6 @@
                 </a:spcAft>
                 <a:buNone/>
               </a:pPr>
-              <a:r>
-                <a:t/>
-              </a:r>
               <a:endParaRPr/>
             </a:p>
           </p:txBody>
@@ -6338,7 +6410,7 @@
             </a:xfrm>
             <a:prstGeom prst="diagStripe">
               <a:avLst>
-                <a:gd fmla="val 50000" name="adj"/>
+                <a:gd name="adj" fmla="val 50000"/>
               </a:avLst>
             </a:prstGeom>
             <a:solidFill>
@@ -6351,12 +6423,12 @@
             </a:ln>
           </p:spPr>
           <p:txBody>
-            <a:bodyPr anchorCtr="0" anchor="ctr" bIns="91425" lIns="91425" spcFirstLastPara="1" rIns="91425" wrap="square" tIns="91425">
+            <a:bodyPr spcFirstLastPara="1" wrap="square" lIns="91425" tIns="91425" rIns="91425" bIns="91425" anchor="ctr" anchorCtr="0">
               <a:noAutofit/>
             </a:bodyPr>
             <a:lstStyle/>
             <a:p>
-              <a:pPr indent="0" lvl="0" marL="0" rtl="0" algn="l">
+              <a:pPr marL="0" lvl="0" indent="0" algn="l" rtl="0">
                 <a:spcBef>
                   <a:spcPts val="0"/>
                 </a:spcBef>
@@ -6365,9 +6437,6 @@
                 </a:spcAft>
                 <a:buNone/>
               </a:pPr>
-              <a:r>
-                <a:t/>
-              </a:r>
               <a:endParaRPr/>
             </a:p>
           </p:txBody>
@@ -6385,7 +6454,7 @@
             </a:xfrm>
             <a:prstGeom prst="diagStripe">
               <a:avLst>
-                <a:gd fmla="val 50000" name="adj"/>
+                <a:gd name="adj" fmla="val 50000"/>
               </a:avLst>
             </a:prstGeom>
             <a:solidFill>
@@ -6398,12 +6467,12 @@
             </a:ln>
           </p:spPr>
           <p:txBody>
-            <a:bodyPr anchorCtr="0" anchor="ctr" bIns="91425" lIns="91425" spcFirstLastPara="1" rIns="91425" wrap="square" tIns="91425">
+            <a:bodyPr spcFirstLastPara="1" wrap="square" lIns="91425" tIns="91425" rIns="91425" bIns="91425" anchor="ctr" anchorCtr="0">
               <a:noAutofit/>
             </a:bodyPr>
             <a:lstStyle/>
             <a:p>
-              <a:pPr indent="0" lvl="0" marL="0" rtl="0" algn="l">
+              <a:pPr marL="0" lvl="0" indent="0" algn="l" rtl="0">
                 <a:spcBef>
                   <a:spcPts val="0"/>
                 </a:spcBef>
@@ -6412,9 +6481,6 @@
                 </a:spcAft>
                 <a:buNone/>
               </a:pPr>
-              <a:r>
-                <a:t/>
-              </a:r>
               <a:endParaRPr/>
             </a:p>
           </p:txBody>
@@ -6432,7 +6498,7 @@
             </a:xfrm>
             <a:prstGeom prst="diagStripe">
               <a:avLst>
-                <a:gd fmla="val 50000" name="adj"/>
+                <a:gd name="adj" fmla="val 50000"/>
               </a:avLst>
             </a:prstGeom>
             <a:solidFill>
@@ -6445,12 +6511,12 @@
             </a:ln>
           </p:spPr>
           <p:txBody>
-            <a:bodyPr anchorCtr="0" anchor="ctr" bIns="91425" lIns="91425" spcFirstLastPara="1" rIns="91425" wrap="square" tIns="91425">
+            <a:bodyPr spcFirstLastPara="1" wrap="square" lIns="91425" tIns="91425" rIns="91425" bIns="91425" anchor="ctr" anchorCtr="0">
               <a:noAutofit/>
             </a:bodyPr>
             <a:lstStyle/>
             <a:p>
-              <a:pPr indent="0" lvl="0" marL="0" rtl="0" algn="l">
+              <a:pPr marL="0" lvl="0" indent="0" algn="l" rtl="0">
                 <a:spcBef>
                   <a:spcPts val="0"/>
                 </a:spcBef>
@@ -6459,9 +6525,6 @@
                 </a:spcAft>
                 <a:buNone/>
               </a:pPr>
-              <a:r>
-                <a:t/>
-              </a:r>
               <a:endParaRPr/>
             </a:p>
           </p:txBody>
@@ -6479,7 +6542,7 @@
             </a:xfrm>
             <a:prstGeom prst="diagStripe">
               <a:avLst>
-                <a:gd fmla="val 50000" name="adj"/>
+                <a:gd name="adj" fmla="val 50000"/>
               </a:avLst>
             </a:prstGeom>
             <a:solidFill>
@@ -6492,12 +6555,12 @@
             </a:ln>
           </p:spPr>
           <p:txBody>
-            <a:bodyPr anchorCtr="0" anchor="ctr" bIns="91425" lIns="91425" spcFirstLastPara="1" rIns="91425" wrap="square" tIns="91425">
+            <a:bodyPr spcFirstLastPara="1" wrap="square" lIns="91425" tIns="91425" rIns="91425" bIns="91425" anchor="ctr" anchorCtr="0">
               <a:noAutofit/>
             </a:bodyPr>
             <a:lstStyle/>
             <a:p>
-              <a:pPr indent="0" lvl="0" marL="0" rtl="0" algn="l">
+              <a:pPr marL="0" lvl="0" indent="0" algn="l" rtl="0">
                 <a:spcBef>
                   <a:spcPts val="0"/>
                 </a:spcBef>
@@ -6506,9 +6569,6 @@
                 </a:spcAft>
                 <a:buNone/>
               </a:pPr>
-              <a:r>
-                <a:t/>
-              </a:r>
               <a:endParaRPr/>
             </a:p>
           </p:txBody>
@@ -6526,7 +6586,7 @@
             </a:xfrm>
             <a:prstGeom prst="diagStripe">
               <a:avLst>
-                <a:gd fmla="val 50000" name="adj"/>
+                <a:gd name="adj" fmla="val 50000"/>
               </a:avLst>
             </a:prstGeom>
             <a:solidFill>
@@ -6537,12 +6597,12 @@
             </a:ln>
           </p:spPr>
           <p:txBody>
-            <a:bodyPr anchorCtr="0" anchor="ctr" bIns="91425" lIns="91425" spcFirstLastPara="1" rIns="91425" wrap="square" tIns="91425">
+            <a:bodyPr spcFirstLastPara="1" wrap="square" lIns="91425" tIns="91425" rIns="91425" bIns="91425" anchor="ctr" anchorCtr="0">
               <a:noAutofit/>
             </a:bodyPr>
             <a:lstStyle/>
             <a:p>
-              <a:pPr indent="0" lvl="0" marL="0" rtl="0" algn="l">
+              <a:pPr marL="0" lvl="0" indent="0" algn="l" rtl="0">
                 <a:spcBef>
                   <a:spcPts val="0"/>
                 </a:spcBef>
@@ -6551,9 +6611,6 @@
                 </a:spcAft>
                 <a:buNone/>
               </a:pPr>
-              <a:r>
-                <a:t/>
-              </a:r>
               <a:endParaRPr/>
             </a:p>
           </p:txBody>
@@ -6571,7 +6628,7 @@
             </a:xfrm>
             <a:prstGeom prst="diagStripe">
               <a:avLst>
-                <a:gd fmla="val 50000" name="adj"/>
+                <a:gd name="adj" fmla="val 50000"/>
               </a:avLst>
             </a:prstGeom>
             <a:solidFill>
@@ -6584,12 +6641,12 @@
             </a:ln>
           </p:spPr>
           <p:txBody>
-            <a:bodyPr anchorCtr="0" anchor="ctr" bIns="91425" lIns="91425" spcFirstLastPara="1" rIns="91425" wrap="square" tIns="91425">
+            <a:bodyPr spcFirstLastPara="1" wrap="square" lIns="91425" tIns="91425" rIns="91425" bIns="91425" anchor="ctr" anchorCtr="0">
               <a:noAutofit/>
             </a:bodyPr>
             <a:lstStyle/>
             <a:p>
-              <a:pPr indent="0" lvl="0" marL="0" rtl="0" algn="l">
+              <a:pPr marL="0" lvl="0" indent="0" algn="l" rtl="0">
                 <a:spcBef>
                   <a:spcPts val="0"/>
                 </a:spcBef>
@@ -6598,9 +6655,6 @@
                 </a:spcAft>
                 <a:buNone/>
               </a:pPr>
-              <a:r>
-                <a:t/>
-              </a:r>
               <a:endParaRPr/>
             </a:p>
           </p:txBody>
@@ -6618,7 +6672,7 @@
             </a:xfrm>
             <a:prstGeom prst="diagStripe">
               <a:avLst>
-                <a:gd fmla="val 50000" name="adj"/>
+                <a:gd name="adj" fmla="val 50000"/>
               </a:avLst>
             </a:prstGeom>
             <a:solidFill>
@@ -6631,12 +6685,12 @@
             </a:ln>
           </p:spPr>
           <p:txBody>
-            <a:bodyPr anchorCtr="0" anchor="ctr" bIns="91425" lIns="91425" spcFirstLastPara="1" rIns="91425" wrap="square" tIns="91425">
+            <a:bodyPr spcFirstLastPara="1" wrap="square" lIns="91425" tIns="91425" rIns="91425" bIns="91425" anchor="ctr" anchorCtr="0">
               <a:noAutofit/>
             </a:bodyPr>
             <a:lstStyle/>
             <a:p>
-              <a:pPr indent="0" lvl="0" marL="0" rtl="0" algn="l">
+              <a:pPr marL="0" lvl="0" indent="0" algn="l" rtl="0">
                 <a:spcBef>
                   <a:spcPts val="0"/>
                 </a:spcBef>
@@ -6645,9 +6699,6 @@
                 </a:spcAft>
                 <a:buNone/>
               </a:pPr>
-              <a:r>
-                <a:t/>
-              </a:r>
               <a:endParaRPr/>
             </a:p>
           </p:txBody>
@@ -6665,7 +6716,7 @@
             </a:xfrm>
             <a:prstGeom prst="diagStripe">
               <a:avLst>
-                <a:gd fmla="val 50000" name="adj"/>
+                <a:gd name="adj" fmla="val 50000"/>
               </a:avLst>
             </a:prstGeom>
             <a:solidFill>
@@ -6678,12 +6729,12 @@
             </a:ln>
           </p:spPr>
           <p:txBody>
-            <a:bodyPr anchorCtr="0" anchor="ctr" bIns="91425" lIns="91425" spcFirstLastPara="1" rIns="91425" wrap="square" tIns="91425">
+            <a:bodyPr spcFirstLastPara="1" wrap="square" lIns="91425" tIns="91425" rIns="91425" bIns="91425" anchor="ctr" anchorCtr="0">
               <a:noAutofit/>
             </a:bodyPr>
             <a:lstStyle/>
             <a:p>
-              <a:pPr indent="0" lvl="0" marL="0" rtl="0" algn="l">
+              <a:pPr marL="0" lvl="0" indent="0" algn="l" rtl="0">
                 <a:spcBef>
                   <a:spcPts val="0"/>
                 </a:spcBef>
@@ -6692,9 +6743,6 @@
                 </a:spcAft>
                 <a:buNone/>
               </a:pPr>
-              <a:r>
-                <a:t/>
-              </a:r>
               <a:endParaRPr/>
             </a:p>
           </p:txBody>
@@ -6712,7 +6760,7 @@
             </a:xfrm>
             <a:prstGeom prst="diagStripe">
               <a:avLst>
-                <a:gd fmla="val 50000" name="adj"/>
+                <a:gd name="adj" fmla="val 50000"/>
               </a:avLst>
             </a:prstGeom>
             <a:solidFill>
@@ -6725,12 +6773,12 @@
             </a:ln>
           </p:spPr>
           <p:txBody>
-            <a:bodyPr anchorCtr="0" anchor="ctr" bIns="91425" lIns="91425" spcFirstLastPara="1" rIns="91425" wrap="square" tIns="91425">
+            <a:bodyPr spcFirstLastPara="1" wrap="square" lIns="91425" tIns="91425" rIns="91425" bIns="91425" anchor="ctr" anchorCtr="0">
               <a:noAutofit/>
             </a:bodyPr>
             <a:lstStyle/>
             <a:p>
-              <a:pPr indent="0" lvl="0" marL="0" rtl="0" algn="l">
+              <a:pPr marL="0" lvl="0" indent="0" algn="l" rtl="0">
                 <a:spcBef>
                   <a:spcPts val="0"/>
                 </a:spcBef>
@@ -6739,9 +6787,6 @@
                 </a:spcAft>
                 <a:buNone/>
               </a:pPr>
-              <a:r>
-                <a:t/>
-              </a:r>
               <a:endParaRPr/>
             </a:p>
           </p:txBody>
@@ -6759,7 +6804,7 @@
             </a:xfrm>
             <a:prstGeom prst="diagStripe">
               <a:avLst>
-                <a:gd fmla="val 50000" name="adj"/>
+                <a:gd name="adj" fmla="val 50000"/>
               </a:avLst>
             </a:prstGeom>
             <a:solidFill>
@@ -6772,12 +6817,12 @@
             </a:ln>
           </p:spPr>
           <p:txBody>
-            <a:bodyPr anchorCtr="0" anchor="ctr" bIns="91425" lIns="91425" spcFirstLastPara="1" rIns="91425" wrap="square" tIns="91425">
+            <a:bodyPr spcFirstLastPara="1" wrap="square" lIns="91425" tIns="91425" rIns="91425" bIns="91425" anchor="ctr" anchorCtr="0">
               <a:noAutofit/>
             </a:bodyPr>
             <a:lstStyle/>
             <a:p>
-              <a:pPr indent="0" lvl="0" marL="0" rtl="0" algn="l">
+              <a:pPr marL="0" lvl="0" indent="0" algn="l" rtl="0">
                 <a:spcBef>
                   <a:spcPts val="0"/>
                 </a:spcBef>
@@ -6786,9 +6831,6 @@
                 </a:spcAft>
                 <a:buNone/>
               </a:pPr>
-              <a:r>
-                <a:t/>
-              </a:r>
               <a:endParaRPr/>
             </a:p>
           </p:txBody>
@@ -6806,7 +6848,7 @@
             </a:xfrm>
             <a:prstGeom prst="diagStripe">
               <a:avLst>
-                <a:gd fmla="val 50000" name="adj"/>
+                <a:gd name="adj" fmla="val 50000"/>
               </a:avLst>
             </a:prstGeom>
             <a:solidFill>
@@ -6817,12 +6859,12 @@
             </a:ln>
           </p:spPr>
           <p:txBody>
-            <a:bodyPr anchorCtr="0" anchor="ctr" bIns="91425" lIns="91425" spcFirstLastPara="1" rIns="91425" wrap="square" tIns="91425">
+            <a:bodyPr spcFirstLastPara="1" wrap="square" lIns="91425" tIns="91425" rIns="91425" bIns="91425" anchor="ctr" anchorCtr="0">
               <a:noAutofit/>
             </a:bodyPr>
             <a:lstStyle/>
             <a:p>
-              <a:pPr indent="0" lvl="0" marL="0" rtl="0" algn="l">
+              <a:pPr marL="0" lvl="0" indent="0" algn="l" rtl="0">
                 <a:spcBef>
                   <a:spcPts val="0"/>
                 </a:spcBef>
@@ -6831,9 +6873,6 @@
                 </a:spcAft>
                 <a:buNone/>
               </a:pPr>
-              <a:r>
-                <a:t/>
-              </a:r>
               <a:endParaRPr/>
             </a:p>
           </p:txBody>
@@ -6851,7 +6890,7 @@
             </a:xfrm>
             <a:prstGeom prst="diagStripe">
               <a:avLst>
-                <a:gd fmla="val 50000" name="adj"/>
+                <a:gd name="adj" fmla="val 50000"/>
               </a:avLst>
             </a:prstGeom>
             <a:solidFill>
@@ -6864,12 +6903,12 @@
             </a:ln>
           </p:spPr>
           <p:txBody>
-            <a:bodyPr anchorCtr="0" anchor="ctr" bIns="91425" lIns="91425" spcFirstLastPara="1" rIns="91425" wrap="square" tIns="91425">
+            <a:bodyPr spcFirstLastPara="1" wrap="square" lIns="91425" tIns="91425" rIns="91425" bIns="91425" anchor="ctr" anchorCtr="0">
               <a:noAutofit/>
             </a:bodyPr>
             <a:lstStyle/>
             <a:p>
-              <a:pPr indent="0" lvl="0" marL="0" rtl="0" algn="l">
+              <a:pPr marL="0" lvl="0" indent="0" algn="l" rtl="0">
                 <a:spcBef>
                   <a:spcPts val="0"/>
                 </a:spcBef>
@@ -6878,9 +6917,6 @@
                 </a:spcAft>
                 <a:buNone/>
               </a:pPr>
-              <a:r>
-                <a:t/>
-              </a:r>
               <a:endParaRPr/>
             </a:p>
           </p:txBody>
@@ -6898,7 +6934,7 @@
             </a:xfrm>
             <a:prstGeom prst="diagStripe">
               <a:avLst>
-                <a:gd fmla="val 50000" name="adj"/>
+                <a:gd name="adj" fmla="val 50000"/>
               </a:avLst>
             </a:prstGeom>
             <a:solidFill>
@@ -6911,12 +6947,12 @@
             </a:ln>
           </p:spPr>
           <p:txBody>
-            <a:bodyPr anchorCtr="0" anchor="ctr" bIns="91425" lIns="91425" spcFirstLastPara="1" rIns="91425" wrap="square" tIns="91425">
+            <a:bodyPr spcFirstLastPara="1" wrap="square" lIns="91425" tIns="91425" rIns="91425" bIns="91425" anchor="ctr" anchorCtr="0">
               <a:noAutofit/>
             </a:bodyPr>
             <a:lstStyle/>
             <a:p>
-              <a:pPr indent="0" lvl="0" marL="0" rtl="0" algn="l">
+              <a:pPr marL="0" lvl="0" indent="0" algn="l" rtl="0">
                 <a:spcBef>
                   <a:spcPts val="0"/>
                 </a:spcBef>
@@ -6925,9 +6961,6 @@
                 </a:spcAft>
                 <a:buNone/>
               </a:pPr>
-              <a:r>
-                <a:t/>
-              </a:r>
               <a:endParaRPr/>
             </a:p>
           </p:txBody>
@@ -6945,7 +6978,7 @@
             </a:xfrm>
             <a:prstGeom prst="diagStripe">
               <a:avLst>
-                <a:gd fmla="val 50000" name="adj"/>
+                <a:gd name="adj" fmla="val 50000"/>
               </a:avLst>
             </a:prstGeom>
             <a:solidFill>
@@ -6958,12 +6991,12 @@
             </a:ln>
           </p:spPr>
           <p:txBody>
-            <a:bodyPr anchorCtr="0" anchor="ctr" bIns="91425" lIns="91425" spcFirstLastPara="1" rIns="91425" wrap="square" tIns="91425">
+            <a:bodyPr spcFirstLastPara="1" wrap="square" lIns="91425" tIns="91425" rIns="91425" bIns="91425" anchor="ctr" anchorCtr="0">
               <a:noAutofit/>
             </a:bodyPr>
             <a:lstStyle/>
             <a:p>
-              <a:pPr indent="0" lvl="0" marL="0" rtl="0" algn="l">
+              <a:pPr marL="0" lvl="0" indent="0" algn="l" rtl="0">
                 <a:spcBef>
                   <a:spcPts val="0"/>
                 </a:spcBef>
@@ -6972,9 +7005,6 @@
                 </a:spcAft>
                 <a:buNone/>
               </a:pPr>
-              <a:r>
-                <a:t/>
-              </a:r>
               <a:endParaRPr/>
             </a:p>
           </p:txBody>
@@ -6992,7 +7022,7 @@
             </a:xfrm>
             <a:prstGeom prst="diagStripe">
               <a:avLst>
-                <a:gd fmla="val 50000" name="adj"/>
+                <a:gd name="adj" fmla="val 50000"/>
               </a:avLst>
             </a:prstGeom>
             <a:solidFill>
@@ -7005,12 +7035,12 @@
             </a:ln>
           </p:spPr>
           <p:txBody>
-            <a:bodyPr anchorCtr="0" anchor="ctr" bIns="91425" lIns="91425" spcFirstLastPara="1" rIns="91425" wrap="square" tIns="91425">
+            <a:bodyPr spcFirstLastPara="1" wrap="square" lIns="91425" tIns="91425" rIns="91425" bIns="91425" anchor="ctr" anchorCtr="0">
               <a:noAutofit/>
             </a:bodyPr>
             <a:lstStyle/>
             <a:p>
-              <a:pPr indent="0" lvl="0" marL="0" rtl="0" algn="l">
+              <a:pPr marL="0" lvl="0" indent="0" algn="l" rtl="0">
                 <a:spcBef>
                   <a:spcPts val="0"/>
                 </a:spcBef>
@@ -7019,9 +7049,6 @@
                 </a:spcAft>
                 <a:buNone/>
               </a:pPr>
-              <a:r>
-                <a:t/>
-              </a:r>
               <a:endParaRPr/>
             </a:p>
           </p:txBody>
@@ -7030,7 +7057,9 @@
       <p:sp>
         <p:nvSpPr>
           <p:cNvPr id="89" name="Google Shape;89;p8"/>
-          <p:cNvSpPr txBox="1"/>
+          <p:cNvSpPr txBox="1">
+            <a:spLocks noGrp="1"/>
+          </p:cNvSpPr>
           <p:nvPr>
             <p:ph type="title"/>
           </p:nvPr>
@@ -7045,7 +7074,7 @@
           </a:prstGeom>
         </p:spPr>
         <p:txBody>
-          <a:bodyPr anchorCtr="0" anchor="ctr" bIns="91425" lIns="91425" spcFirstLastPara="1" rIns="91425" wrap="square" tIns="91425">
+          <a:bodyPr spcFirstLastPara="1" wrap="square" lIns="91425" tIns="91425" rIns="91425" bIns="91425" anchor="ctr" anchorCtr="0">
             <a:normAutofit/>
           </a:bodyPr>
           <a:lstStyle>
@@ -7149,15 +7178,19 @@
               <a:defRPr/>
             </a:lvl9pPr>
           </a:lstStyle>
-          <a:p/>
+          <a:p>
+            <a:endParaRPr/>
+          </a:p>
         </p:txBody>
       </p:sp>
       <p:sp>
         <p:nvSpPr>
           <p:cNvPr id="90" name="Google Shape;90;p8"/>
-          <p:cNvSpPr txBox="1"/>
+          <p:cNvSpPr txBox="1">
+            <a:spLocks noGrp="1"/>
+          </p:cNvSpPr>
           <p:nvPr>
-            <p:ph idx="12" type="sldNum"/>
+            <p:ph type="sldNum" idx="12"/>
           </p:nvPr>
         </p:nvSpPr>
         <p:spPr>
@@ -7170,7 +7203,7 @@
           </a:prstGeom>
         </p:spPr>
         <p:txBody>
-          <a:bodyPr anchorCtr="0" anchor="ctr" bIns="91425" lIns="91425" spcFirstLastPara="1" rIns="91425" wrap="square" tIns="91425">
+          <a:bodyPr spcFirstLastPara="1" wrap="square" lIns="91425" tIns="91425" rIns="91425" bIns="91425" anchor="ctr" anchorCtr="0">
             <a:normAutofit/>
           </a:bodyPr>
           <a:lstStyle>
@@ -7212,7 +7245,7 @@
             </a:lvl9pPr>
           </a:lstStyle>
           <a:p>
-            <a:pPr indent="0" lvl="0" marL="0" rtl="0" algn="r">
+            <a:pPr marL="0" lvl="0" indent="0" algn="r" rtl="0">
               <a:spcBef>
                 <a:spcPts val="0"/>
               </a:spcBef>
@@ -7238,11 +7271,11 @@
 </file>
 
 <file path=ppt/slideLayouts/slideLayout8.xml><?xml version="1.0" encoding="utf-8"?>
-<p:sldLayout xmlns:a="http://schemas.openxmlformats.org/drawingml/2006/main" xmlns:r="http://schemas.openxmlformats.org/officeDocument/2006/relationships" xmlns:mc="http://schemas.openxmlformats.org/markup-compatibility/2006" xmlns:mv="urn:schemas-microsoft-com:mac:vml" xmlns:p="http://schemas.openxmlformats.org/presentationml/2006/main" xmlns:c="http://schemas.openxmlformats.org/drawingml/2006/chart" xmlns:dgm="http://schemas.openxmlformats.org/drawingml/2006/diagram" xmlns:o="urn:schemas-microsoft-com:office:office" xmlns:v="urn:schemas-microsoft-com:vml" xmlns:pvml="urn:schemas-microsoft-com:office:powerpoint" xmlns:com="http://schemas.openxmlformats.org/drawingml/2006/compatibility" xmlns:p14="http://schemas.microsoft.com/office/powerpoint/2010/main" xmlns:p15="http://schemas.microsoft.com/office/powerpoint/2012/main" xmlns:ahyp="http://schemas.microsoft.com/office/drawing/2018/hyperlinkcolor" matchingName="Section title and description">
+<p:sldLayout xmlns:a="http://schemas.openxmlformats.org/drawingml/2006/main" xmlns:r="http://schemas.openxmlformats.org/officeDocument/2006/relationships" xmlns:p="http://schemas.openxmlformats.org/presentationml/2006/main" matchingName="Section title and description">
   <p:cSld name="SECTION_TITLE_AND_DESCRIPTION">
     <p:spTree>
       <p:nvGrpSpPr>
-        <p:cNvPr id="91" name="Shape 91"/>
+        <p:cNvPr id="1" name="Shape 91"/>
         <p:cNvGrpSpPr/>
         <p:nvPr/>
       </p:nvGrpSpPr>
@@ -7281,7 +7314,7 @@
             </a:xfrm>
             <a:prstGeom prst="diagStripe">
               <a:avLst>
-                <a:gd fmla="val 50000" name="adj"/>
+                <a:gd name="adj" fmla="val 50000"/>
               </a:avLst>
             </a:prstGeom>
             <a:solidFill>
@@ -7292,12 +7325,12 @@
             </a:ln>
           </p:spPr>
           <p:txBody>
-            <a:bodyPr anchorCtr="0" anchor="ctr" bIns="91425" lIns="91425" spcFirstLastPara="1" rIns="91425" wrap="square" tIns="91425">
+            <a:bodyPr spcFirstLastPara="1" wrap="square" lIns="91425" tIns="91425" rIns="91425" bIns="91425" anchor="ctr" anchorCtr="0">
               <a:noAutofit/>
             </a:bodyPr>
             <a:lstStyle/>
             <a:p>
-              <a:pPr indent="0" lvl="0" marL="0" rtl="0" algn="l">
+              <a:pPr marL="0" lvl="0" indent="0" algn="l" rtl="0">
                 <a:spcBef>
                   <a:spcPts val="0"/>
                 </a:spcBef>
@@ -7306,9 +7339,6 @@
                 </a:spcAft>
                 <a:buNone/>
               </a:pPr>
-              <a:r>
-                <a:t/>
-              </a:r>
               <a:endParaRPr/>
             </a:p>
           </p:txBody>
@@ -7326,7 +7356,7 @@
             </a:xfrm>
             <a:prstGeom prst="diagStripe">
               <a:avLst>
-                <a:gd fmla="val 50000" name="adj"/>
+                <a:gd name="adj" fmla="val 50000"/>
               </a:avLst>
             </a:prstGeom>
             <a:solidFill>
@@ -7337,12 +7367,12 @@
             </a:ln>
           </p:spPr>
           <p:txBody>
-            <a:bodyPr anchorCtr="0" anchor="ctr" bIns="91425" lIns="91425" spcFirstLastPara="1" rIns="91425" wrap="square" tIns="91425">
+            <a:bodyPr spcFirstLastPara="1" wrap="square" lIns="91425" tIns="91425" rIns="91425" bIns="91425" anchor="ctr" anchorCtr="0">
               <a:noAutofit/>
             </a:bodyPr>
             <a:lstStyle/>
             <a:p>
-              <a:pPr indent="0" lvl="0" marL="0" rtl="0" algn="l">
+              <a:pPr marL="0" lvl="0" indent="0" algn="l" rtl="0">
                 <a:spcBef>
                   <a:spcPts val="0"/>
                 </a:spcBef>
@@ -7351,9 +7381,6 @@
                 </a:spcAft>
                 <a:buNone/>
               </a:pPr>
-              <a:r>
-                <a:t/>
-              </a:r>
               <a:endParaRPr/>
             </a:p>
           </p:txBody>
@@ -7362,7 +7389,9 @@
       <p:sp>
         <p:nvSpPr>
           <p:cNvPr id="95" name="Google Shape;95;p9"/>
-          <p:cNvSpPr txBox="1"/>
+          <p:cNvSpPr txBox="1">
+            <a:spLocks noGrp="1"/>
+          </p:cNvSpPr>
           <p:nvPr>
             <p:ph type="title"/>
           </p:nvPr>
@@ -7377,7 +7406,7 @@
           </a:prstGeom>
         </p:spPr>
         <p:txBody>
-          <a:bodyPr anchorCtr="0" anchor="t" bIns="91425" lIns="91425" spcFirstLastPara="1" rIns="91425" wrap="square" tIns="91425">
+          <a:bodyPr spcFirstLastPara="1" wrap="square" lIns="91425" tIns="91425" rIns="91425" bIns="91425" anchor="t" anchorCtr="0">
             <a:normAutofit/>
           </a:bodyPr>
           <a:lstStyle>
@@ -7481,15 +7510,19 @@
               <a:defRPr sz="2400"/>
             </a:lvl9pPr>
           </a:lstStyle>
-          <a:p/>
+          <a:p>
+            <a:endParaRPr/>
+          </a:p>
         </p:txBody>
       </p:sp>
       <p:sp>
         <p:nvSpPr>
           <p:cNvPr id="96" name="Google Shape;96;p9"/>
-          <p:cNvSpPr txBox="1"/>
+          <p:cNvSpPr txBox="1">
+            <a:spLocks noGrp="1"/>
+          </p:cNvSpPr>
           <p:nvPr>
-            <p:ph idx="1" type="subTitle"/>
+            <p:ph type="subTitle" idx="1"/>
           </p:nvPr>
         </p:nvSpPr>
         <p:spPr>
@@ -7502,7 +7535,7 @@
           </a:prstGeom>
         </p:spPr>
         <p:txBody>
-          <a:bodyPr anchorCtr="0" anchor="t" bIns="91425" lIns="91425" spcFirstLastPara="1" rIns="91425" wrap="square" tIns="91425">
+          <a:bodyPr spcFirstLastPara="1" wrap="square" lIns="91425" tIns="91425" rIns="91425" bIns="91425" anchor="t" anchorCtr="0">
             <a:normAutofit/>
           </a:bodyPr>
           <a:lstStyle>
@@ -7633,15 +7666,19 @@
               <a:defRPr sz="1300"/>
             </a:lvl9pPr>
           </a:lstStyle>
-          <a:p/>
+          <a:p>
+            <a:endParaRPr/>
+          </a:p>
         </p:txBody>
       </p:sp>
       <p:sp>
         <p:nvSpPr>
           <p:cNvPr id="97" name="Google Shape;97;p9"/>
-          <p:cNvSpPr txBox="1"/>
+          <p:cNvSpPr txBox="1">
+            <a:spLocks noGrp="1"/>
+          </p:cNvSpPr>
           <p:nvPr>
-            <p:ph idx="2" type="body"/>
+            <p:ph type="body" idx="2"/>
           </p:nvPr>
         </p:nvSpPr>
         <p:spPr>
@@ -7654,11 +7691,11 @@
           </a:prstGeom>
         </p:spPr>
         <p:txBody>
-          <a:bodyPr anchorCtr="0" anchor="t" bIns="91425" lIns="91425" spcFirstLastPara="1" rIns="91425" wrap="square" tIns="91425">
+          <a:bodyPr spcFirstLastPara="1" wrap="square" lIns="91425" tIns="91425" rIns="91425" bIns="91425" anchor="t" anchorCtr="0">
             <a:normAutofit/>
           </a:bodyPr>
           <a:lstStyle>
-            <a:lvl1pPr indent="-311150" lvl="0" marL="457200">
+            <a:lvl1pPr marL="457200" lvl="0" indent="-311150">
               <a:spcBef>
                 <a:spcPts val="0"/>
               </a:spcBef>
@@ -7669,7 +7706,7 @@
               <a:buChar char="●"/>
               <a:defRPr/>
             </a:lvl1pPr>
-            <a:lvl2pPr indent="-298450" lvl="1" marL="914400">
+            <a:lvl2pPr marL="914400" lvl="1" indent="-298450">
               <a:spcBef>
                 <a:spcPts val="0"/>
               </a:spcBef>
@@ -7680,7 +7717,7 @@
               <a:buChar char="○"/>
               <a:defRPr/>
             </a:lvl2pPr>
-            <a:lvl3pPr indent="-298450" lvl="2" marL="1371600">
+            <a:lvl3pPr marL="1371600" lvl="2" indent="-298450">
               <a:spcBef>
                 <a:spcPts val="0"/>
               </a:spcBef>
@@ -7691,7 +7728,7 @@
               <a:buChar char="■"/>
               <a:defRPr/>
             </a:lvl3pPr>
-            <a:lvl4pPr indent="-298450" lvl="3" marL="1828800">
+            <a:lvl4pPr marL="1828800" lvl="3" indent="-298450">
               <a:spcBef>
                 <a:spcPts val="0"/>
               </a:spcBef>
@@ -7702,7 +7739,7 @@
               <a:buChar char="●"/>
               <a:defRPr/>
             </a:lvl4pPr>
-            <a:lvl5pPr indent="-298450" lvl="4" marL="2286000">
+            <a:lvl5pPr marL="2286000" lvl="4" indent="-298450">
               <a:spcBef>
                 <a:spcPts val="0"/>
               </a:spcBef>
@@ -7713,7 +7750,7 @@
               <a:buChar char="○"/>
               <a:defRPr/>
             </a:lvl5pPr>
-            <a:lvl6pPr indent="-298450" lvl="5" marL="2743200">
+            <a:lvl6pPr marL="2743200" lvl="5" indent="-298450">
               <a:spcBef>
                 <a:spcPts val="0"/>
               </a:spcBef>
@@ -7724,7 +7761,7 @@
               <a:buChar char="■"/>
               <a:defRPr/>
             </a:lvl6pPr>
-            <a:lvl7pPr indent="-298450" lvl="6" marL="3200400">
+            <a:lvl7pPr marL="3200400" lvl="6" indent="-298450">
               <a:spcBef>
                 <a:spcPts val="0"/>
               </a:spcBef>
@@ -7735,7 +7772,7 @@
               <a:buChar char="●"/>
               <a:defRPr/>
             </a:lvl7pPr>
-            <a:lvl8pPr indent="-298450" lvl="7" marL="3657600">
+            <a:lvl8pPr marL="3657600" lvl="7" indent="-298450">
               <a:spcBef>
                 <a:spcPts val="0"/>
               </a:spcBef>
@@ -7746,7 +7783,7 @@
               <a:buChar char="○"/>
               <a:defRPr/>
             </a:lvl8pPr>
-            <a:lvl9pPr indent="-298450" lvl="8" marL="4114800">
+            <a:lvl9pPr marL="4114800" lvl="8" indent="-298450">
               <a:spcBef>
                 <a:spcPts val="0"/>
               </a:spcBef>
@@ -7758,15 +7795,19 @@
               <a:defRPr/>
             </a:lvl9pPr>
           </a:lstStyle>
-          <a:p/>
+          <a:p>
+            <a:endParaRPr/>
+          </a:p>
         </p:txBody>
       </p:sp>
       <p:sp>
         <p:nvSpPr>
           <p:cNvPr id="98" name="Google Shape;98;p9"/>
-          <p:cNvSpPr txBox="1"/>
+          <p:cNvSpPr txBox="1">
+            <a:spLocks noGrp="1"/>
+          </p:cNvSpPr>
           <p:nvPr>
-            <p:ph idx="12" type="sldNum"/>
+            <p:ph type="sldNum" idx="12"/>
           </p:nvPr>
         </p:nvSpPr>
         <p:spPr>
@@ -7779,7 +7820,7 @@
           </a:prstGeom>
         </p:spPr>
         <p:txBody>
-          <a:bodyPr anchorCtr="0" anchor="ctr" bIns="91425" lIns="91425" spcFirstLastPara="1" rIns="91425" wrap="square" tIns="91425">
+          <a:bodyPr spcFirstLastPara="1" wrap="square" lIns="91425" tIns="91425" rIns="91425" bIns="91425" anchor="ctr" anchorCtr="0">
             <a:normAutofit/>
           </a:bodyPr>
           <a:lstStyle>
@@ -7821,7 +7862,7 @@
             </a:lvl9pPr>
           </a:lstStyle>
           <a:p>
-            <a:pPr indent="0" lvl="0" marL="0" rtl="0" algn="r">
+            <a:pPr marL="0" lvl="0" indent="0" algn="r" rtl="0">
               <a:spcBef>
                 <a:spcPts val="0"/>
               </a:spcBef>
@@ -7847,11 +7888,11 @@
 </file>
 
 <file path=ppt/slideLayouts/slideLayout9.xml><?xml version="1.0" encoding="utf-8"?>
-<p:sldLayout xmlns:a="http://schemas.openxmlformats.org/drawingml/2006/main" xmlns:r="http://schemas.openxmlformats.org/officeDocument/2006/relationships" xmlns:mc="http://schemas.openxmlformats.org/markup-compatibility/2006" xmlns:mv="urn:schemas-microsoft-com:mac:vml" xmlns:p="http://schemas.openxmlformats.org/presentationml/2006/main" xmlns:c="http://schemas.openxmlformats.org/drawingml/2006/chart" xmlns:dgm="http://schemas.openxmlformats.org/drawingml/2006/diagram" xmlns:o="urn:schemas-microsoft-com:office:office" xmlns:v="urn:schemas-microsoft-com:vml" xmlns:pvml="urn:schemas-microsoft-com:office:powerpoint" xmlns:com="http://schemas.openxmlformats.org/drawingml/2006/compatibility" xmlns:p14="http://schemas.microsoft.com/office/powerpoint/2010/main" xmlns:p15="http://schemas.microsoft.com/office/powerpoint/2012/main" xmlns:ahyp="http://schemas.microsoft.com/office/drawing/2018/hyperlinkcolor" matchingName="Caption">
+<p:sldLayout xmlns:a="http://schemas.openxmlformats.org/drawingml/2006/main" xmlns:r="http://schemas.openxmlformats.org/officeDocument/2006/relationships" xmlns:p="http://schemas.openxmlformats.org/presentationml/2006/main" matchingName="Caption">
   <p:cSld name="CAPTION_ONLY">
     <p:spTree>
       <p:nvGrpSpPr>
-        <p:cNvPr id="99" name="Shape 99"/>
+        <p:cNvPr id="1" name="Shape 99"/>
         <p:cNvGrpSpPr/>
         <p:nvPr/>
       </p:nvGrpSpPr>
@@ -7890,7 +7931,7 @@
             </a:xfrm>
             <a:prstGeom prst="diagStripe">
               <a:avLst>
-                <a:gd fmla="val 50000" name="adj"/>
+                <a:gd name="adj" fmla="val 50000"/>
               </a:avLst>
             </a:prstGeom>
             <a:solidFill>
@@ -7903,12 +7944,12 @@
             </a:ln>
           </p:spPr>
           <p:txBody>
-            <a:bodyPr anchorCtr="0" anchor="ctr" bIns="91425" lIns="91425" spcFirstLastPara="1" rIns="91425" wrap="square" tIns="91425">
+            <a:bodyPr spcFirstLastPara="1" wrap="square" lIns="91425" tIns="91425" rIns="91425" bIns="91425" anchor="ctr" anchorCtr="0">
               <a:noAutofit/>
             </a:bodyPr>
             <a:lstStyle/>
             <a:p>
-              <a:pPr indent="0" lvl="0" marL="0" rtl="0" algn="l">
+              <a:pPr marL="0" lvl="0" indent="0" algn="l" rtl="0">
                 <a:spcBef>
                   <a:spcPts val="0"/>
                 </a:spcBef>
@@ -7917,9 +7958,6 @@
                 </a:spcAft>
                 <a:buNone/>
               </a:pPr>
-              <a:r>
-                <a:t/>
-              </a:r>
               <a:endParaRPr/>
             </a:p>
           </p:txBody>
@@ -7937,7 +7975,7 @@
             </a:xfrm>
             <a:prstGeom prst="diagStripe">
               <a:avLst>
-                <a:gd fmla="val 50000" name="adj"/>
+                <a:gd name="adj" fmla="val 50000"/>
               </a:avLst>
             </a:prstGeom>
             <a:solidFill>
@@ -7950,12 +7988,12 @@
             </a:ln>
           </p:spPr>
           <p:txBody>
-            <a:bodyPr anchorCtr="0" anchor="ctr" bIns="91425" lIns="91425" spcFirstLastPara="1" rIns="91425" wrap="square" tIns="91425">
+            <a:bodyPr spcFirstLastPara="1" wrap="square" lIns="91425" tIns="91425" rIns="91425" bIns="91425" anchor="ctr" anchorCtr="0">
               <a:noAutofit/>
             </a:bodyPr>
             <a:lstStyle/>
             <a:p>
-              <a:pPr indent="0" lvl="0" marL="0" rtl="0" algn="l">
+              <a:pPr marL="0" lvl="0" indent="0" algn="l" rtl="0">
                 <a:spcBef>
                   <a:spcPts val="0"/>
                 </a:spcBef>
@@ -7964,9 +8002,6 @@
                 </a:spcAft>
                 <a:buNone/>
               </a:pPr>
-              <a:r>
-                <a:t/>
-              </a:r>
               <a:endParaRPr/>
             </a:p>
           </p:txBody>
@@ -7975,9 +8010,11 @@
       <p:sp>
         <p:nvSpPr>
           <p:cNvPr id="103" name="Google Shape;103;p10"/>
-          <p:cNvSpPr txBox="1"/>
+          <p:cNvSpPr txBox="1">
+            <a:spLocks noGrp="1"/>
+          </p:cNvSpPr>
           <p:nvPr>
-            <p:ph idx="1" type="body"/>
+            <p:ph type="body" idx="1"/>
           </p:nvPr>
         </p:nvSpPr>
         <p:spPr>
@@ -7990,11 +8027,11 @@
           </a:prstGeom>
         </p:spPr>
         <p:txBody>
-          <a:bodyPr anchorCtr="0" anchor="ctr" bIns="91425" lIns="91425" spcFirstLastPara="1" rIns="91425" wrap="square" tIns="91425">
+          <a:bodyPr spcFirstLastPara="1" wrap="square" lIns="91425" tIns="91425" rIns="91425" bIns="91425" anchor="ctr" anchorCtr="0">
             <a:normAutofit/>
           </a:bodyPr>
           <a:lstStyle>
-            <a:lvl1pPr indent="-228600" lvl="0" marL="457200">
+            <a:lvl1pPr marL="457200" lvl="0" indent="-228600">
               <a:lnSpc>
                 <a:spcPct val="100000"/>
               </a:lnSpc>
@@ -8009,15 +8046,19 @@
               <a:defRPr/>
             </a:lvl1pPr>
           </a:lstStyle>
-          <a:p/>
+          <a:p>
+            <a:endParaRPr/>
+          </a:p>
         </p:txBody>
       </p:sp>
       <p:sp>
         <p:nvSpPr>
           <p:cNvPr id="104" name="Google Shape;104;p10"/>
-          <p:cNvSpPr txBox="1"/>
+          <p:cNvSpPr txBox="1">
+            <a:spLocks noGrp="1"/>
+          </p:cNvSpPr>
           <p:nvPr>
-            <p:ph idx="12" type="sldNum"/>
+            <p:ph type="sldNum" idx="12"/>
           </p:nvPr>
         </p:nvSpPr>
         <p:spPr>
@@ -8030,7 +8071,7 @@
           </a:prstGeom>
         </p:spPr>
         <p:txBody>
-          <a:bodyPr anchorCtr="0" anchor="ctr" bIns="91425" lIns="91425" spcFirstLastPara="1" rIns="91425" wrap="square" tIns="91425">
+          <a:bodyPr spcFirstLastPara="1" wrap="square" lIns="91425" tIns="91425" rIns="91425" bIns="91425" anchor="ctr" anchorCtr="0">
             <a:normAutofit/>
           </a:bodyPr>
           <a:lstStyle>
@@ -8072,7 +8113,7 @@
             </a:lvl9pPr>
           </a:lstStyle>
           <a:p>
-            <a:pPr indent="0" lvl="0" marL="0" rtl="0" algn="r">
+            <a:pPr marL="0" lvl="0" indent="0" algn="r" rtl="0">
               <a:spcBef>
                 <a:spcPts val="0"/>
               </a:spcBef>
@@ -8098,18 +8139,19 @@
 </file>
 
 <file path=ppt/slideMasters/slideMaster1.xml><?xml version="1.0" encoding="utf-8"?>
-<p:sldMaster xmlns:a="http://schemas.openxmlformats.org/drawingml/2006/main" xmlns:r="http://schemas.openxmlformats.org/officeDocument/2006/relationships" xmlns:mc="http://schemas.openxmlformats.org/markup-compatibility/2006" xmlns:mv="urn:schemas-microsoft-com:mac:vml" xmlns:p="http://schemas.openxmlformats.org/presentationml/2006/main" xmlns:c="http://schemas.openxmlformats.org/drawingml/2006/chart" xmlns:dgm="http://schemas.openxmlformats.org/drawingml/2006/diagram" xmlns:o="urn:schemas-microsoft-com:office:office" xmlns:v="urn:schemas-microsoft-com:vml" xmlns:pvml="urn:schemas-microsoft-com:office:powerpoint" xmlns:com="http://schemas.openxmlformats.org/drawingml/2006/compatibility" xmlns:p14="http://schemas.microsoft.com/office/powerpoint/2010/main" xmlns:p15="http://schemas.microsoft.com/office/powerpoint/2012/main" xmlns:ahyp="http://schemas.microsoft.com/office/drawing/2018/hyperlinkcolor">
+<p:sldMaster xmlns:a="http://schemas.openxmlformats.org/drawingml/2006/main" xmlns:r="http://schemas.openxmlformats.org/officeDocument/2006/relationships" xmlns:p="http://schemas.openxmlformats.org/presentationml/2006/main">
   <p:cSld name="focus">
     <p:bg>
       <p:bgPr>
         <a:solidFill>
           <a:schemeClr val="dk1"/>
         </a:solidFill>
+        <a:effectLst/>
       </p:bgPr>
     </p:bg>
     <p:spTree>
       <p:nvGrpSpPr>
-        <p:cNvPr id="5" name="Shape 5"/>
+        <p:cNvPr id="1" name="Shape 5"/>
         <p:cNvGrpSpPr/>
         <p:nvPr/>
       </p:nvGrpSpPr>
@@ -8124,7 +8166,9 @@
       <p:sp>
         <p:nvSpPr>
           <p:cNvPr id="6" name="Google Shape;6;p1"/>
-          <p:cNvSpPr txBox="1"/>
+          <p:cNvSpPr txBox="1">
+            <a:spLocks noGrp="1"/>
+          </p:cNvSpPr>
           <p:nvPr>
             <p:ph type="title"/>
           </p:nvPr>
@@ -8143,7 +8187,7 @@
           </a:ln>
         </p:spPr>
         <p:txBody>
-          <a:bodyPr anchorCtr="0" anchor="t" bIns="91425" lIns="91425" spcFirstLastPara="1" rIns="91425" wrap="square" tIns="91425">
+          <a:bodyPr spcFirstLastPara="1" wrap="square" lIns="91425" tIns="91425" rIns="91425" bIns="91425" anchor="t" anchorCtr="0">
             <a:normAutofit/>
           </a:bodyPr>
           <a:lstStyle>
@@ -8355,15 +8399,19 @@
               </a:defRPr>
             </a:lvl9pPr>
           </a:lstStyle>
-          <a:p/>
+          <a:p>
+            <a:endParaRPr/>
+          </a:p>
         </p:txBody>
       </p:sp>
       <p:sp>
         <p:nvSpPr>
           <p:cNvPr id="7" name="Google Shape;7;p1"/>
-          <p:cNvSpPr txBox="1"/>
+          <p:cNvSpPr txBox="1">
+            <a:spLocks noGrp="1"/>
+          </p:cNvSpPr>
           <p:nvPr>
-            <p:ph idx="1" type="body"/>
+            <p:ph type="body" idx="1"/>
           </p:nvPr>
         </p:nvSpPr>
         <p:spPr>
@@ -8380,11 +8428,11 @@
           </a:ln>
         </p:spPr>
         <p:txBody>
-          <a:bodyPr anchorCtr="0" anchor="t" bIns="91425" lIns="91425" spcFirstLastPara="1" rIns="91425" wrap="square" tIns="91425">
+          <a:bodyPr spcFirstLastPara="1" wrap="square" lIns="91425" tIns="91425" rIns="91425" bIns="91425" anchor="t" anchorCtr="0">
             <a:normAutofit/>
           </a:bodyPr>
           <a:lstStyle>
-            <a:lvl1pPr indent="-311150" lvl="0" marL="457200">
+            <a:lvl1pPr marL="457200" lvl="0" indent="-311150">
               <a:lnSpc>
                 <a:spcPct val="115000"/>
               </a:lnSpc>
@@ -8410,7 +8458,7 @@
                 <a:sym typeface="Lato"/>
               </a:defRPr>
             </a:lvl1pPr>
-            <a:lvl2pPr indent="-298450" lvl="1" marL="914400">
+            <a:lvl2pPr marL="914400" lvl="1" indent="-298450">
               <a:lnSpc>
                 <a:spcPct val="115000"/>
               </a:lnSpc>
@@ -8436,7 +8484,7 @@
                 <a:sym typeface="Lato"/>
               </a:defRPr>
             </a:lvl2pPr>
-            <a:lvl3pPr indent="-298450" lvl="2" marL="1371600">
+            <a:lvl3pPr marL="1371600" lvl="2" indent="-298450">
               <a:lnSpc>
                 <a:spcPct val="115000"/>
               </a:lnSpc>
@@ -8462,7 +8510,7 @@
                 <a:sym typeface="Lato"/>
               </a:defRPr>
             </a:lvl3pPr>
-            <a:lvl4pPr indent="-298450" lvl="3" marL="1828800">
+            <a:lvl4pPr marL="1828800" lvl="3" indent="-298450">
               <a:lnSpc>
                 <a:spcPct val="115000"/>
               </a:lnSpc>
@@ -8488,7 +8536,7 @@
                 <a:sym typeface="Lato"/>
               </a:defRPr>
             </a:lvl4pPr>
-            <a:lvl5pPr indent="-298450" lvl="4" marL="2286000">
+            <a:lvl5pPr marL="2286000" lvl="4" indent="-298450">
               <a:lnSpc>
                 <a:spcPct val="115000"/>
               </a:lnSpc>
@@ -8514,7 +8562,7 @@
                 <a:sym typeface="Lato"/>
               </a:defRPr>
             </a:lvl5pPr>
-            <a:lvl6pPr indent="-298450" lvl="5" marL="2743200">
+            <a:lvl6pPr marL="2743200" lvl="5" indent="-298450">
               <a:lnSpc>
                 <a:spcPct val="115000"/>
               </a:lnSpc>
@@ -8540,7 +8588,7 @@
                 <a:sym typeface="Lato"/>
               </a:defRPr>
             </a:lvl6pPr>
-            <a:lvl7pPr indent="-298450" lvl="6" marL="3200400">
+            <a:lvl7pPr marL="3200400" lvl="6" indent="-298450">
               <a:lnSpc>
                 <a:spcPct val="115000"/>
               </a:lnSpc>
@@ -8566,7 +8614,7 @@
                 <a:sym typeface="Lato"/>
               </a:defRPr>
             </a:lvl7pPr>
-            <a:lvl8pPr indent="-298450" lvl="7" marL="3657600">
+            <a:lvl8pPr marL="3657600" lvl="7" indent="-298450">
               <a:lnSpc>
                 <a:spcPct val="115000"/>
               </a:lnSpc>
@@ -8592,7 +8640,7 @@
                 <a:sym typeface="Lato"/>
               </a:defRPr>
             </a:lvl8pPr>
-            <a:lvl9pPr indent="-298450" lvl="8" marL="4114800">
+            <a:lvl9pPr marL="4114800" lvl="8" indent="-298450">
               <a:lnSpc>
                 <a:spcPct val="115000"/>
               </a:lnSpc>
@@ -8619,15 +8667,19 @@
               </a:defRPr>
             </a:lvl9pPr>
           </a:lstStyle>
-          <a:p/>
+          <a:p>
+            <a:endParaRPr/>
+          </a:p>
         </p:txBody>
       </p:sp>
       <p:sp>
         <p:nvSpPr>
           <p:cNvPr id="8" name="Google Shape;8;p1"/>
-          <p:cNvSpPr txBox="1"/>
+          <p:cNvSpPr txBox="1">
+            <a:spLocks noGrp="1"/>
+          </p:cNvSpPr>
           <p:nvPr>
-            <p:ph idx="12" type="sldNum"/>
+            <p:ph type="sldNum" idx="12"/>
           </p:nvPr>
         </p:nvSpPr>
         <p:spPr>
@@ -8644,7 +8696,7 @@
           </a:ln>
         </p:spPr>
         <p:txBody>
-          <a:bodyPr anchorCtr="0" anchor="ctr" bIns="91425" lIns="91425" spcFirstLastPara="1" rIns="91425" wrap="square" tIns="91425">
+          <a:bodyPr spcFirstLastPara="1" wrap="square" lIns="91425" tIns="91425" rIns="91425" bIns="91425" anchor="ctr" anchorCtr="0">
             <a:normAutofit/>
           </a:bodyPr>
           <a:lstStyle>
@@ -8758,7 +8810,7 @@
             </a:lvl9pPr>
           </a:lstStyle>
           <a:p>
-            <a:pPr indent="0" lvl="0" marL="0" rtl="0" algn="r">
+            <a:pPr marL="0" lvl="0" indent="0" algn="r" rtl="0">
               <a:spcBef>
                 <a:spcPts val="0"/>
               </a:spcBef>
@@ -8777,7 +8829,7 @@
       </p:sp>
     </p:spTree>
   </p:cSld>
-  <p:clrMap accent1="accent1" accent2="accent2" accent3="accent3" accent4="accent4" accent5="accent5" accent6="accent6" bg1="lt1" bg2="dk2" tx1="dk1" tx2="lt2" folHlink="folHlink" hlink="hlink"/>
+  <p:clrMap bg1="lt1" tx1="dk1" bg2="dk2" tx2="lt2" accent1="accent1" accent2="accent2" accent3="accent3" accent4="accent4" accent5="accent5" accent6="accent6" hlink="hlink" folHlink="folHlink"/>
   <p:sldLayoutIdLst>
     <p:sldLayoutId id="2147483648" r:id="rId1"/>
     <p:sldLayoutId id="2147483649" r:id="rId2"/>
@@ -8791,10 +8843,10 @@
     <p:sldLayoutId id="2147483657" r:id="rId10"/>
     <p:sldLayoutId id="2147483658" r:id="rId11"/>
   </p:sldLayoutIdLst>
-  <p:hf dt="0" ftr="0" hdr="0" sldNum="0"/>
+  <p:hf sldNum="0" hdr="0" ftr="0" dt="0"/>
   <p:txStyles>
     <p:titleStyle>
-      <a:defPPr lvl="0" marR="0" rtl="0" algn="l">
+      <a:defPPr marR="0" lvl="0" algn="l" rtl="0">
         <a:lnSpc>
           <a:spcPct val="100000"/>
         </a:lnSpc>
@@ -8805,7 +8857,7 @@
           <a:spcPts val="0"/>
         </a:spcAft>
       </a:defPPr>
-      <a:lvl1pPr lvl="0" marR="0" rtl="0" algn="l">
+      <a:lvl1pPr marR="0" lvl="0" algn="l" rtl="0">
         <a:lnSpc>
           <a:spcPct val="100000"/>
         </a:lnSpc>
@@ -8819,7 +8871,7 @@
           <a:srgbClr val="000000"/>
         </a:buClr>
         <a:buFont typeface="Arial"/>
-        <a:defRPr b="0" i="0" sz="1400" u="none" cap="none" strike="noStrike">
+        <a:defRPr sz="1400" b="0" i="0" u="none" strike="noStrike" cap="none">
           <a:solidFill>
             <a:srgbClr val="000000"/>
           </a:solidFill>
@@ -8829,7 +8881,7 @@
           <a:sym typeface="Arial"/>
         </a:defRPr>
       </a:lvl1pPr>
-      <a:lvl2pPr lvl="1" marR="0" rtl="0" algn="l">
+      <a:lvl2pPr marR="0" lvl="1" algn="l" rtl="0">
         <a:lnSpc>
           <a:spcPct val="100000"/>
         </a:lnSpc>
@@ -8843,7 +8895,7 @@
           <a:srgbClr val="000000"/>
         </a:buClr>
         <a:buFont typeface="Arial"/>
-        <a:defRPr b="0" i="0" sz="1400" u="none" cap="none" strike="noStrike">
+        <a:defRPr sz="1400" b="0" i="0" u="none" strike="noStrike" cap="none">
           <a:solidFill>
             <a:srgbClr val="000000"/>
           </a:solidFill>
@@ -8853,7 +8905,7 @@
           <a:sym typeface="Arial"/>
         </a:defRPr>
       </a:lvl2pPr>
-      <a:lvl3pPr lvl="2" marR="0" rtl="0" algn="l">
+      <a:lvl3pPr marR="0" lvl="2" algn="l" rtl="0">
         <a:lnSpc>
           <a:spcPct val="100000"/>
         </a:lnSpc>
@@ -8867,7 +8919,7 @@
           <a:srgbClr val="000000"/>
         </a:buClr>
         <a:buFont typeface="Arial"/>
-        <a:defRPr b="0" i="0" sz="1400" u="none" cap="none" strike="noStrike">
+        <a:defRPr sz="1400" b="0" i="0" u="none" strike="noStrike" cap="none">
           <a:solidFill>
             <a:srgbClr val="000000"/>
           </a:solidFill>
@@ -8877,7 +8929,7 @@
           <a:sym typeface="Arial"/>
         </a:defRPr>
       </a:lvl3pPr>
-      <a:lvl4pPr lvl="3" marR="0" rtl="0" algn="l">
+      <a:lvl4pPr marR="0" lvl="3" algn="l" rtl="0">
         <a:lnSpc>
           <a:spcPct val="100000"/>
         </a:lnSpc>
@@ -8891,7 +8943,7 @@
           <a:srgbClr val="000000"/>
         </a:buClr>
         <a:buFont typeface="Arial"/>
-        <a:defRPr b="0" i="0" sz="1400" u="none" cap="none" strike="noStrike">
+        <a:defRPr sz="1400" b="0" i="0" u="none" strike="noStrike" cap="none">
           <a:solidFill>
             <a:srgbClr val="000000"/>
           </a:solidFill>
@@ -8901,7 +8953,7 @@
           <a:sym typeface="Arial"/>
         </a:defRPr>
       </a:lvl4pPr>
-      <a:lvl5pPr lvl="4" marR="0" rtl="0" algn="l">
+      <a:lvl5pPr marR="0" lvl="4" algn="l" rtl="0">
         <a:lnSpc>
           <a:spcPct val="100000"/>
         </a:lnSpc>
@@ -8915,7 +8967,7 @@
           <a:srgbClr val="000000"/>
         </a:buClr>
         <a:buFont typeface="Arial"/>
-        <a:defRPr b="0" i="0" sz="1400" u="none" cap="none" strike="noStrike">
+        <a:defRPr sz="1400" b="0" i="0" u="none" strike="noStrike" cap="none">
           <a:solidFill>
             <a:srgbClr val="000000"/>
           </a:solidFill>
@@ -8925,7 +8977,7 @@
           <a:sym typeface="Arial"/>
         </a:defRPr>
       </a:lvl5pPr>
-      <a:lvl6pPr lvl="5" marR="0" rtl="0" algn="l">
+      <a:lvl6pPr marR="0" lvl="5" algn="l" rtl="0">
         <a:lnSpc>
           <a:spcPct val="100000"/>
         </a:lnSpc>
@@ -8939,7 +8991,7 @@
           <a:srgbClr val="000000"/>
         </a:buClr>
         <a:buFont typeface="Arial"/>
-        <a:defRPr b="0" i="0" sz="1400" u="none" cap="none" strike="noStrike">
+        <a:defRPr sz="1400" b="0" i="0" u="none" strike="noStrike" cap="none">
           <a:solidFill>
             <a:srgbClr val="000000"/>
           </a:solidFill>
@@ -8949,7 +9001,7 @@
           <a:sym typeface="Arial"/>
         </a:defRPr>
       </a:lvl6pPr>
-      <a:lvl7pPr lvl="6" marR="0" rtl="0" algn="l">
+      <a:lvl7pPr marR="0" lvl="6" algn="l" rtl="0">
         <a:lnSpc>
           <a:spcPct val="100000"/>
         </a:lnSpc>
@@ -8963,7 +9015,7 @@
           <a:srgbClr val="000000"/>
         </a:buClr>
         <a:buFont typeface="Arial"/>
-        <a:defRPr b="0" i="0" sz="1400" u="none" cap="none" strike="noStrike">
+        <a:defRPr sz="1400" b="0" i="0" u="none" strike="noStrike" cap="none">
           <a:solidFill>
             <a:srgbClr val="000000"/>
           </a:solidFill>
@@ -8973,7 +9025,7 @@
           <a:sym typeface="Arial"/>
         </a:defRPr>
       </a:lvl7pPr>
-      <a:lvl8pPr lvl="7" marR="0" rtl="0" algn="l">
+      <a:lvl8pPr marR="0" lvl="7" algn="l" rtl="0">
         <a:lnSpc>
           <a:spcPct val="100000"/>
         </a:lnSpc>
@@ -8987,7 +9039,7 @@
           <a:srgbClr val="000000"/>
         </a:buClr>
         <a:buFont typeface="Arial"/>
-        <a:defRPr b="0" i="0" sz="1400" u="none" cap="none" strike="noStrike">
+        <a:defRPr sz="1400" b="0" i="0" u="none" strike="noStrike" cap="none">
           <a:solidFill>
             <a:srgbClr val="000000"/>
           </a:solidFill>
@@ -8997,7 +9049,7 @@
           <a:sym typeface="Arial"/>
         </a:defRPr>
       </a:lvl8pPr>
-      <a:lvl9pPr lvl="8" marR="0" rtl="0" algn="l">
+      <a:lvl9pPr marR="0" lvl="8" algn="l" rtl="0">
         <a:lnSpc>
           <a:spcPct val="100000"/>
         </a:lnSpc>
@@ -9011,7 +9063,7 @@
           <a:srgbClr val="000000"/>
         </a:buClr>
         <a:buFont typeface="Arial"/>
-        <a:defRPr b="0" i="0" sz="1400" u="none" cap="none" strike="noStrike">
+        <a:defRPr sz="1400" b="0" i="0" u="none" strike="noStrike" cap="none">
           <a:solidFill>
             <a:srgbClr val="000000"/>
           </a:solidFill>
@@ -9023,7 +9075,7 @@
       </a:lvl9pPr>
     </p:titleStyle>
     <p:bodyStyle>
-      <a:defPPr lvl="0" marR="0" rtl="0" algn="l">
+      <a:defPPr marR="0" lvl="0" algn="l" rtl="0">
         <a:lnSpc>
           <a:spcPct val="100000"/>
         </a:lnSpc>
@@ -9034,7 +9086,7 @@
           <a:spcPts val="0"/>
         </a:spcAft>
       </a:defPPr>
-      <a:lvl1pPr lvl="0" marR="0" rtl="0" algn="l">
+      <a:lvl1pPr marR="0" lvl="0" algn="l" rtl="0">
         <a:lnSpc>
           <a:spcPct val="100000"/>
         </a:lnSpc>
@@ -9048,7 +9100,7 @@
           <a:srgbClr val="000000"/>
         </a:buClr>
         <a:buFont typeface="Arial"/>
-        <a:defRPr b="0" i="0" sz="1400" u="none" cap="none" strike="noStrike">
+        <a:defRPr sz="1400" b="0" i="0" u="none" strike="noStrike" cap="none">
           <a:solidFill>
             <a:srgbClr val="000000"/>
           </a:solidFill>
@@ -9058,7 +9110,7 @@
           <a:sym typeface="Arial"/>
         </a:defRPr>
       </a:lvl1pPr>
-      <a:lvl2pPr lvl="1" marR="0" rtl="0" algn="l">
+      <a:lvl2pPr marR="0" lvl="1" algn="l" rtl="0">
         <a:lnSpc>
           <a:spcPct val="100000"/>
         </a:lnSpc>
@@ -9072,7 +9124,7 @@
           <a:srgbClr val="000000"/>
         </a:buClr>
         <a:buFont typeface="Arial"/>
-        <a:defRPr b="0" i="0" sz="1400" u="none" cap="none" strike="noStrike">
+        <a:defRPr sz="1400" b="0" i="0" u="none" strike="noStrike" cap="none">
           <a:solidFill>
             <a:srgbClr val="000000"/>
           </a:solidFill>
@@ -9082,7 +9134,7 @@
           <a:sym typeface="Arial"/>
         </a:defRPr>
       </a:lvl2pPr>
-      <a:lvl3pPr lvl="2" marR="0" rtl="0" algn="l">
+      <a:lvl3pPr marR="0" lvl="2" algn="l" rtl="0">
         <a:lnSpc>
           <a:spcPct val="100000"/>
         </a:lnSpc>
@@ -9096,7 +9148,7 @@
           <a:srgbClr val="000000"/>
         </a:buClr>
         <a:buFont typeface="Arial"/>
-        <a:defRPr b="0" i="0" sz="1400" u="none" cap="none" strike="noStrike">
+        <a:defRPr sz="1400" b="0" i="0" u="none" strike="noStrike" cap="none">
           <a:solidFill>
             <a:srgbClr val="000000"/>
           </a:solidFill>
@@ -9106,7 +9158,7 @@
           <a:sym typeface="Arial"/>
         </a:defRPr>
       </a:lvl3pPr>
-      <a:lvl4pPr lvl="3" marR="0" rtl="0" algn="l">
+      <a:lvl4pPr marR="0" lvl="3" algn="l" rtl="0">
         <a:lnSpc>
           <a:spcPct val="100000"/>
         </a:lnSpc>
@@ -9120,7 +9172,7 @@
           <a:srgbClr val="000000"/>
         </a:buClr>
         <a:buFont typeface="Arial"/>
-        <a:defRPr b="0" i="0" sz="1400" u="none" cap="none" strike="noStrike">
+        <a:defRPr sz="1400" b="0" i="0" u="none" strike="noStrike" cap="none">
           <a:solidFill>
             <a:srgbClr val="000000"/>
           </a:solidFill>
@@ -9130,7 +9182,7 @@
           <a:sym typeface="Arial"/>
         </a:defRPr>
       </a:lvl4pPr>
-      <a:lvl5pPr lvl="4" marR="0" rtl="0" algn="l">
+      <a:lvl5pPr marR="0" lvl="4" algn="l" rtl="0">
         <a:lnSpc>
           <a:spcPct val="100000"/>
         </a:lnSpc>
@@ -9144,7 +9196,7 @@
           <a:srgbClr val="000000"/>
         </a:buClr>
         <a:buFont typeface="Arial"/>
-        <a:defRPr b="0" i="0" sz="1400" u="none" cap="none" strike="noStrike">
+        <a:defRPr sz="1400" b="0" i="0" u="none" strike="noStrike" cap="none">
           <a:solidFill>
             <a:srgbClr val="000000"/>
           </a:solidFill>
@@ -9154,7 +9206,7 @@
           <a:sym typeface="Arial"/>
         </a:defRPr>
       </a:lvl5pPr>
-      <a:lvl6pPr lvl="5" marR="0" rtl="0" algn="l">
+      <a:lvl6pPr marR="0" lvl="5" algn="l" rtl="0">
         <a:lnSpc>
           <a:spcPct val="100000"/>
         </a:lnSpc>
@@ -9168,7 +9220,7 @@
           <a:srgbClr val="000000"/>
         </a:buClr>
         <a:buFont typeface="Arial"/>
-        <a:defRPr b="0" i="0" sz="1400" u="none" cap="none" strike="noStrike">
+        <a:defRPr sz="1400" b="0" i="0" u="none" strike="noStrike" cap="none">
           <a:solidFill>
             <a:srgbClr val="000000"/>
           </a:solidFill>
@@ -9178,7 +9230,7 @@
           <a:sym typeface="Arial"/>
         </a:defRPr>
       </a:lvl6pPr>
-      <a:lvl7pPr lvl="6" marR="0" rtl="0" algn="l">
+      <a:lvl7pPr marR="0" lvl="6" algn="l" rtl="0">
         <a:lnSpc>
           <a:spcPct val="100000"/>
         </a:lnSpc>
@@ -9192,7 +9244,7 @@
           <a:srgbClr val="000000"/>
         </a:buClr>
         <a:buFont typeface="Arial"/>
-        <a:defRPr b="0" i="0" sz="1400" u="none" cap="none" strike="noStrike">
+        <a:defRPr sz="1400" b="0" i="0" u="none" strike="noStrike" cap="none">
           <a:solidFill>
             <a:srgbClr val="000000"/>
           </a:solidFill>
@@ -9202,7 +9254,7 @@
           <a:sym typeface="Arial"/>
         </a:defRPr>
       </a:lvl7pPr>
-      <a:lvl8pPr lvl="7" marR="0" rtl="0" algn="l">
+      <a:lvl8pPr marR="0" lvl="7" algn="l" rtl="0">
         <a:lnSpc>
           <a:spcPct val="100000"/>
         </a:lnSpc>
@@ -9216,7 +9268,7 @@
           <a:srgbClr val="000000"/>
         </a:buClr>
         <a:buFont typeface="Arial"/>
-        <a:defRPr b="0" i="0" sz="1400" u="none" cap="none" strike="noStrike">
+        <a:defRPr sz="1400" b="0" i="0" u="none" strike="noStrike" cap="none">
           <a:solidFill>
             <a:srgbClr val="000000"/>
           </a:solidFill>
@@ -9226,7 +9278,7 @@
           <a:sym typeface="Arial"/>
         </a:defRPr>
       </a:lvl8pPr>
-      <a:lvl9pPr lvl="8" marR="0" rtl="0" algn="l">
+      <a:lvl9pPr marR="0" lvl="8" algn="l" rtl="0">
         <a:lnSpc>
           <a:spcPct val="100000"/>
         </a:lnSpc>
@@ -9240,7 +9292,7 @@
           <a:srgbClr val="000000"/>
         </a:buClr>
         <a:buFont typeface="Arial"/>
-        <a:defRPr b="0" i="0" sz="1400" u="none" cap="none" strike="noStrike">
+        <a:defRPr sz="1400" b="0" i="0" u="none" strike="noStrike" cap="none">
           <a:solidFill>
             <a:srgbClr val="000000"/>
           </a:solidFill>
@@ -9252,7 +9304,7 @@
       </a:lvl9pPr>
     </p:bodyStyle>
     <p:otherStyle>
-      <a:defPPr lvl="0" marR="0" rtl="0" algn="l">
+      <a:defPPr marR="0" lvl="0" algn="l" rtl="0">
         <a:lnSpc>
           <a:spcPct val="100000"/>
         </a:lnSpc>
@@ -9263,7 +9315,7 @@
           <a:spcPts val="0"/>
         </a:spcAft>
       </a:defPPr>
-      <a:lvl1pPr lvl="0" marR="0" rtl="0" algn="l">
+      <a:lvl1pPr marR="0" lvl="0" algn="l" rtl="0">
         <a:lnSpc>
           <a:spcPct val="100000"/>
         </a:lnSpc>
@@ -9277,7 +9329,7 @@
           <a:srgbClr val="000000"/>
         </a:buClr>
         <a:buFont typeface="Arial"/>
-        <a:defRPr b="0" i="0" sz="1400" u="none" cap="none" strike="noStrike">
+        <a:defRPr sz="1400" b="0" i="0" u="none" strike="noStrike" cap="none">
           <a:solidFill>
             <a:srgbClr val="000000"/>
           </a:solidFill>
@@ -9287,7 +9339,7 @@
           <a:sym typeface="Arial"/>
         </a:defRPr>
       </a:lvl1pPr>
-      <a:lvl2pPr lvl="1" marR="0" rtl="0" algn="l">
+      <a:lvl2pPr marR="0" lvl="1" algn="l" rtl="0">
         <a:lnSpc>
           <a:spcPct val="100000"/>
         </a:lnSpc>
@@ -9301,7 +9353,7 @@
           <a:srgbClr val="000000"/>
         </a:buClr>
         <a:buFont typeface="Arial"/>
-        <a:defRPr b="0" i="0" sz="1400" u="none" cap="none" strike="noStrike">
+        <a:defRPr sz="1400" b="0" i="0" u="none" strike="noStrike" cap="none">
           <a:solidFill>
             <a:srgbClr val="000000"/>
           </a:solidFill>
@@ -9311,7 +9363,7 @@
           <a:sym typeface="Arial"/>
         </a:defRPr>
       </a:lvl2pPr>
-      <a:lvl3pPr lvl="2" marR="0" rtl="0" algn="l">
+      <a:lvl3pPr marR="0" lvl="2" algn="l" rtl="0">
         <a:lnSpc>
           <a:spcPct val="100000"/>
         </a:lnSpc>
@@ -9325,7 +9377,7 @@
           <a:srgbClr val="000000"/>
         </a:buClr>
         <a:buFont typeface="Arial"/>
-        <a:defRPr b="0" i="0" sz="1400" u="none" cap="none" strike="noStrike">
+        <a:defRPr sz="1400" b="0" i="0" u="none" strike="noStrike" cap="none">
           <a:solidFill>
             <a:srgbClr val="000000"/>
           </a:solidFill>
@@ -9335,7 +9387,7 @@
           <a:sym typeface="Arial"/>
         </a:defRPr>
       </a:lvl3pPr>
-      <a:lvl4pPr lvl="3" marR="0" rtl="0" algn="l">
+      <a:lvl4pPr marR="0" lvl="3" algn="l" rtl="0">
         <a:lnSpc>
           <a:spcPct val="100000"/>
         </a:lnSpc>
@@ -9349,7 +9401,7 @@
           <a:srgbClr val="000000"/>
         </a:buClr>
         <a:buFont typeface="Arial"/>
-        <a:defRPr b="0" i="0" sz="1400" u="none" cap="none" strike="noStrike">
+        <a:defRPr sz="1400" b="0" i="0" u="none" strike="noStrike" cap="none">
           <a:solidFill>
             <a:srgbClr val="000000"/>
           </a:solidFill>
@@ -9359,7 +9411,7 @@
           <a:sym typeface="Arial"/>
         </a:defRPr>
       </a:lvl4pPr>
-      <a:lvl5pPr lvl="4" marR="0" rtl="0" algn="l">
+      <a:lvl5pPr marR="0" lvl="4" algn="l" rtl="0">
         <a:lnSpc>
           <a:spcPct val="100000"/>
         </a:lnSpc>
@@ -9373,7 +9425,7 @@
           <a:srgbClr val="000000"/>
         </a:buClr>
         <a:buFont typeface="Arial"/>
-        <a:defRPr b="0" i="0" sz="1400" u="none" cap="none" strike="noStrike">
+        <a:defRPr sz="1400" b="0" i="0" u="none" strike="noStrike" cap="none">
           <a:solidFill>
             <a:srgbClr val="000000"/>
           </a:solidFill>
@@ -9383,7 +9435,7 @@
           <a:sym typeface="Arial"/>
         </a:defRPr>
       </a:lvl5pPr>
-      <a:lvl6pPr lvl="5" marR="0" rtl="0" algn="l">
+      <a:lvl6pPr marR="0" lvl="5" algn="l" rtl="0">
         <a:lnSpc>
           <a:spcPct val="100000"/>
         </a:lnSpc>
@@ -9397,7 +9449,7 @@
           <a:srgbClr val="000000"/>
         </a:buClr>
         <a:buFont typeface="Arial"/>
-        <a:defRPr b="0" i="0" sz="1400" u="none" cap="none" strike="noStrike">
+        <a:defRPr sz="1400" b="0" i="0" u="none" strike="noStrike" cap="none">
           <a:solidFill>
             <a:srgbClr val="000000"/>
           </a:solidFill>
@@ -9407,7 +9459,7 @@
           <a:sym typeface="Arial"/>
         </a:defRPr>
       </a:lvl6pPr>
-      <a:lvl7pPr lvl="6" marR="0" rtl="0" algn="l">
+      <a:lvl7pPr marR="0" lvl="6" algn="l" rtl="0">
         <a:lnSpc>
           <a:spcPct val="100000"/>
         </a:lnSpc>
@@ -9421,7 +9473,7 @@
           <a:srgbClr val="000000"/>
         </a:buClr>
         <a:buFont typeface="Arial"/>
-        <a:defRPr b="0" i="0" sz="1400" u="none" cap="none" strike="noStrike">
+        <a:defRPr sz="1400" b="0" i="0" u="none" strike="noStrike" cap="none">
           <a:solidFill>
             <a:srgbClr val="000000"/>
           </a:solidFill>
@@ -9431,7 +9483,7 @@
           <a:sym typeface="Arial"/>
         </a:defRPr>
       </a:lvl7pPr>
-      <a:lvl8pPr lvl="7" marR="0" rtl="0" algn="l">
+      <a:lvl8pPr marR="0" lvl="7" algn="l" rtl="0">
         <a:lnSpc>
           <a:spcPct val="100000"/>
         </a:lnSpc>
@@ -9445,7 +9497,7 @@
           <a:srgbClr val="000000"/>
         </a:buClr>
         <a:buFont typeface="Arial"/>
-        <a:defRPr b="0" i="0" sz="1400" u="none" cap="none" strike="noStrike">
+        <a:defRPr sz="1400" b="0" i="0" u="none" strike="noStrike" cap="none">
           <a:solidFill>
             <a:srgbClr val="000000"/>
           </a:solidFill>
@@ -9455,7 +9507,7 @@
           <a:sym typeface="Arial"/>
         </a:defRPr>
       </a:lvl8pPr>
-      <a:lvl9pPr lvl="8" marR="0" rtl="0" algn="l">
+      <a:lvl9pPr marR="0" lvl="8" algn="l" rtl="0">
         <a:lnSpc>
           <a:spcPct val="100000"/>
         </a:lnSpc>
@@ -9469,7 +9521,7 @@
           <a:srgbClr val="000000"/>
         </a:buClr>
         <a:buFont typeface="Arial"/>
-        <a:defRPr b="0" i="0" sz="1400" u="none" cap="none" strike="noStrike">
+        <a:defRPr sz="1400" b="0" i="0" u="none" strike="noStrike" cap="none">
           <a:solidFill>
             <a:srgbClr val="000000"/>
           </a:solidFill>
@@ -9485,11 +9537,11 @@
 </file>
 
 <file path=ppt/slides/slide1.xml><?xml version="1.0" encoding="utf-8"?>
-<p:sld xmlns:a="http://schemas.openxmlformats.org/drawingml/2006/main" xmlns:r="http://schemas.openxmlformats.org/officeDocument/2006/relationships" xmlns:mc="http://schemas.openxmlformats.org/markup-compatibility/2006" xmlns:mv="urn:schemas-microsoft-com:mac:vml" xmlns:p="http://schemas.openxmlformats.org/presentationml/2006/main" xmlns:c="http://schemas.openxmlformats.org/drawingml/2006/chart" xmlns:dgm="http://schemas.openxmlformats.org/drawingml/2006/diagram" xmlns:o="urn:schemas-microsoft-com:office:office" xmlns:v="urn:schemas-microsoft-com:vml" xmlns:pvml="urn:schemas-microsoft-com:office:powerpoint" xmlns:com="http://schemas.openxmlformats.org/drawingml/2006/compatibility" xmlns:p14="http://schemas.microsoft.com/office/powerpoint/2010/main" xmlns:p15="http://schemas.microsoft.com/office/powerpoint/2012/main" xmlns:ahyp="http://schemas.microsoft.com/office/drawing/2018/hyperlinkcolor">
+<p:sld xmlns:a="http://schemas.openxmlformats.org/drawingml/2006/main" xmlns:r="http://schemas.openxmlformats.org/officeDocument/2006/relationships" xmlns:p="http://schemas.openxmlformats.org/presentationml/2006/main">
   <p:cSld>
     <p:spTree>
       <p:nvGrpSpPr>
-        <p:cNvPr id="133" name="Shape 133"/>
+        <p:cNvPr id="1" name="Shape 133"/>
         <p:cNvGrpSpPr/>
         <p:nvPr/>
       </p:nvGrpSpPr>
@@ -9504,7 +9556,9 @@
       <p:sp>
         <p:nvSpPr>
           <p:cNvPr id="134" name="Google Shape;134;p13"/>
-          <p:cNvSpPr txBox="1"/>
+          <p:cNvSpPr txBox="1">
+            <a:spLocks noGrp="1"/>
+          </p:cNvSpPr>
           <p:nvPr>
             <p:ph type="ctrTitle"/>
           </p:nvPr>
@@ -9519,12 +9573,12 @@
           </a:prstGeom>
         </p:spPr>
         <p:txBody>
-          <a:bodyPr anchorCtr="0" anchor="t" bIns="91425" lIns="91425" spcFirstLastPara="1" rIns="91425" wrap="square" tIns="91425">
+          <a:bodyPr spcFirstLastPara="1" wrap="square" lIns="91425" tIns="91425" rIns="91425" bIns="91425" anchor="t" anchorCtr="0">
             <a:normAutofit/>
           </a:bodyPr>
           <a:lstStyle/>
           <a:p>
-            <a:pPr indent="0" lvl="0" marL="0" rtl="0" algn="l">
+            <a:pPr marL="0" lvl="0" indent="0" algn="l" rtl="0">
               <a:spcBef>
                 <a:spcPts val="0"/>
               </a:spcBef>
@@ -9544,9 +9598,11 @@
       <p:sp>
         <p:nvSpPr>
           <p:cNvPr id="135" name="Google Shape;135;p13"/>
-          <p:cNvSpPr txBox="1"/>
+          <p:cNvSpPr txBox="1">
+            <a:spLocks noGrp="1"/>
+          </p:cNvSpPr>
           <p:nvPr>
-            <p:ph idx="1" type="subTitle"/>
+            <p:ph type="subTitle" idx="1"/>
           </p:nvPr>
         </p:nvSpPr>
         <p:spPr>
@@ -9559,12 +9615,12 @@
           </a:prstGeom>
         </p:spPr>
         <p:txBody>
-          <a:bodyPr anchorCtr="0" anchor="t" bIns="91425" lIns="91425" spcFirstLastPara="1" rIns="91425" wrap="square" tIns="91425">
+          <a:bodyPr spcFirstLastPara="1" wrap="square" lIns="91425" tIns="91425" rIns="91425" bIns="91425" anchor="t" anchorCtr="0">
             <a:normAutofit/>
           </a:bodyPr>
           <a:lstStyle/>
           <a:p>
-            <a:pPr indent="0" lvl="0" marL="0" rtl="0" algn="l">
+            <a:pPr marL="0" lvl="0" indent="0" algn="l" rtl="0">
               <a:spcBef>
                 <a:spcPts val="0"/>
               </a:spcBef>
@@ -9594,12 +9650,12 @@
 </p:sld>
 </file>
 
-<file path=ppt/slides/slide2.xml><?xml version="1.0" encoding="utf-8"?>
-<p:sld xmlns:a="http://schemas.openxmlformats.org/drawingml/2006/main" xmlns:r="http://schemas.openxmlformats.org/officeDocument/2006/relationships" xmlns:mc="http://schemas.openxmlformats.org/markup-compatibility/2006" xmlns:mv="urn:schemas-microsoft-com:mac:vml" xmlns:p="http://schemas.openxmlformats.org/presentationml/2006/main" xmlns:c="http://schemas.openxmlformats.org/drawingml/2006/chart" xmlns:dgm="http://schemas.openxmlformats.org/drawingml/2006/diagram" xmlns:o="urn:schemas-microsoft-com:office:office" xmlns:v="urn:schemas-microsoft-com:vml" xmlns:pvml="urn:schemas-microsoft-com:office:powerpoint" xmlns:com="http://schemas.openxmlformats.org/drawingml/2006/compatibility" xmlns:p14="http://schemas.microsoft.com/office/powerpoint/2010/main" xmlns:p15="http://schemas.microsoft.com/office/powerpoint/2012/main" xmlns:ahyp="http://schemas.microsoft.com/office/drawing/2018/hyperlinkcolor">
+<file path=ppt/slides/slide10.xml><?xml version="1.0" encoding="utf-8"?>
+<p:sld xmlns:a="http://schemas.openxmlformats.org/drawingml/2006/main" xmlns:r="http://schemas.openxmlformats.org/officeDocument/2006/relationships" xmlns:p="http://schemas.openxmlformats.org/presentationml/2006/main">
   <p:cSld>
     <p:spTree>
       <p:nvGrpSpPr>
-        <p:cNvPr id="139" name="Shape 139"/>
+        <p:cNvPr id="1" name=""/>
         <p:cNvGrpSpPr/>
         <p:nvPr/>
       </p:nvGrpSpPr>
@@ -9613,8 +9669,523 @@
       </p:grpSpPr>
       <p:sp>
         <p:nvSpPr>
-          <p:cNvPr id="140" name="Google Shape;140;p14"/>
-          <p:cNvSpPr txBox="1"/>
+          <p:cNvPr id="2" name="제목 1">
+            <a:extLst>
+              <a:ext uri="{FF2B5EF4-FFF2-40B4-BE49-F238E27FC236}">
+                <a16:creationId xmlns:a16="http://schemas.microsoft.com/office/drawing/2014/main" id="{B8AC1A1E-C1BB-7915-1A3C-07B00EF39DF2}"/>
+              </a:ext>
+            </a:extLst>
+          </p:cNvPr>
+          <p:cNvSpPr>
+            <a:spLocks noGrp="1"/>
+          </p:cNvSpPr>
+          <p:nvPr>
+            <p:ph type="title"/>
+          </p:nvPr>
+        </p:nvSpPr>
+        <p:spPr/>
+        <p:txBody>
+          <a:bodyPr>
+            <a:normAutofit fontScale="90000"/>
+          </a:bodyPr>
+          <a:lstStyle/>
+          <a:p>
+            <a:r>
+              <a:rPr lang="en-US" altLang="ko-KR" dirty="0"/>
+              <a:t>Implementations: Face Recognition Based on Face Embeddings</a:t>
+            </a:r>
+            <a:endParaRPr lang="ko-KR" altLang="en-US" dirty="0"/>
+          </a:p>
+        </p:txBody>
+      </p:sp>
+      <p:sp>
+        <p:nvSpPr>
+          <p:cNvPr id="3" name="텍스트 개체 틀 2">
+            <a:extLst>
+              <a:ext uri="{FF2B5EF4-FFF2-40B4-BE49-F238E27FC236}">
+                <a16:creationId xmlns:a16="http://schemas.microsoft.com/office/drawing/2014/main" id="{80B52252-190C-8B3F-C6FC-B33F34D92663}"/>
+              </a:ext>
+            </a:extLst>
+          </p:cNvPr>
+          <p:cNvSpPr>
+            <a:spLocks noGrp="1"/>
+          </p:cNvSpPr>
+          <p:nvPr>
+            <p:ph type="body" idx="1"/>
+          </p:nvPr>
+        </p:nvSpPr>
+        <p:spPr/>
+        <p:txBody>
+          <a:bodyPr/>
+          <a:lstStyle/>
+          <a:p>
+            <a:endParaRPr lang="ko-KR" altLang="en-US"/>
+          </a:p>
+        </p:txBody>
+      </p:sp>
+      <p:pic>
+        <p:nvPicPr>
+          <p:cNvPr id="6148" name="Picture 4" descr="Image Similarity with Hugging Face Datasets and Transformers">
+            <a:extLst>
+              <a:ext uri="{FF2B5EF4-FFF2-40B4-BE49-F238E27FC236}">
+                <a16:creationId xmlns:a16="http://schemas.microsoft.com/office/drawing/2014/main" id="{146112A6-EE9B-BA5D-3CF2-509CE6961830}"/>
+              </a:ext>
+            </a:extLst>
+          </p:cNvPr>
+          <p:cNvPicPr>
+            <a:picLocks noChangeAspect="1" noChangeArrowheads="1"/>
+          </p:cNvPicPr>
+          <p:nvPr/>
+        </p:nvPicPr>
+        <p:blipFill>
+          <a:blip r:embed="rId2">
+            <a:extLst>
+              <a:ext uri="{28A0092B-C50C-407E-A947-70E740481C1C}">
+                <a14:useLocalDpi xmlns:a14="http://schemas.microsoft.com/office/drawing/2010/main" val="0"/>
+              </a:ext>
+            </a:extLst>
+          </a:blip>
+          <a:srcRect/>
+          <a:stretch>
+            <a:fillRect/>
+          </a:stretch>
+        </p:blipFill>
+        <p:spPr bwMode="auto">
+          <a:xfrm>
+            <a:off x="1052549" y="1370963"/>
+            <a:ext cx="7038901" cy="3304373"/>
+          </a:xfrm>
+          <a:prstGeom prst="rect">
+            <a:avLst/>
+          </a:prstGeom>
+          <a:noFill/>
+          <a:extLst>
+            <a:ext uri="{909E8E84-426E-40DD-AFC4-6F175D3DCCD1}">
+              <a14:hiddenFill xmlns:a14="http://schemas.microsoft.com/office/drawing/2010/main">
+                <a:solidFill>
+                  <a:srgbClr val="FFFFFF"/>
+                </a:solidFill>
+              </a14:hiddenFill>
+            </a:ext>
+          </a:extLst>
+        </p:spPr>
+      </p:pic>
+      <p:pic>
+        <p:nvPicPr>
+          <p:cNvPr id="6150" name="Picture 6" descr="Boris Johnson - Wikipedia">
+            <a:extLst>
+              <a:ext uri="{FF2B5EF4-FFF2-40B4-BE49-F238E27FC236}">
+                <a16:creationId xmlns:a16="http://schemas.microsoft.com/office/drawing/2014/main" id="{A609C078-1755-D5BA-7530-18023A12D068}"/>
+              </a:ext>
+            </a:extLst>
+          </p:cNvPr>
+          <p:cNvPicPr>
+            <a:picLocks noChangeAspect="1" noChangeArrowheads="1"/>
+          </p:cNvPicPr>
+          <p:nvPr/>
+        </p:nvPicPr>
+        <p:blipFill rotWithShape="1">
+          <a:blip r:embed="rId3">
+            <a:extLst>
+              <a:ext uri="{28A0092B-C50C-407E-A947-70E740481C1C}">
+                <a14:useLocalDpi xmlns:a14="http://schemas.microsoft.com/office/drawing/2010/main" val="0"/>
+              </a:ext>
+            </a:extLst>
+          </a:blip>
+          <a:srcRect b="33881"/>
+          <a:stretch/>
+        </p:blipFill>
+        <p:spPr bwMode="auto">
+          <a:xfrm>
+            <a:off x="1226371" y="1567550"/>
+            <a:ext cx="1247887" cy="1160289"/>
+          </a:xfrm>
+          <a:prstGeom prst="rect">
+            <a:avLst/>
+          </a:prstGeom>
+          <a:noFill/>
+          <a:extLst>
+            <a:ext uri="{909E8E84-426E-40DD-AFC4-6F175D3DCCD1}">
+              <a14:hiddenFill xmlns:a14="http://schemas.microsoft.com/office/drawing/2010/main">
+                <a:solidFill>
+                  <a:srgbClr val="FFFFFF"/>
+                </a:solidFill>
+              </a14:hiddenFill>
+            </a:ext>
+          </a:extLst>
+        </p:spPr>
+      </p:pic>
+      <p:pic>
+        <p:nvPicPr>
+          <p:cNvPr id="6152" name="Picture 8" descr="Boris Johnson resigns as MP, accusing Commons investigation of attempting  to 'drive me out' | CNN">
+            <a:extLst>
+              <a:ext uri="{FF2B5EF4-FFF2-40B4-BE49-F238E27FC236}">
+                <a16:creationId xmlns:a16="http://schemas.microsoft.com/office/drawing/2014/main" id="{B588EFCD-E083-7ED4-5FEE-D38EAF79E4E1}"/>
+              </a:ext>
+            </a:extLst>
+          </p:cNvPr>
+          <p:cNvPicPr>
+            <a:picLocks noChangeAspect="1" noChangeArrowheads="1"/>
+          </p:cNvPicPr>
+          <p:nvPr/>
+        </p:nvPicPr>
+        <p:blipFill rotWithShape="1">
+          <a:blip r:embed="rId4">
+            <a:extLst>
+              <a:ext uri="{28A0092B-C50C-407E-A947-70E740481C1C}">
+                <a14:useLocalDpi xmlns:a14="http://schemas.microsoft.com/office/drawing/2010/main" val="0"/>
+              </a:ext>
+            </a:extLst>
+          </a:blip>
+          <a:srcRect b="18102"/>
+          <a:stretch/>
+        </p:blipFill>
+        <p:spPr bwMode="auto">
+          <a:xfrm>
+            <a:off x="1319035" y="3165146"/>
+            <a:ext cx="1062558" cy="1160289"/>
+          </a:xfrm>
+          <a:prstGeom prst="rect">
+            <a:avLst/>
+          </a:prstGeom>
+          <a:noFill/>
+          <a:extLst>
+            <a:ext uri="{909E8E84-426E-40DD-AFC4-6F175D3DCCD1}">
+              <a14:hiddenFill xmlns:a14="http://schemas.microsoft.com/office/drawing/2010/main">
+                <a:solidFill>
+                  <a:srgbClr val="FFFFFF"/>
+                </a:solidFill>
+              </a14:hiddenFill>
+            </a:ext>
+          </a:extLst>
+        </p:spPr>
+      </p:pic>
+    </p:spTree>
+    <p:extLst>
+      <p:ext uri="{BB962C8B-B14F-4D97-AF65-F5344CB8AC3E}">
+        <p14:creationId xmlns:p14="http://schemas.microsoft.com/office/powerpoint/2010/main" val="243674359"/>
+      </p:ext>
+    </p:extLst>
+  </p:cSld>
+  <p:clrMapOvr>
+    <a:masterClrMapping/>
+  </p:clrMapOvr>
+</p:sld>
+</file>
+
+<file path=ppt/slides/slide11.xml><?xml version="1.0" encoding="utf-8"?>
+<p:sld xmlns:a="http://schemas.openxmlformats.org/drawingml/2006/main" xmlns:r="http://schemas.openxmlformats.org/officeDocument/2006/relationships" xmlns:p="http://schemas.openxmlformats.org/presentationml/2006/main">
+  <p:cSld>
+    <p:spTree>
+      <p:nvGrpSpPr>
+        <p:cNvPr id="1" name=""/>
+        <p:cNvGrpSpPr/>
+        <p:nvPr/>
+      </p:nvGrpSpPr>
+      <p:grpSpPr>
+        <a:xfrm>
+          <a:off x="0" y="0"/>
+          <a:ext cx="0" cy="0"/>
+          <a:chOff x="0" y="0"/>
+          <a:chExt cx="0" cy="0"/>
+        </a:xfrm>
+      </p:grpSpPr>
+      <p:sp>
+        <p:nvSpPr>
+          <p:cNvPr id="2" name="제목 1">
+            <a:extLst>
+              <a:ext uri="{FF2B5EF4-FFF2-40B4-BE49-F238E27FC236}">
+                <a16:creationId xmlns:a16="http://schemas.microsoft.com/office/drawing/2014/main" id="{B8AC1A1E-C1BB-7915-1A3C-07B00EF39DF2}"/>
+              </a:ext>
+            </a:extLst>
+          </p:cNvPr>
+          <p:cNvSpPr>
+            <a:spLocks noGrp="1"/>
+          </p:cNvSpPr>
+          <p:nvPr>
+            <p:ph type="title"/>
+          </p:nvPr>
+        </p:nvSpPr>
+        <p:spPr/>
+        <p:txBody>
+          <a:bodyPr>
+            <a:normAutofit fontScale="90000"/>
+          </a:bodyPr>
+          <a:lstStyle/>
+          <a:p>
+            <a:r>
+              <a:rPr lang="en-US" altLang="ko-KR" dirty="0"/>
+              <a:t>Implementations: Face Database for Unknown Face Classification</a:t>
+            </a:r>
+            <a:endParaRPr lang="ko-KR" altLang="en-US" dirty="0"/>
+          </a:p>
+        </p:txBody>
+      </p:sp>
+      <p:sp>
+        <p:nvSpPr>
+          <p:cNvPr id="3" name="텍스트 개체 틀 2">
+            <a:extLst>
+              <a:ext uri="{FF2B5EF4-FFF2-40B4-BE49-F238E27FC236}">
+                <a16:creationId xmlns:a16="http://schemas.microsoft.com/office/drawing/2014/main" id="{80B52252-190C-8B3F-C6FC-B33F34D92663}"/>
+              </a:ext>
+            </a:extLst>
+          </p:cNvPr>
+          <p:cNvSpPr>
+            <a:spLocks noGrp="1"/>
+          </p:cNvSpPr>
+          <p:nvPr>
+            <p:ph type="body" idx="1"/>
+          </p:nvPr>
+        </p:nvSpPr>
+        <p:spPr/>
+        <p:txBody>
+          <a:bodyPr/>
+          <a:lstStyle/>
+          <a:p>
+            <a:endParaRPr lang="ko-KR" altLang="en-US"/>
+          </a:p>
+        </p:txBody>
+      </p:sp>
+      <p:sp>
+        <p:nvSpPr>
+          <p:cNvPr id="5" name="화살표: U자형 4">
+            <a:extLst>
+              <a:ext uri="{FF2B5EF4-FFF2-40B4-BE49-F238E27FC236}">
+                <a16:creationId xmlns:a16="http://schemas.microsoft.com/office/drawing/2014/main" id="{07FBE74F-9E63-9598-E85F-0DE6E931F2EC}"/>
+              </a:ext>
+            </a:extLst>
+          </p:cNvPr>
+          <p:cNvSpPr/>
+          <p:nvPr/>
+        </p:nvSpPr>
+        <p:spPr>
+          <a:xfrm rot="2845352">
+            <a:off x="3732145" y="1782179"/>
+            <a:ext cx="2666360" cy="2604888"/>
+          </a:xfrm>
+          <a:prstGeom prst="uturnArrow">
+            <a:avLst>
+              <a:gd name="adj1" fmla="val 16445"/>
+              <a:gd name="adj2" fmla="val 25000"/>
+              <a:gd name="adj3" fmla="val 25000"/>
+              <a:gd name="adj4" fmla="val 43750"/>
+              <a:gd name="adj5" fmla="val 75000"/>
+            </a:avLst>
+          </a:prstGeom>
+        </p:spPr>
+        <p:style>
+          <a:lnRef idx="2">
+            <a:schemeClr val="accent1">
+              <a:shade val="15000"/>
+            </a:schemeClr>
+          </a:lnRef>
+          <a:fillRef idx="1">
+            <a:schemeClr val="accent1"/>
+          </a:fillRef>
+          <a:effectRef idx="0">
+            <a:schemeClr val="accent1"/>
+          </a:effectRef>
+          <a:fontRef idx="minor">
+            <a:schemeClr val="lt1"/>
+          </a:fontRef>
+        </p:style>
+        <p:txBody>
+          <a:bodyPr rtlCol="0" anchor="ctr"/>
+          <a:lstStyle/>
+          <a:p>
+            <a:pPr algn="ctr"/>
+            <a:endParaRPr lang="ko-KR" altLang="en-US" dirty="0">
+              <a:solidFill>
+                <a:schemeClr val="tx1"/>
+              </a:solidFill>
+            </a:endParaRPr>
+          </a:p>
+        </p:txBody>
+      </p:sp>
+      <p:pic>
+        <p:nvPicPr>
+          <p:cNvPr id="7172" name="Picture 4" descr="Joe Biden: The President | The White House">
+            <a:extLst>
+              <a:ext uri="{FF2B5EF4-FFF2-40B4-BE49-F238E27FC236}">
+                <a16:creationId xmlns:a16="http://schemas.microsoft.com/office/drawing/2014/main" id="{5E27F46A-5D8D-0D93-9F3C-52DAC52D89C3}"/>
+              </a:ext>
+            </a:extLst>
+          </p:cNvPr>
+          <p:cNvPicPr>
+            <a:picLocks noChangeAspect="1" noChangeArrowheads="1"/>
+          </p:cNvPicPr>
+          <p:nvPr/>
+        </p:nvPicPr>
+        <p:blipFill rotWithShape="1">
+          <a:blip r:embed="rId2">
+            <a:extLst>
+              <a:ext uri="{28A0092B-C50C-407E-A947-70E740481C1C}">
+                <a14:useLocalDpi xmlns:a14="http://schemas.microsoft.com/office/drawing/2010/main" val="0"/>
+              </a:ext>
+            </a:extLst>
+          </a:blip>
+          <a:srcRect l="25916" t="-1758" r="26002" b="21593"/>
+          <a:stretch/>
+        </p:blipFill>
+        <p:spPr bwMode="auto">
+          <a:xfrm>
+            <a:off x="2766252" y="2142332"/>
+            <a:ext cx="1083450" cy="1354792"/>
+          </a:xfrm>
+          <a:prstGeom prst="rect">
+            <a:avLst/>
+          </a:prstGeom>
+          <a:noFill/>
+          <a:extLst>
+            <a:ext uri="{909E8E84-426E-40DD-AFC4-6F175D3DCCD1}">
+              <a14:hiddenFill xmlns:a14="http://schemas.microsoft.com/office/drawing/2010/main">
+                <a:solidFill>
+                  <a:srgbClr val="FFFFFF"/>
+                </a:solidFill>
+              </a14:hiddenFill>
+            </a:ext>
+          </a:extLst>
+        </p:spPr>
+      </p:pic>
+      <p:pic>
+        <p:nvPicPr>
+          <p:cNvPr id="7170" name="Picture 2" descr="Database Vector Art, Icons, and Graphics for Free Download">
+            <a:extLst>
+              <a:ext uri="{FF2B5EF4-FFF2-40B4-BE49-F238E27FC236}">
+                <a16:creationId xmlns:a16="http://schemas.microsoft.com/office/drawing/2014/main" id="{5B003967-1002-E607-35D2-3BCFDB3D45ED}"/>
+              </a:ext>
+            </a:extLst>
+          </p:cNvPr>
+          <p:cNvPicPr>
+            <a:picLocks noChangeAspect="1" noChangeArrowheads="1"/>
+          </p:cNvPicPr>
+          <p:nvPr/>
+        </p:nvPicPr>
+        <p:blipFill>
+          <a:blip r:embed="rId3">
+            <a:extLst>
+              <a:ext uri="{28A0092B-C50C-407E-A947-70E740481C1C}">
+                <a14:useLocalDpi xmlns:a14="http://schemas.microsoft.com/office/drawing/2010/main" val="0"/>
+              </a:ext>
+            </a:extLst>
+          </a:blip>
+          <a:srcRect/>
+          <a:stretch>
+            <a:fillRect/>
+          </a:stretch>
+        </p:blipFill>
+        <p:spPr bwMode="auto">
+          <a:xfrm>
+            <a:off x="4825573" y="1629023"/>
+            <a:ext cx="1190705" cy="1190705"/>
+          </a:xfrm>
+          <a:prstGeom prst="rect">
+            <a:avLst/>
+          </a:prstGeom>
+          <a:noFill/>
+          <a:extLst>
+            <a:ext uri="{909E8E84-426E-40DD-AFC4-6F175D3DCCD1}">
+              <a14:hiddenFill xmlns:a14="http://schemas.microsoft.com/office/drawing/2010/main">
+                <a:solidFill>
+                  <a:srgbClr val="FFFFFF"/>
+                </a:solidFill>
+              </a14:hiddenFill>
+            </a:ext>
+          </a:extLst>
+        </p:spPr>
+      </p:pic>
+      <p:sp>
+        <p:nvSpPr>
+          <p:cNvPr id="8" name="직사각형 7">
+            <a:extLst>
+              <a:ext uri="{FF2B5EF4-FFF2-40B4-BE49-F238E27FC236}">
+                <a16:creationId xmlns:a16="http://schemas.microsoft.com/office/drawing/2014/main" id="{600E2105-0072-5DE8-7D66-023F65A2CB9D}"/>
+              </a:ext>
+            </a:extLst>
+          </p:cNvPr>
+          <p:cNvSpPr/>
+          <p:nvPr/>
+        </p:nvSpPr>
+        <p:spPr>
+          <a:xfrm>
+            <a:off x="3964961" y="3787193"/>
+            <a:ext cx="1536805" cy="952820"/>
+          </a:xfrm>
+          <a:prstGeom prst="rect">
+            <a:avLst/>
+          </a:prstGeom>
+          <a:solidFill>
+            <a:srgbClr val="FF0000"/>
+          </a:solidFill>
+          <a:ln>
+            <a:noFill/>
+          </a:ln>
+        </p:spPr>
+        <p:style>
+          <a:lnRef idx="2">
+            <a:schemeClr val="accent1">
+              <a:shade val="15000"/>
+            </a:schemeClr>
+          </a:lnRef>
+          <a:fillRef idx="1">
+            <a:schemeClr val="accent1"/>
+          </a:fillRef>
+          <a:effectRef idx="0">
+            <a:schemeClr val="accent1"/>
+          </a:effectRef>
+          <a:fontRef idx="minor">
+            <a:schemeClr val="lt1"/>
+          </a:fontRef>
+        </p:style>
+        <p:txBody>
+          <a:bodyPr rtlCol="0" anchor="ctr"/>
+          <a:lstStyle/>
+          <a:p>
+            <a:pPr algn="ctr"/>
+            <a:r>
+              <a:rPr lang="en-US" altLang="ko-KR" sz="2800" dirty="0"/>
+              <a:t>ID: 3</a:t>
+            </a:r>
+            <a:endParaRPr lang="ko-KR" altLang="en-US" sz="2800" dirty="0"/>
+          </a:p>
+        </p:txBody>
+      </p:sp>
+    </p:spTree>
+    <p:extLst>
+      <p:ext uri="{BB962C8B-B14F-4D97-AF65-F5344CB8AC3E}">
+        <p14:creationId xmlns:p14="http://schemas.microsoft.com/office/powerpoint/2010/main" val="1684451060"/>
+      </p:ext>
+    </p:extLst>
+  </p:cSld>
+  <p:clrMapOvr>
+    <a:masterClrMapping/>
+  </p:clrMapOvr>
+</p:sld>
+</file>
+
+<file path=ppt/slides/slide12.xml><?xml version="1.0" encoding="utf-8"?>
+<p:sld xmlns:a="http://schemas.openxmlformats.org/drawingml/2006/main" xmlns:r="http://schemas.openxmlformats.org/officeDocument/2006/relationships" xmlns:p="http://schemas.openxmlformats.org/presentationml/2006/main">
+  <p:cSld>
+    <p:spTree>
+      <p:nvGrpSpPr>
+        <p:cNvPr id="1" name="Shape 151"/>
+        <p:cNvGrpSpPr/>
+        <p:nvPr/>
+      </p:nvGrpSpPr>
+      <p:grpSpPr>
+        <a:xfrm>
+          <a:off x="0" y="0"/>
+          <a:ext cx="0" cy="0"/>
+          <a:chOff x="0" y="0"/>
+          <a:chExt cx="0" cy="0"/>
+        </a:xfrm>
+      </p:grpSpPr>
+      <p:sp>
+        <p:nvSpPr>
+          <p:cNvPr id="152" name="Google Shape;152;p16"/>
+          <p:cNvSpPr txBox="1">
+            <a:spLocks noGrp="1"/>
+          </p:cNvSpPr>
           <p:nvPr>
             <p:ph type="title"/>
           </p:nvPr>
@@ -9629,12 +10200,12 @@
           </a:prstGeom>
         </p:spPr>
         <p:txBody>
-          <a:bodyPr anchorCtr="0" anchor="t" bIns="91425" lIns="91425" spcFirstLastPara="1" rIns="91425" wrap="square" tIns="91425">
+          <a:bodyPr spcFirstLastPara="1" wrap="square" lIns="91425" tIns="91425" rIns="91425" bIns="91425" anchor="t" anchorCtr="0">
             <a:normAutofit/>
           </a:bodyPr>
           <a:lstStyle/>
           <a:p>
-            <a:pPr indent="0" lvl="0" marL="0" rtl="0" algn="l">
+            <a:pPr marL="0" lvl="0" indent="0" algn="l" rtl="0">
               <a:spcBef>
                 <a:spcPts val="0"/>
               </a:spcBef>
@@ -9645,7 +10216,7 @@
             </a:pPr>
             <a:r>
               <a:rPr lang="en"/>
-              <a:t>Goal</a:t>
+              <a:t>Results</a:t>
             </a:r>
             <a:endParaRPr/>
           </a:p>
@@ -9653,28 +10224,30 @@
       </p:sp>
       <p:sp>
         <p:nvSpPr>
-          <p:cNvPr id="141" name="Google Shape;141;p14"/>
-          <p:cNvSpPr txBox="1"/>
+          <p:cNvPr id="153" name="Google Shape;153;p16"/>
+          <p:cNvSpPr txBox="1">
+            <a:spLocks noGrp="1"/>
+          </p:cNvSpPr>
           <p:nvPr>
-            <p:ph idx="1" type="body"/>
+            <p:ph type="body" idx="1"/>
           </p:nvPr>
         </p:nvSpPr>
         <p:spPr>
           <a:xfrm>
             <a:off x="1297500" y="1567550"/>
-            <a:ext cx="5422800" cy="2911200"/>
+            <a:ext cx="3414300" cy="2911200"/>
           </a:xfrm>
           <a:prstGeom prst="rect">
             <a:avLst/>
           </a:prstGeom>
         </p:spPr>
         <p:txBody>
-          <a:bodyPr anchorCtr="0" anchor="t" bIns="91425" lIns="91425" spcFirstLastPara="1" rIns="91425" wrap="square" tIns="91425">
+          <a:bodyPr spcFirstLastPara="1" wrap="square" lIns="91425" tIns="91425" rIns="91425" bIns="91425" anchor="t" anchorCtr="0">
             <a:normAutofit/>
           </a:bodyPr>
           <a:lstStyle/>
           <a:p>
-            <a:pPr indent="0" lvl="0" marL="0" rtl="0" algn="l">
+            <a:pPr marL="457200" lvl="0" indent="-317500" algn="l" rtl="0">
               <a:lnSpc>
                 <a:spcPct val="150000"/>
               </a:lnSpc>
@@ -9682,31 +10255,88 @@
                 <a:spcPts val="0"/>
               </a:spcBef>
               <a:spcAft>
-                <a:spcPts val="1200"/>
-              </a:spcAft>
-              <a:buNone/>
+                <a:spcPts val="0"/>
+              </a:spcAft>
+              <a:buSzPts val="1400"/>
+              <a:buChar char="-"/>
             </a:pPr>
             <a:r>
               <a:rPr lang="en" sz="1400"/>
-              <a:t>The main objective of this project is to develop a face-blurring program that offers real-time face detection, tracking, and automated blurring capabilities. </a:t>
+              <a:t>Code works as expected</a:t>
             </a:r>
+            <a:endParaRPr sz="1400"/>
+          </a:p>
+          <a:p>
+            <a:pPr marL="457200" lvl="0" indent="-317500" algn="l" rtl="0">
+              <a:lnSpc>
+                <a:spcPct val="150000"/>
+              </a:lnSpc>
+              <a:spcBef>
+                <a:spcPts val="0"/>
+              </a:spcBef>
+              <a:spcAft>
+                <a:spcPts val="0"/>
+              </a:spcAft>
+              <a:buSzPts val="1400"/>
+              <a:buChar char="-"/>
+            </a:pPr>
             <a:r>
               <a:rPr lang="en" sz="1400"/>
-              <a:t>Additionally</a:t>
+              <a:t>Can identify major facial features (such as the eyes, nose, and mouth)</a:t>
             </a:r>
+            <a:endParaRPr sz="1400"/>
+          </a:p>
+          <a:p>
+            <a:pPr marL="457200" lvl="0" indent="-317500" algn="l" rtl="0">
+              <a:lnSpc>
+                <a:spcPct val="150000"/>
+              </a:lnSpc>
+              <a:spcBef>
+                <a:spcPts val="0"/>
+              </a:spcBef>
+              <a:spcAft>
+                <a:spcPts val="0"/>
+              </a:spcAft>
+              <a:buSzPts val="1400"/>
+              <a:buChar char="-"/>
+            </a:pPr>
             <a:r>
               <a:rPr lang="en" sz="1400"/>
-              <a:t>, the program includes a user interface to allow manual selection for tracing and obscuring faces, ensuring </a:t>
+              <a:t>Utilizes an identification system to track different faces concurrently</a:t>
             </a:r>
+            <a:endParaRPr sz="1400"/>
+          </a:p>
+          <a:p>
+            <a:pPr marL="457200" lvl="0" indent="-317500" algn="l" rtl="0">
+              <a:lnSpc>
+                <a:spcPct val="150000"/>
+              </a:lnSpc>
+              <a:spcBef>
+                <a:spcPts val="0"/>
+              </a:spcBef>
+              <a:spcAft>
+                <a:spcPts val="0"/>
+              </a:spcAft>
+              <a:buSzPts val="1400"/>
+              <a:buChar char="-"/>
+            </a:pPr>
             <a:r>
               <a:rPr lang="en" sz="1400"/>
-              <a:t>privacy</a:t>
-            </a:r>
-            <a:r>
-              <a:rPr lang="en" sz="1400"/>
-              <a:t> compliance when effortlessly recording videos. </a:t>
+              <a:t>Users can cover a person’s face with an emoji by simply clicking on it</a:t>
             </a:r>
             <a:endParaRPr sz="1400"/>
+          </a:p>
+          <a:p>
+            <a:pPr marL="457200" lvl="0" indent="0" algn="l" rtl="0">
+              <a:spcBef>
+                <a:spcPts val="1200"/>
+              </a:spcBef>
+              <a:spcAft>
+                <a:spcPts val="1200"/>
+              </a:spcAft>
+              <a:buNone/>
+            </a:pPr>
+            <a:endParaRPr/>
           </a:p>
         </p:txBody>
       </p:sp>
@@ -9718,12 +10348,12 @@
 </p:sld>
 </file>
 
-<file path=ppt/slides/slide3.xml><?xml version="1.0" encoding="utf-8"?>
-<p:sld xmlns:a="http://schemas.openxmlformats.org/drawingml/2006/main" xmlns:r="http://schemas.openxmlformats.org/officeDocument/2006/relationships" xmlns:mc="http://schemas.openxmlformats.org/markup-compatibility/2006" xmlns:mv="urn:schemas-microsoft-com:mac:vml" xmlns:p="http://schemas.openxmlformats.org/presentationml/2006/main" xmlns:c="http://schemas.openxmlformats.org/drawingml/2006/chart" xmlns:dgm="http://schemas.openxmlformats.org/drawingml/2006/diagram" xmlns:o="urn:schemas-microsoft-com:office:office" xmlns:v="urn:schemas-microsoft-com:vml" xmlns:pvml="urn:schemas-microsoft-com:office:powerpoint" xmlns:com="http://schemas.openxmlformats.org/drawingml/2006/compatibility" xmlns:p14="http://schemas.microsoft.com/office/powerpoint/2010/main" xmlns:p15="http://schemas.microsoft.com/office/powerpoint/2012/main" xmlns:ahyp="http://schemas.microsoft.com/office/drawing/2018/hyperlinkcolor">
+<file path=ppt/slides/slide13.xml><?xml version="1.0" encoding="utf-8"?>
+<p:sld xmlns:a="http://schemas.openxmlformats.org/drawingml/2006/main" xmlns:r="http://schemas.openxmlformats.org/officeDocument/2006/relationships" xmlns:p="http://schemas.openxmlformats.org/presentationml/2006/main">
   <p:cSld>
     <p:spTree>
       <p:nvGrpSpPr>
-        <p:cNvPr id="145" name="Shape 145"/>
+        <p:cNvPr id="1" name="Shape 157"/>
         <p:cNvGrpSpPr/>
         <p:nvPr/>
       </p:nvGrpSpPr>
@@ -9737,8 +10367,10 @@
       </p:grpSpPr>
       <p:sp>
         <p:nvSpPr>
-          <p:cNvPr id="146" name="Google Shape;146;p15"/>
-          <p:cNvSpPr txBox="1"/>
+          <p:cNvPr id="158" name="Google Shape;158;p17"/>
+          <p:cNvSpPr txBox="1">
+            <a:spLocks noGrp="1"/>
+          </p:cNvSpPr>
           <p:nvPr>
             <p:ph type="title"/>
           </p:nvPr>
@@ -9753,420 +10385,12 @@
           </a:prstGeom>
         </p:spPr>
         <p:txBody>
-          <a:bodyPr anchorCtr="0" anchor="t" bIns="91425" lIns="91425" spcFirstLastPara="1" rIns="91425" wrap="square" tIns="91425">
+          <a:bodyPr spcFirstLastPara="1" wrap="square" lIns="91425" tIns="91425" rIns="91425" bIns="91425" anchor="t" anchorCtr="0">
             <a:normAutofit/>
           </a:bodyPr>
           <a:lstStyle/>
           <a:p>
-            <a:pPr indent="0" lvl="0" marL="0" rtl="0" algn="l">
-              <a:spcBef>
-                <a:spcPts val="0"/>
-              </a:spcBef>
-              <a:spcAft>
-                <a:spcPts val="0"/>
-              </a:spcAft>
-              <a:buNone/>
-            </a:pPr>
-            <a:r>
-              <a:rPr lang="en"/>
-              <a:t>Technologies </a:t>
-            </a:r>
-            <a:endParaRPr/>
-          </a:p>
-        </p:txBody>
-      </p:sp>
-      <p:sp>
-        <p:nvSpPr>
-          <p:cNvPr id="147" name="Google Shape;147;p15"/>
-          <p:cNvSpPr txBox="1"/>
-          <p:nvPr>
-            <p:ph idx="1" type="body"/>
-          </p:nvPr>
-        </p:nvSpPr>
-        <p:spPr>
-          <a:xfrm>
-            <a:off x="1297500" y="1567550"/>
-            <a:ext cx="7038900" cy="2911200"/>
-          </a:xfrm>
-          <a:prstGeom prst="rect">
-            <a:avLst/>
-          </a:prstGeom>
-        </p:spPr>
-        <p:txBody>
-          <a:bodyPr anchorCtr="0" anchor="t" bIns="91425" lIns="91425" spcFirstLastPara="1" rIns="91425" wrap="square" tIns="91425">
-            <a:normAutofit/>
-          </a:bodyPr>
-          <a:lstStyle/>
-          <a:p>
-            <a:pPr indent="0" lvl="0" marL="0" rtl="0" algn="l">
-              <a:spcBef>
-                <a:spcPts val="0"/>
-              </a:spcBef>
-              <a:spcAft>
-                <a:spcPts val="0"/>
-              </a:spcAft>
-              <a:buNone/>
-            </a:pPr>
-            <a:r>
-              <a:rPr lang="en"/>
-              <a:t>Face detector</a:t>
-            </a:r>
-            <a:endParaRPr/>
-          </a:p>
-          <a:p>
-            <a:pPr indent="-311150" lvl="0" marL="457200" rtl="0" algn="l">
-              <a:spcBef>
-                <a:spcPts val="1200"/>
-              </a:spcBef>
-              <a:spcAft>
-                <a:spcPts val="0"/>
-              </a:spcAft>
-              <a:buSzPts val="1300"/>
-              <a:buChar char="-"/>
-            </a:pPr>
-            <a:r>
-              <a:rPr lang="en"/>
-              <a:t>HOG (Histogram of Oriented Gradients)</a:t>
-            </a:r>
-            <a:endParaRPr/>
-          </a:p>
-          <a:p>
-            <a:pPr indent="-311150" lvl="0" marL="457200" rtl="0" algn="l">
-              <a:spcBef>
-                <a:spcPts val="0"/>
-              </a:spcBef>
-              <a:spcAft>
-                <a:spcPts val="0"/>
-              </a:spcAft>
-              <a:buSzPts val="1300"/>
-              <a:buChar char="-"/>
-            </a:pPr>
-            <a:r>
-              <a:rPr lang="en"/>
-              <a:t>Linear SVM (Support Vector Machine)</a:t>
-            </a:r>
-            <a:endParaRPr/>
-          </a:p>
-          <a:p>
-            <a:pPr indent="0" lvl="0" marL="0" rtl="0" algn="l">
-              <a:spcBef>
-                <a:spcPts val="1200"/>
-              </a:spcBef>
-              <a:spcAft>
-                <a:spcPts val="0"/>
-              </a:spcAft>
-              <a:buNone/>
-            </a:pPr>
-            <a:r>
-              <a:rPr lang="en"/>
-              <a:t>Face Landmark Detection</a:t>
-            </a:r>
-            <a:endParaRPr/>
-          </a:p>
-          <a:p>
-            <a:pPr indent="-311150" lvl="0" marL="457200" rtl="0" algn="l">
-              <a:spcBef>
-                <a:spcPts val="1200"/>
-              </a:spcBef>
-              <a:spcAft>
-                <a:spcPts val="0"/>
-              </a:spcAft>
-              <a:buSzPts val="1300"/>
-              <a:buChar char="-"/>
-            </a:pPr>
-            <a:r>
-              <a:rPr lang="en"/>
-              <a:t>Regression tree methods</a:t>
-            </a:r>
-            <a:endParaRPr/>
-          </a:p>
-          <a:p>
-            <a:pPr indent="0" lvl="0" marL="0" rtl="0" algn="l">
-              <a:spcBef>
-                <a:spcPts val="1200"/>
-              </a:spcBef>
-              <a:spcAft>
-                <a:spcPts val="0"/>
-              </a:spcAft>
-              <a:buNone/>
-            </a:pPr>
-            <a:r>
-              <a:rPr lang="en"/>
-              <a:t>Face Recognition</a:t>
-            </a:r>
-            <a:endParaRPr/>
-          </a:p>
-          <a:p>
-            <a:pPr indent="-311150" lvl="0" marL="457200" rtl="0" algn="l">
-              <a:spcBef>
-                <a:spcPts val="1200"/>
-              </a:spcBef>
-              <a:spcAft>
-                <a:spcPts val="0"/>
-              </a:spcAft>
-              <a:buSzPts val="1300"/>
-              <a:buChar char="-"/>
-            </a:pPr>
-            <a:r>
-              <a:rPr lang="en"/>
-              <a:t>ResNet-34 model</a:t>
-            </a:r>
-            <a:endParaRPr/>
-          </a:p>
-          <a:p>
-            <a:pPr indent="0" lvl="0" marL="0" rtl="0" algn="l">
-              <a:spcBef>
-                <a:spcPts val="1200"/>
-              </a:spcBef>
-              <a:spcAft>
-                <a:spcPts val="1200"/>
-              </a:spcAft>
-              <a:buNone/>
-            </a:pPr>
-            <a:r>
-              <a:t/>
-            </a:r>
-            <a:endParaRPr/>
-          </a:p>
-        </p:txBody>
-      </p:sp>
-    </p:spTree>
-  </p:cSld>
-  <p:clrMapOvr>
-    <a:masterClrMapping/>
-  </p:clrMapOvr>
-</p:sld>
-</file>
-
-<file path=ppt/slides/slide4.xml><?xml version="1.0" encoding="utf-8"?>
-<p:sld xmlns:a="http://schemas.openxmlformats.org/drawingml/2006/main" xmlns:r="http://schemas.openxmlformats.org/officeDocument/2006/relationships" xmlns:mc="http://schemas.openxmlformats.org/markup-compatibility/2006" xmlns:mv="urn:schemas-microsoft-com:mac:vml" xmlns:p="http://schemas.openxmlformats.org/presentationml/2006/main" xmlns:c="http://schemas.openxmlformats.org/drawingml/2006/chart" xmlns:dgm="http://schemas.openxmlformats.org/drawingml/2006/diagram" xmlns:o="urn:schemas-microsoft-com:office:office" xmlns:v="urn:schemas-microsoft-com:vml" xmlns:pvml="urn:schemas-microsoft-com:office:powerpoint" xmlns:com="http://schemas.openxmlformats.org/drawingml/2006/compatibility" xmlns:p14="http://schemas.microsoft.com/office/powerpoint/2010/main" xmlns:p15="http://schemas.microsoft.com/office/powerpoint/2012/main" xmlns:ahyp="http://schemas.microsoft.com/office/drawing/2018/hyperlinkcolor">
-  <p:cSld>
-    <p:spTree>
-      <p:nvGrpSpPr>
-        <p:cNvPr id="151" name="Shape 151"/>
-        <p:cNvGrpSpPr/>
-        <p:nvPr/>
-      </p:nvGrpSpPr>
-      <p:grpSpPr>
-        <a:xfrm>
-          <a:off x="0" y="0"/>
-          <a:ext cx="0" cy="0"/>
-          <a:chOff x="0" y="0"/>
-          <a:chExt cx="0" cy="0"/>
-        </a:xfrm>
-      </p:grpSpPr>
-      <p:sp>
-        <p:nvSpPr>
-          <p:cNvPr id="152" name="Google Shape;152;p16"/>
-          <p:cNvSpPr txBox="1"/>
-          <p:nvPr>
-            <p:ph type="title"/>
-          </p:nvPr>
-        </p:nvSpPr>
-        <p:spPr>
-          <a:xfrm>
-            <a:off x="1297500" y="393750"/>
-            <a:ext cx="7038900" cy="914100"/>
-          </a:xfrm>
-          <a:prstGeom prst="rect">
-            <a:avLst/>
-          </a:prstGeom>
-        </p:spPr>
-        <p:txBody>
-          <a:bodyPr anchorCtr="0" anchor="t" bIns="91425" lIns="91425" spcFirstLastPara="1" rIns="91425" wrap="square" tIns="91425">
-            <a:normAutofit/>
-          </a:bodyPr>
-          <a:lstStyle/>
-          <a:p>
-            <a:pPr indent="0" lvl="0" marL="0" rtl="0" algn="l">
-              <a:spcBef>
-                <a:spcPts val="0"/>
-              </a:spcBef>
-              <a:spcAft>
-                <a:spcPts val="0"/>
-              </a:spcAft>
-              <a:buNone/>
-            </a:pPr>
-            <a:r>
-              <a:rPr lang="en"/>
-              <a:t>Results</a:t>
-            </a:r>
-            <a:endParaRPr/>
-          </a:p>
-        </p:txBody>
-      </p:sp>
-      <p:sp>
-        <p:nvSpPr>
-          <p:cNvPr id="153" name="Google Shape;153;p16"/>
-          <p:cNvSpPr txBox="1"/>
-          <p:nvPr>
-            <p:ph idx="1" type="body"/>
-          </p:nvPr>
-        </p:nvSpPr>
-        <p:spPr>
-          <a:xfrm>
-            <a:off x="1297500" y="1567550"/>
-            <a:ext cx="3414300" cy="2911200"/>
-          </a:xfrm>
-          <a:prstGeom prst="rect">
-            <a:avLst/>
-          </a:prstGeom>
-        </p:spPr>
-        <p:txBody>
-          <a:bodyPr anchorCtr="0" anchor="t" bIns="91425" lIns="91425" spcFirstLastPara="1" rIns="91425" wrap="square" tIns="91425">
-            <a:normAutofit/>
-          </a:bodyPr>
-          <a:lstStyle/>
-          <a:p>
-            <a:pPr indent="-317500" lvl="0" marL="457200" rtl="0" algn="l">
-              <a:lnSpc>
-                <a:spcPct val="150000"/>
-              </a:lnSpc>
-              <a:spcBef>
-                <a:spcPts val="0"/>
-              </a:spcBef>
-              <a:spcAft>
-                <a:spcPts val="0"/>
-              </a:spcAft>
-              <a:buSzPts val="1400"/>
-              <a:buChar char="-"/>
-            </a:pPr>
-            <a:r>
-              <a:rPr lang="en" sz="1400"/>
-              <a:t>Code works as expected</a:t>
-            </a:r>
-            <a:endParaRPr sz="1400"/>
-          </a:p>
-          <a:p>
-            <a:pPr indent="-317500" lvl="0" marL="457200" rtl="0" algn="l">
-              <a:lnSpc>
-                <a:spcPct val="150000"/>
-              </a:lnSpc>
-              <a:spcBef>
-                <a:spcPts val="0"/>
-              </a:spcBef>
-              <a:spcAft>
-                <a:spcPts val="0"/>
-              </a:spcAft>
-              <a:buSzPts val="1400"/>
-              <a:buChar char="-"/>
-            </a:pPr>
-            <a:r>
-              <a:rPr lang="en" sz="1400"/>
-              <a:t>Can identify major facial features (such as the eyes, nose, and mouth)</a:t>
-            </a:r>
-            <a:endParaRPr sz="1400"/>
-          </a:p>
-          <a:p>
-            <a:pPr indent="-317500" lvl="0" marL="457200" rtl="0" algn="l">
-              <a:lnSpc>
-                <a:spcPct val="150000"/>
-              </a:lnSpc>
-              <a:spcBef>
-                <a:spcPts val="0"/>
-              </a:spcBef>
-              <a:spcAft>
-                <a:spcPts val="0"/>
-              </a:spcAft>
-              <a:buSzPts val="1400"/>
-              <a:buChar char="-"/>
-            </a:pPr>
-            <a:r>
-              <a:rPr lang="en" sz="1400"/>
-              <a:t>Utilizes an identification system to track different faces </a:t>
-            </a:r>
-            <a:r>
-              <a:rPr lang="en" sz="1400"/>
-              <a:t>concurrently</a:t>
-            </a:r>
-            <a:endParaRPr sz="1400"/>
-          </a:p>
-          <a:p>
-            <a:pPr indent="-317500" lvl="0" marL="457200" rtl="0" algn="l">
-              <a:lnSpc>
-                <a:spcPct val="150000"/>
-              </a:lnSpc>
-              <a:spcBef>
-                <a:spcPts val="0"/>
-              </a:spcBef>
-              <a:spcAft>
-                <a:spcPts val="0"/>
-              </a:spcAft>
-              <a:buSzPts val="1400"/>
-              <a:buChar char="-"/>
-            </a:pPr>
-            <a:r>
-              <a:rPr lang="en" sz="1400"/>
-              <a:t>Users can cover a person’s face with an emoji by simply clicking on it</a:t>
-            </a:r>
-            <a:endParaRPr sz="1400"/>
-          </a:p>
-          <a:p>
-            <a:pPr indent="0" lvl="0" marL="457200" rtl="0" algn="l">
-              <a:spcBef>
-                <a:spcPts val="1200"/>
-              </a:spcBef>
-              <a:spcAft>
-                <a:spcPts val="1200"/>
-              </a:spcAft>
-              <a:buNone/>
-            </a:pPr>
-            <a:r>
-              <a:t/>
-            </a:r>
-            <a:endParaRPr/>
-          </a:p>
-        </p:txBody>
-      </p:sp>
-    </p:spTree>
-  </p:cSld>
-  <p:clrMapOvr>
-    <a:masterClrMapping/>
-  </p:clrMapOvr>
-</p:sld>
-</file>
-
-<file path=ppt/slides/slide5.xml><?xml version="1.0" encoding="utf-8"?>
-<p:sld xmlns:a="http://schemas.openxmlformats.org/drawingml/2006/main" xmlns:r="http://schemas.openxmlformats.org/officeDocument/2006/relationships" xmlns:mc="http://schemas.openxmlformats.org/markup-compatibility/2006" xmlns:mv="urn:schemas-microsoft-com:mac:vml" xmlns:p="http://schemas.openxmlformats.org/presentationml/2006/main" xmlns:c="http://schemas.openxmlformats.org/drawingml/2006/chart" xmlns:dgm="http://schemas.openxmlformats.org/drawingml/2006/diagram" xmlns:o="urn:schemas-microsoft-com:office:office" xmlns:v="urn:schemas-microsoft-com:vml" xmlns:pvml="urn:schemas-microsoft-com:office:powerpoint" xmlns:com="http://schemas.openxmlformats.org/drawingml/2006/compatibility" xmlns:p14="http://schemas.microsoft.com/office/powerpoint/2010/main" xmlns:p15="http://schemas.microsoft.com/office/powerpoint/2012/main" xmlns:ahyp="http://schemas.microsoft.com/office/drawing/2018/hyperlinkcolor">
-  <p:cSld>
-    <p:spTree>
-      <p:nvGrpSpPr>
-        <p:cNvPr id="157" name="Shape 157"/>
-        <p:cNvGrpSpPr/>
-        <p:nvPr/>
-      </p:nvGrpSpPr>
-      <p:grpSpPr>
-        <a:xfrm>
-          <a:off x="0" y="0"/>
-          <a:ext cx="0" cy="0"/>
-          <a:chOff x="0" y="0"/>
-          <a:chExt cx="0" cy="0"/>
-        </a:xfrm>
-      </p:grpSpPr>
-      <p:sp>
-        <p:nvSpPr>
-          <p:cNvPr id="158" name="Google Shape;158;p17"/>
-          <p:cNvSpPr txBox="1"/>
-          <p:nvPr>
-            <p:ph type="title"/>
-          </p:nvPr>
-        </p:nvSpPr>
-        <p:spPr>
-          <a:xfrm>
-            <a:off x="1297500" y="393750"/>
-            <a:ext cx="7038900" cy="914100"/>
-          </a:xfrm>
-          <a:prstGeom prst="rect">
-            <a:avLst/>
-          </a:prstGeom>
-        </p:spPr>
-        <p:txBody>
-          <a:bodyPr anchorCtr="0" anchor="t" bIns="91425" lIns="91425" spcFirstLastPara="1" rIns="91425" wrap="square" tIns="91425">
-            <a:normAutofit/>
-          </a:bodyPr>
-          <a:lstStyle/>
-          <a:p>
-            <a:pPr indent="0" lvl="0" marL="0" rtl="0" algn="l">
+            <a:pPr marL="0" lvl="0" indent="0" algn="l" rtl="0">
               <a:spcBef>
                 <a:spcPts val="0"/>
               </a:spcBef>
@@ -10186,9 +10410,11 @@
       <p:sp>
         <p:nvSpPr>
           <p:cNvPr id="159" name="Google Shape;159;p17"/>
-          <p:cNvSpPr txBox="1"/>
+          <p:cNvSpPr txBox="1">
+            <a:spLocks noGrp="1"/>
+          </p:cNvSpPr>
           <p:nvPr>
-            <p:ph idx="1" type="body"/>
+            <p:ph type="body" idx="1"/>
           </p:nvPr>
         </p:nvSpPr>
         <p:spPr>
@@ -10201,12 +10427,12 @@
           </a:prstGeom>
         </p:spPr>
         <p:txBody>
-          <a:bodyPr anchorCtr="0" anchor="t" bIns="91425" lIns="91425" spcFirstLastPara="1" rIns="91425" wrap="square" tIns="91425">
+          <a:bodyPr spcFirstLastPara="1" wrap="square" lIns="91425" tIns="91425" rIns="91425" bIns="91425" anchor="t" anchorCtr="0">
             <a:normAutofit lnSpcReduction="10000"/>
           </a:bodyPr>
           <a:lstStyle/>
           <a:p>
-            <a:pPr indent="-317500" lvl="0" marL="457200" rtl="0" algn="l">
+            <a:pPr marL="457200" lvl="0" indent="-317500" algn="l" rtl="0">
               <a:lnSpc>
                 <a:spcPct val="150000"/>
               </a:lnSpc>
@@ -10226,7 +10452,7 @@
             <a:endParaRPr sz="1400"/>
           </a:p>
           <a:p>
-            <a:pPr indent="-317500" lvl="0" marL="457200" rtl="0" algn="l">
+            <a:pPr marL="457200" lvl="0" indent="-317500" algn="l" rtl="0">
               <a:lnSpc>
                 <a:spcPct val="150000"/>
               </a:lnSpc>
@@ -10241,20 +10467,12 @@
             </a:pPr>
             <a:r>
               <a:rPr lang="en" sz="1400"/>
-              <a:t>The </a:t>
-            </a:r>
-            <a:r>
-              <a:rPr lang="en" sz="1400"/>
-              <a:t>camera</a:t>
-            </a:r>
-            <a:r>
-              <a:rPr lang="en" sz="1400"/>
-              <a:t> required external height adjustments to acquire accurate capturing of faces</a:t>
+              <a:t>The camera required external height adjustments to acquire accurate capturing of faces</a:t>
             </a:r>
             <a:endParaRPr sz="1400"/>
           </a:p>
           <a:p>
-            <a:pPr indent="-317500" lvl="0" marL="457200" rtl="0" algn="l">
+            <a:pPr marL="457200" lvl="0" indent="-317500" algn="l" rtl="0">
               <a:lnSpc>
                 <a:spcPct val="150000"/>
               </a:lnSpc>
@@ -10269,20 +10487,12 @@
             </a:pPr>
             <a:r>
               <a:rPr lang="en" sz="1400"/>
-              <a:t>The face recognition model implemented in this project can only recognize faces directly facing the camera; side profiles are not easily </a:t>
-            </a:r>
-            <a:r>
-              <a:rPr lang="en" sz="1400"/>
-              <a:t>recognized</a:t>
-            </a:r>
-            <a:r>
-              <a:rPr lang="en" sz="1400"/>
-              <a:t> </a:t>
+              <a:t>The face recognition model implemented in this project can only recognize faces directly facing the camera; side profiles are not easily recognized </a:t>
             </a:r>
             <a:endParaRPr sz="1400"/>
           </a:p>
           <a:p>
-            <a:pPr indent="-317500" lvl="0" marL="457200" rtl="0" algn="l">
+            <a:pPr marL="457200" lvl="0" indent="-317500" algn="l" rtl="0">
               <a:lnSpc>
                 <a:spcPct val="150000"/>
               </a:lnSpc>
@@ -10311,12 +10521,12 @@
 </p:sld>
 </file>
 
-<file path=ppt/slides/slide6.xml><?xml version="1.0" encoding="utf-8"?>
-<p:sld xmlns:a="http://schemas.openxmlformats.org/drawingml/2006/main" xmlns:r="http://schemas.openxmlformats.org/officeDocument/2006/relationships" xmlns:mc="http://schemas.openxmlformats.org/markup-compatibility/2006" xmlns:mv="urn:schemas-microsoft-com:mac:vml" xmlns:p="http://schemas.openxmlformats.org/presentationml/2006/main" xmlns:c="http://schemas.openxmlformats.org/drawingml/2006/chart" xmlns:dgm="http://schemas.openxmlformats.org/drawingml/2006/diagram" xmlns:o="urn:schemas-microsoft-com:office:office" xmlns:v="urn:schemas-microsoft-com:vml" xmlns:pvml="urn:schemas-microsoft-com:office:powerpoint" xmlns:com="http://schemas.openxmlformats.org/drawingml/2006/compatibility" xmlns:p14="http://schemas.microsoft.com/office/powerpoint/2010/main" xmlns:p15="http://schemas.microsoft.com/office/powerpoint/2012/main" xmlns:ahyp="http://schemas.microsoft.com/office/drawing/2018/hyperlinkcolor">
+<file path=ppt/slides/slide14.xml><?xml version="1.0" encoding="utf-8"?>
+<p:sld xmlns:a="http://schemas.openxmlformats.org/drawingml/2006/main" xmlns:r="http://schemas.openxmlformats.org/officeDocument/2006/relationships" xmlns:p="http://schemas.openxmlformats.org/presentationml/2006/main">
   <p:cSld>
     <p:spTree>
       <p:nvGrpSpPr>
-        <p:cNvPr id="163" name="Shape 163"/>
+        <p:cNvPr id="1" name="Shape 163"/>
         <p:cNvGrpSpPr/>
         <p:nvPr/>
       </p:nvGrpSpPr>
@@ -10331,7 +10541,9 @@
       <p:sp>
         <p:nvSpPr>
           <p:cNvPr id="164" name="Google Shape;164;p18"/>
-          <p:cNvSpPr txBox="1"/>
+          <p:cNvSpPr txBox="1">
+            <a:spLocks noGrp="1"/>
+          </p:cNvSpPr>
           <p:nvPr>
             <p:ph type="title"/>
           </p:nvPr>
@@ -10346,12 +10558,12 @@
           </a:prstGeom>
         </p:spPr>
         <p:txBody>
-          <a:bodyPr anchorCtr="0" anchor="t" bIns="91425" lIns="91425" spcFirstLastPara="1" rIns="91425" wrap="square" tIns="91425">
+          <a:bodyPr spcFirstLastPara="1" wrap="square" lIns="91425" tIns="91425" rIns="91425" bIns="91425" anchor="t" anchorCtr="0">
             <a:normAutofit/>
           </a:bodyPr>
           <a:lstStyle/>
           <a:p>
-            <a:pPr indent="0" lvl="0" marL="0" rtl="0" algn="l">
+            <a:pPr marL="0" lvl="0" indent="0" algn="l" rtl="0">
               <a:spcBef>
                 <a:spcPts val="0"/>
               </a:spcBef>
@@ -10371,9 +10583,11 @@
       <p:sp>
         <p:nvSpPr>
           <p:cNvPr id="165" name="Google Shape;165;p18"/>
-          <p:cNvSpPr txBox="1"/>
+          <p:cNvSpPr txBox="1">
+            <a:spLocks noGrp="1"/>
+          </p:cNvSpPr>
           <p:nvPr>
-            <p:ph idx="1" type="body"/>
+            <p:ph type="body" idx="1"/>
           </p:nvPr>
         </p:nvSpPr>
         <p:spPr>
@@ -10386,12 +10600,12 @@
           </a:prstGeom>
         </p:spPr>
         <p:txBody>
-          <a:bodyPr anchorCtr="0" anchor="t" bIns="91425" lIns="91425" spcFirstLastPara="1" rIns="91425" wrap="square" tIns="91425">
+          <a:bodyPr spcFirstLastPara="1" wrap="square" lIns="91425" tIns="91425" rIns="91425" bIns="91425" anchor="t" anchorCtr="0">
             <a:normAutofit/>
           </a:bodyPr>
           <a:lstStyle/>
           <a:p>
-            <a:pPr indent="-317500" lvl="0" marL="457200" rtl="0" algn="l">
+            <a:pPr marL="457200" lvl="0" indent="-317500" algn="l" rtl="0">
               <a:lnSpc>
                 <a:spcPct val="150000"/>
               </a:lnSpc>
@@ -10411,7 +10625,7 @@
             <a:endParaRPr sz="1400"/>
           </a:p>
           <a:p>
-            <a:pPr indent="-317500" lvl="0" marL="457200" rtl="0" algn="l">
+            <a:pPr marL="457200" lvl="0" indent="-317500" algn="l" rtl="0">
               <a:lnSpc>
                 <a:spcPct val="150000"/>
               </a:lnSpc>
@@ -10426,20 +10640,12 @@
             </a:pPr>
             <a:r>
               <a:rPr lang="en" sz="1400"/>
-              <a:t>Introduces</a:t>
-            </a:r>
-            <a:r>
-              <a:rPr lang="en" sz="1400"/>
-              <a:t> a face database for unknown face detection, allowing recognition without </a:t>
-            </a:r>
-            <a:r>
-              <a:rPr lang="en" sz="1400"/>
-              <a:t>pre-training</a:t>
+              <a:t>Introduces a face database for unknown face detection, allowing recognition without pre-training</a:t>
             </a:r>
             <a:endParaRPr sz="1400"/>
           </a:p>
           <a:p>
-            <a:pPr indent="-317500" lvl="0" marL="457200" rtl="0" algn="l">
+            <a:pPr marL="457200" lvl="0" indent="-317500" algn="l" rtl="0">
               <a:lnSpc>
                 <a:spcPct val="150000"/>
               </a:lnSpc>
@@ -10459,7 +10665,7 @@
             <a:endParaRPr sz="1400"/>
           </a:p>
           <a:p>
-            <a:pPr indent="-317500" lvl="0" marL="457200" rtl="0" algn="l">
+            <a:pPr marL="457200" lvl="0" indent="-317500" algn="l" rtl="0">
               <a:lnSpc>
                 <a:spcPct val="150000"/>
               </a:lnSpc>
@@ -10474,20 +10680,12 @@
             </a:pPr>
             <a:r>
               <a:rPr lang="en" sz="1400"/>
-              <a:t>Future </a:t>
-            </a:r>
-            <a:r>
-              <a:rPr lang="en" sz="1400"/>
-              <a:t>improvements</a:t>
-            </a:r>
-            <a:r>
-              <a:rPr lang="en" sz="1400"/>
-              <a:t> include refining camera systems, enhancing face recognition, and adding more blurring options to increase versatility </a:t>
+              <a:t>Future improvements include refining camera systems, enhancing face recognition, and adding more blurring options to increase versatility </a:t>
             </a:r>
             <a:endParaRPr sz="1400"/>
           </a:p>
           <a:p>
-            <a:pPr indent="-317500" lvl="0" marL="457200" rtl="0" algn="l">
+            <a:pPr marL="457200" lvl="0" indent="-317500" algn="l" rtl="0">
               <a:lnSpc>
                 <a:spcPct val="150000"/>
               </a:lnSpc>
@@ -10516,8 +10714,1852 @@
 </p:sld>
 </file>
 
+<file path=ppt/slides/slide2.xml><?xml version="1.0" encoding="utf-8"?>
+<p:sld xmlns:a="http://schemas.openxmlformats.org/drawingml/2006/main" xmlns:r="http://schemas.openxmlformats.org/officeDocument/2006/relationships" xmlns:p="http://schemas.openxmlformats.org/presentationml/2006/main">
+  <p:cSld>
+    <p:spTree>
+      <p:nvGrpSpPr>
+        <p:cNvPr id="1" name="Shape 139"/>
+        <p:cNvGrpSpPr/>
+        <p:nvPr/>
+      </p:nvGrpSpPr>
+      <p:grpSpPr>
+        <a:xfrm>
+          <a:off x="0" y="0"/>
+          <a:ext cx="0" cy="0"/>
+          <a:chOff x="0" y="0"/>
+          <a:chExt cx="0" cy="0"/>
+        </a:xfrm>
+      </p:grpSpPr>
+      <p:sp>
+        <p:nvSpPr>
+          <p:cNvPr id="140" name="Google Shape;140;p14"/>
+          <p:cNvSpPr txBox="1">
+            <a:spLocks noGrp="1"/>
+          </p:cNvSpPr>
+          <p:nvPr>
+            <p:ph type="title"/>
+          </p:nvPr>
+        </p:nvSpPr>
+        <p:spPr>
+          <a:xfrm>
+            <a:off x="1297500" y="393750"/>
+            <a:ext cx="7038900" cy="914100"/>
+          </a:xfrm>
+          <a:prstGeom prst="rect">
+            <a:avLst/>
+          </a:prstGeom>
+        </p:spPr>
+        <p:txBody>
+          <a:bodyPr spcFirstLastPara="1" wrap="square" lIns="91425" tIns="91425" rIns="91425" bIns="91425" anchor="t" anchorCtr="0">
+            <a:normAutofit/>
+          </a:bodyPr>
+          <a:lstStyle/>
+          <a:p>
+            <a:pPr marL="0" lvl="0" indent="0" algn="l" rtl="0">
+              <a:spcBef>
+                <a:spcPts val="0"/>
+              </a:spcBef>
+              <a:spcAft>
+                <a:spcPts val="0"/>
+              </a:spcAft>
+              <a:buNone/>
+            </a:pPr>
+            <a:r>
+              <a:rPr lang="en"/>
+              <a:t>Goal</a:t>
+            </a:r>
+            <a:endParaRPr/>
+          </a:p>
+        </p:txBody>
+      </p:sp>
+      <p:sp>
+        <p:nvSpPr>
+          <p:cNvPr id="141" name="Google Shape;141;p14"/>
+          <p:cNvSpPr txBox="1">
+            <a:spLocks noGrp="1"/>
+          </p:cNvSpPr>
+          <p:nvPr>
+            <p:ph type="body" idx="1"/>
+          </p:nvPr>
+        </p:nvSpPr>
+        <p:spPr>
+          <a:xfrm>
+            <a:off x="1297500" y="1567550"/>
+            <a:ext cx="5422800" cy="2911200"/>
+          </a:xfrm>
+          <a:prstGeom prst="rect">
+            <a:avLst/>
+          </a:prstGeom>
+        </p:spPr>
+        <p:txBody>
+          <a:bodyPr spcFirstLastPara="1" wrap="square" lIns="91425" tIns="91425" rIns="91425" bIns="91425" anchor="t" anchorCtr="0">
+            <a:normAutofit/>
+          </a:bodyPr>
+          <a:lstStyle/>
+          <a:p>
+            <a:pPr marL="0" lvl="0" indent="0" algn="l" rtl="0">
+              <a:lnSpc>
+                <a:spcPct val="150000"/>
+              </a:lnSpc>
+              <a:spcBef>
+                <a:spcPts val="0"/>
+              </a:spcBef>
+              <a:spcAft>
+                <a:spcPts val="1200"/>
+              </a:spcAft>
+              <a:buNone/>
+            </a:pPr>
+            <a:r>
+              <a:rPr lang="en" sz="1400"/>
+              <a:t>The main objective of this project is to develop a face-blurring program that offers real-time face detection, tracking, and automated blurring capabilities. Additionally, the program includes a user interface to allow manual selection for tracing and obscuring faces, ensuring privacy compliance when effortlessly recording videos. </a:t>
+            </a:r>
+            <a:endParaRPr sz="1400"/>
+          </a:p>
+        </p:txBody>
+      </p:sp>
+      <p:pic>
+        <p:nvPicPr>
+          <p:cNvPr id="3" name="그림 2">
+            <a:extLst>
+              <a:ext uri="{FF2B5EF4-FFF2-40B4-BE49-F238E27FC236}">
+                <a16:creationId xmlns:a16="http://schemas.microsoft.com/office/drawing/2014/main" id="{7FCF5A4D-3F46-3B94-FC99-AA67F00DBF84}"/>
+              </a:ext>
+            </a:extLst>
+          </p:cNvPr>
+          <p:cNvPicPr>
+            <a:picLocks noChangeAspect="1"/>
+          </p:cNvPicPr>
+          <p:nvPr/>
+        </p:nvPicPr>
+        <p:blipFill>
+          <a:blip r:embed="rId3"/>
+          <a:stretch>
+            <a:fillRect/>
+          </a:stretch>
+        </p:blipFill>
+        <p:spPr>
+          <a:xfrm>
+            <a:off x="3460096" y="3344419"/>
+            <a:ext cx="2223808" cy="1667856"/>
+          </a:xfrm>
+          <a:prstGeom prst="rect">
+            <a:avLst/>
+          </a:prstGeom>
+        </p:spPr>
+      </p:pic>
+    </p:spTree>
+  </p:cSld>
+  <p:clrMapOvr>
+    <a:masterClrMapping/>
+  </p:clrMapOvr>
+</p:sld>
+</file>
+
+<file path=ppt/slides/slide3.xml><?xml version="1.0" encoding="utf-8"?>
+<p:sld xmlns:a="http://schemas.openxmlformats.org/drawingml/2006/main" xmlns:r="http://schemas.openxmlformats.org/officeDocument/2006/relationships" xmlns:p="http://schemas.openxmlformats.org/presentationml/2006/main">
+  <p:cSld>
+    <p:spTree>
+      <p:nvGrpSpPr>
+        <p:cNvPr id="1" name=""/>
+        <p:cNvGrpSpPr/>
+        <p:nvPr/>
+      </p:nvGrpSpPr>
+      <p:grpSpPr>
+        <a:xfrm>
+          <a:off x="0" y="0"/>
+          <a:ext cx="0" cy="0"/>
+          <a:chOff x="0" y="0"/>
+          <a:chExt cx="0" cy="0"/>
+        </a:xfrm>
+      </p:grpSpPr>
+      <p:sp>
+        <p:nvSpPr>
+          <p:cNvPr id="2" name="제목 1">
+            <a:extLst>
+              <a:ext uri="{FF2B5EF4-FFF2-40B4-BE49-F238E27FC236}">
+                <a16:creationId xmlns:a16="http://schemas.microsoft.com/office/drawing/2014/main" id="{E3004BA9-245D-C4C1-E046-370FD4A05AE4}"/>
+              </a:ext>
+            </a:extLst>
+          </p:cNvPr>
+          <p:cNvSpPr>
+            <a:spLocks noGrp="1"/>
+          </p:cNvSpPr>
+          <p:nvPr>
+            <p:ph type="title"/>
+          </p:nvPr>
+        </p:nvSpPr>
+        <p:spPr/>
+        <p:txBody>
+          <a:bodyPr/>
+          <a:lstStyle/>
+          <a:p>
+            <a:r>
+              <a:rPr lang="en-US" altLang="ko-KR" dirty="0"/>
+              <a:t>Demo</a:t>
+            </a:r>
+            <a:endParaRPr lang="ko-KR" altLang="en-US" dirty="0"/>
+          </a:p>
+        </p:txBody>
+      </p:sp>
+      <p:sp>
+        <p:nvSpPr>
+          <p:cNvPr id="3" name="텍스트 개체 틀 2">
+            <a:extLst>
+              <a:ext uri="{FF2B5EF4-FFF2-40B4-BE49-F238E27FC236}">
+                <a16:creationId xmlns:a16="http://schemas.microsoft.com/office/drawing/2014/main" id="{CA821A0C-DB6C-8596-4DBC-99E86020893A}"/>
+              </a:ext>
+            </a:extLst>
+          </p:cNvPr>
+          <p:cNvSpPr>
+            <a:spLocks noGrp="1"/>
+          </p:cNvSpPr>
+          <p:nvPr>
+            <p:ph type="body" idx="1"/>
+          </p:nvPr>
+        </p:nvSpPr>
+        <p:spPr/>
+        <p:txBody>
+          <a:bodyPr/>
+          <a:lstStyle/>
+          <a:p>
+            <a:endParaRPr lang="ko-KR" altLang="en-US"/>
+          </a:p>
+        </p:txBody>
+      </p:sp>
+    </p:spTree>
+    <p:extLst>
+      <p:ext uri="{BB962C8B-B14F-4D97-AF65-F5344CB8AC3E}">
+        <p14:creationId xmlns:p14="http://schemas.microsoft.com/office/powerpoint/2010/main" val="2633073007"/>
+      </p:ext>
+    </p:extLst>
+  </p:cSld>
+  <p:clrMapOvr>
+    <a:masterClrMapping/>
+  </p:clrMapOvr>
+</p:sld>
+</file>
+
+<file path=ppt/slides/slide4.xml><?xml version="1.0" encoding="utf-8"?>
+<p:sld xmlns:a="http://schemas.openxmlformats.org/drawingml/2006/main" xmlns:r="http://schemas.openxmlformats.org/officeDocument/2006/relationships" xmlns:p="http://schemas.openxmlformats.org/presentationml/2006/main">
+  <p:cSld>
+    <p:spTree>
+      <p:nvGrpSpPr>
+        <p:cNvPr id="1" name="Shape 145"/>
+        <p:cNvGrpSpPr/>
+        <p:nvPr/>
+      </p:nvGrpSpPr>
+      <p:grpSpPr>
+        <a:xfrm>
+          <a:off x="0" y="0"/>
+          <a:ext cx="0" cy="0"/>
+          <a:chOff x="0" y="0"/>
+          <a:chExt cx="0" cy="0"/>
+        </a:xfrm>
+      </p:grpSpPr>
+      <p:sp>
+        <p:nvSpPr>
+          <p:cNvPr id="146" name="Google Shape;146;p15"/>
+          <p:cNvSpPr txBox="1">
+            <a:spLocks noGrp="1"/>
+          </p:cNvSpPr>
+          <p:nvPr>
+            <p:ph type="title"/>
+          </p:nvPr>
+        </p:nvSpPr>
+        <p:spPr>
+          <a:xfrm>
+            <a:off x="1297500" y="393750"/>
+            <a:ext cx="7038900" cy="914100"/>
+          </a:xfrm>
+          <a:prstGeom prst="rect">
+            <a:avLst/>
+          </a:prstGeom>
+        </p:spPr>
+        <p:txBody>
+          <a:bodyPr spcFirstLastPara="1" wrap="square" lIns="91425" tIns="91425" rIns="91425" bIns="91425" anchor="t" anchorCtr="0">
+            <a:normAutofit/>
+          </a:bodyPr>
+          <a:lstStyle/>
+          <a:p>
+            <a:pPr marL="0" lvl="0" indent="0" algn="l" rtl="0">
+              <a:spcBef>
+                <a:spcPts val="0"/>
+              </a:spcBef>
+              <a:spcAft>
+                <a:spcPts val="0"/>
+              </a:spcAft>
+              <a:buNone/>
+            </a:pPr>
+            <a:r>
+              <a:rPr lang="en"/>
+              <a:t>Technologies </a:t>
+            </a:r>
+            <a:endParaRPr/>
+          </a:p>
+        </p:txBody>
+      </p:sp>
+      <p:sp>
+        <p:nvSpPr>
+          <p:cNvPr id="147" name="Google Shape;147;p15"/>
+          <p:cNvSpPr txBox="1">
+            <a:spLocks noGrp="1"/>
+          </p:cNvSpPr>
+          <p:nvPr>
+            <p:ph type="body" idx="1"/>
+          </p:nvPr>
+        </p:nvSpPr>
+        <p:spPr>
+          <a:xfrm>
+            <a:off x="1297500" y="1567550"/>
+            <a:ext cx="7038900" cy="2911200"/>
+          </a:xfrm>
+          <a:prstGeom prst="rect">
+            <a:avLst/>
+          </a:prstGeom>
+        </p:spPr>
+        <p:txBody>
+          <a:bodyPr spcFirstLastPara="1" wrap="square" lIns="91425" tIns="91425" rIns="91425" bIns="91425" anchor="t" anchorCtr="0">
+            <a:normAutofit/>
+          </a:bodyPr>
+          <a:lstStyle/>
+          <a:p>
+            <a:pPr marL="0" lvl="0" indent="0" algn="l" rtl="0">
+              <a:spcBef>
+                <a:spcPts val="0"/>
+              </a:spcBef>
+              <a:spcAft>
+                <a:spcPts val="0"/>
+              </a:spcAft>
+              <a:buNone/>
+            </a:pPr>
+            <a:r>
+              <a:rPr lang="en" dirty="0"/>
+              <a:t>Face detector</a:t>
+            </a:r>
+            <a:endParaRPr dirty="0"/>
+          </a:p>
+          <a:p>
+            <a:pPr marL="457200" lvl="0" indent="-311150" algn="l" rtl="0">
+              <a:spcBef>
+                <a:spcPts val="1200"/>
+              </a:spcBef>
+              <a:spcAft>
+                <a:spcPts val="0"/>
+              </a:spcAft>
+              <a:buSzPts val="1300"/>
+              <a:buChar char="-"/>
+            </a:pPr>
+            <a:r>
+              <a:rPr lang="en" dirty="0"/>
+              <a:t>HOG (Histogram of Oriented Gradients)</a:t>
+            </a:r>
+            <a:endParaRPr dirty="0"/>
+          </a:p>
+          <a:p>
+            <a:pPr marL="457200" lvl="0" indent="-311150" algn="l" rtl="0">
+              <a:spcBef>
+                <a:spcPts val="0"/>
+              </a:spcBef>
+              <a:spcAft>
+                <a:spcPts val="0"/>
+              </a:spcAft>
+              <a:buSzPts val="1300"/>
+              <a:buChar char="-"/>
+            </a:pPr>
+            <a:r>
+              <a:rPr lang="en" dirty="0"/>
+              <a:t>Linear SVM (Support Vector Machine)</a:t>
+            </a:r>
+            <a:endParaRPr dirty="0"/>
+          </a:p>
+          <a:p>
+            <a:pPr marL="0" lvl="0" indent="0" algn="l" rtl="0">
+              <a:spcBef>
+                <a:spcPts val="1200"/>
+              </a:spcBef>
+              <a:spcAft>
+                <a:spcPts val="0"/>
+              </a:spcAft>
+              <a:buNone/>
+            </a:pPr>
+            <a:r>
+              <a:rPr lang="en" dirty="0"/>
+              <a:t>Face Landmark Detection</a:t>
+            </a:r>
+            <a:endParaRPr dirty="0"/>
+          </a:p>
+          <a:p>
+            <a:pPr marL="457200" lvl="0" indent="-311150" algn="l" rtl="0">
+              <a:spcBef>
+                <a:spcPts val="1200"/>
+              </a:spcBef>
+              <a:spcAft>
+                <a:spcPts val="0"/>
+              </a:spcAft>
+              <a:buSzPts val="1300"/>
+              <a:buChar char="-"/>
+            </a:pPr>
+            <a:r>
+              <a:rPr lang="en" dirty="0"/>
+              <a:t>Regression tree methods</a:t>
+            </a:r>
+            <a:endParaRPr dirty="0"/>
+          </a:p>
+          <a:p>
+            <a:pPr marL="0" lvl="0" indent="0" algn="l" rtl="0">
+              <a:spcBef>
+                <a:spcPts val="1200"/>
+              </a:spcBef>
+              <a:spcAft>
+                <a:spcPts val="0"/>
+              </a:spcAft>
+              <a:buNone/>
+            </a:pPr>
+            <a:r>
+              <a:rPr lang="en" dirty="0"/>
+              <a:t>Face Recognition</a:t>
+            </a:r>
+            <a:endParaRPr dirty="0"/>
+          </a:p>
+          <a:p>
+            <a:pPr marL="457200" lvl="0" indent="-311150" algn="l" rtl="0">
+              <a:spcBef>
+                <a:spcPts val="1200"/>
+              </a:spcBef>
+              <a:spcAft>
+                <a:spcPts val="0"/>
+              </a:spcAft>
+              <a:buSzPts val="1300"/>
+              <a:buChar char="-"/>
+            </a:pPr>
+            <a:r>
+              <a:rPr lang="en" dirty="0"/>
+              <a:t>ResNet-34 model</a:t>
+            </a:r>
+            <a:endParaRPr dirty="0"/>
+          </a:p>
+          <a:p>
+            <a:pPr marL="0" lvl="0" indent="0" algn="l" rtl="0">
+              <a:spcBef>
+                <a:spcPts val="1200"/>
+              </a:spcBef>
+              <a:spcAft>
+                <a:spcPts val="1200"/>
+              </a:spcAft>
+              <a:buNone/>
+            </a:pPr>
+            <a:endParaRPr dirty="0"/>
+          </a:p>
+        </p:txBody>
+      </p:sp>
+    </p:spTree>
+  </p:cSld>
+  <p:clrMapOvr>
+    <a:masterClrMapping/>
+  </p:clrMapOvr>
+</p:sld>
+</file>
+
+<file path=ppt/slides/slide5.xml><?xml version="1.0" encoding="utf-8"?>
+<p:sld xmlns:a="http://schemas.openxmlformats.org/drawingml/2006/main" xmlns:r="http://schemas.openxmlformats.org/officeDocument/2006/relationships" xmlns:p="http://schemas.openxmlformats.org/presentationml/2006/main">
+  <p:cSld>
+    <p:spTree>
+      <p:nvGrpSpPr>
+        <p:cNvPr id="1" name="Shape 145"/>
+        <p:cNvGrpSpPr/>
+        <p:nvPr/>
+      </p:nvGrpSpPr>
+      <p:grpSpPr>
+        <a:xfrm>
+          <a:off x="0" y="0"/>
+          <a:ext cx="0" cy="0"/>
+          <a:chOff x="0" y="0"/>
+          <a:chExt cx="0" cy="0"/>
+        </a:xfrm>
+      </p:grpSpPr>
+      <p:sp>
+        <p:nvSpPr>
+          <p:cNvPr id="146" name="Google Shape;146;p15"/>
+          <p:cNvSpPr txBox="1">
+            <a:spLocks noGrp="1"/>
+          </p:cNvSpPr>
+          <p:nvPr>
+            <p:ph type="title"/>
+          </p:nvPr>
+        </p:nvSpPr>
+        <p:spPr>
+          <a:xfrm>
+            <a:off x="1297500" y="393750"/>
+            <a:ext cx="7038900" cy="914100"/>
+          </a:xfrm>
+          <a:prstGeom prst="rect">
+            <a:avLst/>
+          </a:prstGeom>
+        </p:spPr>
+        <p:txBody>
+          <a:bodyPr spcFirstLastPara="1" wrap="square" lIns="91425" tIns="91425" rIns="91425" bIns="91425" anchor="t" anchorCtr="0">
+            <a:normAutofit/>
+          </a:bodyPr>
+          <a:lstStyle/>
+          <a:p>
+            <a:pPr marL="0" lvl="0" indent="0" algn="l" rtl="0">
+              <a:spcBef>
+                <a:spcPts val="0"/>
+              </a:spcBef>
+              <a:spcAft>
+                <a:spcPts val="0"/>
+              </a:spcAft>
+              <a:buNone/>
+            </a:pPr>
+            <a:r>
+              <a:rPr lang="en"/>
+              <a:t>Technologies </a:t>
+            </a:r>
+            <a:endParaRPr/>
+          </a:p>
+        </p:txBody>
+      </p:sp>
+      <p:sp>
+        <p:nvSpPr>
+          <p:cNvPr id="147" name="Google Shape;147;p15"/>
+          <p:cNvSpPr txBox="1">
+            <a:spLocks noGrp="1"/>
+          </p:cNvSpPr>
+          <p:nvPr>
+            <p:ph type="body" idx="1"/>
+          </p:nvPr>
+        </p:nvSpPr>
+        <p:spPr>
+          <a:xfrm>
+            <a:off x="1297500" y="1567550"/>
+            <a:ext cx="7038900" cy="2911200"/>
+          </a:xfrm>
+          <a:prstGeom prst="rect">
+            <a:avLst/>
+          </a:prstGeom>
+        </p:spPr>
+        <p:txBody>
+          <a:bodyPr spcFirstLastPara="1" wrap="square" lIns="91425" tIns="91425" rIns="91425" bIns="91425" anchor="t" anchorCtr="0">
+            <a:normAutofit/>
+          </a:bodyPr>
+          <a:lstStyle/>
+          <a:p>
+            <a:pPr marL="0" lvl="0" indent="0" algn="l" rtl="0">
+              <a:spcBef>
+                <a:spcPts val="0"/>
+              </a:spcBef>
+              <a:spcAft>
+                <a:spcPts val="0"/>
+              </a:spcAft>
+              <a:buNone/>
+            </a:pPr>
+            <a:r>
+              <a:rPr lang="en" dirty="0"/>
+              <a:t>Face detector</a:t>
+            </a:r>
+            <a:endParaRPr dirty="0"/>
+          </a:p>
+          <a:p>
+            <a:pPr marL="457200" lvl="0" indent="-311150" algn="l" rtl="0">
+              <a:spcBef>
+                <a:spcPts val="1200"/>
+              </a:spcBef>
+              <a:spcAft>
+                <a:spcPts val="0"/>
+              </a:spcAft>
+              <a:buSzPts val="1300"/>
+              <a:buChar char="-"/>
+            </a:pPr>
+            <a:r>
+              <a:rPr lang="en" dirty="0"/>
+              <a:t>HOG (Histogram of Oriented Gradients)</a:t>
+            </a:r>
+            <a:endParaRPr dirty="0"/>
+          </a:p>
+          <a:p>
+            <a:pPr marL="457200" lvl="0" indent="-311150" algn="l" rtl="0">
+              <a:spcBef>
+                <a:spcPts val="0"/>
+              </a:spcBef>
+              <a:spcAft>
+                <a:spcPts val="0"/>
+              </a:spcAft>
+              <a:buSzPts val="1300"/>
+              <a:buChar char="-"/>
+            </a:pPr>
+            <a:r>
+              <a:rPr lang="en" dirty="0"/>
+              <a:t>Linear SVM (Support Vector Machine)</a:t>
+            </a:r>
+            <a:endParaRPr dirty="0"/>
+          </a:p>
+          <a:p>
+            <a:pPr marL="0" lvl="0" indent="0" algn="l" rtl="0">
+              <a:spcBef>
+                <a:spcPts val="1200"/>
+              </a:spcBef>
+              <a:spcAft>
+                <a:spcPts val="0"/>
+              </a:spcAft>
+              <a:buNone/>
+            </a:pPr>
+            <a:r>
+              <a:rPr lang="en" dirty="0"/>
+              <a:t>Face Landmark Detection</a:t>
+            </a:r>
+            <a:endParaRPr dirty="0"/>
+          </a:p>
+          <a:p>
+            <a:pPr marL="457200" lvl="0" indent="-311150" algn="l" rtl="0">
+              <a:spcBef>
+                <a:spcPts val="1200"/>
+              </a:spcBef>
+              <a:spcAft>
+                <a:spcPts val="0"/>
+              </a:spcAft>
+              <a:buSzPts val="1300"/>
+              <a:buChar char="-"/>
+            </a:pPr>
+            <a:r>
+              <a:rPr lang="en" dirty="0"/>
+              <a:t>Regression tree methods</a:t>
+            </a:r>
+            <a:endParaRPr dirty="0"/>
+          </a:p>
+          <a:p>
+            <a:pPr marL="0" lvl="0" indent="0" algn="l" rtl="0">
+              <a:spcBef>
+                <a:spcPts val="1200"/>
+              </a:spcBef>
+              <a:spcAft>
+                <a:spcPts val="0"/>
+              </a:spcAft>
+              <a:buNone/>
+            </a:pPr>
+            <a:r>
+              <a:rPr lang="en" dirty="0"/>
+              <a:t>Face Recognition</a:t>
+            </a:r>
+            <a:endParaRPr dirty="0"/>
+          </a:p>
+          <a:p>
+            <a:pPr marL="457200" lvl="0" indent="-311150" algn="l" rtl="0">
+              <a:spcBef>
+                <a:spcPts val="1200"/>
+              </a:spcBef>
+              <a:spcAft>
+                <a:spcPts val="0"/>
+              </a:spcAft>
+              <a:buSzPts val="1300"/>
+              <a:buChar char="-"/>
+            </a:pPr>
+            <a:r>
+              <a:rPr lang="en" dirty="0"/>
+              <a:t>ResNet-34 model</a:t>
+            </a:r>
+            <a:endParaRPr dirty="0"/>
+          </a:p>
+          <a:p>
+            <a:pPr marL="0" lvl="0" indent="0" algn="l" rtl="0">
+              <a:spcBef>
+                <a:spcPts val="1200"/>
+              </a:spcBef>
+              <a:spcAft>
+                <a:spcPts val="1200"/>
+              </a:spcAft>
+              <a:buNone/>
+            </a:pPr>
+            <a:endParaRPr dirty="0"/>
+          </a:p>
+        </p:txBody>
+      </p:sp>
+      <p:grpSp>
+        <p:nvGrpSpPr>
+          <p:cNvPr id="7" name="그룹 6">
+            <a:extLst>
+              <a:ext uri="{FF2B5EF4-FFF2-40B4-BE49-F238E27FC236}">
+                <a16:creationId xmlns:a16="http://schemas.microsoft.com/office/drawing/2014/main" id="{C4DF6FB4-9179-CC06-42EE-67502B2693CF}"/>
+              </a:ext>
+            </a:extLst>
+          </p:cNvPr>
+          <p:cNvGrpSpPr/>
+          <p:nvPr/>
+        </p:nvGrpSpPr>
+        <p:grpSpPr>
+          <a:xfrm>
+            <a:off x="1052550" y="1042083"/>
+            <a:ext cx="7038900" cy="3962133"/>
+            <a:chOff x="926268" y="966213"/>
+            <a:chExt cx="7038900" cy="3962133"/>
+          </a:xfrm>
+        </p:grpSpPr>
+        <p:pic>
+          <p:nvPicPr>
+            <p:cNvPr id="3074" name="Picture 2" descr="아.. 누구시더라..?' 나보다 빠르고 똑똑한 얼굴인식 만들기 | by 코크리 | 모두의연구소 기술 블로그">
+              <a:extLst>
+                <a:ext uri="{FF2B5EF4-FFF2-40B4-BE49-F238E27FC236}">
+                  <a16:creationId xmlns:a16="http://schemas.microsoft.com/office/drawing/2014/main" id="{A7718EC5-055D-6891-0C23-9937D6C2406D}"/>
+                </a:ext>
+              </a:extLst>
+            </p:cNvPr>
+            <p:cNvPicPr>
+              <a:picLocks noChangeAspect="1" noChangeArrowheads="1"/>
+            </p:cNvPicPr>
+            <p:nvPr/>
+          </p:nvPicPr>
+          <p:blipFill>
+            <a:blip r:embed="rId3">
+              <a:extLst>
+                <a:ext uri="{28A0092B-C50C-407E-A947-70E740481C1C}">
+                  <a14:useLocalDpi xmlns:a14="http://schemas.microsoft.com/office/drawing/2010/main" val="0"/>
+                </a:ext>
+              </a:extLst>
+            </a:blip>
+            <a:srcRect/>
+            <a:stretch>
+              <a:fillRect/>
+            </a:stretch>
+          </p:blipFill>
+          <p:spPr bwMode="auto">
+            <a:xfrm>
+              <a:off x="926268" y="966213"/>
+              <a:ext cx="7038900" cy="3962133"/>
+            </a:xfrm>
+            <a:prstGeom prst="rect">
+              <a:avLst/>
+            </a:prstGeom>
+            <a:noFill/>
+            <a:extLst>
+              <a:ext uri="{909E8E84-426E-40DD-AFC4-6F175D3DCCD1}">
+                <a14:hiddenFill xmlns:a14="http://schemas.microsoft.com/office/drawing/2010/main">
+                  <a:solidFill>
+                    <a:srgbClr val="FFFFFF"/>
+                  </a:solidFill>
+                </a14:hiddenFill>
+              </a:ext>
+            </a:extLst>
+          </p:spPr>
+        </p:pic>
+        <p:sp>
+          <p:nvSpPr>
+            <p:cNvPr id="2" name="직사각형 1">
+              <a:extLst>
+                <a:ext uri="{FF2B5EF4-FFF2-40B4-BE49-F238E27FC236}">
+                  <a16:creationId xmlns:a16="http://schemas.microsoft.com/office/drawing/2014/main" id="{2E485BE3-9A2E-2A3D-0131-AFDD008E140B}"/>
+                </a:ext>
+              </a:extLst>
+            </p:cNvPr>
+            <p:cNvSpPr/>
+            <p:nvPr/>
+          </p:nvSpPr>
+          <p:spPr>
+            <a:xfrm>
+              <a:off x="1605963" y="3588444"/>
+              <a:ext cx="1944061" cy="882622"/>
+            </a:xfrm>
+            <a:prstGeom prst="rect">
+              <a:avLst/>
+            </a:prstGeom>
+            <a:solidFill>
+              <a:schemeClr val="bg1"/>
+            </a:solidFill>
+            <a:ln>
+              <a:noFill/>
+            </a:ln>
+          </p:spPr>
+          <p:style>
+            <a:lnRef idx="2">
+              <a:schemeClr val="accent1">
+                <a:shade val="15000"/>
+              </a:schemeClr>
+            </a:lnRef>
+            <a:fillRef idx="1">
+              <a:schemeClr val="accent1"/>
+            </a:fillRef>
+            <a:effectRef idx="0">
+              <a:schemeClr val="accent1"/>
+            </a:effectRef>
+            <a:fontRef idx="minor">
+              <a:schemeClr val="lt1"/>
+            </a:fontRef>
+          </p:style>
+          <p:txBody>
+            <a:bodyPr rtlCol="0" anchor="ctr"/>
+            <a:lstStyle/>
+            <a:p>
+              <a:pPr algn="ctr"/>
+              <a:endParaRPr lang="ko-KR" altLang="en-US"/>
+            </a:p>
+          </p:txBody>
+        </p:sp>
+        <p:sp>
+          <p:nvSpPr>
+            <p:cNvPr id="3" name="직사각형 2">
+              <a:extLst>
+                <a:ext uri="{FF2B5EF4-FFF2-40B4-BE49-F238E27FC236}">
+                  <a16:creationId xmlns:a16="http://schemas.microsoft.com/office/drawing/2014/main" id="{B3F5097E-C7A1-8B35-0B64-3DBAD2E2969B}"/>
+                </a:ext>
+              </a:extLst>
+            </p:cNvPr>
+            <p:cNvSpPr/>
+            <p:nvPr/>
+          </p:nvSpPr>
+          <p:spPr>
+            <a:xfrm>
+              <a:off x="2120793" y="4534596"/>
+              <a:ext cx="914400" cy="207470"/>
+            </a:xfrm>
+            <a:prstGeom prst="rect">
+              <a:avLst/>
+            </a:prstGeom>
+            <a:solidFill>
+              <a:schemeClr val="bg1"/>
+            </a:solidFill>
+            <a:ln>
+              <a:noFill/>
+            </a:ln>
+          </p:spPr>
+          <p:style>
+            <a:lnRef idx="2">
+              <a:schemeClr val="accent1">
+                <a:shade val="15000"/>
+              </a:schemeClr>
+            </a:lnRef>
+            <a:fillRef idx="1">
+              <a:schemeClr val="accent1"/>
+            </a:fillRef>
+            <a:effectRef idx="0">
+              <a:schemeClr val="accent1"/>
+            </a:effectRef>
+            <a:fontRef idx="minor">
+              <a:schemeClr val="lt1"/>
+            </a:fontRef>
+          </p:style>
+          <p:txBody>
+            <a:bodyPr rtlCol="0" anchor="ctr"/>
+            <a:lstStyle/>
+            <a:p>
+              <a:pPr algn="ctr"/>
+              <a:r>
+                <a:rPr lang="en-US" altLang="ko-KR" b="1" dirty="0" err="1">
+                  <a:solidFill>
+                    <a:schemeClr val="tx1"/>
+                  </a:solidFill>
+                </a:rPr>
+                <a:t>ResNet</a:t>
+              </a:r>
+              <a:endParaRPr lang="ko-KR" altLang="en-US" b="1" dirty="0">
+                <a:solidFill>
+                  <a:schemeClr val="tx1"/>
+                </a:solidFill>
+              </a:endParaRPr>
+            </a:p>
+          </p:txBody>
+        </p:sp>
+        <p:sp>
+          <p:nvSpPr>
+            <p:cNvPr id="4" name="직사각형 3">
+              <a:extLst>
+                <a:ext uri="{FF2B5EF4-FFF2-40B4-BE49-F238E27FC236}">
+                  <a16:creationId xmlns:a16="http://schemas.microsoft.com/office/drawing/2014/main" id="{C3D2A538-B99C-EF3B-51EF-A1DB53F2B47A}"/>
+                </a:ext>
+              </a:extLst>
+            </p:cNvPr>
+            <p:cNvSpPr/>
+            <p:nvPr/>
+          </p:nvSpPr>
+          <p:spPr>
+            <a:xfrm>
+              <a:off x="6854373" y="3588444"/>
+              <a:ext cx="854029" cy="882622"/>
+            </a:xfrm>
+            <a:prstGeom prst="rect">
+              <a:avLst/>
+            </a:prstGeom>
+            <a:solidFill>
+              <a:schemeClr val="bg1"/>
+            </a:solidFill>
+            <a:ln>
+              <a:noFill/>
+            </a:ln>
+          </p:spPr>
+          <p:style>
+            <a:lnRef idx="2">
+              <a:schemeClr val="accent1">
+                <a:shade val="15000"/>
+              </a:schemeClr>
+            </a:lnRef>
+            <a:fillRef idx="1">
+              <a:schemeClr val="accent1"/>
+            </a:fillRef>
+            <a:effectRef idx="0">
+              <a:schemeClr val="accent1"/>
+            </a:effectRef>
+            <a:fontRef idx="minor">
+              <a:schemeClr val="lt1"/>
+            </a:fontRef>
+          </p:style>
+          <p:txBody>
+            <a:bodyPr rtlCol="0" anchor="ctr"/>
+            <a:lstStyle/>
+            <a:p>
+              <a:pPr algn="ctr"/>
+              <a:r>
+                <a:rPr lang="en-US" altLang="ko-KR" sz="1600" b="1" dirty="0">
+                  <a:solidFill>
+                    <a:schemeClr val="tx1"/>
+                  </a:solidFill>
+                </a:rPr>
+                <a:t>ID: 0</a:t>
+              </a:r>
+              <a:endParaRPr lang="ko-KR" altLang="en-US" sz="1600" b="1" dirty="0">
+                <a:solidFill>
+                  <a:schemeClr val="tx1"/>
+                </a:solidFill>
+              </a:endParaRPr>
+            </a:p>
+          </p:txBody>
+        </p:sp>
+        <p:pic>
+          <p:nvPicPr>
+            <p:cNvPr id="4098" name="Picture 2" descr="ResNet-34 | Kaggle">
+              <a:extLst>
+                <a:ext uri="{FF2B5EF4-FFF2-40B4-BE49-F238E27FC236}">
+                  <a16:creationId xmlns:a16="http://schemas.microsoft.com/office/drawing/2014/main" id="{A13ADEDE-5AB3-DC42-75A0-CC9391CDDDF1}"/>
+                </a:ext>
+              </a:extLst>
+            </p:cNvPr>
+            <p:cNvPicPr>
+              <a:picLocks noChangeAspect="1" noChangeArrowheads="1"/>
+            </p:cNvPicPr>
+            <p:nvPr/>
+          </p:nvPicPr>
+          <p:blipFill>
+            <a:blip r:embed="rId4">
+              <a:extLst>
+                <a:ext uri="{28A0092B-C50C-407E-A947-70E740481C1C}">
+                  <a14:useLocalDpi xmlns:a14="http://schemas.microsoft.com/office/drawing/2010/main" val="0"/>
+                </a:ext>
+              </a:extLst>
+            </a:blip>
+            <a:srcRect/>
+            <a:stretch>
+              <a:fillRect/>
+            </a:stretch>
+          </p:blipFill>
+          <p:spPr bwMode="auto">
+            <a:xfrm>
+              <a:off x="1922209" y="3425840"/>
+              <a:ext cx="1311568" cy="1311568"/>
+            </a:xfrm>
+            <a:prstGeom prst="rect">
+              <a:avLst/>
+            </a:prstGeom>
+            <a:noFill/>
+            <a:extLst>
+              <a:ext uri="{909E8E84-426E-40DD-AFC4-6F175D3DCCD1}">
+                <a14:hiddenFill xmlns:a14="http://schemas.microsoft.com/office/drawing/2010/main">
+                  <a:solidFill>
+                    <a:srgbClr val="FFFFFF"/>
+                  </a:solidFill>
+                </a14:hiddenFill>
+              </a:ext>
+            </a:extLst>
+          </p:spPr>
+        </p:pic>
+        <p:sp>
+          <p:nvSpPr>
+            <p:cNvPr id="6" name="직사각형 5">
+              <a:extLst>
+                <a:ext uri="{FF2B5EF4-FFF2-40B4-BE49-F238E27FC236}">
+                  <a16:creationId xmlns:a16="http://schemas.microsoft.com/office/drawing/2014/main" id="{2F5FE7E9-ACFA-F4F5-3704-6CCCF12122C7}"/>
+                </a:ext>
+              </a:extLst>
+            </p:cNvPr>
+            <p:cNvSpPr/>
+            <p:nvPr/>
+          </p:nvSpPr>
+          <p:spPr>
+            <a:xfrm>
+              <a:off x="2566467" y="1106501"/>
+              <a:ext cx="3834333" cy="461049"/>
+            </a:xfrm>
+            <a:prstGeom prst="rect">
+              <a:avLst/>
+            </a:prstGeom>
+            <a:solidFill>
+              <a:schemeClr val="bg1"/>
+            </a:solidFill>
+            <a:ln>
+              <a:noFill/>
+            </a:ln>
+          </p:spPr>
+          <p:style>
+            <a:lnRef idx="2">
+              <a:schemeClr val="accent1">
+                <a:shade val="15000"/>
+              </a:schemeClr>
+            </a:lnRef>
+            <a:fillRef idx="1">
+              <a:schemeClr val="accent1"/>
+            </a:fillRef>
+            <a:effectRef idx="0">
+              <a:schemeClr val="accent1"/>
+            </a:effectRef>
+            <a:fontRef idx="minor">
+              <a:schemeClr val="lt1"/>
+            </a:fontRef>
+          </p:style>
+          <p:txBody>
+            <a:bodyPr rtlCol="0" anchor="ctr"/>
+            <a:lstStyle/>
+            <a:p>
+              <a:pPr algn="ctr"/>
+              <a:r>
+                <a:rPr lang="en-US" altLang="ko-KR" sz="2000" b="1" dirty="0">
+                  <a:solidFill>
+                    <a:schemeClr val="tx1"/>
+                  </a:solidFill>
+                </a:rPr>
+                <a:t>Face Recognition Process</a:t>
+              </a:r>
+              <a:endParaRPr lang="ko-KR" altLang="en-US" sz="2000" b="1" dirty="0">
+                <a:solidFill>
+                  <a:schemeClr val="tx1"/>
+                </a:solidFill>
+              </a:endParaRPr>
+            </a:p>
+          </p:txBody>
+        </p:sp>
+      </p:grpSp>
+    </p:spTree>
+    <p:extLst>
+      <p:ext uri="{BB962C8B-B14F-4D97-AF65-F5344CB8AC3E}">
+        <p14:creationId xmlns:p14="http://schemas.microsoft.com/office/powerpoint/2010/main" val="3192095903"/>
+      </p:ext>
+    </p:extLst>
+  </p:cSld>
+  <p:clrMapOvr>
+    <a:masterClrMapping/>
+  </p:clrMapOvr>
+</p:sld>
+</file>
+
+<file path=ppt/slides/slide6.xml><?xml version="1.0" encoding="utf-8"?>
+<p:sld xmlns:a="http://schemas.openxmlformats.org/drawingml/2006/main" xmlns:r="http://schemas.openxmlformats.org/officeDocument/2006/relationships" xmlns:p="http://schemas.openxmlformats.org/presentationml/2006/main">
+  <p:cSld>
+    <p:spTree>
+      <p:nvGrpSpPr>
+        <p:cNvPr id="1" name=""/>
+        <p:cNvGrpSpPr/>
+        <p:nvPr/>
+      </p:nvGrpSpPr>
+      <p:grpSpPr>
+        <a:xfrm>
+          <a:off x="0" y="0"/>
+          <a:ext cx="0" cy="0"/>
+          <a:chOff x="0" y="0"/>
+          <a:chExt cx="0" cy="0"/>
+        </a:xfrm>
+      </p:grpSpPr>
+      <p:sp>
+        <p:nvSpPr>
+          <p:cNvPr id="2" name="제목 1">
+            <a:extLst>
+              <a:ext uri="{FF2B5EF4-FFF2-40B4-BE49-F238E27FC236}">
+                <a16:creationId xmlns:a16="http://schemas.microsoft.com/office/drawing/2014/main" id="{B8AC1A1E-C1BB-7915-1A3C-07B00EF39DF2}"/>
+              </a:ext>
+            </a:extLst>
+          </p:cNvPr>
+          <p:cNvSpPr>
+            <a:spLocks noGrp="1"/>
+          </p:cNvSpPr>
+          <p:nvPr>
+            <p:ph type="title"/>
+          </p:nvPr>
+        </p:nvSpPr>
+        <p:spPr/>
+        <p:txBody>
+          <a:bodyPr/>
+          <a:lstStyle/>
+          <a:p>
+            <a:r>
+              <a:rPr lang="en-US" altLang="ko-KR" dirty="0"/>
+              <a:t>Technologies: Face Detection</a:t>
+            </a:r>
+            <a:endParaRPr lang="ko-KR" altLang="en-US" dirty="0"/>
+          </a:p>
+        </p:txBody>
+      </p:sp>
+      <p:sp>
+        <p:nvSpPr>
+          <p:cNvPr id="3" name="텍스트 개체 틀 2">
+            <a:extLst>
+              <a:ext uri="{FF2B5EF4-FFF2-40B4-BE49-F238E27FC236}">
+                <a16:creationId xmlns:a16="http://schemas.microsoft.com/office/drawing/2014/main" id="{80B52252-190C-8B3F-C6FC-B33F34D92663}"/>
+              </a:ext>
+            </a:extLst>
+          </p:cNvPr>
+          <p:cNvSpPr>
+            <a:spLocks noGrp="1"/>
+          </p:cNvSpPr>
+          <p:nvPr>
+            <p:ph type="body" idx="1"/>
+          </p:nvPr>
+        </p:nvSpPr>
+        <p:spPr/>
+        <p:txBody>
+          <a:bodyPr/>
+          <a:lstStyle/>
+          <a:p>
+            <a:endParaRPr lang="ko-KR" altLang="en-US"/>
+          </a:p>
+        </p:txBody>
+      </p:sp>
+      <p:pic>
+        <p:nvPicPr>
+          <p:cNvPr id="4" name="그림 3">
+            <a:extLst>
+              <a:ext uri="{FF2B5EF4-FFF2-40B4-BE49-F238E27FC236}">
+                <a16:creationId xmlns:a16="http://schemas.microsoft.com/office/drawing/2014/main" id="{CF0328B4-1369-CFEA-8AFC-101FBA6558E9}"/>
+              </a:ext>
+            </a:extLst>
+          </p:cNvPr>
+          <p:cNvPicPr>
+            <a:picLocks noChangeAspect="1"/>
+          </p:cNvPicPr>
+          <p:nvPr/>
+        </p:nvPicPr>
+        <p:blipFill>
+          <a:blip r:embed="rId2"/>
+          <a:stretch>
+            <a:fillRect/>
+          </a:stretch>
+        </p:blipFill>
+        <p:spPr>
+          <a:xfrm>
+            <a:off x="2132279" y="1567550"/>
+            <a:ext cx="4879441" cy="2353928"/>
+          </a:xfrm>
+          <a:prstGeom prst="rect">
+            <a:avLst/>
+          </a:prstGeom>
+        </p:spPr>
+      </p:pic>
+    </p:spTree>
+    <p:extLst>
+      <p:ext uri="{BB962C8B-B14F-4D97-AF65-F5344CB8AC3E}">
+        <p14:creationId xmlns:p14="http://schemas.microsoft.com/office/powerpoint/2010/main" val="116460342"/>
+      </p:ext>
+    </p:extLst>
+  </p:cSld>
+  <p:clrMapOvr>
+    <a:masterClrMapping/>
+  </p:clrMapOvr>
+</p:sld>
+</file>
+
+<file path=ppt/slides/slide7.xml><?xml version="1.0" encoding="utf-8"?>
+<p:sld xmlns:a="http://schemas.openxmlformats.org/drawingml/2006/main" xmlns:r="http://schemas.openxmlformats.org/officeDocument/2006/relationships" xmlns:p="http://schemas.openxmlformats.org/presentationml/2006/main">
+  <p:cSld>
+    <p:spTree>
+      <p:nvGrpSpPr>
+        <p:cNvPr id="1" name=""/>
+        <p:cNvGrpSpPr/>
+        <p:nvPr/>
+      </p:nvGrpSpPr>
+      <p:grpSpPr>
+        <a:xfrm>
+          <a:off x="0" y="0"/>
+          <a:ext cx="0" cy="0"/>
+          <a:chOff x="0" y="0"/>
+          <a:chExt cx="0" cy="0"/>
+        </a:xfrm>
+      </p:grpSpPr>
+      <p:sp>
+        <p:nvSpPr>
+          <p:cNvPr id="2" name="제목 1">
+            <a:extLst>
+              <a:ext uri="{FF2B5EF4-FFF2-40B4-BE49-F238E27FC236}">
+                <a16:creationId xmlns:a16="http://schemas.microsoft.com/office/drawing/2014/main" id="{B8AC1A1E-C1BB-7915-1A3C-07B00EF39DF2}"/>
+              </a:ext>
+            </a:extLst>
+          </p:cNvPr>
+          <p:cNvSpPr>
+            <a:spLocks noGrp="1"/>
+          </p:cNvSpPr>
+          <p:nvPr>
+            <p:ph type="title"/>
+          </p:nvPr>
+        </p:nvSpPr>
+        <p:spPr/>
+        <p:txBody>
+          <a:bodyPr/>
+          <a:lstStyle/>
+          <a:p>
+            <a:r>
+              <a:rPr lang="en-US" altLang="ko-KR" dirty="0"/>
+              <a:t>Technologies: Face Landmark Detection</a:t>
+            </a:r>
+            <a:endParaRPr lang="ko-KR" altLang="en-US" dirty="0"/>
+          </a:p>
+        </p:txBody>
+      </p:sp>
+      <p:sp>
+        <p:nvSpPr>
+          <p:cNvPr id="3" name="텍스트 개체 틀 2">
+            <a:extLst>
+              <a:ext uri="{FF2B5EF4-FFF2-40B4-BE49-F238E27FC236}">
+                <a16:creationId xmlns:a16="http://schemas.microsoft.com/office/drawing/2014/main" id="{80B52252-190C-8B3F-C6FC-B33F34D92663}"/>
+              </a:ext>
+            </a:extLst>
+          </p:cNvPr>
+          <p:cNvSpPr>
+            <a:spLocks noGrp="1"/>
+          </p:cNvSpPr>
+          <p:nvPr>
+            <p:ph type="body" idx="1"/>
+          </p:nvPr>
+        </p:nvSpPr>
+        <p:spPr/>
+        <p:txBody>
+          <a:bodyPr/>
+          <a:lstStyle/>
+          <a:p>
+            <a:endParaRPr lang="ko-KR" altLang="en-US"/>
+          </a:p>
+        </p:txBody>
+      </p:sp>
+      <p:pic>
+        <p:nvPicPr>
+          <p:cNvPr id="5" name="그림 4">
+            <a:extLst>
+              <a:ext uri="{FF2B5EF4-FFF2-40B4-BE49-F238E27FC236}">
+                <a16:creationId xmlns:a16="http://schemas.microsoft.com/office/drawing/2014/main" id="{8B0C819C-BCC9-D1F4-6F8F-661FCF89C801}"/>
+              </a:ext>
+            </a:extLst>
+          </p:cNvPr>
+          <p:cNvPicPr>
+            <a:picLocks noChangeAspect="1"/>
+          </p:cNvPicPr>
+          <p:nvPr/>
+        </p:nvPicPr>
+        <p:blipFill>
+          <a:blip r:embed="rId2"/>
+          <a:stretch>
+            <a:fillRect/>
+          </a:stretch>
+        </p:blipFill>
+        <p:spPr>
+          <a:xfrm>
+            <a:off x="1516694" y="1754850"/>
+            <a:ext cx="2810358" cy="2263900"/>
+          </a:xfrm>
+          <a:prstGeom prst="rect">
+            <a:avLst/>
+          </a:prstGeom>
+        </p:spPr>
+      </p:pic>
+      <p:pic>
+        <p:nvPicPr>
+          <p:cNvPr id="7" name="그림 6">
+            <a:extLst>
+              <a:ext uri="{FF2B5EF4-FFF2-40B4-BE49-F238E27FC236}">
+                <a16:creationId xmlns:a16="http://schemas.microsoft.com/office/drawing/2014/main" id="{978EC469-99FF-F68A-6623-05F9A3A5F1B2}"/>
+              </a:ext>
+            </a:extLst>
+          </p:cNvPr>
+          <p:cNvPicPr>
+            <a:picLocks noChangeAspect="1"/>
+          </p:cNvPicPr>
+          <p:nvPr/>
+        </p:nvPicPr>
+        <p:blipFill>
+          <a:blip r:embed="rId3"/>
+          <a:stretch>
+            <a:fillRect/>
+          </a:stretch>
+        </p:blipFill>
+        <p:spPr>
+          <a:xfrm>
+            <a:off x="4816950" y="1814011"/>
+            <a:ext cx="3164535" cy="2112530"/>
+          </a:xfrm>
+          <a:prstGeom prst="rect">
+            <a:avLst/>
+          </a:prstGeom>
+        </p:spPr>
+      </p:pic>
+    </p:spTree>
+    <p:extLst>
+      <p:ext uri="{BB962C8B-B14F-4D97-AF65-F5344CB8AC3E}">
+        <p14:creationId xmlns:p14="http://schemas.microsoft.com/office/powerpoint/2010/main" val="1402253274"/>
+      </p:ext>
+    </p:extLst>
+  </p:cSld>
+  <p:clrMapOvr>
+    <a:masterClrMapping/>
+  </p:clrMapOvr>
+</p:sld>
+</file>
+
+<file path=ppt/slides/slide8.xml><?xml version="1.0" encoding="utf-8"?>
+<p:sld xmlns:a="http://schemas.openxmlformats.org/drawingml/2006/main" xmlns:r="http://schemas.openxmlformats.org/officeDocument/2006/relationships" xmlns:p="http://schemas.openxmlformats.org/presentationml/2006/main">
+  <p:cSld>
+    <p:spTree>
+      <p:nvGrpSpPr>
+        <p:cNvPr id="1" name=""/>
+        <p:cNvGrpSpPr/>
+        <p:nvPr/>
+      </p:nvGrpSpPr>
+      <p:grpSpPr>
+        <a:xfrm>
+          <a:off x="0" y="0"/>
+          <a:ext cx="0" cy="0"/>
+          <a:chOff x="0" y="0"/>
+          <a:chExt cx="0" cy="0"/>
+        </a:xfrm>
+      </p:grpSpPr>
+      <p:sp>
+        <p:nvSpPr>
+          <p:cNvPr id="2" name="제목 1">
+            <a:extLst>
+              <a:ext uri="{FF2B5EF4-FFF2-40B4-BE49-F238E27FC236}">
+                <a16:creationId xmlns:a16="http://schemas.microsoft.com/office/drawing/2014/main" id="{B8AC1A1E-C1BB-7915-1A3C-07B00EF39DF2}"/>
+              </a:ext>
+            </a:extLst>
+          </p:cNvPr>
+          <p:cNvSpPr>
+            <a:spLocks noGrp="1"/>
+          </p:cNvSpPr>
+          <p:nvPr>
+            <p:ph type="title"/>
+          </p:nvPr>
+        </p:nvSpPr>
+        <p:spPr/>
+        <p:txBody>
+          <a:bodyPr/>
+          <a:lstStyle/>
+          <a:p>
+            <a:r>
+              <a:rPr lang="en-US" altLang="ko-KR" dirty="0"/>
+              <a:t>Technologies: Face Recognition</a:t>
+            </a:r>
+            <a:endParaRPr lang="ko-KR" altLang="en-US" dirty="0"/>
+          </a:p>
+        </p:txBody>
+      </p:sp>
+      <p:sp>
+        <p:nvSpPr>
+          <p:cNvPr id="3" name="텍스트 개체 틀 2">
+            <a:extLst>
+              <a:ext uri="{FF2B5EF4-FFF2-40B4-BE49-F238E27FC236}">
+                <a16:creationId xmlns:a16="http://schemas.microsoft.com/office/drawing/2014/main" id="{80B52252-190C-8B3F-C6FC-B33F34D92663}"/>
+              </a:ext>
+            </a:extLst>
+          </p:cNvPr>
+          <p:cNvSpPr>
+            <a:spLocks noGrp="1"/>
+          </p:cNvSpPr>
+          <p:nvPr>
+            <p:ph type="body" idx="1"/>
+          </p:nvPr>
+        </p:nvSpPr>
+        <p:spPr/>
+        <p:txBody>
+          <a:bodyPr/>
+          <a:lstStyle/>
+          <a:p>
+            <a:endParaRPr lang="ko-KR" altLang="en-US"/>
+          </a:p>
+        </p:txBody>
+      </p:sp>
+      <p:pic>
+        <p:nvPicPr>
+          <p:cNvPr id="5124" name="Picture 4" descr="Inverting Facial Recognition Models">
+            <a:extLst>
+              <a:ext uri="{FF2B5EF4-FFF2-40B4-BE49-F238E27FC236}">
+                <a16:creationId xmlns:a16="http://schemas.microsoft.com/office/drawing/2014/main" id="{886E5E08-1D47-672B-156D-5F58C36C9C03}"/>
+              </a:ext>
+            </a:extLst>
+          </p:cNvPr>
+          <p:cNvPicPr>
+            <a:picLocks noChangeAspect="1" noChangeArrowheads="1"/>
+          </p:cNvPicPr>
+          <p:nvPr/>
+        </p:nvPicPr>
+        <p:blipFill>
+          <a:blip r:embed="rId2">
+            <a:extLst>
+              <a:ext uri="{28A0092B-C50C-407E-A947-70E740481C1C}">
+                <a14:useLocalDpi xmlns:a14="http://schemas.microsoft.com/office/drawing/2010/main" val="0"/>
+              </a:ext>
+            </a:extLst>
+          </a:blip>
+          <a:srcRect/>
+          <a:stretch>
+            <a:fillRect/>
+          </a:stretch>
+        </p:blipFill>
+        <p:spPr bwMode="auto">
+          <a:xfrm>
+            <a:off x="442792" y="1542097"/>
+            <a:ext cx="8458200" cy="2828925"/>
+          </a:xfrm>
+          <a:prstGeom prst="rect">
+            <a:avLst/>
+          </a:prstGeom>
+          <a:noFill/>
+          <a:extLst>
+            <a:ext uri="{909E8E84-426E-40DD-AFC4-6F175D3DCCD1}">
+              <a14:hiddenFill xmlns:a14="http://schemas.microsoft.com/office/drawing/2010/main">
+                <a:solidFill>
+                  <a:srgbClr val="FFFFFF"/>
+                </a:solidFill>
+              </a14:hiddenFill>
+            </a:ext>
+          </a:extLst>
+        </p:spPr>
+      </p:pic>
+    </p:spTree>
+    <p:extLst>
+      <p:ext uri="{BB962C8B-B14F-4D97-AF65-F5344CB8AC3E}">
+        <p14:creationId xmlns:p14="http://schemas.microsoft.com/office/powerpoint/2010/main" val="2348207832"/>
+      </p:ext>
+    </p:extLst>
+  </p:cSld>
+  <p:clrMapOvr>
+    <a:masterClrMapping/>
+  </p:clrMapOvr>
+</p:sld>
+</file>
+
+<file path=ppt/slides/slide9.xml><?xml version="1.0" encoding="utf-8"?>
+<p:sld xmlns:a="http://schemas.openxmlformats.org/drawingml/2006/main" xmlns:r="http://schemas.openxmlformats.org/officeDocument/2006/relationships" xmlns:p="http://schemas.openxmlformats.org/presentationml/2006/main">
+  <p:cSld>
+    <p:spTree>
+      <p:nvGrpSpPr>
+        <p:cNvPr id="1" name=""/>
+        <p:cNvGrpSpPr/>
+        <p:nvPr/>
+      </p:nvGrpSpPr>
+      <p:grpSpPr>
+        <a:xfrm>
+          <a:off x="0" y="0"/>
+          <a:ext cx="0" cy="0"/>
+          <a:chOff x="0" y="0"/>
+          <a:chExt cx="0" cy="0"/>
+        </a:xfrm>
+      </p:grpSpPr>
+      <p:sp>
+        <p:nvSpPr>
+          <p:cNvPr id="2" name="제목 1">
+            <a:extLst>
+              <a:ext uri="{FF2B5EF4-FFF2-40B4-BE49-F238E27FC236}">
+                <a16:creationId xmlns:a16="http://schemas.microsoft.com/office/drawing/2014/main" id="{B8AC1A1E-C1BB-7915-1A3C-07B00EF39DF2}"/>
+              </a:ext>
+            </a:extLst>
+          </p:cNvPr>
+          <p:cNvSpPr>
+            <a:spLocks noGrp="1"/>
+          </p:cNvSpPr>
+          <p:nvPr>
+            <p:ph type="title"/>
+          </p:nvPr>
+        </p:nvSpPr>
+        <p:spPr/>
+        <p:txBody>
+          <a:bodyPr>
+            <a:normAutofit/>
+          </a:bodyPr>
+          <a:lstStyle/>
+          <a:p>
+            <a:r>
+              <a:rPr lang="en-US" altLang="ko-KR" dirty="0"/>
+              <a:t>Implementations:</a:t>
+            </a:r>
+            <a:endParaRPr lang="ko-KR" altLang="en-US" dirty="0"/>
+          </a:p>
+        </p:txBody>
+      </p:sp>
+      <p:sp>
+        <p:nvSpPr>
+          <p:cNvPr id="3" name="텍스트 개체 틀 2">
+            <a:extLst>
+              <a:ext uri="{FF2B5EF4-FFF2-40B4-BE49-F238E27FC236}">
+                <a16:creationId xmlns:a16="http://schemas.microsoft.com/office/drawing/2014/main" id="{80B52252-190C-8B3F-C6FC-B33F34D92663}"/>
+              </a:ext>
+            </a:extLst>
+          </p:cNvPr>
+          <p:cNvSpPr>
+            <a:spLocks noGrp="1"/>
+          </p:cNvSpPr>
+          <p:nvPr>
+            <p:ph type="body" idx="1"/>
+          </p:nvPr>
+        </p:nvSpPr>
+        <p:spPr/>
+        <p:txBody>
+          <a:bodyPr>
+            <a:normAutofit/>
+          </a:bodyPr>
+          <a:lstStyle/>
+          <a:p>
+            <a:r>
+              <a:rPr lang="en-US" altLang="ko-KR" sz="1600" dirty="0"/>
+              <a:t>Automated Face Tracking for Main Person</a:t>
+            </a:r>
+          </a:p>
+          <a:p>
+            <a:endParaRPr lang="en-US" altLang="ko-KR" sz="1600" dirty="0"/>
+          </a:p>
+          <a:p>
+            <a:r>
+              <a:rPr lang="en-US" altLang="ko-KR" sz="1600" dirty="0"/>
+              <a:t>Selective Face Blurring for Bystanders</a:t>
+            </a:r>
+          </a:p>
+          <a:p>
+            <a:endParaRPr lang="en-US" altLang="ko-KR" sz="1600" dirty="0"/>
+          </a:p>
+          <a:p>
+            <a:r>
+              <a:rPr lang="en-US" altLang="ko-KR" sz="1600" dirty="0"/>
+              <a:t>User Interface for Main Person Tracking and Selective Face Blurring</a:t>
+            </a:r>
+          </a:p>
+          <a:p>
+            <a:endParaRPr lang="ko-KR" altLang="en-US" sz="1600" dirty="0"/>
+          </a:p>
+        </p:txBody>
+      </p:sp>
+      <p:pic>
+        <p:nvPicPr>
+          <p:cNvPr id="4" name="그림 3">
+            <a:extLst>
+              <a:ext uri="{FF2B5EF4-FFF2-40B4-BE49-F238E27FC236}">
+                <a16:creationId xmlns:a16="http://schemas.microsoft.com/office/drawing/2014/main" id="{F28E76C4-5C90-1E64-15C5-EDAAE6B8E09D}"/>
+              </a:ext>
+            </a:extLst>
+          </p:cNvPr>
+          <p:cNvPicPr>
+            <a:picLocks noChangeAspect="1"/>
+          </p:cNvPicPr>
+          <p:nvPr/>
+        </p:nvPicPr>
+        <p:blipFill>
+          <a:blip r:embed="rId2"/>
+          <a:stretch>
+            <a:fillRect/>
+          </a:stretch>
+        </p:blipFill>
+        <p:spPr>
+          <a:xfrm>
+            <a:off x="3460096" y="3344419"/>
+            <a:ext cx="2223808" cy="1667856"/>
+          </a:xfrm>
+          <a:prstGeom prst="rect">
+            <a:avLst/>
+          </a:prstGeom>
+        </p:spPr>
+      </p:pic>
+    </p:spTree>
+    <p:extLst>
+      <p:ext uri="{BB962C8B-B14F-4D97-AF65-F5344CB8AC3E}">
+        <p14:creationId xmlns:p14="http://schemas.microsoft.com/office/powerpoint/2010/main" val="1801430030"/>
+      </p:ext>
+    </p:extLst>
+  </p:cSld>
+  <p:clrMapOvr>
+    <a:masterClrMapping/>
+  </p:clrMapOvr>
+</p:sld>
+</file>
+
 <file path=ppt/theme/theme1.xml><?xml version="1.0" encoding="utf-8"?>
-<a:theme xmlns:a="http://schemas.openxmlformats.org/drawingml/2006/main" xmlns:r="http://schemas.openxmlformats.org/officeDocument/2006/relationships">
+<a:theme xmlns:a="http://schemas.openxmlformats.org/drawingml/2006/main" name="Focus">
+  <a:themeElements>
+    <a:clrScheme name="Focus">
+      <a:dk1>
+        <a:srgbClr val="1B212C"/>
+      </a:dk1>
+      <a:lt1>
+        <a:srgbClr val="FFFFFF"/>
+      </a:lt1>
+      <a:dk2>
+        <a:srgbClr val="D9D9D9"/>
+      </a:dk2>
+      <a:lt2>
+        <a:srgbClr val="82C7A5"/>
+      </a:lt2>
+      <a:accent1>
+        <a:srgbClr val="0145AC"/>
+      </a:accent1>
+      <a:accent2>
+        <a:srgbClr val="EECE1A"/>
+      </a:accent2>
+      <a:accent3>
+        <a:srgbClr val="4E5567"/>
+      </a:accent3>
+      <a:accent4>
+        <a:srgbClr val="F4D6AD"/>
+      </a:accent4>
+      <a:accent5>
+        <a:srgbClr val="7890CD"/>
+      </a:accent5>
+      <a:accent6>
+        <a:srgbClr val="F15E22"/>
+      </a:accent6>
+      <a:hlink>
+        <a:srgbClr val="7890CD"/>
+      </a:hlink>
+      <a:folHlink>
+        <a:srgbClr val="7890CD"/>
+      </a:folHlink>
+    </a:clrScheme>
+    <a:fontScheme name="Office">
+      <a:majorFont>
+        <a:latin typeface="Arial"/>
+        <a:ea typeface=""/>
+        <a:cs typeface=""/>
+        <a:font script="Jpan" typeface="ＭＳ Ｐゴシック"/>
+        <a:font script="Hang" typeface="맑은 고딕"/>
+        <a:font script="Hans" typeface="宋体"/>
+        <a:font script="Hant" typeface="新細明體"/>
+        <a:font script="Arab" typeface="Times New Roman"/>
+        <a:font script="Hebr" typeface="Times New Roman"/>
+        <a:font script="Thai" typeface="Angsana New"/>
+        <a:font script="Ethi" typeface="Nyala"/>
+        <a:font script="Beng" typeface="Vrinda"/>
+        <a:font script="Gujr" typeface="Shruti"/>
+        <a:font script="Khmr" typeface="MoolBoran"/>
+        <a:font script="Knda" typeface="Tunga"/>
+        <a:font script="Guru" typeface="Raavi"/>
+        <a:font script="Cans" typeface="Euphemia"/>
+        <a:font script="Cher" typeface="Plantagenet Cherokee"/>
+        <a:font script="Yiii" typeface="Microsoft Yi Baiti"/>
+        <a:font script="Tibt" typeface="Microsoft Himalaya"/>
+        <a:font script="Thaa" typeface="MV Boli"/>
+        <a:font script="Deva" typeface="Mangal"/>
+        <a:font script="Telu" typeface="Gautami"/>
+        <a:font script="Taml" typeface="Latha"/>
+        <a:font script="Syrc" typeface="Estrangelo Edessa"/>
+        <a:font script="Orya" typeface="Kalinga"/>
+        <a:font script="Mlym" typeface="Kartika"/>
+        <a:font script="Laoo" typeface="DokChampa"/>
+        <a:font script="Sinh" typeface="Iskoola Pota"/>
+        <a:font script="Mong" typeface="Mongolian Baiti"/>
+        <a:font script="Viet" typeface="Times New Roman"/>
+        <a:font script="Uigh" typeface="Microsoft Uighur"/>
+        <a:font script="Geor" typeface="Sylfaen"/>
+      </a:majorFont>
+      <a:minorFont>
+        <a:latin typeface="Arial"/>
+        <a:ea typeface=""/>
+        <a:cs typeface=""/>
+        <a:font script="Jpan" typeface="ＭＳ Ｐゴシック"/>
+        <a:font script="Hang" typeface="맑은 고딕"/>
+        <a:font script="Hans" typeface="宋体"/>
+        <a:font script="Hant" typeface="新細明體"/>
+        <a:font script="Arab" typeface="Arial"/>
+        <a:font script="Hebr" typeface="Arial"/>
+        <a:font script="Thai" typeface="Cordia New"/>
+        <a:font script="Ethi" typeface="Nyala"/>
+        <a:font script="Beng" typeface="Vrinda"/>
+        <a:font script="Gujr" typeface="Shruti"/>
+        <a:font script="Khmr" typeface="DaunPenh"/>
+        <a:font script="Knda" typeface="Tunga"/>
+        <a:font script="Guru" typeface="Raavi"/>
+        <a:font script="Cans" typeface="Euphemia"/>
+        <a:font script="Cher" typeface="Plantagenet Cherokee"/>
+        <a:font script="Yiii" typeface="Microsoft Yi Baiti"/>
+        <a:font script="Tibt" typeface="Microsoft Himalaya"/>
+        <a:font script="Thaa" typeface="MV Boli"/>
+        <a:font script="Deva" typeface="Mangal"/>
+        <a:font script="Telu" typeface="Gautami"/>
+        <a:font script="Taml" typeface="Latha"/>
+        <a:font script="Syrc" typeface="Estrangelo Edessa"/>
+        <a:font script="Orya" typeface="Kalinga"/>
+        <a:font script="Mlym" typeface="Kartika"/>
+        <a:font script="Laoo" typeface="DokChampa"/>
+        <a:font script="Sinh" typeface="Iskoola Pota"/>
+        <a:font script="Mong" typeface="Mongolian Baiti"/>
+        <a:font script="Viet" typeface="Arial"/>
+        <a:font script="Uigh" typeface="Microsoft Uighur"/>
+        <a:font script="Geor" typeface="Sylfaen"/>
+      </a:minorFont>
+    </a:fontScheme>
+    <a:fmtScheme name="Office">
+      <a:fillStyleLst>
+        <a:solidFill>
+          <a:schemeClr val="phClr"/>
+        </a:solidFill>
+        <a:gradFill rotWithShape="1">
+          <a:gsLst>
+            <a:gs pos="0">
+              <a:schemeClr val="phClr">
+                <a:tint val="50000"/>
+                <a:satMod val="300000"/>
+              </a:schemeClr>
+            </a:gs>
+            <a:gs pos="35000">
+              <a:schemeClr val="phClr">
+                <a:tint val="37000"/>
+                <a:satMod val="300000"/>
+              </a:schemeClr>
+            </a:gs>
+            <a:gs pos="100000">
+              <a:schemeClr val="phClr">
+                <a:tint val="15000"/>
+                <a:satMod val="350000"/>
+              </a:schemeClr>
+            </a:gs>
+          </a:gsLst>
+          <a:lin ang="16200000" scaled="1"/>
+        </a:gradFill>
+        <a:gradFill rotWithShape="1">
+          <a:gsLst>
+            <a:gs pos="0">
+              <a:schemeClr val="phClr">
+                <a:tint val="100000"/>
+                <a:shade val="100000"/>
+                <a:satMod val="130000"/>
+              </a:schemeClr>
+            </a:gs>
+            <a:gs pos="100000">
+              <a:schemeClr val="phClr">
+                <a:tint val="50000"/>
+                <a:shade val="100000"/>
+                <a:satMod val="350000"/>
+              </a:schemeClr>
+            </a:gs>
+          </a:gsLst>
+          <a:lin ang="16200000" scaled="0"/>
+        </a:gradFill>
+      </a:fillStyleLst>
+      <a:lnStyleLst>
+        <a:ln w="9525" cap="flat" cmpd="sng" algn="ctr">
+          <a:solidFill>
+            <a:schemeClr val="phClr">
+              <a:shade val="95000"/>
+              <a:satMod val="105000"/>
+            </a:schemeClr>
+          </a:solidFill>
+          <a:prstDash val="solid"/>
+        </a:ln>
+        <a:ln w="25400" cap="flat" cmpd="sng" algn="ctr">
+          <a:solidFill>
+            <a:schemeClr val="phClr"/>
+          </a:solidFill>
+          <a:prstDash val="solid"/>
+        </a:ln>
+        <a:ln w="38100" cap="flat" cmpd="sng" algn="ctr">
+          <a:solidFill>
+            <a:schemeClr val="phClr"/>
+          </a:solidFill>
+          <a:prstDash val="solid"/>
+        </a:ln>
+      </a:lnStyleLst>
+      <a:effectStyleLst>
+        <a:effectStyle>
+          <a:effectLst>
+            <a:outerShdw blurRad="40000" dist="20000" dir="5400000" rotWithShape="0">
+              <a:srgbClr val="000000">
+                <a:alpha val="38000"/>
+              </a:srgbClr>
+            </a:outerShdw>
+          </a:effectLst>
+        </a:effectStyle>
+        <a:effectStyle>
+          <a:effectLst>
+            <a:outerShdw blurRad="40000" dist="23000" dir="5400000" rotWithShape="0">
+              <a:srgbClr val="000000">
+                <a:alpha val="35000"/>
+              </a:srgbClr>
+            </a:outerShdw>
+          </a:effectLst>
+        </a:effectStyle>
+        <a:effectStyle>
+          <a:effectLst>
+            <a:outerShdw blurRad="40000" dist="23000" dir="5400000" rotWithShape="0">
+              <a:srgbClr val="000000">
+                <a:alpha val="35000"/>
+              </a:srgbClr>
+            </a:outerShdw>
+          </a:effectLst>
+          <a:scene3d>
+            <a:camera prst="orthographicFront">
+              <a:rot lat="0" lon="0" rev="0"/>
+            </a:camera>
+            <a:lightRig rig="threePt" dir="t">
+              <a:rot lat="0" lon="0" rev="1200000"/>
+            </a:lightRig>
+          </a:scene3d>
+          <a:sp3d>
+            <a:bevelT w="63500" h="25400"/>
+          </a:sp3d>
+        </a:effectStyle>
+      </a:effectStyleLst>
+      <a:bgFillStyleLst>
+        <a:solidFill>
+          <a:schemeClr val="phClr"/>
+        </a:solidFill>
+        <a:gradFill rotWithShape="1">
+          <a:gsLst>
+            <a:gs pos="0">
+              <a:schemeClr val="phClr">
+                <a:tint val="40000"/>
+                <a:satMod val="350000"/>
+              </a:schemeClr>
+            </a:gs>
+            <a:gs pos="40000">
+              <a:schemeClr val="phClr">
+                <a:tint val="45000"/>
+                <a:shade val="99000"/>
+                <a:satMod val="350000"/>
+              </a:schemeClr>
+            </a:gs>
+            <a:gs pos="100000">
+              <a:schemeClr val="phClr">
+                <a:shade val="20000"/>
+                <a:satMod val="255000"/>
+              </a:schemeClr>
+            </a:gs>
+          </a:gsLst>
+          <a:path path="circle">
+            <a:fillToRect l="50000" t="-80000" r="50000" b="180000"/>
+          </a:path>
+        </a:gradFill>
+        <a:gradFill rotWithShape="1">
+          <a:gsLst>
+            <a:gs pos="0">
+              <a:schemeClr val="phClr">
+                <a:tint val="80000"/>
+                <a:satMod val="300000"/>
+              </a:schemeClr>
+            </a:gs>
+            <a:gs pos="100000">
+              <a:schemeClr val="phClr">
+                <a:shade val="30000"/>
+                <a:satMod val="200000"/>
+              </a:schemeClr>
+            </a:gs>
+          </a:gsLst>
+          <a:path path="circle">
+            <a:fillToRect l="50000" t="50000" r="50000" b="50000"/>
+          </a:path>
+        </a:gradFill>
+      </a:bgFillStyleLst>
+    </a:fmtScheme>
+  </a:themeElements>
+  <a:objectDefaults/>
+  <a:extraClrSchemeLst/>
+</a:theme>
+</file>
+
+<file path=ppt/theme/theme2.xml><?xml version="1.0" encoding="utf-8"?>
+<a:theme xmlns:a="http://schemas.openxmlformats.org/drawingml/2006/main">
   <a:themeElements>
     <a:clrScheme name="Default">
       <a:dk1>
@@ -10792,284 +12834,7 @@
       </a:bgFillStyleLst>
     </a:fmtScheme>
   </a:themeElements>
-</a:theme>
-</file>
-
-<file path=ppt/theme/theme2.xml><?xml version="1.0" encoding="utf-8"?>
-<a:theme xmlns:a="http://schemas.openxmlformats.org/drawingml/2006/main" xmlns:r="http://schemas.openxmlformats.org/officeDocument/2006/relationships" name="Focus">
-  <a:themeElements>
-    <a:clrScheme name="Focus">
-      <a:dk1>
-        <a:srgbClr val="1B212C"/>
-      </a:dk1>
-      <a:lt1>
-        <a:srgbClr val="FFFFFF"/>
-      </a:lt1>
-      <a:dk2>
-        <a:srgbClr val="D9D9D9"/>
-      </a:dk2>
-      <a:lt2>
-        <a:srgbClr val="82C7A5"/>
-      </a:lt2>
-      <a:accent1>
-        <a:srgbClr val="0145AC"/>
-      </a:accent1>
-      <a:accent2>
-        <a:srgbClr val="EECE1A"/>
-      </a:accent2>
-      <a:accent3>
-        <a:srgbClr val="4E5567"/>
-      </a:accent3>
-      <a:accent4>
-        <a:srgbClr val="F4D6AD"/>
-      </a:accent4>
-      <a:accent5>
-        <a:srgbClr val="7890CD"/>
-      </a:accent5>
-      <a:accent6>
-        <a:srgbClr val="F15E22"/>
-      </a:accent6>
-      <a:hlink>
-        <a:srgbClr val="7890CD"/>
-      </a:hlink>
-      <a:folHlink>
-        <a:srgbClr val="7890CD"/>
-      </a:folHlink>
-    </a:clrScheme>
-    <a:fontScheme name="Office">
-      <a:majorFont>
-        <a:latin typeface="Arial"/>
-        <a:ea typeface=""/>
-        <a:cs typeface=""/>
-        <a:font script="Jpan" typeface="ＭＳ Ｐゴシック"/>
-        <a:font script="Hang" typeface="맑은 고딕"/>
-        <a:font script="Hans" typeface="宋体"/>
-        <a:font script="Hant" typeface="新細明體"/>
-        <a:font script="Arab" typeface="Times New Roman"/>
-        <a:font script="Hebr" typeface="Times New Roman"/>
-        <a:font script="Thai" typeface="Angsana New"/>
-        <a:font script="Ethi" typeface="Nyala"/>
-        <a:font script="Beng" typeface="Vrinda"/>
-        <a:font script="Gujr" typeface="Shruti"/>
-        <a:font script="Khmr" typeface="MoolBoran"/>
-        <a:font script="Knda" typeface="Tunga"/>
-        <a:font script="Guru" typeface="Raavi"/>
-        <a:font script="Cans" typeface="Euphemia"/>
-        <a:font script="Cher" typeface="Plantagenet Cherokee"/>
-        <a:font script="Yiii" typeface="Microsoft Yi Baiti"/>
-        <a:font script="Tibt" typeface="Microsoft Himalaya"/>
-        <a:font script="Thaa" typeface="MV Boli"/>
-        <a:font script="Deva" typeface="Mangal"/>
-        <a:font script="Telu" typeface="Gautami"/>
-        <a:font script="Taml" typeface="Latha"/>
-        <a:font script="Syrc" typeface="Estrangelo Edessa"/>
-        <a:font script="Orya" typeface="Kalinga"/>
-        <a:font script="Mlym" typeface="Kartika"/>
-        <a:font script="Laoo" typeface="DokChampa"/>
-        <a:font script="Sinh" typeface="Iskoola Pota"/>
-        <a:font script="Mong" typeface="Mongolian Baiti"/>
-        <a:font script="Viet" typeface="Times New Roman"/>
-        <a:font script="Uigh" typeface="Microsoft Uighur"/>
-        <a:font script="Geor" typeface="Sylfaen"/>
-      </a:majorFont>
-      <a:minorFont>
-        <a:latin typeface="Arial"/>
-        <a:ea typeface=""/>
-        <a:cs typeface=""/>
-        <a:font script="Jpan" typeface="ＭＳ Ｐゴシック"/>
-        <a:font script="Hang" typeface="맑은 고딕"/>
-        <a:font script="Hans" typeface="宋体"/>
-        <a:font script="Hant" typeface="新細明體"/>
-        <a:font script="Arab" typeface="Arial"/>
-        <a:font script="Hebr" typeface="Arial"/>
-        <a:font script="Thai" typeface="Cordia New"/>
-        <a:font script="Ethi" typeface="Nyala"/>
-        <a:font script="Beng" typeface="Vrinda"/>
-        <a:font script="Gujr" typeface="Shruti"/>
-        <a:font script="Khmr" typeface="DaunPenh"/>
-        <a:font script="Knda" typeface="Tunga"/>
-        <a:font script="Guru" typeface="Raavi"/>
-        <a:font script="Cans" typeface="Euphemia"/>
-        <a:font script="Cher" typeface="Plantagenet Cherokee"/>
-        <a:font script="Yiii" typeface="Microsoft Yi Baiti"/>
-        <a:font script="Tibt" typeface="Microsoft Himalaya"/>
-        <a:font script="Thaa" typeface="MV Boli"/>
-        <a:font script="Deva" typeface="Mangal"/>
-        <a:font script="Telu" typeface="Gautami"/>
-        <a:font script="Taml" typeface="Latha"/>
-        <a:font script="Syrc" typeface="Estrangelo Edessa"/>
-        <a:font script="Orya" typeface="Kalinga"/>
-        <a:font script="Mlym" typeface="Kartika"/>
-        <a:font script="Laoo" typeface="DokChampa"/>
-        <a:font script="Sinh" typeface="Iskoola Pota"/>
-        <a:font script="Mong" typeface="Mongolian Baiti"/>
-        <a:font script="Viet" typeface="Arial"/>
-        <a:font script="Uigh" typeface="Microsoft Uighur"/>
-        <a:font script="Geor" typeface="Sylfaen"/>
-      </a:minorFont>
-    </a:fontScheme>
-    <a:fmtScheme name="Office">
-      <a:fillStyleLst>
-        <a:solidFill>
-          <a:schemeClr val="phClr"/>
-        </a:solidFill>
-        <a:gradFill rotWithShape="1">
-          <a:gsLst>
-            <a:gs pos="0">
-              <a:schemeClr val="phClr">
-                <a:tint val="50000"/>
-                <a:satMod val="300000"/>
-              </a:schemeClr>
-            </a:gs>
-            <a:gs pos="35000">
-              <a:schemeClr val="phClr">
-                <a:tint val="37000"/>
-                <a:satMod val="300000"/>
-              </a:schemeClr>
-            </a:gs>
-            <a:gs pos="100000">
-              <a:schemeClr val="phClr">
-                <a:tint val="15000"/>
-                <a:satMod val="350000"/>
-              </a:schemeClr>
-            </a:gs>
-          </a:gsLst>
-          <a:lin ang="16200000" scaled="1"/>
-        </a:gradFill>
-        <a:gradFill rotWithShape="1">
-          <a:gsLst>
-            <a:gs pos="0">
-              <a:schemeClr val="phClr">
-                <a:tint val="100000"/>
-                <a:shade val="100000"/>
-                <a:satMod val="130000"/>
-              </a:schemeClr>
-            </a:gs>
-            <a:gs pos="100000">
-              <a:schemeClr val="phClr">
-                <a:tint val="50000"/>
-                <a:shade val="100000"/>
-                <a:satMod val="350000"/>
-              </a:schemeClr>
-            </a:gs>
-          </a:gsLst>
-          <a:lin ang="16200000" scaled="0"/>
-        </a:gradFill>
-      </a:fillStyleLst>
-      <a:lnStyleLst>
-        <a:ln w="9525" cap="flat" cmpd="sng" algn="ctr">
-          <a:solidFill>
-            <a:schemeClr val="phClr">
-              <a:shade val="95000"/>
-              <a:satMod val="105000"/>
-            </a:schemeClr>
-          </a:solidFill>
-          <a:prstDash val="solid"/>
-        </a:ln>
-        <a:ln w="25400" cap="flat" cmpd="sng" algn="ctr">
-          <a:solidFill>
-            <a:schemeClr val="phClr"/>
-          </a:solidFill>
-          <a:prstDash val="solid"/>
-        </a:ln>
-        <a:ln w="38100" cap="flat" cmpd="sng" algn="ctr">
-          <a:solidFill>
-            <a:schemeClr val="phClr"/>
-          </a:solidFill>
-          <a:prstDash val="solid"/>
-        </a:ln>
-      </a:lnStyleLst>
-      <a:effectStyleLst>
-        <a:effectStyle>
-          <a:effectLst>
-            <a:outerShdw blurRad="40000" dist="20000" dir="5400000" rotWithShape="0">
-              <a:srgbClr val="000000">
-                <a:alpha val="38000"/>
-              </a:srgbClr>
-            </a:outerShdw>
-          </a:effectLst>
-        </a:effectStyle>
-        <a:effectStyle>
-          <a:effectLst>
-            <a:outerShdw blurRad="40000" dist="23000" dir="5400000" rotWithShape="0">
-              <a:srgbClr val="000000">
-                <a:alpha val="35000"/>
-              </a:srgbClr>
-            </a:outerShdw>
-          </a:effectLst>
-        </a:effectStyle>
-        <a:effectStyle>
-          <a:effectLst>
-            <a:outerShdw blurRad="40000" dist="23000" dir="5400000" rotWithShape="0">
-              <a:srgbClr val="000000">
-                <a:alpha val="35000"/>
-              </a:srgbClr>
-            </a:outerShdw>
-          </a:effectLst>
-          <a:scene3d>
-            <a:camera prst="orthographicFront">
-              <a:rot lat="0" lon="0" rev="0"/>
-            </a:camera>
-            <a:lightRig rig="threePt" dir="t">
-              <a:rot lat="0" lon="0" rev="1200000"/>
-            </a:lightRig>
-          </a:scene3d>
-          <a:sp3d>
-            <a:bevelT w="63500" h="25400"/>
-          </a:sp3d>
-        </a:effectStyle>
-      </a:effectStyleLst>
-      <a:bgFillStyleLst>
-        <a:solidFill>
-          <a:schemeClr val="phClr"/>
-        </a:solidFill>
-        <a:gradFill rotWithShape="1">
-          <a:gsLst>
-            <a:gs pos="0">
-              <a:schemeClr val="phClr">
-                <a:tint val="40000"/>
-                <a:satMod val="350000"/>
-              </a:schemeClr>
-            </a:gs>
-            <a:gs pos="40000">
-              <a:schemeClr val="phClr">
-                <a:tint val="45000"/>
-                <a:shade val="99000"/>
-                <a:satMod val="350000"/>
-              </a:schemeClr>
-            </a:gs>
-            <a:gs pos="100000">
-              <a:schemeClr val="phClr">
-                <a:shade val="20000"/>
-                <a:satMod val="255000"/>
-              </a:schemeClr>
-            </a:gs>
-          </a:gsLst>
-          <a:path path="circle">
-            <a:fillToRect l="50000" t="-80000" r="50000" b="180000"/>
-          </a:path>
-        </a:gradFill>
-        <a:gradFill rotWithShape="1">
-          <a:gsLst>
-            <a:gs pos="0">
-              <a:schemeClr val="phClr">
-                <a:tint val="80000"/>
-                <a:satMod val="300000"/>
-              </a:schemeClr>
-            </a:gs>
-            <a:gs pos="100000">
-              <a:schemeClr val="phClr">
-                <a:shade val="30000"/>
-                <a:satMod val="200000"/>
-              </a:schemeClr>
-            </a:gs>
-          </a:gsLst>
-          <a:path path="circle">
-            <a:fillToRect l="50000" t="50000" r="50000" b="50000"/>
-          </a:path>
-        </a:gradFill>
-      </a:bgFillStyleLst>
-    </a:fmtScheme>
-  </a:themeElements>
+  <a:objectDefaults/>
+  <a:extraClrSchemeLst/>
 </a:theme>
 </file>